--- a/Final/Presentation/Data_Visualization_Final.pptx
+++ b/Final/Presentation/Data_Visualization_Final.pptx
@@ -64,7 +64,7 @@
       </p:grpSpPr>
       <p:sp>
         <p:nvSpPr>
-          <p:cNvPr id="26" name="PlaceHolder 1"/>
+          <p:cNvPr id="23" name="PlaceHolder 1"/>
           <p:cNvSpPr>
             <a:spLocks noGrp="1"/>
           </p:cNvSpPr>
@@ -74,8 +74,8 @@
         </p:nvSpPr>
         <p:spPr>
           <a:xfrm>
-            <a:off x="838080" y="365040"/>
-            <a:ext cx="10515240" cy="1325520"/>
+            <a:off x="609480" y="273600"/>
+            <a:ext cx="10972440" cy="1145160"/>
           </a:xfrm>
           <a:prstGeom prst="rect">
             <a:avLst/>
@@ -84,13 +84,14 @@
         <p:txBody>
           <a:bodyPr lIns="0" rIns="0" tIns="0" bIns="0" anchor="ctr"/>
           <a:p>
-            <a:endParaRPr/>
-          </a:p>
-        </p:txBody>
-      </p:sp>
-      <p:sp>
-        <p:nvSpPr>
-          <p:cNvPr id="27" name="PlaceHolder 2"/>
+            <a:pPr algn="ctr"/>
+            <a:endParaRPr/>
+          </a:p>
+        </p:txBody>
+      </p:sp>
+      <p:sp>
+        <p:nvSpPr>
+          <p:cNvPr id="24" name="PlaceHolder 2"/>
           <p:cNvSpPr>
             <a:spLocks noGrp="1"/>
           </p:cNvSpPr>
@@ -100,8 +101,8 @@
         </p:nvSpPr>
         <p:spPr>
           <a:xfrm>
-            <a:off x="838080" y="1825560"/>
-            <a:ext cx="10515240" cy="2075040"/>
+            <a:off x="609480" y="1604520"/>
+            <a:ext cx="10972440" cy="1896840"/>
           </a:xfrm>
           <a:prstGeom prst="rect">
             <a:avLst/>
@@ -116,7 +117,7 @@
       </p:sp>
       <p:sp>
         <p:nvSpPr>
-          <p:cNvPr id="28" name="PlaceHolder 3"/>
+          <p:cNvPr id="25" name="PlaceHolder 3"/>
           <p:cNvSpPr>
             <a:spLocks noGrp="1"/>
           </p:cNvSpPr>
@@ -126,8 +127,8 @@
         </p:nvSpPr>
         <p:spPr>
           <a:xfrm>
-            <a:off x="838080" y="4098240"/>
-            <a:ext cx="10515240" cy="2075040"/>
+            <a:off x="609480" y="3682080"/>
+            <a:ext cx="10972440" cy="1896840"/>
           </a:xfrm>
           <a:prstGeom prst="rect">
             <a:avLst/>
@@ -164,7 +165,7 @@
       </p:grpSpPr>
       <p:sp>
         <p:nvSpPr>
-          <p:cNvPr id="29" name="PlaceHolder 1"/>
+          <p:cNvPr id="26" name="PlaceHolder 1"/>
           <p:cNvSpPr>
             <a:spLocks noGrp="1"/>
           </p:cNvSpPr>
@@ -174,8 +175,8 @@
         </p:nvSpPr>
         <p:spPr>
           <a:xfrm>
-            <a:off x="838080" y="365040"/>
-            <a:ext cx="10515240" cy="1325520"/>
+            <a:off x="609480" y="273600"/>
+            <a:ext cx="10972440" cy="1145160"/>
           </a:xfrm>
           <a:prstGeom prst="rect">
             <a:avLst/>
@@ -184,13 +185,14 @@
         <p:txBody>
           <a:bodyPr lIns="0" rIns="0" tIns="0" bIns="0" anchor="ctr"/>
           <a:p>
-            <a:endParaRPr/>
-          </a:p>
-        </p:txBody>
-      </p:sp>
-      <p:sp>
-        <p:nvSpPr>
-          <p:cNvPr id="30" name="PlaceHolder 2"/>
+            <a:pPr algn="ctr"/>
+            <a:endParaRPr/>
+          </a:p>
+        </p:txBody>
+      </p:sp>
+      <p:sp>
+        <p:nvSpPr>
+          <p:cNvPr id="27" name="PlaceHolder 2"/>
           <p:cNvSpPr>
             <a:spLocks noGrp="1"/>
           </p:cNvSpPr>
@@ -200,8 +202,8 @@
         </p:nvSpPr>
         <p:spPr>
           <a:xfrm>
-            <a:off x="838080" y="1825560"/>
-            <a:ext cx="5131080" cy="2075040"/>
+            <a:off x="609480" y="1604520"/>
+            <a:ext cx="5354280" cy="1896840"/>
           </a:xfrm>
           <a:prstGeom prst="rect">
             <a:avLst/>
@@ -216,7 +218,7 @@
       </p:sp>
       <p:sp>
         <p:nvSpPr>
-          <p:cNvPr id="31" name="PlaceHolder 3"/>
+          <p:cNvPr id="28" name="PlaceHolder 3"/>
           <p:cNvSpPr>
             <a:spLocks noGrp="1"/>
           </p:cNvSpPr>
@@ -226,8 +228,8 @@
         </p:nvSpPr>
         <p:spPr>
           <a:xfrm>
-            <a:off x="6226200" y="1825560"/>
-            <a:ext cx="5131080" cy="2075040"/>
+            <a:off x="6231960" y="1604520"/>
+            <a:ext cx="5354280" cy="1896840"/>
           </a:xfrm>
           <a:prstGeom prst="rect">
             <a:avLst/>
@@ -242,7 +244,7 @@
       </p:sp>
       <p:sp>
         <p:nvSpPr>
-          <p:cNvPr id="32" name="PlaceHolder 4"/>
+          <p:cNvPr id="29" name="PlaceHolder 4"/>
           <p:cNvSpPr>
             <a:spLocks noGrp="1"/>
           </p:cNvSpPr>
@@ -252,8 +254,8 @@
         </p:nvSpPr>
         <p:spPr>
           <a:xfrm>
-            <a:off x="6226200" y="4098240"/>
-            <a:ext cx="5131080" cy="2075040"/>
+            <a:off x="6231960" y="3682080"/>
+            <a:ext cx="5354280" cy="1896840"/>
           </a:xfrm>
           <a:prstGeom prst="rect">
             <a:avLst/>
@@ -268,7 +270,7 @@
       </p:sp>
       <p:sp>
         <p:nvSpPr>
-          <p:cNvPr id="33" name="PlaceHolder 5"/>
+          <p:cNvPr id="30" name="PlaceHolder 5"/>
           <p:cNvSpPr>
             <a:spLocks noGrp="1"/>
           </p:cNvSpPr>
@@ -278,8 +280,8 @@
         </p:nvSpPr>
         <p:spPr>
           <a:xfrm>
-            <a:off x="838080" y="4098240"/>
-            <a:ext cx="5131080" cy="2075040"/>
+            <a:off x="609480" y="3682080"/>
+            <a:ext cx="5354280" cy="1896840"/>
           </a:xfrm>
           <a:prstGeom prst="rect">
             <a:avLst/>
@@ -316,7 +318,7 @@
       </p:grpSpPr>
       <p:sp>
         <p:nvSpPr>
-          <p:cNvPr id="34" name="PlaceHolder 1"/>
+          <p:cNvPr id="31" name="PlaceHolder 1"/>
           <p:cNvSpPr>
             <a:spLocks noGrp="1"/>
           </p:cNvSpPr>
@@ -326,8 +328,8 @@
         </p:nvSpPr>
         <p:spPr>
           <a:xfrm>
-            <a:off x="838080" y="365040"/>
-            <a:ext cx="10515240" cy="1325520"/>
+            <a:off x="609480" y="273600"/>
+            <a:ext cx="10972440" cy="1145160"/>
           </a:xfrm>
           <a:prstGeom prst="rect">
             <a:avLst/>
@@ -336,13 +338,14 @@
         <p:txBody>
           <a:bodyPr lIns="0" rIns="0" tIns="0" bIns="0" anchor="ctr"/>
           <a:p>
-            <a:endParaRPr/>
-          </a:p>
-        </p:txBody>
-      </p:sp>
-      <p:sp>
-        <p:nvSpPr>
-          <p:cNvPr id="35" name="PlaceHolder 2"/>
+            <a:pPr algn="ctr"/>
+            <a:endParaRPr/>
+          </a:p>
+        </p:txBody>
+      </p:sp>
+      <p:sp>
+        <p:nvSpPr>
+          <p:cNvPr id="32" name="PlaceHolder 2"/>
           <p:cNvSpPr>
             <a:spLocks noGrp="1"/>
           </p:cNvSpPr>
@@ -352,8 +355,8 @@
         </p:nvSpPr>
         <p:spPr>
           <a:xfrm>
-            <a:off x="838080" y="1825560"/>
-            <a:ext cx="10515240" cy="4350960"/>
+            <a:off x="609480" y="1604520"/>
+            <a:ext cx="10972440" cy="3977280"/>
           </a:xfrm>
           <a:prstGeom prst="rect">
             <a:avLst/>
@@ -368,7 +371,7 @@
       </p:sp>
       <p:sp>
         <p:nvSpPr>
-          <p:cNvPr id="36" name="PlaceHolder 3"/>
+          <p:cNvPr id="33" name="PlaceHolder 3"/>
           <p:cNvSpPr>
             <a:spLocks noGrp="1"/>
           </p:cNvSpPr>
@@ -378,8 +381,8 @@
         </p:nvSpPr>
         <p:spPr>
           <a:xfrm>
-            <a:off x="838080" y="1825560"/>
-            <a:ext cx="10515240" cy="4350960"/>
+            <a:off x="609480" y="1604520"/>
+            <a:ext cx="10972440" cy="3977280"/>
           </a:xfrm>
           <a:prstGeom prst="rect">
             <a:avLst/>
@@ -394,7 +397,7 @@
       </p:sp>
       <p:pic>
         <p:nvPicPr>
-          <p:cNvPr id="37" name="" descr=""/>
+          <p:cNvPr id="34" name="" descr=""/>
           <p:cNvPicPr/>
           <p:nvPr/>
         </p:nvPicPr>
@@ -406,8 +409,8 @@
         </p:blipFill>
         <p:spPr>
           <a:xfrm>
-            <a:off x="3368880" y="1825560"/>
-            <a:ext cx="5452920" cy="4350960"/>
+            <a:off x="3602880" y="1604520"/>
+            <a:ext cx="4984920" cy="3977280"/>
           </a:xfrm>
           <a:prstGeom prst="rect">
             <a:avLst/>
@@ -419,7 +422,7 @@
       </p:pic>
       <p:pic>
         <p:nvPicPr>
-          <p:cNvPr id="38" name="" descr=""/>
+          <p:cNvPr id="35" name="" descr=""/>
           <p:cNvPicPr/>
           <p:nvPr/>
         </p:nvPicPr>
@@ -431,8 +434,8 @@
         </p:blipFill>
         <p:spPr>
           <a:xfrm>
-            <a:off x="3368880" y="1825560"/>
-            <a:ext cx="5452920" cy="4350960"/>
+            <a:off x="3602880" y="1604520"/>
+            <a:ext cx="4984920" cy="3977280"/>
           </a:xfrm>
           <a:prstGeom prst="rect">
             <a:avLst/>
@@ -488,7 +491,7 @@
       </p:grpSpPr>
       <p:sp>
         <p:nvSpPr>
-          <p:cNvPr id="44" name="PlaceHolder 1"/>
+          <p:cNvPr id="38" name="PlaceHolder 1"/>
           <p:cNvSpPr>
             <a:spLocks noGrp="1"/>
           </p:cNvSpPr>
@@ -498,8 +501,8 @@
         </p:nvSpPr>
         <p:spPr>
           <a:xfrm>
-            <a:off x="838080" y="365040"/>
-            <a:ext cx="10515240" cy="1325520"/>
+            <a:off x="609480" y="273600"/>
+            <a:ext cx="10972440" cy="1145160"/>
           </a:xfrm>
           <a:prstGeom prst="rect">
             <a:avLst/>
@@ -508,13 +511,14 @@
         <p:txBody>
           <a:bodyPr lIns="0" rIns="0" tIns="0" bIns="0" anchor="ctr"/>
           <a:p>
-            <a:endParaRPr/>
-          </a:p>
-        </p:txBody>
-      </p:sp>
-      <p:sp>
-        <p:nvSpPr>
-          <p:cNvPr id="45" name="PlaceHolder 2"/>
+            <a:pPr algn="ctr"/>
+            <a:endParaRPr/>
+          </a:p>
+        </p:txBody>
+      </p:sp>
+      <p:sp>
+        <p:nvSpPr>
+          <p:cNvPr id="39" name="PlaceHolder 2"/>
           <p:cNvSpPr>
             <a:spLocks noGrp="1"/>
           </p:cNvSpPr>
@@ -524,8 +528,8 @@
         </p:nvSpPr>
         <p:spPr>
           <a:xfrm>
-            <a:off x="838080" y="1825560"/>
-            <a:ext cx="10515240" cy="4351320"/>
+            <a:off x="609480" y="1604520"/>
+            <a:ext cx="10972440" cy="3977640"/>
           </a:xfrm>
           <a:prstGeom prst="rect">
             <a:avLst/>
@@ -563,7 +567,7 @@
       </p:grpSpPr>
       <p:sp>
         <p:nvSpPr>
-          <p:cNvPr id="46" name="PlaceHolder 1"/>
+          <p:cNvPr id="40" name="PlaceHolder 1"/>
           <p:cNvSpPr>
             <a:spLocks noGrp="1"/>
           </p:cNvSpPr>
@@ -573,8 +577,8 @@
         </p:nvSpPr>
         <p:spPr>
           <a:xfrm>
-            <a:off x="838080" y="365040"/>
-            <a:ext cx="10515240" cy="1325520"/>
+            <a:off x="609480" y="273600"/>
+            <a:ext cx="10972440" cy="1145160"/>
           </a:xfrm>
           <a:prstGeom prst="rect">
             <a:avLst/>
@@ -583,13 +587,14 @@
         <p:txBody>
           <a:bodyPr lIns="0" rIns="0" tIns="0" bIns="0" anchor="ctr"/>
           <a:p>
-            <a:endParaRPr/>
-          </a:p>
-        </p:txBody>
-      </p:sp>
-      <p:sp>
-        <p:nvSpPr>
-          <p:cNvPr id="47" name="PlaceHolder 2"/>
+            <a:pPr algn="ctr"/>
+            <a:endParaRPr/>
+          </a:p>
+        </p:txBody>
+      </p:sp>
+      <p:sp>
+        <p:nvSpPr>
+          <p:cNvPr id="41" name="PlaceHolder 2"/>
           <p:cNvSpPr>
             <a:spLocks noGrp="1"/>
           </p:cNvSpPr>
@@ -599,8 +604,8 @@
         </p:nvSpPr>
         <p:spPr>
           <a:xfrm>
-            <a:off x="838080" y="1825560"/>
-            <a:ext cx="10515240" cy="4350960"/>
+            <a:off x="609480" y="1604520"/>
+            <a:ext cx="10972440" cy="3977280"/>
           </a:xfrm>
           <a:prstGeom prst="rect">
             <a:avLst/>
@@ -637,7 +642,7 @@
       </p:grpSpPr>
       <p:sp>
         <p:nvSpPr>
-          <p:cNvPr id="48" name="PlaceHolder 1"/>
+          <p:cNvPr id="42" name="PlaceHolder 1"/>
           <p:cNvSpPr>
             <a:spLocks noGrp="1"/>
           </p:cNvSpPr>
@@ -647,8 +652,8 @@
         </p:nvSpPr>
         <p:spPr>
           <a:xfrm>
-            <a:off x="838080" y="365040"/>
-            <a:ext cx="10515240" cy="1325520"/>
+            <a:off x="609480" y="273600"/>
+            <a:ext cx="10972440" cy="1145160"/>
           </a:xfrm>
           <a:prstGeom prst="rect">
             <a:avLst/>
@@ -657,13 +662,14 @@
         <p:txBody>
           <a:bodyPr lIns="0" rIns="0" tIns="0" bIns="0" anchor="ctr"/>
           <a:p>
-            <a:endParaRPr/>
-          </a:p>
-        </p:txBody>
-      </p:sp>
-      <p:sp>
-        <p:nvSpPr>
-          <p:cNvPr id="49" name="PlaceHolder 2"/>
+            <a:pPr algn="ctr"/>
+            <a:endParaRPr/>
+          </a:p>
+        </p:txBody>
+      </p:sp>
+      <p:sp>
+        <p:nvSpPr>
+          <p:cNvPr id="43" name="PlaceHolder 2"/>
           <p:cNvSpPr>
             <a:spLocks noGrp="1"/>
           </p:cNvSpPr>
@@ -673,8 +679,8 @@
         </p:nvSpPr>
         <p:spPr>
           <a:xfrm>
-            <a:off x="838080" y="1825560"/>
-            <a:ext cx="5131080" cy="4350960"/>
+            <a:off x="609480" y="1604520"/>
+            <a:ext cx="5354280" cy="3977280"/>
           </a:xfrm>
           <a:prstGeom prst="rect">
             <a:avLst/>
@@ -689,7 +695,7 @@
       </p:sp>
       <p:sp>
         <p:nvSpPr>
-          <p:cNvPr id="50" name="PlaceHolder 3"/>
+          <p:cNvPr id="44" name="PlaceHolder 3"/>
           <p:cNvSpPr>
             <a:spLocks noGrp="1"/>
           </p:cNvSpPr>
@@ -699,8 +705,8 @@
         </p:nvSpPr>
         <p:spPr>
           <a:xfrm>
-            <a:off x="6226200" y="1825560"/>
-            <a:ext cx="5131080" cy="4350960"/>
+            <a:off x="6231960" y="1604520"/>
+            <a:ext cx="5354280" cy="3977280"/>
           </a:xfrm>
           <a:prstGeom prst="rect">
             <a:avLst/>
@@ -737,7 +743,7 @@
       </p:grpSpPr>
       <p:sp>
         <p:nvSpPr>
-          <p:cNvPr id="51" name="PlaceHolder 1"/>
+          <p:cNvPr id="45" name="PlaceHolder 1"/>
           <p:cNvSpPr>
             <a:spLocks noGrp="1"/>
           </p:cNvSpPr>
@@ -747,8 +753,8 @@
         </p:nvSpPr>
         <p:spPr>
           <a:xfrm>
-            <a:off x="838080" y="365040"/>
-            <a:ext cx="10515240" cy="1325520"/>
+            <a:off x="609480" y="273600"/>
+            <a:ext cx="10972440" cy="1145160"/>
           </a:xfrm>
           <a:prstGeom prst="rect">
             <a:avLst/>
@@ -757,6 +763,7 @@
         <p:txBody>
           <a:bodyPr lIns="0" rIns="0" tIns="0" bIns="0" anchor="ctr"/>
           <a:p>
+            <a:pPr algn="ctr"/>
             <a:endParaRPr/>
           </a:p>
         </p:txBody>
@@ -785,7 +792,7 @@
       </p:grpSpPr>
       <p:sp>
         <p:nvSpPr>
-          <p:cNvPr id="52" name="PlaceHolder 1"/>
+          <p:cNvPr id="46" name="PlaceHolder 1"/>
           <p:cNvSpPr>
             <a:spLocks noGrp="1"/>
           </p:cNvSpPr>
@@ -795,8 +802,8 @@
         </p:nvSpPr>
         <p:spPr>
           <a:xfrm>
-            <a:off x="838080" y="365040"/>
-            <a:ext cx="10515240" cy="6144480"/>
+            <a:off x="609480" y="273600"/>
+            <a:ext cx="10972440" cy="5308200"/>
           </a:xfrm>
           <a:prstGeom prst="rect">
             <a:avLst/>
@@ -834,7 +841,7 @@
       </p:grpSpPr>
       <p:sp>
         <p:nvSpPr>
-          <p:cNvPr id="53" name="PlaceHolder 1"/>
+          <p:cNvPr id="47" name="PlaceHolder 1"/>
           <p:cNvSpPr>
             <a:spLocks noGrp="1"/>
           </p:cNvSpPr>
@@ -844,8 +851,8 @@
         </p:nvSpPr>
         <p:spPr>
           <a:xfrm>
-            <a:off x="838080" y="365040"/>
-            <a:ext cx="10515240" cy="1325520"/>
+            <a:off x="609480" y="273600"/>
+            <a:ext cx="10972440" cy="1145160"/>
           </a:xfrm>
           <a:prstGeom prst="rect">
             <a:avLst/>
@@ -854,13 +861,14 @@
         <p:txBody>
           <a:bodyPr lIns="0" rIns="0" tIns="0" bIns="0" anchor="ctr"/>
           <a:p>
-            <a:endParaRPr/>
-          </a:p>
-        </p:txBody>
-      </p:sp>
-      <p:sp>
-        <p:nvSpPr>
-          <p:cNvPr id="54" name="PlaceHolder 2"/>
+            <a:pPr algn="ctr"/>
+            <a:endParaRPr/>
+          </a:p>
+        </p:txBody>
+      </p:sp>
+      <p:sp>
+        <p:nvSpPr>
+          <p:cNvPr id="48" name="PlaceHolder 2"/>
           <p:cNvSpPr>
             <a:spLocks noGrp="1"/>
           </p:cNvSpPr>
@@ -870,8 +878,8 @@
         </p:nvSpPr>
         <p:spPr>
           <a:xfrm>
-            <a:off x="838080" y="1825560"/>
-            <a:ext cx="5131080" cy="2075040"/>
+            <a:off x="609480" y="1604520"/>
+            <a:ext cx="5354280" cy="1896840"/>
           </a:xfrm>
           <a:prstGeom prst="rect">
             <a:avLst/>
@@ -886,7 +894,7 @@
       </p:sp>
       <p:sp>
         <p:nvSpPr>
-          <p:cNvPr id="55" name="PlaceHolder 3"/>
+          <p:cNvPr id="49" name="PlaceHolder 3"/>
           <p:cNvSpPr>
             <a:spLocks noGrp="1"/>
           </p:cNvSpPr>
@@ -896,8 +904,8 @@
         </p:nvSpPr>
         <p:spPr>
           <a:xfrm>
-            <a:off x="838080" y="4098240"/>
-            <a:ext cx="5131080" cy="2075040"/>
+            <a:off x="609480" y="3682080"/>
+            <a:ext cx="5354280" cy="1896840"/>
           </a:xfrm>
           <a:prstGeom prst="rect">
             <a:avLst/>
@@ -912,7 +920,7 @@
       </p:sp>
       <p:sp>
         <p:nvSpPr>
-          <p:cNvPr id="56" name="PlaceHolder 4"/>
+          <p:cNvPr id="50" name="PlaceHolder 4"/>
           <p:cNvSpPr>
             <a:spLocks noGrp="1"/>
           </p:cNvSpPr>
@@ -922,8 +930,8 @@
         </p:nvSpPr>
         <p:spPr>
           <a:xfrm>
-            <a:off x="6226200" y="1825560"/>
-            <a:ext cx="5131080" cy="4350960"/>
+            <a:off x="6231960" y="1604520"/>
+            <a:ext cx="5354280" cy="3977280"/>
           </a:xfrm>
           <a:prstGeom prst="rect">
             <a:avLst/>
@@ -960,7 +968,7 @@
       </p:grpSpPr>
       <p:sp>
         <p:nvSpPr>
-          <p:cNvPr id="5" name="PlaceHolder 1"/>
+          <p:cNvPr id="2" name="PlaceHolder 1"/>
           <p:cNvSpPr>
             <a:spLocks noGrp="1"/>
           </p:cNvSpPr>
@@ -970,8 +978,8 @@
         </p:nvSpPr>
         <p:spPr>
           <a:xfrm>
-            <a:off x="838080" y="365040"/>
-            <a:ext cx="10515240" cy="1325520"/>
+            <a:off x="609480" y="273600"/>
+            <a:ext cx="10972440" cy="1145160"/>
           </a:xfrm>
           <a:prstGeom prst="rect">
             <a:avLst/>
@@ -980,13 +988,14 @@
         <p:txBody>
           <a:bodyPr lIns="0" rIns="0" tIns="0" bIns="0" anchor="ctr"/>
           <a:p>
-            <a:endParaRPr/>
-          </a:p>
-        </p:txBody>
-      </p:sp>
-      <p:sp>
-        <p:nvSpPr>
-          <p:cNvPr id="6" name="PlaceHolder 2"/>
+            <a:pPr algn="ctr"/>
+            <a:endParaRPr/>
+          </a:p>
+        </p:txBody>
+      </p:sp>
+      <p:sp>
+        <p:nvSpPr>
+          <p:cNvPr id="3" name="PlaceHolder 2"/>
           <p:cNvSpPr>
             <a:spLocks noGrp="1"/>
           </p:cNvSpPr>
@@ -996,8 +1005,8 @@
         </p:nvSpPr>
         <p:spPr>
           <a:xfrm>
-            <a:off x="838080" y="1825560"/>
-            <a:ext cx="10515240" cy="4351320"/>
+            <a:off x="609480" y="1604520"/>
+            <a:ext cx="10972440" cy="3977640"/>
           </a:xfrm>
           <a:prstGeom prst="rect">
             <a:avLst/>
@@ -1035,7 +1044,7 @@
       </p:grpSpPr>
       <p:sp>
         <p:nvSpPr>
-          <p:cNvPr id="57" name="PlaceHolder 1"/>
+          <p:cNvPr id="51" name="PlaceHolder 1"/>
           <p:cNvSpPr>
             <a:spLocks noGrp="1"/>
           </p:cNvSpPr>
@@ -1045,8 +1054,8 @@
         </p:nvSpPr>
         <p:spPr>
           <a:xfrm>
-            <a:off x="838080" y="365040"/>
-            <a:ext cx="10515240" cy="1325520"/>
+            <a:off x="609480" y="273600"/>
+            <a:ext cx="10972440" cy="1145160"/>
           </a:xfrm>
           <a:prstGeom prst="rect">
             <a:avLst/>
@@ -1055,13 +1064,14 @@
         <p:txBody>
           <a:bodyPr lIns="0" rIns="0" tIns="0" bIns="0" anchor="ctr"/>
           <a:p>
-            <a:endParaRPr/>
-          </a:p>
-        </p:txBody>
-      </p:sp>
-      <p:sp>
-        <p:nvSpPr>
-          <p:cNvPr id="58" name="PlaceHolder 2"/>
+            <a:pPr algn="ctr"/>
+            <a:endParaRPr/>
+          </a:p>
+        </p:txBody>
+      </p:sp>
+      <p:sp>
+        <p:nvSpPr>
+          <p:cNvPr id="52" name="PlaceHolder 2"/>
           <p:cNvSpPr>
             <a:spLocks noGrp="1"/>
           </p:cNvSpPr>
@@ -1071,8 +1081,8 @@
         </p:nvSpPr>
         <p:spPr>
           <a:xfrm>
-            <a:off x="838080" y="1825560"/>
-            <a:ext cx="5131080" cy="4350960"/>
+            <a:off x="609480" y="1604520"/>
+            <a:ext cx="5354280" cy="3977280"/>
           </a:xfrm>
           <a:prstGeom prst="rect">
             <a:avLst/>
@@ -1087,7 +1097,7 @@
       </p:sp>
       <p:sp>
         <p:nvSpPr>
-          <p:cNvPr id="59" name="PlaceHolder 3"/>
+          <p:cNvPr id="53" name="PlaceHolder 3"/>
           <p:cNvSpPr>
             <a:spLocks noGrp="1"/>
           </p:cNvSpPr>
@@ -1097,8 +1107,8 @@
         </p:nvSpPr>
         <p:spPr>
           <a:xfrm>
-            <a:off x="6226200" y="1825560"/>
-            <a:ext cx="5131080" cy="2075040"/>
+            <a:off x="6231960" y="1604520"/>
+            <a:ext cx="5354280" cy="1896840"/>
           </a:xfrm>
           <a:prstGeom prst="rect">
             <a:avLst/>
@@ -1113,7 +1123,7 @@
       </p:sp>
       <p:sp>
         <p:nvSpPr>
-          <p:cNvPr id="60" name="PlaceHolder 4"/>
+          <p:cNvPr id="54" name="PlaceHolder 4"/>
           <p:cNvSpPr>
             <a:spLocks noGrp="1"/>
           </p:cNvSpPr>
@@ -1123,8 +1133,8 @@
         </p:nvSpPr>
         <p:spPr>
           <a:xfrm>
-            <a:off x="6226200" y="4098240"/>
-            <a:ext cx="5131080" cy="2075040"/>
+            <a:off x="6231960" y="3682080"/>
+            <a:ext cx="5354280" cy="1896840"/>
           </a:xfrm>
           <a:prstGeom prst="rect">
             <a:avLst/>
@@ -1161,7 +1171,7 @@
       </p:grpSpPr>
       <p:sp>
         <p:nvSpPr>
-          <p:cNvPr id="61" name="PlaceHolder 1"/>
+          <p:cNvPr id="55" name="PlaceHolder 1"/>
           <p:cNvSpPr>
             <a:spLocks noGrp="1"/>
           </p:cNvSpPr>
@@ -1171,8 +1181,8 @@
         </p:nvSpPr>
         <p:spPr>
           <a:xfrm>
-            <a:off x="838080" y="365040"/>
-            <a:ext cx="10515240" cy="1325520"/>
+            <a:off x="609480" y="273600"/>
+            <a:ext cx="10972440" cy="1145160"/>
           </a:xfrm>
           <a:prstGeom prst="rect">
             <a:avLst/>
@@ -1181,13 +1191,14 @@
         <p:txBody>
           <a:bodyPr lIns="0" rIns="0" tIns="0" bIns="0" anchor="ctr"/>
           <a:p>
-            <a:endParaRPr/>
-          </a:p>
-        </p:txBody>
-      </p:sp>
-      <p:sp>
-        <p:nvSpPr>
-          <p:cNvPr id="62" name="PlaceHolder 2"/>
+            <a:pPr algn="ctr"/>
+            <a:endParaRPr/>
+          </a:p>
+        </p:txBody>
+      </p:sp>
+      <p:sp>
+        <p:nvSpPr>
+          <p:cNvPr id="56" name="PlaceHolder 2"/>
           <p:cNvSpPr>
             <a:spLocks noGrp="1"/>
           </p:cNvSpPr>
@@ -1197,8 +1208,8 @@
         </p:nvSpPr>
         <p:spPr>
           <a:xfrm>
-            <a:off x="838080" y="1825560"/>
-            <a:ext cx="5131080" cy="2075040"/>
+            <a:off x="609480" y="1604520"/>
+            <a:ext cx="5354280" cy="1896840"/>
           </a:xfrm>
           <a:prstGeom prst="rect">
             <a:avLst/>
@@ -1213,7 +1224,7 @@
       </p:sp>
       <p:sp>
         <p:nvSpPr>
-          <p:cNvPr id="63" name="PlaceHolder 3"/>
+          <p:cNvPr id="57" name="PlaceHolder 3"/>
           <p:cNvSpPr>
             <a:spLocks noGrp="1"/>
           </p:cNvSpPr>
@@ -1223,8 +1234,8 @@
         </p:nvSpPr>
         <p:spPr>
           <a:xfrm>
-            <a:off x="6226200" y="1825560"/>
-            <a:ext cx="5131080" cy="2075040"/>
+            <a:off x="6231960" y="1604520"/>
+            <a:ext cx="5354280" cy="1896840"/>
           </a:xfrm>
           <a:prstGeom prst="rect">
             <a:avLst/>
@@ -1239,7 +1250,7 @@
       </p:sp>
       <p:sp>
         <p:nvSpPr>
-          <p:cNvPr id="64" name="PlaceHolder 4"/>
+          <p:cNvPr id="58" name="PlaceHolder 4"/>
           <p:cNvSpPr>
             <a:spLocks noGrp="1"/>
           </p:cNvSpPr>
@@ -1249,8 +1260,8 @@
         </p:nvSpPr>
         <p:spPr>
           <a:xfrm>
-            <a:off x="838080" y="4098240"/>
-            <a:ext cx="10515240" cy="2075040"/>
+            <a:off x="609480" y="3682080"/>
+            <a:ext cx="10972440" cy="1896840"/>
           </a:xfrm>
           <a:prstGeom prst="rect">
             <a:avLst/>
@@ -1287,7 +1298,7 @@
       </p:grpSpPr>
       <p:sp>
         <p:nvSpPr>
-          <p:cNvPr id="65" name="PlaceHolder 1"/>
+          <p:cNvPr id="59" name="PlaceHolder 1"/>
           <p:cNvSpPr>
             <a:spLocks noGrp="1"/>
           </p:cNvSpPr>
@@ -1297,8 +1308,8 @@
         </p:nvSpPr>
         <p:spPr>
           <a:xfrm>
-            <a:off x="838080" y="365040"/>
-            <a:ext cx="10515240" cy="1325520"/>
+            <a:off x="609480" y="273600"/>
+            <a:ext cx="10972440" cy="1145160"/>
           </a:xfrm>
           <a:prstGeom prst="rect">
             <a:avLst/>
@@ -1307,13 +1318,14 @@
         <p:txBody>
           <a:bodyPr lIns="0" rIns="0" tIns="0" bIns="0" anchor="ctr"/>
           <a:p>
-            <a:endParaRPr/>
-          </a:p>
-        </p:txBody>
-      </p:sp>
-      <p:sp>
-        <p:nvSpPr>
-          <p:cNvPr id="66" name="PlaceHolder 2"/>
+            <a:pPr algn="ctr"/>
+            <a:endParaRPr/>
+          </a:p>
+        </p:txBody>
+      </p:sp>
+      <p:sp>
+        <p:nvSpPr>
+          <p:cNvPr id="60" name="PlaceHolder 2"/>
           <p:cNvSpPr>
             <a:spLocks noGrp="1"/>
           </p:cNvSpPr>
@@ -1323,8 +1335,8 @@
         </p:nvSpPr>
         <p:spPr>
           <a:xfrm>
-            <a:off x="838080" y="1825560"/>
-            <a:ext cx="10515240" cy="2075040"/>
+            <a:off x="609480" y="1604520"/>
+            <a:ext cx="10972440" cy="1896840"/>
           </a:xfrm>
           <a:prstGeom prst="rect">
             <a:avLst/>
@@ -1339,7 +1351,7 @@
       </p:sp>
       <p:sp>
         <p:nvSpPr>
-          <p:cNvPr id="67" name="PlaceHolder 3"/>
+          <p:cNvPr id="61" name="PlaceHolder 3"/>
           <p:cNvSpPr>
             <a:spLocks noGrp="1"/>
           </p:cNvSpPr>
@@ -1349,8 +1361,8 @@
         </p:nvSpPr>
         <p:spPr>
           <a:xfrm>
-            <a:off x="838080" y="4098240"/>
-            <a:ext cx="10515240" cy="2075040"/>
+            <a:off x="609480" y="3682080"/>
+            <a:ext cx="10972440" cy="1896840"/>
           </a:xfrm>
           <a:prstGeom prst="rect">
             <a:avLst/>
@@ -1387,7 +1399,7 @@
       </p:grpSpPr>
       <p:sp>
         <p:nvSpPr>
-          <p:cNvPr id="68" name="PlaceHolder 1"/>
+          <p:cNvPr id="62" name="PlaceHolder 1"/>
           <p:cNvSpPr>
             <a:spLocks noGrp="1"/>
           </p:cNvSpPr>
@@ -1397,8 +1409,8 @@
         </p:nvSpPr>
         <p:spPr>
           <a:xfrm>
-            <a:off x="838080" y="365040"/>
-            <a:ext cx="10515240" cy="1325520"/>
+            <a:off x="609480" y="273600"/>
+            <a:ext cx="10972440" cy="1145160"/>
           </a:xfrm>
           <a:prstGeom prst="rect">
             <a:avLst/>
@@ -1407,13 +1419,14 @@
         <p:txBody>
           <a:bodyPr lIns="0" rIns="0" tIns="0" bIns="0" anchor="ctr"/>
           <a:p>
-            <a:endParaRPr/>
-          </a:p>
-        </p:txBody>
-      </p:sp>
-      <p:sp>
-        <p:nvSpPr>
-          <p:cNvPr id="69" name="PlaceHolder 2"/>
+            <a:pPr algn="ctr"/>
+            <a:endParaRPr/>
+          </a:p>
+        </p:txBody>
+      </p:sp>
+      <p:sp>
+        <p:nvSpPr>
+          <p:cNvPr id="63" name="PlaceHolder 2"/>
           <p:cNvSpPr>
             <a:spLocks noGrp="1"/>
           </p:cNvSpPr>
@@ -1423,8 +1436,8 @@
         </p:nvSpPr>
         <p:spPr>
           <a:xfrm>
-            <a:off x="838080" y="1825560"/>
-            <a:ext cx="5131080" cy="2075040"/>
+            <a:off x="609480" y="1604520"/>
+            <a:ext cx="5354280" cy="1896840"/>
           </a:xfrm>
           <a:prstGeom prst="rect">
             <a:avLst/>
@@ -1439,7 +1452,7 @@
       </p:sp>
       <p:sp>
         <p:nvSpPr>
-          <p:cNvPr id="70" name="PlaceHolder 3"/>
+          <p:cNvPr id="64" name="PlaceHolder 3"/>
           <p:cNvSpPr>
             <a:spLocks noGrp="1"/>
           </p:cNvSpPr>
@@ -1449,8 +1462,8 @@
         </p:nvSpPr>
         <p:spPr>
           <a:xfrm>
-            <a:off x="6226200" y="1825560"/>
-            <a:ext cx="5131080" cy="2075040"/>
+            <a:off x="6231960" y="1604520"/>
+            <a:ext cx="5354280" cy="1896840"/>
           </a:xfrm>
           <a:prstGeom prst="rect">
             <a:avLst/>
@@ -1465,7 +1478,7 @@
       </p:sp>
       <p:sp>
         <p:nvSpPr>
-          <p:cNvPr id="71" name="PlaceHolder 4"/>
+          <p:cNvPr id="65" name="PlaceHolder 4"/>
           <p:cNvSpPr>
             <a:spLocks noGrp="1"/>
           </p:cNvSpPr>
@@ -1475,8 +1488,8 @@
         </p:nvSpPr>
         <p:spPr>
           <a:xfrm>
-            <a:off x="6226200" y="4098240"/>
-            <a:ext cx="5131080" cy="2075040"/>
+            <a:off x="6231960" y="3682080"/>
+            <a:ext cx="5354280" cy="1896840"/>
           </a:xfrm>
           <a:prstGeom prst="rect">
             <a:avLst/>
@@ -1491,7 +1504,7 @@
       </p:sp>
       <p:sp>
         <p:nvSpPr>
-          <p:cNvPr id="72" name="PlaceHolder 5"/>
+          <p:cNvPr id="66" name="PlaceHolder 5"/>
           <p:cNvSpPr>
             <a:spLocks noGrp="1"/>
           </p:cNvSpPr>
@@ -1501,8 +1514,8 @@
         </p:nvSpPr>
         <p:spPr>
           <a:xfrm>
-            <a:off x="838080" y="4098240"/>
-            <a:ext cx="5131080" cy="2075040"/>
+            <a:off x="609480" y="3682080"/>
+            <a:ext cx="5354280" cy="1896840"/>
           </a:xfrm>
           <a:prstGeom prst="rect">
             <a:avLst/>
@@ -1539,7 +1552,7 @@
       </p:grpSpPr>
       <p:sp>
         <p:nvSpPr>
-          <p:cNvPr id="73" name="PlaceHolder 1"/>
+          <p:cNvPr id="67" name="PlaceHolder 1"/>
           <p:cNvSpPr>
             <a:spLocks noGrp="1"/>
           </p:cNvSpPr>
@@ -1549,8 +1562,8 @@
         </p:nvSpPr>
         <p:spPr>
           <a:xfrm>
-            <a:off x="838080" y="365040"/>
-            <a:ext cx="10515240" cy="1325520"/>
+            <a:off x="609480" y="273600"/>
+            <a:ext cx="10972440" cy="1145160"/>
           </a:xfrm>
           <a:prstGeom prst="rect">
             <a:avLst/>
@@ -1559,13 +1572,14 @@
         <p:txBody>
           <a:bodyPr lIns="0" rIns="0" tIns="0" bIns="0" anchor="ctr"/>
           <a:p>
-            <a:endParaRPr/>
-          </a:p>
-        </p:txBody>
-      </p:sp>
-      <p:sp>
-        <p:nvSpPr>
-          <p:cNvPr id="74" name="PlaceHolder 2"/>
+            <a:pPr algn="ctr"/>
+            <a:endParaRPr/>
+          </a:p>
+        </p:txBody>
+      </p:sp>
+      <p:sp>
+        <p:nvSpPr>
+          <p:cNvPr id="68" name="PlaceHolder 2"/>
           <p:cNvSpPr>
             <a:spLocks noGrp="1"/>
           </p:cNvSpPr>
@@ -1575,8 +1589,8 @@
         </p:nvSpPr>
         <p:spPr>
           <a:xfrm>
-            <a:off x="838080" y="1825560"/>
-            <a:ext cx="10515240" cy="4350960"/>
+            <a:off x="609480" y="1604520"/>
+            <a:ext cx="10972440" cy="3977280"/>
           </a:xfrm>
           <a:prstGeom prst="rect">
             <a:avLst/>
@@ -1591,7 +1605,7 @@
       </p:sp>
       <p:sp>
         <p:nvSpPr>
-          <p:cNvPr id="75" name="PlaceHolder 3"/>
+          <p:cNvPr id="69" name="PlaceHolder 3"/>
           <p:cNvSpPr>
             <a:spLocks noGrp="1"/>
           </p:cNvSpPr>
@@ -1601,8 +1615,8 @@
         </p:nvSpPr>
         <p:spPr>
           <a:xfrm>
-            <a:off x="838080" y="1825560"/>
-            <a:ext cx="10515240" cy="4350960"/>
+            <a:off x="609480" y="1604520"/>
+            <a:ext cx="10972440" cy="3977280"/>
           </a:xfrm>
           <a:prstGeom prst="rect">
             <a:avLst/>
@@ -1617,7 +1631,7 @@
       </p:sp>
       <p:pic>
         <p:nvPicPr>
-          <p:cNvPr id="76" name="" descr=""/>
+          <p:cNvPr id="70" name="" descr=""/>
           <p:cNvPicPr/>
           <p:nvPr/>
         </p:nvPicPr>
@@ -1629,8 +1643,8 @@
         </p:blipFill>
         <p:spPr>
           <a:xfrm>
-            <a:off x="3368880" y="1825560"/>
-            <a:ext cx="5452920" cy="4350960"/>
+            <a:off x="3602880" y="1604520"/>
+            <a:ext cx="4984920" cy="3977280"/>
           </a:xfrm>
           <a:prstGeom prst="rect">
             <a:avLst/>
@@ -1642,7 +1656,7 @@
       </p:pic>
       <p:pic>
         <p:nvPicPr>
-          <p:cNvPr id="77" name="" descr=""/>
+          <p:cNvPr id="71" name="" descr=""/>
           <p:cNvPicPr/>
           <p:nvPr/>
         </p:nvPicPr>
@@ -1654,8 +1668,8 @@
         </p:blipFill>
         <p:spPr>
           <a:xfrm>
-            <a:off x="3368880" y="1825560"/>
-            <a:ext cx="5452920" cy="4350960"/>
+            <a:off x="3602880" y="1604520"/>
+            <a:ext cx="4984920" cy="3977280"/>
           </a:xfrm>
           <a:prstGeom prst="rect">
             <a:avLst/>
@@ -1689,7 +1703,7 @@
       </p:grpSpPr>
       <p:sp>
         <p:nvSpPr>
-          <p:cNvPr id="7" name="PlaceHolder 1"/>
+          <p:cNvPr id="4" name="PlaceHolder 1"/>
           <p:cNvSpPr>
             <a:spLocks noGrp="1"/>
           </p:cNvSpPr>
@@ -1699,8 +1713,8 @@
         </p:nvSpPr>
         <p:spPr>
           <a:xfrm>
-            <a:off x="838080" y="365040"/>
-            <a:ext cx="10515240" cy="1325520"/>
+            <a:off x="609480" y="273600"/>
+            <a:ext cx="10972440" cy="1145160"/>
           </a:xfrm>
           <a:prstGeom prst="rect">
             <a:avLst/>
@@ -1709,13 +1723,14 @@
         <p:txBody>
           <a:bodyPr lIns="0" rIns="0" tIns="0" bIns="0" anchor="ctr"/>
           <a:p>
-            <a:endParaRPr/>
-          </a:p>
-        </p:txBody>
-      </p:sp>
-      <p:sp>
-        <p:nvSpPr>
-          <p:cNvPr id="8" name="PlaceHolder 2"/>
+            <a:pPr algn="ctr"/>
+            <a:endParaRPr/>
+          </a:p>
+        </p:txBody>
+      </p:sp>
+      <p:sp>
+        <p:nvSpPr>
+          <p:cNvPr id="5" name="PlaceHolder 2"/>
           <p:cNvSpPr>
             <a:spLocks noGrp="1"/>
           </p:cNvSpPr>
@@ -1725,8 +1740,8 @@
         </p:nvSpPr>
         <p:spPr>
           <a:xfrm>
-            <a:off x="838080" y="1825560"/>
-            <a:ext cx="10515240" cy="4350960"/>
+            <a:off x="609480" y="1604520"/>
+            <a:ext cx="10972440" cy="3977280"/>
           </a:xfrm>
           <a:prstGeom prst="rect">
             <a:avLst/>
@@ -1763,7 +1778,7 @@
       </p:grpSpPr>
       <p:sp>
         <p:nvSpPr>
-          <p:cNvPr id="9" name="PlaceHolder 1"/>
+          <p:cNvPr id="6" name="PlaceHolder 1"/>
           <p:cNvSpPr>
             <a:spLocks noGrp="1"/>
           </p:cNvSpPr>
@@ -1773,8 +1788,8 @@
         </p:nvSpPr>
         <p:spPr>
           <a:xfrm>
-            <a:off x="838080" y="365040"/>
-            <a:ext cx="10515240" cy="1325520"/>
+            <a:off x="609480" y="273600"/>
+            <a:ext cx="10972440" cy="1145160"/>
           </a:xfrm>
           <a:prstGeom prst="rect">
             <a:avLst/>
@@ -1783,13 +1798,14 @@
         <p:txBody>
           <a:bodyPr lIns="0" rIns="0" tIns="0" bIns="0" anchor="ctr"/>
           <a:p>
-            <a:endParaRPr/>
-          </a:p>
-        </p:txBody>
-      </p:sp>
-      <p:sp>
-        <p:nvSpPr>
-          <p:cNvPr id="10" name="PlaceHolder 2"/>
+            <a:pPr algn="ctr"/>
+            <a:endParaRPr/>
+          </a:p>
+        </p:txBody>
+      </p:sp>
+      <p:sp>
+        <p:nvSpPr>
+          <p:cNvPr id="7" name="PlaceHolder 2"/>
           <p:cNvSpPr>
             <a:spLocks noGrp="1"/>
           </p:cNvSpPr>
@@ -1799,8 +1815,8 @@
         </p:nvSpPr>
         <p:spPr>
           <a:xfrm>
-            <a:off x="838080" y="1825560"/>
-            <a:ext cx="5131080" cy="4350960"/>
+            <a:off x="609480" y="1604520"/>
+            <a:ext cx="5354280" cy="3977280"/>
           </a:xfrm>
           <a:prstGeom prst="rect">
             <a:avLst/>
@@ -1815,7 +1831,7 @@
       </p:sp>
       <p:sp>
         <p:nvSpPr>
-          <p:cNvPr id="11" name="PlaceHolder 3"/>
+          <p:cNvPr id="8" name="PlaceHolder 3"/>
           <p:cNvSpPr>
             <a:spLocks noGrp="1"/>
           </p:cNvSpPr>
@@ -1825,8 +1841,8 @@
         </p:nvSpPr>
         <p:spPr>
           <a:xfrm>
-            <a:off x="6226200" y="1825560"/>
-            <a:ext cx="5131080" cy="4350960"/>
+            <a:off x="6231960" y="1604520"/>
+            <a:ext cx="5354280" cy="3977280"/>
           </a:xfrm>
           <a:prstGeom prst="rect">
             <a:avLst/>
@@ -1863,7 +1879,7 @@
       </p:grpSpPr>
       <p:sp>
         <p:nvSpPr>
-          <p:cNvPr id="12" name="PlaceHolder 1"/>
+          <p:cNvPr id="9" name="PlaceHolder 1"/>
           <p:cNvSpPr>
             <a:spLocks noGrp="1"/>
           </p:cNvSpPr>
@@ -1873,8 +1889,8 @@
         </p:nvSpPr>
         <p:spPr>
           <a:xfrm>
-            <a:off x="838080" y="365040"/>
-            <a:ext cx="10515240" cy="1325520"/>
+            <a:off x="609480" y="273600"/>
+            <a:ext cx="10972440" cy="1145160"/>
           </a:xfrm>
           <a:prstGeom prst="rect">
             <a:avLst/>
@@ -1883,6 +1899,7 @@
         <p:txBody>
           <a:bodyPr lIns="0" rIns="0" tIns="0" bIns="0" anchor="ctr"/>
           <a:p>
+            <a:pPr algn="ctr"/>
             <a:endParaRPr/>
           </a:p>
         </p:txBody>
@@ -1911,7 +1928,7 @@
       </p:grpSpPr>
       <p:sp>
         <p:nvSpPr>
-          <p:cNvPr id="13" name="PlaceHolder 1"/>
+          <p:cNvPr id="10" name="PlaceHolder 1"/>
           <p:cNvSpPr>
             <a:spLocks noGrp="1"/>
           </p:cNvSpPr>
@@ -1921,8 +1938,8 @@
         </p:nvSpPr>
         <p:spPr>
           <a:xfrm>
-            <a:off x="838080" y="365040"/>
-            <a:ext cx="10515240" cy="6144480"/>
+            <a:off x="609480" y="273600"/>
+            <a:ext cx="10972440" cy="5308200"/>
           </a:xfrm>
           <a:prstGeom prst="rect">
             <a:avLst/>
@@ -1960,7 +1977,7 @@
       </p:grpSpPr>
       <p:sp>
         <p:nvSpPr>
-          <p:cNvPr id="14" name="PlaceHolder 1"/>
+          <p:cNvPr id="11" name="PlaceHolder 1"/>
           <p:cNvSpPr>
             <a:spLocks noGrp="1"/>
           </p:cNvSpPr>
@@ -1970,8 +1987,8 @@
         </p:nvSpPr>
         <p:spPr>
           <a:xfrm>
-            <a:off x="838080" y="365040"/>
-            <a:ext cx="10515240" cy="1325520"/>
+            <a:off x="609480" y="273600"/>
+            <a:ext cx="10972440" cy="1145160"/>
           </a:xfrm>
           <a:prstGeom prst="rect">
             <a:avLst/>
@@ -1980,13 +1997,14 @@
         <p:txBody>
           <a:bodyPr lIns="0" rIns="0" tIns="0" bIns="0" anchor="ctr"/>
           <a:p>
-            <a:endParaRPr/>
-          </a:p>
-        </p:txBody>
-      </p:sp>
-      <p:sp>
-        <p:nvSpPr>
-          <p:cNvPr id="15" name="PlaceHolder 2"/>
+            <a:pPr algn="ctr"/>
+            <a:endParaRPr/>
+          </a:p>
+        </p:txBody>
+      </p:sp>
+      <p:sp>
+        <p:nvSpPr>
+          <p:cNvPr id="12" name="PlaceHolder 2"/>
           <p:cNvSpPr>
             <a:spLocks noGrp="1"/>
           </p:cNvSpPr>
@@ -1996,8 +2014,8 @@
         </p:nvSpPr>
         <p:spPr>
           <a:xfrm>
-            <a:off x="838080" y="1825560"/>
-            <a:ext cx="5131080" cy="2075040"/>
+            <a:off x="609480" y="1604520"/>
+            <a:ext cx="5354280" cy="1896840"/>
           </a:xfrm>
           <a:prstGeom prst="rect">
             <a:avLst/>
@@ -2012,7 +2030,7 @@
       </p:sp>
       <p:sp>
         <p:nvSpPr>
-          <p:cNvPr id="16" name="PlaceHolder 3"/>
+          <p:cNvPr id="13" name="PlaceHolder 3"/>
           <p:cNvSpPr>
             <a:spLocks noGrp="1"/>
           </p:cNvSpPr>
@@ -2022,8 +2040,8 @@
         </p:nvSpPr>
         <p:spPr>
           <a:xfrm>
-            <a:off x="838080" y="4098240"/>
-            <a:ext cx="5131080" cy="2075040"/>
+            <a:off x="609480" y="3682080"/>
+            <a:ext cx="5354280" cy="1896840"/>
           </a:xfrm>
           <a:prstGeom prst="rect">
             <a:avLst/>
@@ -2038,7 +2056,7 @@
       </p:sp>
       <p:sp>
         <p:nvSpPr>
-          <p:cNvPr id="17" name="PlaceHolder 4"/>
+          <p:cNvPr id="14" name="PlaceHolder 4"/>
           <p:cNvSpPr>
             <a:spLocks noGrp="1"/>
           </p:cNvSpPr>
@@ -2048,8 +2066,8 @@
         </p:nvSpPr>
         <p:spPr>
           <a:xfrm>
-            <a:off x="6226200" y="1825560"/>
-            <a:ext cx="5131080" cy="4350960"/>
+            <a:off x="6231960" y="1604520"/>
+            <a:ext cx="5354280" cy="3977280"/>
           </a:xfrm>
           <a:prstGeom prst="rect">
             <a:avLst/>
@@ -2086,7 +2104,7 @@
       </p:grpSpPr>
       <p:sp>
         <p:nvSpPr>
-          <p:cNvPr id="18" name="PlaceHolder 1"/>
+          <p:cNvPr id="15" name="PlaceHolder 1"/>
           <p:cNvSpPr>
             <a:spLocks noGrp="1"/>
           </p:cNvSpPr>
@@ -2096,8 +2114,8 @@
         </p:nvSpPr>
         <p:spPr>
           <a:xfrm>
-            <a:off x="838080" y="365040"/>
-            <a:ext cx="10515240" cy="1325520"/>
+            <a:off x="609480" y="273600"/>
+            <a:ext cx="10972440" cy="1145160"/>
           </a:xfrm>
           <a:prstGeom prst="rect">
             <a:avLst/>
@@ -2106,13 +2124,14 @@
         <p:txBody>
           <a:bodyPr lIns="0" rIns="0" tIns="0" bIns="0" anchor="ctr"/>
           <a:p>
-            <a:endParaRPr/>
-          </a:p>
-        </p:txBody>
-      </p:sp>
-      <p:sp>
-        <p:nvSpPr>
-          <p:cNvPr id="19" name="PlaceHolder 2"/>
+            <a:pPr algn="ctr"/>
+            <a:endParaRPr/>
+          </a:p>
+        </p:txBody>
+      </p:sp>
+      <p:sp>
+        <p:nvSpPr>
+          <p:cNvPr id="16" name="PlaceHolder 2"/>
           <p:cNvSpPr>
             <a:spLocks noGrp="1"/>
           </p:cNvSpPr>
@@ -2122,8 +2141,8 @@
         </p:nvSpPr>
         <p:spPr>
           <a:xfrm>
-            <a:off x="838080" y="1825560"/>
-            <a:ext cx="5131080" cy="4350960"/>
+            <a:off x="609480" y="1604520"/>
+            <a:ext cx="5354280" cy="3977280"/>
           </a:xfrm>
           <a:prstGeom prst="rect">
             <a:avLst/>
@@ -2138,7 +2157,7 @@
       </p:sp>
       <p:sp>
         <p:nvSpPr>
-          <p:cNvPr id="20" name="PlaceHolder 3"/>
+          <p:cNvPr id="17" name="PlaceHolder 3"/>
           <p:cNvSpPr>
             <a:spLocks noGrp="1"/>
           </p:cNvSpPr>
@@ -2148,8 +2167,8 @@
         </p:nvSpPr>
         <p:spPr>
           <a:xfrm>
-            <a:off x="6226200" y="1825560"/>
-            <a:ext cx="5131080" cy="2075040"/>
+            <a:off x="6231960" y="1604520"/>
+            <a:ext cx="5354280" cy="1896840"/>
           </a:xfrm>
           <a:prstGeom prst="rect">
             <a:avLst/>
@@ -2164,7 +2183,7 @@
       </p:sp>
       <p:sp>
         <p:nvSpPr>
-          <p:cNvPr id="21" name="PlaceHolder 4"/>
+          <p:cNvPr id="18" name="PlaceHolder 4"/>
           <p:cNvSpPr>
             <a:spLocks noGrp="1"/>
           </p:cNvSpPr>
@@ -2174,8 +2193,8 @@
         </p:nvSpPr>
         <p:spPr>
           <a:xfrm>
-            <a:off x="6226200" y="4098240"/>
-            <a:ext cx="5131080" cy="2075040"/>
+            <a:off x="6231960" y="3682080"/>
+            <a:ext cx="5354280" cy="1896840"/>
           </a:xfrm>
           <a:prstGeom prst="rect">
             <a:avLst/>
@@ -2212,7 +2231,7 @@
       </p:grpSpPr>
       <p:sp>
         <p:nvSpPr>
-          <p:cNvPr id="22" name="PlaceHolder 1"/>
+          <p:cNvPr id="19" name="PlaceHolder 1"/>
           <p:cNvSpPr>
             <a:spLocks noGrp="1"/>
           </p:cNvSpPr>
@@ -2222,8 +2241,8 @@
         </p:nvSpPr>
         <p:spPr>
           <a:xfrm>
-            <a:off x="838080" y="365040"/>
-            <a:ext cx="10515240" cy="1325520"/>
+            <a:off x="609480" y="273600"/>
+            <a:ext cx="10972440" cy="1145160"/>
           </a:xfrm>
           <a:prstGeom prst="rect">
             <a:avLst/>
@@ -2232,13 +2251,14 @@
         <p:txBody>
           <a:bodyPr lIns="0" rIns="0" tIns="0" bIns="0" anchor="ctr"/>
           <a:p>
-            <a:endParaRPr/>
-          </a:p>
-        </p:txBody>
-      </p:sp>
-      <p:sp>
-        <p:nvSpPr>
-          <p:cNvPr id="23" name="PlaceHolder 2"/>
+            <a:pPr algn="ctr"/>
+            <a:endParaRPr/>
+          </a:p>
+        </p:txBody>
+      </p:sp>
+      <p:sp>
+        <p:nvSpPr>
+          <p:cNvPr id="20" name="PlaceHolder 2"/>
           <p:cNvSpPr>
             <a:spLocks noGrp="1"/>
           </p:cNvSpPr>
@@ -2248,8 +2268,8 @@
         </p:nvSpPr>
         <p:spPr>
           <a:xfrm>
-            <a:off x="838080" y="1825560"/>
-            <a:ext cx="5131080" cy="2075040"/>
+            <a:off x="609480" y="1604520"/>
+            <a:ext cx="5354280" cy="1896840"/>
           </a:xfrm>
           <a:prstGeom prst="rect">
             <a:avLst/>
@@ -2264,7 +2284,7 @@
       </p:sp>
       <p:sp>
         <p:nvSpPr>
-          <p:cNvPr id="24" name="PlaceHolder 3"/>
+          <p:cNvPr id="21" name="PlaceHolder 3"/>
           <p:cNvSpPr>
             <a:spLocks noGrp="1"/>
           </p:cNvSpPr>
@@ -2274,8 +2294,8 @@
         </p:nvSpPr>
         <p:spPr>
           <a:xfrm>
-            <a:off x="6226200" y="1825560"/>
-            <a:ext cx="5131080" cy="2075040"/>
+            <a:off x="6231960" y="1604520"/>
+            <a:ext cx="5354280" cy="1896840"/>
           </a:xfrm>
           <a:prstGeom prst="rect">
             <a:avLst/>
@@ -2290,7 +2310,7 @@
       </p:sp>
       <p:sp>
         <p:nvSpPr>
-          <p:cNvPr id="25" name="PlaceHolder 4"/>
+          <p:cNvPr id="22" name="PlaceHolder 4"/>
           <p:cNvSpPr>
             <a:spLocks noGrp="1"/>
           </p:cNvSpPr>
@@ -2300,8 +2320,8 @@
         </p:nvSpPr>
         <p:spPr>
           <a:xfrm>
-            <a:off x="838080" y="4098240"/>
-            <a:ext cx="10515240" cy="2075040"/>
+            <a:off x="609480" y="3682080"/>
+            <a:ext cx="10972440" cy="1896840"/>
           </a:xfrm>
           <a:prstGeom prst="rect">
             <a:avLst/>
@@ -2355,29 +2375,21 @@
         </p:nvSpPr>
         <p:spPr>
           <a:xfrm>
-            <a:off x="1523880" y="1122480"/>
-            <a:ext cx="9143640" cy="2387160"/>
-          </a:xfrm>
-          <a:prstGeom prst="rect">
-            <a:avLst/>
-          </a:prstGeom>
-        </p:spPr>
-        <p:txBody>
-          <a:bodyPr anchor="b"/>
-          <a:p>
-            <a:pPr algn="ctr">
-              <a:lnSpc>
-                <a:spcPct val="100000"/>
-              </a:lnSpc>
-            </a:pPr>
+            <a:off x="838080" y="365040"/>
+            <a:ext cx="10514880" cy="1325160"/>
+          </a:xfrm>
+          <a:prstGeom prst="rect">
+            <a:avLst/>
+          </a:prstGeom>
+        </p:spPr>
+        <p:txBody>
+          <a:bodyPr lIns="0" rIns="0" tIns="0" bIns="0" anchor="ctr"/>
+          <a:p>
             <a:r>
-              <a:rPr lang="en-US" sz="6000">
-                <a:solidFill>
-                  <a:srgbClr val="000000"/>
-                </a:solidFill>
-                <a:latin typeface="Calibri Light"/>
+              <a:rPr lang="en-US">
+                <a:latin typeface="Arial"/>
               </a:rPr>
-              <a:t>Click to edit the title text formatClick to edit Master title style</a:t>
+              <a:t>Click to edit the title text format</a:t>
             </a:r>
             <a:endParaRPr/>
           </a:p>
@@ -2386,112 +2398,6 @@
       <p:sp>
         <p:nvSpPr>
           <p:cNvPr id="1" name="PlaceHolder 2"/>
-          <p:cNvSpPr>
-            <a:spLocks noGrp="1"/>
-          </p:cNvSpPr>
-          <p:nvPr>
-            <p:ph type="dt"/>
-          </p:nvPr>
-        </p:nvSpPr>
-        <p:spPr>
-          <a:xfrm>
-            <a:off x="838080" y="6356520"/>
-            <a:ext cx="2742840" cy="364680"/>
-          </a:xfrm>
-          <a:prstGeom prst="rect">
-            <a:avLst/>
-          </a:prstGeom>
-        </p:spPr>
-        <p:txBody>
-          <a:bodyPr anchor="ctr"/>
-          <a:p>
-            <a:pPr>
-              <a:lnSpc>
-                <a:spcPct val="100000"/>
-              </a:lnSpc>
-            </a:pPr>
-            <a:r>
-              <a:rPr lang="en-US" sz="1200">
-                <a:solidFill>
-                  <a:srgbClr val="8b8b8b"/>
-                </a:solidFill>
-                <a:latin typeface="Calibri"/>
-              </a:rPr>
-              <a:t>2/15/15</a:t>
-            </a:r>
-            <a:endParaRPr/>
-          </a:p>
-        </p:txBody>
-      </p:sp>
-      <p:sp>
-        <p:nvSpPr>
-          <p:cNvPr id="2" name="PlaceHolder 3"/>
-          <p:cNvSpPr>
-            <a:spLocks noGrp="1"/>
-          </p:cNvSpPr>
-          <p:nvPr>
-            <p:ph type="ftr"/>
-          </p:nvPr>
-        </p:nvSpPr>
-        <p:spPr>
-          <a:xfrm>
-            <a:off x="4038480" y="6356520"/>
-            <a:ext cx="4114440" cy="364680"/>
-          </a:xfrm>
-          <a:prstGeom prst="rect">
-            <a:avLst/>
-          </a:prstGeom>
-        </p:spPr>
-        <p:txBody>
-          <a:bodyPr anchor="ctr"/>
-          <a:p>
-            <a:endParaRPr/>
-          </a:p>
-        </p:txBody>
-      </p:sp>
-      <p:sp>
-        <p:nvSpPr>
-          <p:cNvPr id="3" name="PlaceHolder 4"/>
-          <p:cNvSpPr>
-            <a:spLocks noGrp="1"/>
-          </p:cNvSpPr>
-          <p:nvPr>
-            <p:ph type="sldNum"/>
-          </p:nvPr>
-        </p:nvSpPr>
-        <p:spPr>
-          <a:xfrm>
-            <a:off x="8610480" y="6356520"/>
-            <a:ext cx="2742840" cy="364680"/>
-          </a:xfrm>
-          <a:prstGeom prst="rect">
-            <a:avLst/>
-          </a:prstGeom>
-        </p:spPr>
-        <p:txBody>
-          <a:bodyPr anchor="ctr"/>
-          <a:p>
-            <a:pPr algn="r">
-              <a:lnSpc>
-                <a:spcPct val="100000"/>
-              </a:lnSpc>
-            </a:pPr>
-            <a:fld id="{AE6E276C-0DE7-47CB-82E7-29E79C970242}" type="slidenum">
-              <a:rPr lang="en-US" sz="1200">
-                <a:solidFill>
-                  <a:srgbClr val="8b8b8b"/>
-                </a:solidFill>
-                <a:latin typeface="Calibri"/>
-              </a:rPr>
-              <a:t>&lt;number&gt;</a:t>
-            </a:fld>
-            <a:endParaRPr/>
-          </a:p>
-        </p:txBody>
-      </p:sp>
-      <p:sp>
-        <p:nvSpPr>
-          <p:cNvPr id="4" name="PlaceHolder 5"/>
           <p:cNvSpPr>
             <a:spLocks noGrp="1"/>
           </p:cNvSpPr>
@@ -2517,8 +2423,8 @@
               <a:buChar char=""/>
             </a:pPr>
             <a:r>
-              <a:rPr lang="en-US" sz="2800">
-                <a:latin typeface="Calibri"/>
+              <a:rPr lang="en-US" sz="3200">
+                <a:latin typeface="Arial"/>
               </a:rPr>
               <a:t>Click to edit the outline text format</a:t>
             </a:r>
@@ -2531,8 +2437,8 @@
               <a:buChar char=""/>
             </a:pPr>
             <a:r>
-              <a:rPr lang="en-US" sz="2000">
-                <a:latin typeface="Calibri"/>
+              <a:rPr lang="en-US" sz="2800">
+                <a:latin typeface="Arial"/>
               </a:rPr>
               <a:t>Second Outline Level</a:t>
             </a:r>
@@ -2545,8 +2451,8 @@
               <a:buChar char=""/>
             </a:pPr>
             <a:r>
-              <a:rPr lang="en-US">
-                <a:latin typeface="Calibri"/>
+              <a:rPr lang="en-US" sz="2400">
+                <a:latin typeface="Arial"/>
               </a:rPr>
               <a:t>Third Outline Level</a:t>
             </a:r>
@@ -2559,8 +2465,8 @@
               <a:buChar char=""/>
             </a:pPr>
             <a:r>
-              <a:rPr lang="en-US">
-                <a:latin typeface="Calibri"/>
+              <a:rPr lang="en-US" sz="2000">
+                <a:latin typeface="Arial"/>
               </a:rPr>
               <a:t>Fourth Outline Level</a:t>
             </a:r>
@@ -2574,7 +2480,7 @@
             </a:pPr>
             <a:r>
               <a:rPr lang="en-US" sz="2000">
-                <a:latin typeface="Calibri"/>
+                <a:latin typeface="Arial"/>
               </a:rPr>
               <a:t>Fifth Outline Level</a:t>
             </a:r>
@@ -2588,7 +2494,7 @@
             </a:pPr>
             <a:r>
               <a:rPr lang="en-US" sz="2000">
-                <a:latin typeface="Calibri"/>
+                <a:latin typeface="Arial"/>
               </a:rPr>
               <a:t>Sixth Outline Level</a:t>
             </a:r>
@@ -2602,7 +2508,7 @@
             </a:pPr>
             <a:r>
               <a:rPr lang="en-US" sz="2000">
-                <a:latin typeface="Calibri"/>
+                <a:latin typeface="Arial"/>
               </a:rPr>
               <a:t>Seventh Outline Level</a:t>
             </a:r>
@@ -2656,7 +2562,7 @@
       </p:grpSpPr>
       <p:sp>
         <p:nvSpPr>
-          <p:cNvPr id="39" name="PlaceHolder 1"/>
+          <p:cNvPr id="36" name="PlaceHolder 1"/>
           <p:cNvSpPr>
             <a:spLocks noGrp="1"/>
           </p:cNvSpPr>
@@ -2666,29 +2572,22 @@
         </p:nvSpPr>
         <p:spPr>
           <a:xfrm>
-            <a:off x="838080" y="365040"/>
-            <a:ext cx="10515240" cy="1325160"/>
-          </a:xfrm>
-          <a:prstGeom prst="rect">
-            <a:avLst/>
-          </a:prstGeom>
-        </p:spPr>
-        <p:txBody>
-          <a:bodyPr anchor="ctr"/>
-          <a:p>
-            <a:pPr>
-              <a:lnSpc>
-                <a:spcPct val="90000"/>
-              </a:lnSpc>
-            </a:pPr>
+            <a:off x="609480" y="273600"/>
+            <a:ext cx="10972440" cy="1144800"/>
+          </a:xfrm>
+          <a:prstGeom prst="rect">
+            <a:avLst/>
+          </a:prstGeom>
+        </p:spPr>
+        <p:txBody>
+          <a:bodyPr lIns="0" rIns="0" tIns="0" bIns="0" anchor="ctr"/>
+          <a:p>
+            <a:pPr algn="ctr"/>
             <a:r>
               <a:rPr lang="en-US" sz="4400">
-                <a:solidFill>
-                  <a:srgbClr val="000000"/>
-                </a:solidFill>
-                <a:latin typeface="Calibri Light"/>
+                <a:latin typeface="Arial"/>
               </a:rPr>
-              <a:t>Click to edit the title text formatClick to edit Master title style</a:t>
+              <a:t>Click to edit the title text format</a:t>
             </a:r>
             <a:endParaRPr/>
           </a:p>
@@ -2696,7 +2595,7 @@
       </p:sp>
       <p:sp>
         <p:nvSpPr>
-          <p:cNvPr id="40" name="PlaceHolder 2"/>
+          <p:cNvPr id="37" name="PlaceHolder 2"/>
           <p:cNvSpPr>
             <a:spLocks noGrp="1"/>
           </p:cNvSpPr>
@@ -2706,15 +2605,15 @@
         </p:nvSpPr>
         <p:spPr>
           <a:xfrm>
-            <a:off x="838080" y="1825560"/>
-            <a:ext cx="10515240" cy="4350960"/>
-          </a:xfrm>
-          <a:prstGeom prst="rect">
-            <a:avLst/>
-          </a:prstGeom>
-        </p:spPr>
-        <p:txBody>
-          <a:bodyPr/>
+            <a:off x="609480" y="1604520"/>
+            <a:ext cx="10972440" cy="3977280"/>
+          </a:xfrm>
+          <a:prstGeom prst="rect">
+            <a:avLst/>
+          </a:prstGeom>
+        </p:spPr>
+        <p:txBody>
+          <a:bodyPr lIns="0" rIns="0" tIns="0" bIns="0"/>
           <a:p>
             <a:pPr>
               <a:buSzPct val="45000"/>
@@ -2722,11 +2621,8 @@
               <a:buChar char=""/>
             </a:pPr>
             <a:r>
-              <a:rPr lang="en-US" sz="2800">
-                <a:solidFill>
-                  <a:srgbClr val="000000"/>
-                </a:solidFill>
-                <a:latin typeface="Calibri"/>
+              <a:rPr lang="en-US" sz="3200">
+                <a:latin typeface="Arial"/>
               </a:rPr>
               <a:t>Click to edit the outline text format</a:t>
             </a:r>
@@ -2740,10 +2636,7 @@
             </a:pPr>
             <a:r>
               <a:rPr lang="en-US" sz="2800">
-                <a:solidFill>
-                  <a:srgbClr val="000000"/>
-                </a:solidFill>
-                <a:latin typeface="Calibri"/>
+                <a:latin typeface="Arial"/>
               </a:rPr>
               <a:t>Second Outline Level</a:t>
             </a:r>
@@ -2756,11 +2649,8 @@
               <a:buChar char=""/>
             </a:pPr>
             <a:r>
-              <a:rPr lang="en-US" sz="2800">
-                <a:solidFill>
-                  <a:srgbClr val="000000"/>
-                </a:solidFill>
-                <a:latin typeface="Calibri"/>
+              <a:rPr lang="en-US" sz="2400">
+                <a:latin typeface="Arial"/>
               </a:rPr>
               <a:t>Third Outline Level</a:t>
             </a:r>
@@ -2773,11 +2663,8 @@
               <a:buChar char=""/>
             </a:pPr>
             <a:r>
-              <a:rPr lang="en-US" sz="2800">
-                <a:solidFill>
-                  <a:srgbClr val="000000"/>
-                </a:solidFill>
-                <a:latin typeface="Calibri"/>
+              <a:rPr lang="en-US" sz="2000">
+                <a:latin typeface="Arial"/>
               </a:rPr>
               <a:t>Fourth Outline Level</a:t>
             </a:r>
@@ -2790,11 +2677,8 @@
               <a:buChar char=""/>
             </a:pPr>
             <a:r>
-              <a:rPr lang="en-US" sz="2800">
-                <a:solidFill>
-                  <a:srgbClr val="000000"/>
-                </a:solidFill>
-                <a:latin typeface="Calibri"/>
+              <a:rPr lang="en-US" sz="2000">
+                <a:latin typeface="Arial"/>
               </a:rPr>
               <a:t>Fifth Outline Level</a:t>
             </a:r>
@@ -2807,215 +2691,25 @@
               <a:buChar char=""/>
             </a:pPr>
             <a:r>
-              <a:rPr lang="en-US" sz="2800">
-                <a:solidFill>
-                  <a:srgbClr val="000000"/>
-                </a:solidFill>
-                <a:latin typeface="Calibri"/>
+              <a:rPr lang="en-US" sz="2000">
+                <a:latin typeface="Arial"/>
               </a:rPr>
               <a:t>Sixth Outline Level</a:t>
             </a:r>
             <a:endParaRPr/>
           </a:p>
           <a:p>
-            <a:pPr>
-              <a:lnSpc>
-                <a:spcPct val="100000"/>
-              </a:lnSpc>
-              <a:buFont typeface="Arial"/>
-              <a:buChar char="•"/>
-            </a:pPr>
-            <a:r>
-              <a:rPr lang="en-US" sz="2800">
-                <a:solidFill>
-                  <a:srgbClr val="000000"/>
-                </a:solidFill>
-                <a:latin typeface="Calibri"/>
-              </a:rPr>
-              <a:t>Seventh Outline LevelClick to edit Master text styles</a:t>
-            </a:r>
-            <a:endParaRPr/>
-          </a:p>
-          <a:p>
-            <a:pPr lvl="1">
-              <a:lnSpc>
-                <a:spcPct val="100000"/>
-              </a:lnSpc>
-              <a:buFont typeface="Arial"/>
-              <a:buChar char="•"/>
-            </a:pPr>
-            <a:r>
-              <a:rPr lang="en-US" sz="2400">
-                <a:solidFill>
-                  <a:srgbClr val="000000"/>
-                </a:solidFill>
-                <a:latin typeface="Calibri"/>
-              </a:rPr>
-              <a:t>Second level</a:t>
-            </a:r>
-            <a:endParaRPr/>
-          </a:p>
-          <a:p>
-            <a:pPr lvl="2">
-              <a:lnSpc>
-                <a:spcPct val="100000"/>
-              </a:lnSpc>
-              <a:buFont typeface="Arial"/>
-              <a:buChar char="•"/>
+            <a:pPr lvl="6">
+              <a:buSzPct val="45000"/>
+              <a:buFont typeface="StarSymbol"/>
+              <a:buChar char=""/>
             </a:pPr>
             <a:r>
               <a:rPr lang="en-US" sz="2000">
-                <a:solidFill>
-                  <a:srgbClr val="000000"/>
-                </a:solidFill>
-                <a:latin typeface="Calibri"/>
+                <a:latin typeface="Arial"/>
               </a:rPr>
-              <a:t>Third level</a:t>
+              <a:t>Seventh Outline Level</a:t>
             </a:r>
-            <a:endParaRPr/>
-          </a:p>
-          <a:p>
-            <a:pPr lvl="3">
-              <a:lnSpc>
-                <a:spcPct val="100000"/>
-              </a:lnSpc>
-              <a:buFont typeface="Arial"/>
-              <a:buChar char="•"/>
-            </a:pPr>
-            <a:r>
-              <a:rPr lang="en-US">
-                <a:solidFill>
-                  <a:srgbClr val="000000"/>
-                </a:solidFill>
-                <a:latin typeface="Calibri"/>
-              </a:rPr>
-              <a:t>Fourth level</a:t>
-            </a:r>
-            <a:endParaRPr/>
-          </a:p>
-          <a:p>
-            <a:pPr lvl="4">
-              <a:lnSpc>
-                <a:spcPct val="100000"/>
-              </a:lnSpc>
-              <a:buFont typeface="Arial"/>
-              <a:buChar char="•"/>
-            </a:pPr>
-            <a:r>
-              <a:rPr lang="en-US">
-                <a:solidFill>
-                  <a:srgbClr val="000000"/>
-                </a:solidFill>
-                <a:latin typeface="Calibri"/>
-              </a:rPr>
-              <a:t>Fifth level</a:t>
-            </a:r>
-            <a:endParaRPr/>
-          </a:p>
-        </p:txBody>
-      </p:sp>
-      <p:sp>
-        <p:nvSpPr>
-          <p:cNvPr id="41" name="PlaceHolder 3"/>
-          <p:cNvSpPr>
-            <a:spLocks noGrp="1"/>
-          </p:cNvSpPr>
-          <p:nvPr>
-            <p:ph type="dt"/>
-          </p:nvPr>
-        </p:nvSpPr>
-        <p:spPr>
-          <a:xfrm>
-            <a:off x="838080" y="6356520"/>
-            <a:ext cx="2742840" cy="364680"/>
-          </a:xfrm>
-          <a:prstGeom prst="rect">
-            <a:avLst/>
-          </a:prstGeom>
-        </p:spPr>
-        <p:txBody>
-          <a:bodyPr anchor="ctr"/>
-          <a:p>
-            <a:pPr>
-              <a:lnSpc>
-                <a:spcPct val="100000"/>
-              </a:lnSpc>
-            </a:pPr>
-            <a:r>
-              <a:rPr lang="en-US" sz="1200">
-                <a:solidFill>
-                  <a:srgbClr val="8b8b8b"/>
-                </a:solidFill>
-                <a:latin typeface="Calibri"/>
-              </a:rPr>
-              <a:t>2/15/15</a:t>
-            </a:r>
-            <a:endParaRPr/>
-          </a:p>
-        </p:txBody>
-      </p:sp>
-      <p:sp>
-        <p:nvSpPr>
-          <p:cNvPr id="42" name="PlaceHolder 4"/>
-          <p:cNvSpPr>
-            <a:spLocks noGrp="1"/>
-          </p:cNvSpPr>
-          <p:nvPr>
-            <p:ph type="ftr"/>
-          </p:nvPr>
-        </p:nvSpPr>
-        <p:spPr>
-          <a:xfrm>
-            <a:off x="4038480" y="6356520"/>
-            <a:ext cx="4114440" cy="364680"/>
-          </a:xfrm>
-          <a:prstGeom prst="rect">
-            <a:avLst/>
-          </a:prstGeom>
-        </p:spPr>
-        <p:txBody>
-          <a:bodyPr anchor="ctr"/>
-          <a:p>
-            <a:endParaRPr/>
-          </a:p>
-        </p:txBody>
-      </p:sp>
-      <p:sp>
-        <p:nvSpPr>
-          <p:cNvPr id="43" name="PlaceHolder 5"/>
-          <p:cNvSpPr>
-            <a:spLocks noGrp="1"/>
-          </p:cNvSpPr>
-          <p:nvPr>
-            <p:ph type="sldNum"/>
-          </p:nvPr>
-        </p:nvSpPr>
-        <p:spPr>
-          <a:xfrm>
-            <a:off x="8610480" y="6356520"/>
-            <a:ext cx="2742840" cy="364680"/>
-          </a:xfrm>
-          <a:prstGeom prst="rect">
-            <a:avLst/>
-          </a:prstGeom>
-        </p:spPr>
-        <p:txBody>
-          <a:bodyPr anchor="ctr"/>
-          <a:p>
-            <a:pPr algn="r">
-              <a:lnSpc>
-                <a:spcPct val="100000"/>
-              </a:lnSpc>
-            </a:pPr>
-            <a:fld id="{760877C0-9186-4310-A1F0-FAC1EDDA9D73}" type="slidenum">
-              <a:rPr lang="en-US" sz="1200">
-                <a:solidFill>
-                  <a:srgbClr val="8b8b8b"/>
-                </a:solidFill>
-                <a:latin typeface="Calibri"/>
-              </a:rPr>
-              <a:t>&lt;number&gt;</a:t>
-            </a:fld>
             <a:endParaRPr/>
           </a:p>
         </p:txBody>
@@ -3059,21 +2753,25 @@
       </p:grpSpPr>
       <p:sp>
         <p:nvSpPr>
-          <p:cNvPr id="78" name="TextShape 1"/>
-          <p:cNvSpPr txBox="1"/>
+          <p:cNvPr id="72" name="CustomShape 1"/>
+          <p:cNvSpPr/>
           <p:nvPr/>
         </p:nvSpPr>
         <p:spPr>
           <a:xfrm>
             <a:off x="1523880" y="0"/>
-            <a:ext cx="9143640" cy="1599840"/>
-          </a:xfrm>
-          <a:prstGeom prst="rect">
-            <a:avLst/>
-          </a:prstGeom>
-        </p:spPr>
-        <p:txBody>
-          <a:bodyPr anchor="b"/>
+            <a:ext cx="9143280" cy="1599480"/>
+          </a:xfrm>
+          <a:prstGeom prst="rect">
+            <a:avLst/>
+          </a:prstGeom>
+          <a:noFill/>
+          <a:ln>
+            <a:noFill/>
+          </a:ln>
+        </p:spPr>
+        <p:txBody>
+          <a:bodyPr lIns="90000" rIns="90000" tIns="45000" bIns="45000" anchor="b"/>
           <a:p>
             <a:pPr algn="ctr">
               <a:lnSpc>
@@ -3095,21 +2793,25 @@
       </p:sp>
       <p:sp>
         <p:nvSpPr>
-          <p:cNvPr id="79" name="TextShape 2"/>
-          <p:cNvSpPr txBox="1"/>
+          <p:cNvPr id="73" name="CustomShape 2"/>
+          <p:cNvSpPr/>
           <p:nvPr/>
         </p:nvSpPr>
         <p:spPr>
           <a:xfrm>
             <a:off x="1359000" y="1600200"/>
-            <a:ext cx="9143640" cy="1655280"/>
-          </a:xfrm>
-          <a:prstGeom prst="rect">
-            <a:avLst/>
-          </a:prstGeom>
-        </p:spPr>
-        <p:txBody>
-          <a:bodyPr/>
+            <a:ext cx="9143280" cy="1654920"/>
+          </a:xfrm>
+          <a:prstGeom prst="rect">
+            <a:avLst/>
+          </a:prstGeom>
+          <a:noFill/>
+          <a:ln>
+            <a:noFill/>
+          </a:ln>
+        </p:spPr>
+        <p:txBody>
+          <a:bodyPr lIns="90000" rIns="90000" tIns="45000" bIns="45000"/>
           <a:p>
             <a:pPr algn="ctr">
               <a:lnSpc>
@@ -3131,7 +2833,7 @@
       </p:sp>
       <p:pic>
         <p:nvPicPr>
-          <p:cNvPr id="80" name="Picture 3" descr=""/>
+          <p:cNvPr id="74" name="Picture 3" descr=""/>
           <p:cNvPicPr/>
           <p:nvPr/>
         </p:nvPicPr>
@@ -3144,7 +2846,7 @@
         <p:spPr>
           <a:xfrm>
             <a:off x="4336920" y="2584440"/>
-            <a:ext cx="3517560" cy="3517560"/>
+            <a:ext cx="3517200" cy="3517200"/>
           </a:xfrm>
           <a:prstGeom prst="rect">
             <a:avLst/>
@@ -3205,7 +2907,7 @@
       </p:grpSpPr>
       <p:pic>
         <p:nvPicPr>
-          <p:cNvPr id="120" name="Picture 4" descr=""/>
+          <p:cNvPr id="114" name="Picture 4" descr=""/>
           <p:cNvPicPr/>
           <p:nvPr/>
         </p:nvPicPr>
@@ -3218,7 +2920,7 @@
         <p:spPr>
           <a:xfrm>
             <a:off x="1278720" y="0"/>
-            <a:ext cx="9707760" cy="6857640"/>
+            <a:ext cx="9707400" cy="6857280"/>
           </a:xfrm>
           <a:prstGeom prst="rect">
             <a:avLst/>
@@ -3279,14 +2981,14 @@
       </p:grpSpPr>
       <p:sp>
         <p:nvSpPr>
-          <p:cNvPr id="121" name="CustomShape 1"/>
+          <p:cNvPr id="115" name="CustomShape 1"/>
           <p:cNvSpPr/>
           <p:nvPr/>
         </p:nvSpPr>
         <p:spPr>
           <a:xfrm>
             <a:off x="1625760" y="1079640"/>
-            <a:ext cx="8965800" cy="3503880"/>
+            <a:ext cx="8965440" cy="3503520"/>
           </a:xfrm>
           <a:prstGeom prst="rect">
             <a:avLst/>
@@ -3344,6 +3046,33 @@
       </p:sp>
     </p:spTree>
   </p:cSld>
+  <p:timing>
+    <p:tnLst>
+      <p:par>
+        <p:cTn id="21" dur="indefinite" restart="never" nodeType="tmRoot">
+          <p:childTnLst>
+            <p:seq>
+              <p:cTn id="22" nodeType="mainSeq"/>
+              <p:prevCondLst>
+                <p:cond delay="0" evt="onPrev">
+                  <p:tgtEl>
+                    <p:sldTgt/>
+                  </p:tgtEl>
+                </p:cond>
+              </p:prevCondLst>
+              <p:nextCondLst>
+                <p:cond delay="0" evt="onNext">
+                  <p:tgtEl>
+                    <p:sldTgt/>
+                  </p:tgtEl>
+                </p:cond>
+              </p:nextCondLst>
+            </p:seq>
+          </p:childTnLst>
+        </p:cTn>
+      </p:par>
+    </p:tnLst>
+  </p:timing>
 </p:sld>
 </file>
 
@@ -3366,21 +3095,25 @@
       </p:grpSpPr>
       <p:sp>
         <p:nvSpPr>
-          <p:cNvPr id="81" name="TextShape 1"/>
-          <p:cNvSpPr txBox="1"/>
+          <p:cNvPr id="75" name="CustomShape 1"/>
+          <p:cNvSpPr/>
           <p:nvPr/>
         </p:nvSpPr>
         <p:spPr>
           <a:xfrm>
             <a:off x="838080" y="365040"/>
-            <a:ext cx="10515240" cy="1325160"/>
-          </a:xfrm>
-          <a:prstGeom prst="rect">
-            <a:avLst/>
-          </a:prstGeom>
-        </p:spPr>
-        <p:txBody>
-          <a:bodyPr anchor="ctr"/>
+            <a:ext cx="10514880" cy="1324800"/>
+          </a:xfrm>
+          <a:prstGeom prst="rect">
+            <a:avLst/>
+          </a:prstGeom>
+          <a:noFill/>
+          <a:ln>
+            <a:noFill/>
+          </a:ln>
+        </p:spPr>
+        <p:txBody>
+          <a:bodyPr lIns="90000" rIns="90000" tIns="45000" bIns="45000" anchor="ctr"/>
           <a:p>
             <a:pPr algn="ctr">
               <a:lnSpc>
@@ -3402,7 +3135,7 @@
       </p:sp>
       <p:pic>
         <p:nvPicPr>
-          <p:cNvPr id="82" name="Picture 3" descr=""/>
+          <p:cNvPr id="76" name="Picture 3" descr=""/>
           <p:cNvPicPr/>
           <p:nvPr/>
         </p:nvPicPr>
@@ -3415,7 +3148,7 @@
         <p:spPr>
           <a:xfrm>
             <a:off x="1645920" y="2979720"/>
-            <a:ext cx="3285720" cy="2323800"/>
+            <a:ext cx="3285360" cy="2323440"/>
           </a:xfrm>
           <a:prstGeom prst="rect">
             <a:avLst/>
@@ -3427,7 +3160,7 @@
       </p:pic>
       <p:pic>
         <p:nvPicPr>
-          <p:cNvPr id="83" name="Picture 4" descr=""/>
+          <p:cNvPr id="77" name="Picture 4" descr=""/>
           <p:cNvPicPr/>
           <p:nvPr/>
         </p:nvPicPr>
@@ -3440,7 +3173,7 @@
         <p:spPr>
           <a:xfrm>
             <a:off x="6952680" y="2468880"/>
-            <a:ext cx="3745800" cy="3217680"/>
+            <a:ext cx="3745440" cy="3217320"/>
           </a:xfrm>
           <a:prstGeom prst="rect">
             <a:avLst/>
@@ -3501,23 +3234,31 @@
       </p:grpSpPr>
       <p:sp>
         <p:nvSpPr>
-          <p:cNvPr id="84" name="TextShape 1"/>
-          <p:cNvSpPr txBox="1"/>
+          <p:cNvPr id="78" name="CustomShape 1"/>
+          <p:cNvSpPr/>
           <p:nvPr/>
         </p:nvSpPr>
         <p:spPr>
           <a:xfrm>
             <a:off x="731880" y="0"/>
-            <a:ext cx="10515240" cy="1325160"/>
-          </a:xfrm>
-          <a:prstGeom prst="rect">
-            <a:avLst/>
-          </a:prstGeom>
+            <a:ext cx="10514880" cy="1324800"/>
+          </a:xfrm>
+          <a:prstGeom prst="rect">
+            <a:avLst/>
+          </a:prstGeom>
+          <a:noFill/>
+          <a:ln>
+            <a:noFill/>
+          </a:ln>
         </p:spPr>
         <p:txBody>
           <a:bodyPr lIns="0" rIns="0" tIns="0" bIns="0" anchor="ctr"/>
           <a:p>
-            <a:pPr algn="ctr"/>
+            <a:pPr algn="ctr">
+              <a:lnSpc>
+                <a:spcPct val="100000"/>
+              </a:lnSpc>
+            </a:pPr>
             <a:r>
               <a:rPr lang="en-US" sz="4400">
                 <a:latin typeface="Calibri"/>
@@ -3530,13 +3271,13 @@
       </p:sp>
       <p:graphicFrame>
         <p:nvGraphicFramePr>
-          <p:cNvPr id="85" name="Table 2"/>
+          <p:cNvPr id="79" name="Table 2"/>
           <p:cNvGraphicFramePr/>
           <p:nvPr/>
         </p:nvGraphicFramePr>
         <p:xfrm>
           <a:off x="731520" y="3200400"/>
-          <a:ext cx="10807200" cy="2915280"/>
+          <a:ext cx="10806840" cy="2914920"/>
         </p:xfrm>
         <a:graphic>
           <a:graphicData uri="http://schemas.openxmlformats.org/drawingml/2006/table">
@@ -3552,13 +3293,13 @@
                 <a:gridCol w="1350000"/>
                 <a:gridCol w="1357200"/>
               </a:tblGrid>
-              <a:tr h="364680">
+              <a:tr h="431640">
                 <a:tc>
                   <a:tcPr/>
                 </a:tc>
                 <a:tc>
                   <a:txBody>
-                    <a:bodyPr lIns="90000" rIns="90000" tIns="46800" bIns="46800"/>
+                    <a:bodyPr/>
                     <a:p>
                       <a:r>
                         <a:rPr lang="en-US">
@@ -3573,7 +3314,7 @@
                 </a:tc>
                 <a:tc>
                   <a:txBody>
-                    <a:bodyPr lIns="90000" rIns="90000" tIns="46800" bIns="46800"/>
+                    <a:bodyPr/>
                     <a:p>
                       <a:r>
                         <a:rPr lang="en-US">
@@ -3588,7 +3329,7 @@
                 </a:tc>
                 <a:tc>
                   <a:txBody>
-                    <a:bodyPr lIns="90000" rIns="90000" tIns="46800" bIns="46800"/>
+                    <a:bodyPr/>
                     <a:p>
                       <a:r>
                         <a:rPr lang="en-US">
@@ -3603,7 +3344,7 @@
                 </a:tc>
                 <a:tc>
                   <a:txBody>
-                    <a:bodyPr lIns="90000" rIns="90000" tIns="46800" bIns="46800"/>
+                    <a:bodyPr/>
                     <a:p>
                       <a:r>
                         <a:rPr lang="en-US">
@@ -3618,7 +3359,7 @@
                 </a:tc>
                 <a:tc>
                   <a:txBody>
-                    <a:bodyPr lIns="90000" rIns="90000" tIns="46800" bIns="46800"/>
+                    <a:bodyPr/>
                     <a:p>
                       <a:r>
                         <a:rPr lang="en-US">
@@ -3633,7 +3374,7 @@
                 </a:tc>
                 <a:tc>
                   <a:txBody>
-                    <a:bodyPr lIns="90000" rIns="90000" tIns="46800" bIns="46800"/>
+                    <a:bodyPr/>
                     <a:p>
                       <a:r>
                         <a:rPr lang="en-US">
@@ -3648,7 +3389,7 @@
                 </a:tc>
                 <a:tc>
                   <a:txBody>
-                    <a:bodyPr lIns="90000" rIns="90000" tIns="46800" bIns="46800"/>
+                    <a:bodyPr/>
                     <a:p>
                       <a:r>
                         <a:rPr lang="en-US">
@@ -3662,10 +3403,10 @@
                   <a:tcPr/>
                 </a:tc>
               </a:tr>
-              <a:tr h="364680">
+              <a:tr h="431640">
                 <a:tc>
                   <a:txBody>
-                    <a:bodyPr lIns="90000" rIns="90000" tIns="46800" bIns="46800"/>
+                    <a:bodyPr/>
                     <a:p>
                       <a:r>
                         <a:rPr lang="en-US">
@@ -3683,9 +3424,13 @@
                 </a:tc>
                 <a:tc>
                   <a:txBody>
-                    <a:bodyPr lIns="90000" rIns="90000" tIns="46800" bIns="46800"/>
+                    <a:bodyPr/>
                     <a:p>
-                      <a:pPr algn="r"/>
+                      <a:pPr algn="r">
+                        <a:lnSpc>
+                          <a:spcPct val="100000"/>
+                        </a:lnSpc>
+                      </a:pPr>
                       <a:r>
                         <a:rPr lang="en-US">
                           <a:latin typeface="Arial"/>
@@ -3699,9 +3444,13 @@
                 </a:tc>
                 <a:tc>
                   <a:txBody>
-                    <a:bodyPr lIns="90000" rIns="90000" tIns="46800" bIns="46800"/>
+                    <a:bodyPr/>
                     <a:p>
-                      <a:pPr algn="r"/>
+                      <a:pPr algn="r">
+                        <a:lnSpc>
+                          <a:spcPct val="100000"/>
+                        </a:lnSpc>
+                      </a:pPr>
                       <a:r>
                         <a:rPr lang="en-US">
                           <a:latin typeface="Arial"/>
@@ -3715,9 +3464,13 @@
                 </a:tc>
                 <a:tc>
                   <a:txBody>
-                    <a:bodyPr lIns="90000" rIns="90000" tIns="46800" bIns="46800"/>
+                    <a:bodyPr/>
                     <a:p>
-                      <a:pPr algn="r"/>
+                      <a:pPr algn="r">
+                        <a:lnSpc>
+                          <a:spcPct val="100000"/>
+                        </a:lnSpc>
+                      </a:pPr>
                       <a:r>
                         <a:rPr lang="en-US">
                           <a:latin typeface="Arial"/>
@@ -3731,9 +3484,13 @@
                 </a:tc>
                 <a:tc>
                   <a:txBody>
-                    <a:bodyPr lIns="90000" rIns="90000" tIns="46800" bIns="46800"/>
+                    <a:bodyPr/>
                     <a:p>
-                      <a:pPr algn="r"/>
+                      <a:pPr algn="r">
+                        <a:lnSpc>
+                          <a:spcPct val="100000"/>
+                        </a:lnSpc>
+                      </a:pPr>
                       <a:r>
                         <a:rPr lang="en-US">
                           <a:latin typeface="Arial"/>
@@ -3747,9 +3504,13 @@
                 </a:tc>
                 <a:tc>
                   <a:txBody>
-                    <a:bodyPr lIns="90000" rIns="90000" tIns="46800" bIns="46800"/>
+                    <a:bodyPr/>
                     <a:p>
-                      <a:pPr algn="r"/>
+                      <a:pPr algn="r">
+                        <a:lnSpc>
+                          <a:spcPct val="100000"/>
+                        </a:lnSpc>
+                      </a:pPr>
                       <a:r>
                         <a:rPr lang="en-US">
                           <a:latin typeface="Arial"/>
@@ -3763,9 +3524,13 @@
                 </a:tc>
                 <a:tc>
                   <a:txBody>
-                    <a:bodyPr lIns="90000" rIns="90000" tIns="46800" bIns="46800"/>
+                    <a:bodyPr/>
                     <a:p>
-                      <a:pPr algn="r"/>
+                      <a:pPr algn="r">
+                        <a:lnSpc>
+                          <a:spcPct val="100000"/>
+                        </a:lnSpc>
+                      </a:pPr>
                       <a:r>
                         <a:rPr lang="en-US">
                           <a:latin typeface="Arial"/>
@@ -3778,10 +3543,10 @@
                   <a:tcPr/>
                 </a:tc>
               </a:tr>
-              <a:tr h="364680">
+              <a:tr h="431640">
                 <a:tc>
                   <a:txBody>
-                    <a:bodyPr lIns="90000" rIns="90000" tIns="46800" bIns="46800"/>
+                    <a:bodyPr/>
                     <a:p>
                       <a:r>
                         <a:rPr lang="en-US">
@@ -3796,9 +3561,13 @@
                 </a:tc>
                 <a:tc>
                   <a:txBody>
-                    <a:bodyPr lIns="90000" rIns="90000" tIns="46800" bIns="46800"/>
+                    <a:bodyPr/>
                     <a:p>
-                      <a:pPr algn="r"/>
+                      <a:pPr algn="r">
+                        <a:lnSpc>
+                          <a:spcPct val="100000"/>
+                        </a:lnSpc>
+                      </a:pPr>
                       <a:r>
                         <a:rPr lang="en-US">
                           <a:latin typeface="Arial"/>
@@ -3815,9 +3584,13 @@
                 </a:tc>
                 <a:tc>
                   <a:txBody>
-                    <a:bodyPr lIns="90000" rIns="90000" tIns="46800" bIns="46800"/>
+                    <a:bodyPr/>
                     <a:p>
-                      <a:pPr algn="r"/>
+                      <a:pPr algn="r">
+                        <a:lnSpc>
+                          <a:spcPct val="100000"/>
+                        </a:lnSpc>
+                      </a:pPr>
                       <a:r>
                         <a:rPr lang="en-US">
                           <a:latin typeface="Arial"/>
@@ -3831,9 +3604,13 @@
                 </a:tc>
                 <a:tc>
                   <a:txBody>
-                    <a:bodyPr lIns="90000" rIns="90000" tIns="46800" bIns="46800"/>
+                    <a:bodyPr/>
                     <a:p>
-                      <a:pPr algn="r"/>
+                      <a:pPr algn="r">
+                        <a:lnSpc>
+                          <a:spcPct val="100000"/>
+                        </a:lnSpc>
+                      </a:pPr>
                       <a:r>
                         <a:rPr lang="en-US">
                           <a:latin typeface="Arial"/>
@@ -3847,9 +3624,13 @@
                 </a:tc>
                 <a:tc>
                   <a:txBody>
-                    <a:bodyPr lIns="90000" rIns="90000" tIns="46800" bIns="46800"/>
+                    <a:bodyPr/>
                     <a:p>
-                      <a:pPr algn="r"/>
+                      <a:pPr algn="r">
+                        <a:lnSpc>
+                          <a:spcPct val="100000"/>
+                        </a:lnSpc>
+                      </a:pPr>
                       <a:r>
                         <a:rPr lang="en-US">
                           <a:latin typeface="Arial"/>
@@ -3863,9 +3644,13 @@
                 </a:tc>
                 <a:tc>
                   <a:txBody>
-                    <a:bodyPr lIns="90000" rIns="90000" tIns="46800" bIns="46800"/>
+                    <a:bodyPr/>
                     <a:p>
-                      <a:pPr algn="r"/>
+                      <a:pPr algn="r">
+                        <a:lnSpc>
+                          <a:spcPct val="100000"/>
+                        </a:lnSpc>
+                      </a:pPr>
                       <a:r>
                         <a:rPr lang="en-US">
                           <a:latin typeface="Arial"/>
@@ -3879,9 +3664,13 @@
                 </a:tc>
                 <a:tc>
                   <a:txBody>
-                    <a:bodyPr lIns="90000" rIns="90000" tIns="46800" bIns="46800"/>
+                    <a:bodyPr/>
                     <a:p>
-                      <a:pPr algn="r"/>
+                      <a:pPr algn="r">
+                        <a:lnSpc>
+                          <a:spcPct val="100000"/>
+                        </a:lnSpc>
+                      </a:pPr>
                       <a:r>
                         <a:rPr lang="en-US">
                           <a:latin typeface="Arial"/>
@@ -3894,10 +3683,10 @@
                   <a:tcPr/>
                 </a:tc>
               </a:tr>
-              <a:tr h="364680">
+              <a:tr h="431640">
                 <a:tc>
                   <a:txBody>
-                    <a:bodyPr lIns="90000" rIns="90000" tIns="46800" bIns="46800"/>
+                    <a:bodyPr/>
                     <a:p>
                       <a:r>
                         <a:rPr lang="en-US">
@@ -3912,9 +3701,13 @@
                 </a:tc>
                 <a:tc>
                   <a:txBody>
-                    <a:bodyPr lIns="90000" rIns="90000" tIns="46800" bIns="46800"/>
+                    <a:bodyPr/>
                     <a:p>
-                      <a:pPr algn="r"/>
+                      <a:pPr algn="r">
+                        <a:lnSpc>
+                          <a:spcPct val="100000"/>
+                        </a:lnSpc>
+                      </a:pPr>
                       <a:r>
                         <a:rPr lang="en-US">
                           <a:latin typeface="Arial"/>
@@ -3928,9 +3721,13 @@
                 </a:tc>
                 <a:tc>
                   <a:txBody>
-                    <a:bodyPr lIns="90000" rIns="90000" tIns="46800" bIns="46800"/>
+                    <a:bodyPr/>
                     <a:p>
-                      <a:pPr algn="r"/>
+                      <a:pPr algn="r">
+                        <a:lnSpc>
+                          <a:spcPct val="100000"/>
+                        </a:lnSpc>
+                      </a:pPr>
                       <a:r>
                         <a:rPr lang="en-US">
                           <a:latin typeface="Arial"/>
@@ -3947,9 +3744,13 @@
                 </a:tc>
                 <a:tc>
                   <a:txBody>
-                    <a:bodyPr lIns="90000" rIns="90000" tIns="46800" bIns="46800"/>
+                    <a:bodyPr/>
                     <a:p>
-                      <a:pPr algn="r"/>
+                      <a:pPr algn="r">
+                        <a:lnSpc>
+                          <a:spcPct val="100000"/>
+                        </a:lnSpc>
+                      </a:pPr>
                       <a:r>
                         <a:rPr lang="en-US">
                           <a:latin typeface="Arial"/>
@@ -3963,9 +3764,13 @@
                 </a:tc>
                 <a:tc>
                   <a:txBody>
-                    <a:bodyPr lIns="90000" rIns="90000" tIns="46800" bIns="46800"/>
+                    <a:bodyPr/>
                     <a:p>
-                      <a:pPr algn="r"/>
+                      <a:pPr algn="r">
+                        <a:lnSpc>
+                          <a:spcPct val="100000"/>
+                        </a:lnSpc>
+                      </a:pPr>
                       <a:r>
                         <a:rPr lang="en-US">
                           <a:latin typeface="Arial"/>
@@ -3979,9 +3784,13 @@
                 </a:tc>
                 <a:tc>
                   <a:txBody>
-                    <a:bodyPr lIns="90000" rIns="90000" tIns="46800" bIns="46800"/>
+                    <a:bodyPr/>
                     <a:p>
-                      <a:pPr algn="r"/>
+                      <a:pPr algn="r">
+                        <a:lnSpc>
+                          <a:spcPct val="100000"/>
+                        </a:lnSpc>
+                      </a:pPr>
                       <a:r>
                         <a:rPr lang="en-US">
                           <a:latin typeface="Arial"/>
@@ -3995,9 +3804,13 @@
                 </a:tc>
                 <a:tc>
                   <a:txBody>
-                    <a:bodyPr lIns="90000" rIns="90000" tIns="46800" bIns="46800"/>
+                    <a:bodyPr/>
                     <a:p>
-                      <a:pPr algn="r"/>
+                      <a:pPr algn="r">
+                        <a:lnSpc>
+                          <a:spcPct val="100000"/>
+                        </a:lnSpc>
+                      </a:pPr>
                       <a:r>
                         <a:rPr lang="en-US">
                           <a:latin typeface="Arial"/>
@@ -4010,10 +3823,10 @@
                   <a:tcPr/>
                 </a:tc>
               </a:tr>
-              <a:tr h="364680">
+              <a:tr h="431640">
                 <a:tc>
                   <a:txBody>
-                    <a:bodyPr lIns="90000" rIns="90000" tIns="46800" bIns="46800"/>
+                    <a:bodyPr/>
                     <a:p>
                       <a:r>
                         <a:rPr lang="en-US">
@@ -4028,9 +3841,13 @@
                 </a:tc>
                 <a:tc>
                   <a:txBody>
-                    <a:bodyPr lIns="90000" rIns="90000" tIns="46800" bIns="46800"/>
+                    <a:bodyPr/>
                     <a:p>
-                      <a:pPr algn="r"/>
+                      <a:pPr algn="r">
+                        <a:lnSpc>
+                          <a:spcPct val="100000"/>
+                        </a:lnSpc>
+                      </a:pPr>
                       <a:r>
                         <a:rPr lang="en-US">
                           <a:latin typeface="Arial"/>
@@ -4044,9 +3861,13 @@
                 </a:tc>
                 <a:tc>
                   <a:txBody>
-                    <a:bodyPr lIns="90000" rIns="90000" tIns="46800" bIns="46800"/>
+                    <a:bodyPr/>
                     <a:p>
-                      <a:pPr algn="r"/>
+                      <a:pPr algn="r">
+                        <a:lnSpc>
+                          <a:spcPct val="100000"/>
+                        </a:lnSpc>
+                      </a:pPr>
                       <a:r>
                         <a:rPr lang="en-US">
                           <a:latin typeface="Arial"/>
@@ -4060,9 +3881,13 @@
                 </a:tc>
                 <a:tc>
                   <a:txBody>
-                    <a:bodyPr lIns="90000" rIns="90000" tIns="46800" bIns="46800"/>
+                    <a:bodyPr/>
                     <a:p>
-                      <a:pPr algn="r"/>
+                      <a:pPr algn="r">
+                        <a:lnSpc>
+                          <a:spcPct val="100000"/>
+                        </a:lnSpc>
+                      </a:pPr>
                       <a:r>
                         <a:rPr lang="en-US">
                           <a:latin typeface="Arial"/>
@@ -4079,9 +3904,13 @@
                 </a:tc>
                 <a:tc>
                   <a:txBody>
-                    <a:bodyPr lIns="90000" rIns="90000" tIns="46800" bIns="46800"/>
+                    <a:bodyPr/>
                     <a:p>
-                      <a:pPr algn="r"/>
+                      <a:pPr algn="r">
+                        <a:lnSpc>
+                          <a:spcPct val="100000"/>
+                        </a:lnSpc>
+                      </a:pPr>
                       <a:r>
                         <a:rPr lang="en-US">
                           <a:latin typeface="Arial"/>
@@ -4095,9 +3924,13 @@
                 </a:tc>
                 <a:tc>
                   <a:txBody>
-                    <a:bodyPr lIns="90000" rIns="90000" tIns="46800" bIns="46800"/>
+                    <a:bodyPr/>
                     <a:p>
-                      <a:pPr algn="r"/>
+                      <a:pPr algn="r">
+                        <a:lnSpc>
+                          <a:spcPct val="100000"/>
+                        </a:lnSpc>
+                      </a:pPr>
                       <a:r>
                         <a:rPr lang="en-US">
                           <a:latin typeface="Arial"/>
@@ -4111,9 +3944,13 @@
                 </a:tc>
                 <a:tc>
                   <a:txBody>
-                    <a:bodyPr lIns="90000" rIns="90000" tIns="46800" bIns="46800"/>
+                    <a:bodyPr/>
                     <a:p>
-                      <a:pPr algn="r"/>
+                      <a:pPr algn="r">
+                        <a:lnSpc>
+                          <a:spcPct val="100000"/>
+                        </a:lnSpc>
+                      </a:pPr>
                       <a:r>
                         <a:rPr lang="en-US">
                           <a:latin typeface="Arial"/>
@@ -4126,10 +3963,10 @@
                   <a:tcPr/>
                 </a:tc>
               </a:tr>
-              <a:tr h="364680">
+              <a:tr h="431640">
                 <a:tc>
                   <a:txBody>
-                    <a:bodyPr lIns="90000" rIns="90000" tIns="46800" bIns="46800"/>
+                    <a:bodyPr/>
                     <a:p>
                       <a:r>
                         <a:rPr lang="en-US">
@@ -4144,9 +3981,13 @@
                 </a:tc>
                 <a:tc>
                   <a:txBody>
-                    <a:bodyPr lIns="90000" rIns="90000" tIns="46800" bIns="46800"/>
+                    <a:bodyPr/>
                     <a:p>
-                      <a:pPr algn="r"/>
+                      <a:pPr algn="r">
+                        <a:lnSpc>
+                          <a:spcPct val="100000"/>
+                        </a:lnSpc>
+                      </a:pPr>
                       <a:r>
                         <a:rPr lang="en-US">
                           <a:latin typeface="Arial"/>
@@ -4160,9 +4001,13 @@
                 </a:tc>
                 <a:tc>
                   <a:txBody>
-                    <a:bodyPr lIns="90000" rIns="90000" tIns="46800" bIns="46800"/>
+                    <a:bodyPr/>
                     <a:p>
-                      <a:pPr algn="r"/>
+                      <a:pPr algn="r">
+                        <a:lnSpc>
+                          <a:spcPct val="100000"/>
+                        </a:lnSpc>
+                      </a:pPr>
                       <a:r>
                         <a:rPr lang="en-US">
                           <a:latin typeface="Arial"/>
@@ -4176,9 +4021,13 @@
                 </a:tc>
                 <a:tc>
                   <a:txBody>
-                    <a:bodyPr lIns="90000" rIns="90000" tIns="46800" bIns="46800"/>
+                    <a:bodyPr/>
                     <a:p>
-                      <a:pPr algn="r"/>
+                      <a:pPr algn="r">
+                        <a:lnSpc>
+                          <a:spcPct val="100000"/>
+                        </a:lnSpc>
+                      </a:pPr>
                       <a:r>
                         <a:rPr lang="en-US">
                           <a:latin typeface="Arial"/>
@@ -4192,9 +4041,13 @@
                 </a:tc>
                 <a:tc>
                   <a:txBody>
-                    <a:bodyPr lIns="90000" rIns="90000" tIns="46800" bIns="46800"/>
+                    <a:bodyPr/>
                     <a:p>
-                      <a:pPr algn="r"/>
+                      <a:pPr algn="r">
+                        <a:lnSpc>
+                          <a:spcPct val="100000"/>
+                        </a:lnSpc>
+                      </a:pPr>
                       <a:r>
                         <a:rPr lang="en-US">
                           <a:latin typeface="Arial"/>
@@ -4211,9 +4064,13 @@
                 </a:tc>
                 <a:tc>
                   <a:txBody>
-                    <a:bodyPr lIns="90000" rIns="90000" tIns="46800" bIns="46800"/>
+                    <a:bodyPr/>
                     <a:p>
-                      <a:pPr algn="r"/>
+                      <a:pPr algn="r">
+                        <a:lnSpc>
+                          <a:spcPct val="100000"/>
+                        </a:lnSpc>
+                      </a:pPr>
                       <a:r>
                         <a:rPr lang="en-US">
                           <a:latin typeface="Arial"/>
@@ -4227,9 +4084,13 @@
                 </a:tc>
                 <a:tc>
                   <a:txBody>
-                    <a:bodyPr lIns="90000" rIns="90000" tIns="46800" bIns="46800"/>
+                    <a:bodyPr/>
                     <a:p>
-                      <a:pPr algn="r"/>
+                      <a:pPr algn="r">
+                        <a:lnSpc>
+                          <a:spcPct val="100000"/>
+                        </a:lnSpc>
+                      </a:pPr>
                       <a:r>
                         <a:rPr lang="en-US">
                           <a:latin typeface="Arial"/>
@@ -4242,10 +4103,10 @@
                   <a:tcPr/>
                 </a:tc>
               </a:tr>
-              <a:tr h="364680">
+              <a:tr h="431640">
                 <a:tc>
                   <a:txBody>
-                    <a:bodyPr lIns="90000" rIns="90000" tIns="46800" bIns="46800"/>
+                    <a:bodyPr/>
                     <a:p>
                       <a:r>
                         <a:rPr lang="en-US">
@@ -4260,9 +4121,13 @@
                 </a:tc>
                 <a:tc>
                   <a:txBody>
-                    <a:bodyPr lIns="90000" rIns="90000" tIns="46800" bIns="46800"/>
+                    <a:bodyPr/>
                     <a:p>
-                      <a:pPr algn="r"/>
+                      <a:pPr algn="r">
+                        <a:lnSpc>
+                          <a:spcPct val="100000"/>
+                        </a:lnSpc>
+                      </a:pPr>
                       <a:r>
                         <a:rPr lang="en-US">
                           <a:latin typeface="Arial"/>
@@ -4276,9 +4141,13 @@
                 </a:tc>
                 <a:tc>
                   <a:txBody>
-                    <a:bodyPr lIns="90000" rIns="90000" tIns="46800" bIns="46800"/>
+                    <a:bodyPr/>
                     <a:p>
-                      <a:pPr algn="r"/>
+                      <a:pPr algn="r">
+                        <a:lnSpc>
+                          <a:spcPct val="100000"/>
+                        </a:lnSpc>
+                      </a:pPr>
                       <a:r>
                         <a:rPr lang="en-US">
                           <a:latin typeface="Arial"/>
@@ -4292,9 +4161,13 @@
                 </a:tc>
                 <a:tc>
                   <a:txBody>
-                    <a:bodyPr lIns="90000" rIns="90000" tIns="46800" bIns="46800"/>
+                    <a:bodyPr/>
                     <a:p>
-                      <a:pPr algn="r"/>
+                      <a:pPr algn="r">
+                        <a:lnSpc>
+                          <a:spcPct val="100000"/>
+                        </a:lnSpc>
+                      </a:pPr>
                       <a:r>
                         <a:rPr lang="en-US">
                           <a:latin typeface="Arial"/>
@@ -4308,9 +4181,13 @@
                 </a:tc>
                 <a:tc>
                   <a:txBody>
-                    <a:bodyPr lIns="90000" rIns="90000" tIns="46800" bIns="46800"/>
+                    <a:bodyPr/>
                     <a:p>
-                      <a:pPr algn="r"/>
+                      <a:pPr algn="r">
+                        <a:lnSpc>
+                          <a:spcPct val="100000"/>
+                        </a:lnSpc>
+                      </a:pPr>
                       <a:r>
                         <a:rPr lang="en-US">
                           <a:latin typeface="Arial"/>
@@ -4324,9 +4201,13 @@
                 </a:tc>
                 <a:tc>
                   <a:txBody>
-                    <a:bodyPr lIns="90000" rIns="90000" tIns="46800" bIns="46800"/>
+                    <a:bodyPr/>
                     <a:p>
-                      <a:pPr algn="r"/>
+                      <a:pPr algn="r">
+                        <a:lnSpc>
+                          <a:spcPct val="100000"/>
+                        </a:lnSpc>
+                      </a:pPr>
                       <a:r>
                         <a:rPr lang="en-US">
                           <a:latin typeface="Arial"/>
@@ -4343,9 +4224,13 @@
                 </a:tc>
                 <a:tc>
                   <a:txBody>
-                    <a:bodyPr lIns="90000" rIns="90000" tIns="46800" bIns="46800"/>
+                    <a:bodyPr/>
                     <a:p>
-                      <a:pPr algn="r"/>
+                      <a:pPr algn="r">
+                        <a:lnSpc>
+                          <a:spcPct val="100000"/>
+                        </a:lnSpc>
+                      </a:pPr>
                       <a:r>
                         <a:rPr lang="en-US">
                           <a:latin typeface="Arial"/>
@@ -4358,10 +4243,10 @@
                   <a:tcPr/>
                 </a:tc>
               </a:tr>
-              <a:tr h="362520">
+              <a:tr h="347760">
                 <a:tc>
                   <a:txBody>
-                    <a:bodyPr lIns="90000" rIns="90000" tIns="46800" bIns="46800"/>
+                    <a:bodyPr/>
                     <a:p>
                       <a:r>
                         <a:rPr lang="en-US">
@@ -4376,9 +4261,13 @@
                 </a:tc>
                 <a:tc>
                   <a:txBody>
-                    <a:bodyPr lIns="90000" rIns="90000" tIns="46800" bIns="46800"/>
+                    <a:bodyPr/>
                     <a:p>
-                      <a:pPr algn="r"/>
+                      <a:pPr algn="r">
+                        <a:lnSpc>
+                          <a:spcPct val="100000"/>
+                        </a:lnSpc>
+                      </a:pPr>
                       <a:r>
                         <a:rPr lang="en-US">
                           <a:latin typeface="Arial"/>
@@ -4392,9 +4281,13 @@
                 </a:tc>
                 <a:tc>
                   <a:txBody>
-                    <a:bodyPr lIns="90000" rIns="90000" tIns="46800" bIns="46800"/>
+                    <a:bodyPr/>
                     <a:p>
-                      <a:pPr algn="r"/>
+                      <a:pPr algn="r">
+                        <a:lnSpc>
+                          <a:spcPct val="100000"/>
+                        </a:lnSpc>
+                      </a:pPr>
                       <a:r>
                         <a:rPr lang="en-US">
                           <a:latin typeface="Arial"/>
@@ -4408,9 +4301,13 @@
                 </a:tc>
                 <a:tc>
                   <a:txBody>
-                    <a:bodyPr lIns="90000" rIns="90000" tIns="46800" bIns="46800"/>
+                    <a:bodyPr/>
                     <a:p>
-                      <a:pPr algn="r"/>
+                      <a:pPr algn="r">
+                        <a:lnSpc>
+                          <a:spcPct val="100000"/>
+                        </a:lnSpc>
+                      </a:pPr>
                       <a:r>
                         <a:rPr lang="en-US">
                           <a:latin typeface="Arial"/>
@@ -4424,9 +4321,13 @@
                 </a:tc>
                 <a:tc>
                   <a:txBody>
-                    <a:bodyPr lIns="90000" rIns="90000" tIns="46800" bIns="46800"/>
+                    <a:bodyPr/>
                     <a:p>
-                      <a:pPr algn="r"/>
+                      <a:pPr algn="r">
+                        <a:lnSpc>
+                          <a:spcPct val="100000"/>
+                        </a:lnSpc>
+                      </a:pPr>
                       <a:r>
                         <a:rPr lang="en-US">
                           <a:latin typeface="Arial"/>
@@ -4440,9 +4341,13 @@
                 </a:tc>
                 <a:tc>
                   <a:txBody>
-                    <a:bodyPr lIns="90000" rIns="90000" tIns="46800" bIns="46800"/>
+                    <a:bodyPr/>
                     <a:p>
-                      <a:pPr algn="r"/>
+                      <a:pPr algn="r">
+                        <a:lnSpc>
+                          <a:spcPct val="100000"/>
+                        </a:lnSpc>
+                      </a:pPr>
                       <a:r>
                         <a:rPr lang="en-US">
                           <a:latin typeface="Arial"/>
@@ -4456,9 +4361,13 @@
                 </a:tc>
                 <a:tc>
                   <a:txBody>
-                    <a:bodyPr lIns="90000" rIns="90000" tIns="46800" bIns="46800"/>
+                    <a:bodyPr/>
                     <a:p>
-                      <a:pPr algn="r"/>
+                      <a:pPr algn="r">
+                        <a:lnSpc>
+                          <a:spcPct val="100000"/>
+                        </a:lnSpc>
+                      </a:pPr>
                       <a:r>
                         <a:rPr lang="en-US">
                           <a:latin typeface="Arial"/>
@@ -4480,14 +4389,14 @@
       </p:graphicFrame>
       <p:sp>
         <p:nvSpPr>
-          <p:cNvPr id="86" name="CustomShape 3"/>
+          <p:cNvPr id="80" name="CustomShape 3"/>
           <p:cNvSpPr/>
           <p:nvPr/>
         </p:nvSpPr>
         <p:spPr>
           <a:xfrm>
             <a:off x="697680" y="2834640"/>
-            <a:ext cx="5428800" cy="364680"/>
+            <a:ext cx="5428440" cy="364320"/>
           </a:xfrm>
           <a:prstGeom prst="rect">
             <a:avLst/>
@@ -4520,13 +4429,13 @@
       </p:sp>
       <p:pic>
         <p:nvPicPr>
-          <p:cNvPr id="87" name="Picture 3" descr=""/>
+          <p:cNvPr id="81" name="Picture 3" descr=""/>
           <p:cNvPicPr/>
           <p:nvPr/>
         </p:nvPicPr>
         <p:blipFill>
           <a:blip r:embed="rId1"/>
-          <a:srcRect l="0" t="1120430" r="0" b="892831"/>
+          <a:srcRect l="0" t="-1139192" r="0" b="-7162131"/>
           <a:stretch>
             <a:fillRect/>
           </a:stretch>
@@ -4534,7 +4443,7 @@
         <p:spPr>
           <a:xfrm>
             <a:off x="2834640" y="1191240"/>
-            <a:ext cx="5999400" cy="1104480"/>
+            <a:ext cx="5999040" cy="1104120"/>
           </a:xfrm>
           <a:prstGeom prst="rect">
             <a:avLst/>
@@ -4546,14 +4455,14 @@
       </p:pic>
       <p:sp>
         <p:nvSpPr>
-          <p:cNvPr id="88" name="CustomShape 4"/>
+          <p:cNvPr id="82" name="CustomShape 4"/>
           <p:cNvSpPr/>
           <p:nvPr/>
         </p:nvSpPr>
         <p:spPr>
           <a:xfrm>
             <a:off x="3403080" y="2271960"/>
-            <a:ext cx="5955840" cy="288360"/>
+            <a:ext cx="5955480" cy="288000"/>
           </a:xfrm>
           <a:prstGeom prst="rect">
             <a:avLst/>
@@ -4635,7 +4544,7 @@
       </p:grpSpPr>
       <p:pic>
         <p:nvPicPr>
-          <p:cNvPr id="89" name="Picture 5" descr=""/>
+          <p:cNvPr id="83" name="Picture 5" descr=""/>
           <p:cNvPicPr/>
           <p:nvPr/>
         </p:nvPicPr>
@@ -4648,7 +4557,7 @@
         <p:spPr>
           <a:xfrm>
             <a:off x="457200" y="2812680"/>
-            <a:ext cx="4120920" cy="3084840"/>
+            <a:ext cx="4120560" cy="3084480"/>
           </a:xfrm>
           <a:prstGeom prst="rect">
             <a:avLst/>
@@ -4660,14 +4569,14 @@
       </p:pic>
       <p:sp>
         <p:nvSpPr>
-          <p:cNvPr id="90" name="CustomShape 1"/>
+          <p:cNvPr id="84" name="CustomShape 1"/>
           <p:cNvSpPr/>
           <p:nvPr/>
         </p:nvSpPr>
         <p:spPr>
           <a:xfrm>
             <a:off x="399960" y="5898240"/>
-            <a:ext cx="4177800" cy="486360"/>
+            <a:ext cx="4177440" cy="486000"/>
           </a:xfrm>
           <a:prstGeom prst="rect">
             <a:avLst/>
@@ -4700,7 +4609,7 @@
       </p:sp>
       <p:pic>
         <p:nvPicPr>
-          <p:cNvPr id="91" name="Content Placeholder 3" descr=""/>
+          <p:cNvPr id="85" name="Content Placeholder 3" descr=""/>
           <p:cNvPicPr/>
           <p:nvPr/>
         </p:nvPicPr>
@@ -4713,7 +4622,7 @@
         <p:spPr>
           <a:xfrm>
             <a:off x="6750360" y="3017160"/>
-            <a:ext cx="5009040" cy="3675240"/>
+            <a:ext cx="5008680" cy="3674880"/>
           </a:xfrm>
           <a:prstGeom prst="rect">
             <a:avLst/>
@@ -4725,14 +4634,14 @@
       </p:pic>
       <p:sp>
         <p:nvSpPr>
-          <p:cNvPr id="92" name="CustomShape 2"/>
+          <p:cNvPr id="86" name="CustomShape 2"/>
           <p:cNvSpPr/>
           <p:nvPr/>
         </p:nvSpPr>
         <p:spPr>
           <a:xfrm>
             <a:off x="5372280" y="3416400"/>
-            <a:ext cx="1015560" cy="964800"/>
+            <a:ext cx="1015200" cy="964440"/>
           </a:xfrm>
           <a:prstGeom prst="rightArrow">
             <a:avLst>
@@ -4753,14 +4662,14 @@
       </p:sp>
       <p:sp>
         <p:nvSpPr>
-          <p:cNvPr id="93" name="CustomShape 3"/>
+          <p:cNvPr id="87" name="CustomShape 3"/>
           <p:cNvSpPr/>
           <p:nvPr/>
         </p:nvSpPr>
         <p:spPr>
           <a:xfrm>
             <a:off x="399960" y="2443680"/>
-            <a:ext cx="5428800" cy="364680"/>
+            <a:ext cx="5428440" cy="364320"/>
           </a:xfrm>
           <a:prstGeom prst="rect">
             <a:avLst/>
@@ -4793,14 +4702,14 @@
       </p:sp>
       <p:sp>
         <p:nvSpPr>
-          <p:cNvPr id="94" name="CustomShape 4"/>
+          <p:cNvPr id="88" name="CustomShape 4"/>
           <p:cNvSpPr/>
           <p:nvPr/>
         </p:nvSpPr>
         <p:spPr>
           <a:xfrm>
             <a:off x="6762600" y="2478240"/>
-            <a:ext cx="5428800" cy="364680"/>
+            <a:ext cx="5428440" cy="364320"/>
           </a:xfrm>
           <a:prstGeom prst="rect">
             <a:avLst/>
@@ -4833,21 +4742,25 @@
       </p:sp>
       <p:sp>
         <p:nvSpPr>
-          <p:cNvPr id="95" name="TextShape 5"/>
-          <p:cNvSpPr txBox="1"/>
+          <p:cNvPr id="89" name="CustomShape 5"/>
+          <p:cNvSpPr/>
           <p:nvPr/>
         </p:nvSpPr>
         <p:spPr>
           <a:xfrm>
             <a:off x="762480" y="360"/>
-            <a:ext cx="10515240" cy="1325160"/>
-          </a:xfrm>
-          <a:prstGeom prst="rect">
-            <a:avLst/>
-          </a:prstGeom>
-        </p:spPr>
-        <p:txBody>
-          <a:bodyPr anchor="ctr"/>
+            <a:ext cx="10514880" cy="1324800"/>
+          </a:xfrm>
+          <a:prstGeom prst="rect">
+            <a:avLst/>
+          </a:prstGeom>
+          <a:noFill/>
+          <a:ln>
+            <a:noFill/>
+          </a:ln>
+        </p:spPr>
+        <p:txBody>
+          <a:bodyPr lIns="90000" rIns="90000" tIns="45000" bIns="45000" anchor="ctr"/>
           <a:p>
             <a:pPr algn="ctr">
               <a:lnSpc>
@@ -4918,21 +4831,25 @@
       </p:grpSpPr>
       <p:sp>
         <p:nvSpPr>
-          <p:cNvPr id="96" name="TextShape 1"/>
-          <p:cNvSpPr txBox="1"/>
+          <p:cNvPr id="90" name="CustomShape 1"/>
+          <p:cNvSpPr/>
           <p:nvPr/>
         </p:nvSpPr>
         <p:spPr>
           <a:xfrm>
             <a:off x="762120" y="0"/>
-            <a:ext cx="10515240" cy="1325160"/>
-          </a:xfrm>
-          <a:prstGeom prst="rect">
-            <a:avLst/>
-          </a:prstGeom>
-        </p:spPr>
-        <p:txBody>
-          <a:bodyPr anchor="ctr"/>
+            <a:ext cx="10514880" cy="1324800"/>
+          </a:xfrm>
+          <a:prstGeom prst="rect">
+            <a:avLst/>
+          </a:prstGeom>
+          <a:noFill/>
+          <a:ln>
+            <a:noFill/>
+          </a:ln>
+        </p:spPr>
+        <p:txBody>
+          <a:bodyPr lIns="90000" rIns="90000" tIns="45000" bIns="45000" anchor="ctr"/>
           <a:p>
             <a:pPr algn="ctr">
               <a:lnSpc>
@@ -4954,7 +4871,7 @@
       </p:sp>
       <p:pic>
         <p:nvPicPr>
-          <p:cNvPr id="97" name="Picture 6" descr=""/>
+          <p:cNvPr id="91" name="Picture 6" descr=""/>
           <p:cNvPicPr/>
           <p:nvPr/>
         </p:nvPicPr>
@@ -4967,7 +4884,7 @@
         <p:spPr>
           <a:xfrm>
             <a:off x="7340760" y="1993320"/>
-            <a:ext cx="4215600" cy="4215600"/>
+            <a:ext cx="4215240" cy="4215240"/>
           </a:xfrm>
           <a:prstGeom prst="rect">
             <a:avLst/>
@@ -4979,14 +4896,14 @@
       </p:pic>
       <p:sp>
         <p:nvSpPr>
-          <p:cNvPr id="98" name="CustomShape 2"/>
+          <p:cNvPr id="92" name="CustomShape 2"/>
           <p:cNvSpPr/>
           <p:nvPr/>
         </p:nvSpPr>
         <p:spPr>
           <a:xfrm>
             <a:off x="7308720" y="1140840"/>
-            <a:ext cx="4647960" cy="912600"/>
+            <a:ext cx="4647600" cy="912240"/>
           </a:xfrm>
           <a:prstGeom prst="rect">
             <a:avLst/>
@@ -5019,14 +4936,14 @@
       </p:sp>
       <p:sp>
         <p:nvSpPr>
-          <p:cNvPr id="99" name="CustomShape 3"/>
+          <p:cNvPr id="93" name="CustomShape 3"/>
           <p:cNvSpPr/>
           <p:nvPr/>
         </p:nvSpPr>
         <p:spPr>
           <a:xfrm>
             <a:off x="7551720" y="6217920"/>
-            <a:ext cx="4152600" cy="486360"/>
+            <a:ext cx="4152240" cy="486000"/>
           </a:xfrm>
           <a:prstGeom prst="rect">
             <a:avLst/>
@@ -5059,7 +4976,7 @@
       </p:sp>
       <p:pic>
         <p:nvPicPr>
-          <p:cNvPr id="100" name="Picture 5" descr=""/>
+          <p:cNvPr id="94" name="Picture 5" descr=""/>
           <p:cNvPicPr/>
           <p:nvPr/>
         </p:nvPicPr>
@@ -5072,7 +4989,7 @@
         <p:spPr>
           <a:xfrm>
             <a:off x="490680" y="2842560"/>
-            <a:ext cx="4120920" cy="3084840"/>
+            <a:ext cx="4120560" cy="3084480"/>
           </a:xfrm>
           <a:prstGeom prst="rect">
             <a:avLst/>
@@ -5084,14 +5001,14 @@
       </p:pic>
       <p:sp>
         <p:nvSpPr>
-          <p:cNvPr id="101" name="CustomShape 4"/>
+          <p:cNvPr id="95" name="CustomShape 4"/>
           <p:cNvSpPr/>
           <p:nvPr/>
         </p:nvSpPr>
         <p:spPr>
           <a:xfrm>
             <a:off x="433440" y="5928120"/>
-            <a:ext cx="4177800" cy="486360"/>
+            <a:ext cx="4177440" cy="486000"/>
           </a:xfrm>
           <a:prstGeom prst="rect">
             <a:avLst/>
@@ -5124,14 +5041,14 @@
       </p:sp>
       <p:sp>
         <p:nvSpPr>
-          <p:cNvPr id="102" name="CustomShape 5"/>
+          <p:cNvPr id="96" name="CustomShape 5"/>
           <p:cNvSpPr/>
           <p:nvPr/>
         </p:nvSpPr>
         <p:spPr>
           <a:xfrm>
             <a:off x="5405760" y="3446280"/>
-            <a:ext cx="1015560" cy="964800"/>
+            <a:ext cx="1015200" cy="964440"/>
           </a:xfrm>
           <a:prstGeom prst="rightArrow">
             <a:avLst>
@@ -5152,14 +5069,14 @@
       </p:sp>
       <p:sp>
         <p:nvSpPr>
-          <p:cNvPr id="103" name="CustomShape 6"/>
+          <p:cNvPr id="97" name="CustomShape 6"/>
           <p:cNvSpPr/>
           <p:nvPr/>
         </p:nvSpPr>
         <p:spPr>
           <a:xfrm>
             <a:off x="433440" y="2473560"/>
-            <a:ext cx="5428800" cy="364680"/>
+            <a:ext cx="5428440" cy="364320"/>
           </a:xfrm>
           <a:prstGeom prst="rect">
             <a:avLst/>
@@ -5241,21 +5158,25 @@
       </p:grpSpPr>
       <p:sp>
         <p:nvSpPr>
-          <p:cNvPr id="104" name="TextShape 1"/>
-          <p:cNvSpPr txBox="1"/>
+          <p:cNvPr id="98" name="CustomShape 1"/>
+          <p:cNvSpPr/>
           <p:nvPr/>
         </p:nvSpPr>
         <p:spPr>
           <a:xfrm>
             <a:off x="0" y="0"/>
-            <a:ext cx="12191760" cy="1325160"/>
-          </a:xfrm>
-          <a:prstGeom prst="rect">
-            <a:avLst/>
-          </a:prstGeom>
-        </p:spPr>
-        <p:txBody>
-          <a:bodyPr anchor="ctr"/>
+            <a:ext cx="12191400" cy="1324800"/>
+          </a:xfrm>
+          <a:prstGeom prst="rect">
+            <a:avLst/>
+          </a:prstGeom>
+          <a:noFill/>
+          <a:ln>
+            <a:noFill/>
+          </a:ln>
+        </p:spPr>
+        <p:txBody>
+          <a:bodyPr lIns="90000" rIns="90000" tIns="45000" bIns="45000" anchor="ctr"/>
           <a:p>
             <a:pPr algn="ctr">
               <a:lnSpc>
@@ -5277,13 +5198,13 @@
       </p:sp>
       <p:pic>
         <p:nvPicPr>
-          <p:cNvPr id="105" name="Picture 3" descr=""/>
+          <p:cNvPr id="99" name="Picture 3" descr=""/>
           <p:cNvPicPr/>
           <p:nvPr/>
         </p:nvPicPr>
         <p:blipFill>
           <a:blip r:embed="rId1"/>
-          <a:srcRect l="0" t="0" r="0" b="39119"/>
+          <a:srcRect l="0" t="0" r="0" b="39112"/>
           <a:stretch>
             <a:fillRect/>
           </a:stretch>
@@ -5291,7 +5212,7 @@
         <p:spPr>
           <a:xfrm>
             <a:off x="0" y="1033200"/>
-            <a:ext cx="12191760" cy="3043080"/>
+            <a:ext cx="12191400" cy="3042720"/>
           </a:xfrm>
           <a:prstGeom prst="rect">
             <a:avLst/>
@@ -5303,7 +5224,7 @@
       </p:pic>
       <p:pic>
         <p:nvPicPr>
-          <p:cNvPr id="106" name="Picture 4" descr=""/>
+          <p:cNvPr id="100" name="Picture 4" descr=""/>
           <p:cNvPicPr/>
           <p:nvPr/>
         </p:nvPicPr>
@@ -5315,8 +5236,8 @@
         </p:blipFill>
         <p:spPr>
           <a:xfrm rot="16200000">
-            <a:off x="2514600" y="3939120"/>
-            <a:ext cx="487440" cy="4303440"/>
+            <a:off x="2514600" y="3939480"/>
+            <a:ext cx="487080" cy="4303080"/>
           </a:xfrm>
           <a:prstGeom prst="rect">
             <a:avLst/>
@@ -5328,7 +5249,7 @@
       </p:pic>
       <p:pic>
         <p:nvPicPr>
-          <p:cNvPr id="107" name="Picture 5" descr=""/>
+          <p:cNvPr id="101" name="Picture 5" descr=""/>
           <p:cNvPicPr/>
           <p:nvPr/>
         </p:nvPicPr>
@@ -5341,7 +5262,7 @@
         <p:spPr>
           <a:xfrm>
             <a:off x="9582120" y="4092480"/>
-            <a:ext cx="996840" cy="2723760"/>
+            <a:ext cx="996480" cy="2723400"/>
           </a:xfrm>
           <a:prstGeom prst="rect">
             <a:avLst/>
@@ -5353,14 +5274,14 @@
       </p:pic>
       <p:sp>
         <p:nvSpPr>
-          <p:cNvPr id="108" name="CustomShape 2"/>
+          <p:cNvPr id="102" name="CustomShape 2"/>
           <p:cNvSpPr/>
           <p:nvPr/>
         </p:nvSpPr>
         <p:spPr>
           <a:xfrm>
             <a:off x="606960" y="5109840"/>
-            <a:ext cx="4409280" cy="639000"/>
+            <a:ext cx="4408920" cy="638640"/>
           </a:xfrm>
           <a:prstGeom prst="rect">
             <a:avLst/>
@@ -5393,14 +5314,14 @@
       </p:sp>
       <p:sp>
         <p:nvSpPr>
-          <p:cNvPr id="109" name="CustomShape 3"/>
+          <p:cNvPr id="103" name="CustomShape 3"/>
           <p:cNvSpPr/>
           <p:nvPr/>
         </p:nvSpPr>
         <p:spPr>
           <a:xfrm>
             <a:off x="6819840" y="4187880"/>
-            <a:ext cx="5194080" cy="639000"/>
+            <a:ext cx="5193720" cy="638640"/>
           </a:xfrm>
           <a:prstGeom prst="rect">
             <a:avLst/>
@@ -5482,21 +5403,25 @@
       </p:grpSpPr>
       <p:sp>
         <p:nvSpPr>
-          <p:cNvPr id="110" name="TextShape 1"/>
-          <p:cNvSpPr txBox="1"/>
+          <p:cNvPr id="104" name="CustomShape 1"/>
+          <p:cNvSpPr/>
           <p:nvPr/>
         </p:nvSpPr>
         <p:spPr>
           <a:xfrm>
             <a:off x="0" y="-162360"/>
-            <a:ext cx="10515240" cy="1325160"/>
-          </a:xfrm>
-          <a:prstGeom prst="rect">
-            <a:avLst/>
-          </a:prstGeom>
-        </p:spPr>
-        <p:txBody>
-          <a:bodyPr anchor="ctr"/>
+            <a:ext cx="10514880" cy="1324800"/>
+          </a:xfrm>
+          <a:prstGeom prst="rect">
+            <a:avLst/>
+          </a:prstGeom>
+          <a:noFill/>
+          <a:ln>
+            <a:noFill/>
+          </a:ln>
+        </p:spPr>
+        <p:txBody>
+          <a:bodyPr lIns="90000" rIns="90000" tIns="45000" bIns="45000" anchor="ctr"/>
           <a:p>
             <a:pPr>
               <a:lnSpc>
@@ -5518,13 +5443,13 @@
       </p:sp>
       <p:pic>
         <p:nvPicPr>
-          <p:cNvPr id="111" name="Picture 3" descr=""/>
+          <p:cNvPr id="105" name="Picture 3" descr=""/>
           <p:cNvPicPr/>
           <p:nvPr/>
         </p:nvPicPr>
         <p:blipFill>
           <a:blip r:embed="rId1"/>
-          <a:srcRect l="0" t="6766" r="0" b="44959"/>
+          <a:srcRect l="0" t="6759" r="0" b="44952"/>
           <a:stretch>
             <a:fillRect/>
           </a:stretch>
@@ -5532,7 +5457,7 @@
         <p:spPr>
           <a:xfrm>
             <a:off x="0" y="965160"/>
-            <a:ext cx="12191760" cy="2412720"/>
+            <a:ext cx="12191400" cy="2412360"/>
           </a:xfrm>
           <a:prstGeom prst="rect">
             <a:avLst/>
@@ -5544,14 +5469,14 @@
       </p:pic>
       <p:sp>
         <p:nvSpPr>
-          <p:cNvPr id="112" name="CustomShape 2"/>
+          <p:cNvPr id="106" name="CustomShape 2"/>
           <p:cNvSpPr/>
           <p:nvPr/>
         </p:nvSpPr>
         <p:spPr>
           <a:xfrm>
             <a:off x="10020240" y="581760"/>
-            <a:ext cx="2171520" cy="638280"/>
+            <a:ext cx="2171160" cy="637920"/>
           </a:xfrm>
           <a:prstGeom prst="rect">
             <a:avLst/>
@@ -5584,7 +5509,7 @@
       </p:sp>
       <p:pic>
         <p:nvPicPr>
-          <p:cNvPr id="113" name="Picture 5" descr=""/>
+          <p:cNvPr id="107" name="Picture 5" descr=""/>
           <p:cNvPicPr/>
           <p:nvPr/>
         </p:nvPicPr>
@@ -5597,7 +5522,7 @@
         <p:spPr>
           <a:xfrm>
             <a:off x="0" y="4162680"/>
-            <a:ext cx="8628120" cy="2694960"/>
+            <a:ext cx="8627760" cy="2694600"/>
           </a:xfrm>
           <a:prstGeom prst="rect">
             <a:avLst/>
@@ -5609,14 +5534,14 @@
       </p:pic>
       <p:sp>
         <p:nvSpPr>
-          <p:cNvPr id="114" name="CustomShape 3"/>
+          <p:cNvPr id="108" name="CustomShape 3"/>
           <p:cNvSpPr/>
           <p:nvPr/>
         </p:nvSpPr>
         <p:spPr>
           <a:xfrm>
             <a:off x="8801280" y="4307760"/>
-            <a:ext cx="3276360" cy="1461240"/>
+            <a:ext cx="3276000" cy="1460880"/>
           </a:xfrm>
           <a:prstGeom prst="rect">
             <a:avLst/>
@@ -5723,27 +5648,26 @@
       </p:grpSpPr>
       <p:sp>
         <p:nvSpPr>
-          <p:cNvPr id="115" name="TextShape 1"/>
-          <p:cNvSpPr txBox="1"/>
+          <p:cNvPr id="109" name="CustomShape 1"/>
+          <p:cNvSpPr/>
           <p:nvPr/>
         </p:nvSpPr>
         <p:spPr>
           <a:xfrm>
             <a:off x="0" y="0"/>
-            <a:ext cx="12191760" cy="1325160"/>
-          </a:xfrm>
-          <a:prstGeom prst="rect">
-            <a:avLst/>
-          </a:prstGeom>
-        </p:spPr>
-        <p:txBody>
-          <a:bodyPr anchor="ctr"/>
-          <a:p>
-            <a:pPr algn="ctr">
-              <a:lnSpc>
-                <a:spcPct val="100000"/>
-              </a:lnSpc>
-            </a:pPr>
+            <a:ext cx="12191400" cy="1324800"/>
+          </a:xfrm>
+          <a:prstGeom prst="rect">
+            <a:avLst/>
+          </a:prstGeom>
+          <a:noFill/>
+          <a:ln>
+            <a:noFill/>
+          </a:ln>
+        </p:spPr>
+        <p:txBody>
+          <a:bodyPr lIns="90000" rIns="90000" tIns="45000" bIns="45000" anchor="ctr"/>
+          <a:p>
             <a:r>
               <a:rPr b="1" lang="en-US" sz="3600">
                 <a:solidFill>
@@ -5762,16 +5686,14 @@
               </a:rPr>
               <a:t> </a:t>
             </a:r>
-            <a:r>
-              <a:rPr lang="en-US" sz="3600">
-                <a:solidFill>
-                  <a:srgbClr val="000000"/>
-                </a:solidFill>
-                <a:latin typeface="Calibri Light"/>
-              </a:rPr>
-              <a:t>
-</a:t>
-            </a:r>
+            <a:endParaRPr/>
+          </a:p>
+          <a:p>
+            <a:pPr algn="ctr">
+              <a:lnSpc>
+                <a:spcPct val="100000"/>
+              </a:lnSpc>
+            </a:pPr>
             <a:r>
               <a:rPr lang="en-US" sz="3600">
                 <a:solidFill>
@@ -5787,7 +5709,7 @@
       </p:sp>
       <p:pic>
         <p:nvPicPr>
-          <p:cNvPr id="116" name="Picture 5" descr=""/>
+          <p:cNvPr id="110" name="Picture 5" descr=""/>
           <p:cNvPicPr/>
           <p:nvPr/>
         </p:nvPicPr>
@@ -5800,7 +5722,7 @@
         <p:spPr>
           <a:xfrm>
             <a:off x="939960" y="1325520"/>
-            <a:ext cx="10312200" cy="5532120"/>
+            <a:ext cx="10311840" cy="5531760"/>
           </a:xfrm>
           <a:prstGeom prst="rect">
             <a:avLst/>
@@ -5861,13 +5783,13 @@
       </p:grpSpPr>
       <p:pic>
         <p:nvPicPr>
-          <p:cNvPr id="117" name="Picture 4" descr=""/>
+          <p:cNvPr id="111" name="Picture 4" descr=""/>
           <p:cNvPicPr/>
           <p:nvPr/>
         </p:nvPicPr>
         <p:blipFill>
           <a:blip r:embed="rId1"/>
-          <a:srcRect l="0" t="0" r="8284" b="0"/>
+          <a:srcRect l="0" t="0" r="8271" b="0"/>
           <a:stretch>
             <a:fillRect/>
           </a:stretch>
@@ -5875,7 +5797,7 @@
         <p:spPr>
           <a:xfrm>
             <a:off x="4273560" y="1512000"/>
-            <a:ext cx="7448040" cy="4825800"/>
+            <a:ext cx="7447680" cy="4825440"/>
           </a:xfrm>
           <a:prstGeom prst="rect">
             <a:avLst/>
@@ -5887,21 +5809,25 @@
       </p:pic>
       <p:sp>
         <p:nvSpPr>
-          <p:cNvPr id="118" name="TextShape 1"/>
-          <p:cNvSpPr txBox="1"/>
+          <p:cNvPr id="112" name="CustomShape 1"/>
+          <p:cNvSpPr/>
           <p:nvPr/>
         </p:nvSpPr>
         <p:spPr>
           <a:xfrm>
             <a:off x="927000" y="0"/>
-            <a:ext cx="10397880" cy="1325160"/>
-          </a:xfrm>
-          <a:prstGeom prst="rect">
-            <a:avLst/>
-          </a:prstGeom>
-        </p:spPr>
-        <p:txBody>
-          <a:bodyPr anchor="ctr"/>
+            <a:ext cx="10397520" cy="1324800"/>
+          </a:xfrm>
+          <a:prstGeom prst="rect">
+            <a:avLst/>
+          </a:prstGeom>
+          <a:noFill/>
+          <a:ln>
+            <a:noFill/>
+          </a:ln>
+        </p:spPr>
+        <p:txBody>
+          <a:bodyPr lIns="90000" rIns="90000" tIns="45000" bIns="45000" anchor="ctr"/>
           <a:p>
             <a:pPr algn="ctr">
               <a:lnSpc>
@@ -5923,14 +5849,14 @@
       </p:sp>
       <p:sp>
         <p:nvSpPr>
-          <p:cNvPr id="119" name="CustomShape 2"/>
+          <p:cNvPr id="113" name="CustomShape 2"/>
           <p:cNvSpPr/>
           <p:nvPr/>
         </p:nvSpPr>
         <p:spPr>
           <a:xfrm>
             <a:off x="88920" y="2031840"/>
-            <a:ext cx="3854160" cy="4478760"/>
+            <a:ext cx="3853800" cy="4478400"/>
           </a:xfrm>
           <a:prstGeom prst="rect">
             <a:avLst/>

--- a/Final/Presentation/Data_Visualization_Final.pptx
+++ b/Final/Presentation/Data_Visualization_Final.pptx
@@ -2375,8 +2375,8 @@
         </p:nvSpPr>
         <p:spPr>
           <a:xfrm>
-            <a:off x="838080" y="365040"/>
-            <a:ext cx="10514880" cy="1325160"/>
+            <a:off x="609480" y="273600"/>
+            <a:ext cx="10972080" cy="1144800"/>
           </a:xfrm>
           <a:prstGeom prst="rect">
             <a:avLst/>
@@ -2408,7 +2408,7 @@
         <p:spPr>
           <a:xfrm>
             <a:off x="609480" y="1604520"/>
-            <a:ext cx="10972440" cy="3977280"/>
+            <a:ext cx="10972080" cy="3976920"/>
           </a:xfrm>
           <a:prstGeom prst="rect">
             <a:avLst/>
@@ -2423,7 +2423,7 @@
               <a:buChar char=""/>
             </a:pPr>
             <a:r>
-              <a:rPr lang="en-US" sz="3200">
+              <a:rPr lang="en-US">
                 <a:latin typeface="Arial"/>
               </a:rPr>
               <a:t>Click to edit the outline text format</a:t>
@@ -2437,7 +2437,7 @@
               <a:buChar char=""/>
             </a:pPr>
             <a:r>
-              <a:rPr lang="en-US" sz="2800">
+              <a:rPr lang="en-US">
                 <a:latin typeface="Arial"/>
               </a:rPr>
               <a:t>Second Outline Level</a:t>
@@ -2451,7 +2451,7 @@
               <a:buChar char=""/>
             </a:pPr>
             <a:r>
-              <a:rPr lang="en-US" sz="2400">
+              <a:rPr lang="en-US">
                 <a:latin typeface="Arial"/>
               </a:rPr>
               <a:t>Third Outline Level</a:t>
@@ -2465,7 +2465,7 @@
               <a:buChar char=""/>
             </a:pPr>
             <a:r>
-              <a:rPr lang="en-US" sz="2000">
+              <a:rPr lang="en-US">
                 <a:latin typeface="Arial"/>
               </a:rPr>
               <a:t>Fourth Outline Level</a:t>
@@ -2479,7 +2479,7 @@
               <a:buChar char=""/>
             </a:pPr>
             <a:r>
-              <a:rPr lang="en-US" sz="2000">
+              <a:rPr lang="en-US">
                 <a:latin typeface="Arial"/>
               </a:rPr>
               <a:t>Fifth Outline Level</a:t>
@@ -2493,7 +2493,7 @@
               <a:buChar char=""/>
             </a:pPr>
             <a:r>
-              <a:rPr lang="en-US" sz="2000">
+              <a:rPr lang="en-US">
                 <a:latin typeface="Arial"/>
               </a:rPr>
               <a:t>Sixth Outline Level</a:t>
@@ -2507,7 +2507,7 @@
               <a:buChar char=""/>
             </a:pPr>
             <a:r>
-              <a:rPr lang="en-US" sz="2000">
+              <a:rPr lang="en-US">
                 <a:latin typeface="Arial"/>
               </a:rPr>
               <a:t>Seventh Outline Level</a:t>
@@ -2760,7 +2760,7 @@
         <p:spPr>
           <a:xfrm>
             <a:off x="1523880" y="0"/>
-            <a:ext cx="9143280" cy="1599480"/>
+            <a:ext cx="9142920" cy="1599120"/>
           </a:xfrm>
           <a:prstGeom prst="rect">
             <a:avLst/>
@@ -2800,7 +2800,7 @@
         <p:spPr>
           <a:xfrm>
             <a:off x="1359000" y="1600200"/>
-            <a:ext cx="9143280" cy="1654920"/>
+            <a:ext cx="9142920" cy="1654560"/>
           </a:xfrm>
           <a:prstGeom prst="rect">
             <a:avLst/>
@@ -2846,7 +2846,7 @@
         <p:spPr>
           <a:xfrm>
             <a:off x="4336920" y="2584440"/>
-            <a:ext cx="3517200" cy="3517200"/>
+            <a:ext cx="3516840" cy="3516840"/>
           </a:xfrm>
           <a:prstGeom prst="rect">
             <a:avLst/>
@@ -2907,7 +2907,7 @@
       </p:grpSpPr>
       <p:pic>
         <p:nvPicPr>
-          <p:cNvPr id="114" name="Picture 4" descr=""/>
+          <p:cNvPr id="115" name="Picture 4" descr=""/>
           <p:cNvPicPr/>
           <p:nvPr/>
         </p:nvPicPr>
@@ -2920,7 +2920,7 @@
         <p:spPr>
           <a:xfrm>
             <a:off x="1278720" y="0"/>
-            <a:ext cx="9707400" cy="6857280"/>
+            <a:ext cx="9707040" cy="6856920"/>
           </a:xfrm>
           <a:prstGeom prst="rect">
             <a:avLst/>
@@ -2981,14 +2981,14 @@
       </p:grpSpPr>
       <p:sp>
         <p:nvSpPr>
-          <p:cNvPr id="115" name="CustomShape 1"/>
+          <p:cNvPr id="116" name="CustomShape 1"/>
           <p:cNvSpPr/>
           <p:nvPr/>
         </p:nvSpPr>
         <p:spPr>
           <a:xfrm>
             <a:off x="1625760" y="1079640"/>
-            <a:ext cx="8965440" cy="3503520"/>
+            <a:ext cx="8965080" cy="3503160"/>
           </a:xfrm>
           <a:prstGeom prst="rect">
             <a:avLst/>
@@ -3102,7 +3102,7 @@
         <p:spPr>
           <a:xfrm>
             <a:off x="838080" y="365040"/>
-            <a:ext cx="10514880" cy="1324800"/>
+            <a:ext cx="10514520" cy="1324440"/>
           </a:xfrm>
           <a:prstGeom prst="rect">
             <a:avLst/>
@@ -3148,7 +3148,7 @@
         <p:spPr>
           <a:xfrm>
             <a:off x="1645920" y="2979720"/>
-            <a:ext cx="3285360" cy="2323440"/>
+            <a:ext cx="3285000" cy="2323080"/>
           </a:xfrm>
           <a:prstGeom prst="rect">
             <a:avLst/>
@@ -3173,7 +3173,7 @@
         <p:spPr>
           <a:xfrm>
             <a:off x="6952680" y="2468880"/>
-            <a:ext cx="3745440" cy="3217320"/>
+            <a:ext cx="3745080" cy="3216960"/>
           </a:xfrm>
           <a:prstGeom prst="rect">
             <a:avLst/>
@@ -3241,7 +3241,7 @@
         <p:spPr>
           <a:xfrm>
             <a:off x="731880" y="0"/>
-            <a:ext cx="10514880" cy="1324800"/>
+            <a:ext cx="10514520" cy="1324440"/>
           </a:xfrm>
           <a:prstGeom prst="rect">
             <a:avLst/>
@@ -3277,7 +3277,7 @@
         </p:nvGraphicFramePr>
         <p:xfrm>
           <a:off x="731520" y="3200400"/>
-          <a:ext cx="10806840" cy="2914920"/>
+          <a:ext cx="10806480" cy="2914560"/>
         </p:xfrm>
         <a:graphic>
           <a:graphicData uri="http://schemas.openxmlformats.org/drawingml/2006/table">
@@ -3291,7 +3291,7 @@
                 <a:gridCol w="1350000"/>
                 <a:gridCol w="1350000"/>
                 <a:gridCol w="1350000"/>
-                <a:gridCol w="1357200"/>
+                <a:gridCol w="1356480"/>
               </a:tblGrid>
               <a:tr h="431640">
                 <a:tc>
@@ -4396,7 +4396,7 @@
         <p:spPr>
           <a:xfrm>
             <a:off x="697680" y="2834640"/>
-            <a:ext cx="5428440" cy="364320"/>
+            <a:ext cx="5428080" cy="363960"/>
           </a:xfrm>
           <a:prstGeom prst="rect">
             <a:avLst/>
@@ -4435,7 +4435,7 @@
         </p:nvPicPr>
         <p:blipFill>
           <a:blip r:embed="rId1"/>
-          <a:srcRect l="0" t="-1139192" r="0" b="-7162131"/>
+          <a:srcRect l="0" t="642776" r="0" b="-4797105"/>
           <a:stretch>
             <a:fillRect/>
           </a:stretch>
@@ -4443,7 +4443,7 @@
         <p:spPr>
           <a:xfrm>
             <a:off x="2834640" y="1191240"/>
-            <a:ext cx="5999040" cy="1104120"/>
+            <a:ext cx="5998680" cy="1103760"/>
           </a:xfrm>
           <a:prstGeom prst="rect">
             <a:avLst/>
@@ -4462,7 +4462,7 @@
         <p:spPr>
           <a:xfrm>
             <a:off x="3403080" y="2271960"/>
-            <a:ext cx="5955480" cy="288000"/>
+            <a:ext cx="5955120" cy="287640"/>
           </a:xfrm>
           <a:prstGeom prst="rect">
             <a:avLst/>
@@ -4493,6 +4493,32 @@
           </a:p>
         </p:txBody>
       </p:sp>
+      <p:pic>
+        <p:nvPicPr>
+          <p:cNvPr id="83" name="Picture 3" descr=""/>
+          <p:cNvPicPr/>
+          <p:nvPr/>
+        </p:nvPicPr>
+        <p:blipFill>
+          <a:blip r:embed="rId2"/>
+          <a:srcRect l="0" t="1120430" r="0" b="892831"/>
+          <a:stretch>
+            <a:fillRect/>
+          </a:stretch>
+        </p:blipFill>
+        <p:spPr>
+          <a:xfrm>
+            <a:off x="2833920" y="1097280"/>
+            <a:ext cx="5999400" cy="1104480"/>
+          </a:xfrm>
+          <a:prstGeom prst="rect">
+            <a:avLst/>
+          </a:prstGeom>
+          <a:ln>
+            <a:noFill/>
+          </a:ln>
+        </p:spPr>
+      </p:pic>
     </p:spTree>
   </p:cSld>
   <p:timing>
@@ -4544,7 +4570,7 @@
       </p:grpSpPr>
       <p:pic>
         <p:nvPicPr>
-          <p:cNvPr id="83" name="Picture 5" descr=""/>
+          <p:cNvPr id="84" name="Picture 5" descr=""/>
           <p:cNvPicPr/>
           <p:nvPr/>
         </p:nvPicPr>
@@ -4557,7 +4583,7 @@
         <p:spPr>
           <a:xfrm>
             <a:off x="457200" y="2812680"/>
-            <a:ext cx="4120560" cy="3084480"/>
+            <a:ext cx="4120200" cy="3084120"/>
           </a:xfrm>
           <a:prstGeom prst="rect">
             <a:avLst/>
@@ -4569,14 +4595,14 @@
       </p:pic>
       <p:sp>
         <p:nvSpPr>
-          <p:cNvPr id="84" name="CustomShape 1"/>
+          <p:cNvPr id="85" name="CustomShape 1"/>
           <p:cNvSpPr/>
           <p:nvPr/>
         </p:nvSpPr>
         <p:spPr>
           <a:xfrm>
             <a:off x="399960" y="5898240"/>
-            <a:ext cx="4177440" cy="486000"/>
+            <a:ext cx="4177080" cy="485640"/>
           </a:xfrm>
           <a:prstGeom prst="rect">
             <a:avLst/>
@@ -4609,7 +4635,7 @@
       </p:sp>
       <p:pic>
         <p:nvPicPr>
-          <p:cNvPr id="85" name="Content Placeholder 3" descr=""/>
+          <p:cNvPr id="86" name="Content Placeholder 3" descr=""/>
           <p:cNvPicPr/>
           <p:nvPr/>
         </p:nvPicPr>
@@ -4622,7 +4648,7 @@
         <p:spPr>
           <a:xfrm>
             <a:off x="6750360" y="3017160"/>
-            <a:ext cx="5008680" cy="3674880"/>
+            <a:ext cx="5008320" cy="3674520"/>
           </a:xfrm>
           <a:prstGeom prst="rect">
             <a:avLst/>
@@ -4634,14 +4660,14 @@
       </p:pic>
       <p:sp>
         <p:nvSpPr>
-          <p:cNvPr id="86" name="CustomShape 2"/>
+          <p:cNvPr id="87" name="CustomShape 2"/>
           <p:cNvSpPr/>
           <p:nvPr/>
         </p:nvSpPr>
         <p:spPr>
           <a:xfrm>
             <a:off x="5372280" y="3416400"/>
-            <a:ext cx="1015200" cy="964440"/>
+            <a:ext cx="1014840" cy="964080"/>
           </a:xfrm>
           <a:prstGeom prst="rightArrow">
             <a:avLst>
@@ -4662,14 +4688,14 @@
       </p:sp>
       <p:sp>
         <p:nvSpPr>
-          <p:cNvPr id="87" name="CustomShape 3"/>
+          <p:cNvPr id="88" name="CustomShape 3"/>
           <p:cNvSpPr/>
           <p:nvPr/>
         </p:nvSpPr>
         <p:spPr>
           <a:xfrm>
             <a:off x="399960" y="2443680"/>
-            <a:ext cx="5428440" cy="364320"/>
+            <a:ext cx="5428080" cy="363960"/>
           </a:xfrm>
           <a:prstGeom prst="rect">
             <a:avLst/>
@@ -4702,14 +4728,14 @@
       </p:sp>
       <p:sp>
         <p:nvSpPr>
-          <p:cNvPr id="88" name="CustomShape 4"/>
+          <p:cNvPr id="89" name="CustomShape 4"/>
           <p:cNvSpPr/>
           <p:nvPr/>
         </p:nvSpPr>
         <p:spPr>
           <a:xfrm>
             <a:off x="6762600" y="2478240"/>
-            <a:ext cx="5428440" cy="364320"/>
+            <a:ext cx="5428080" cy="363960"/>
           </a:xfrm>
           <a:prstGeom prst="rect">
             <a:avLst/>
@@ -4742,14 +4768,14 @@
       </p:sp>
       <p:sp>
         <p:nvSpPr>
-          <p:cNvPr id="89" name="CustomShape 5"/>
+          <p:cNvPr id="90" name="CustomShape 5"/>
           <p:cNvSpPr/>
           <p:nvPr/>
         </p:nvSpPr>
         <p:spPr>
           <a:xfrm>
             <a:off x="762480" y="360"/>
-            <a:ext cx="10514880" cy="1324800"/>
+            <a:ext cx="10514520" cy="1324440"/>
           </a:xfrm>
           <a:prstGeom prst="rect">
             <a:avLst/>
@@ -4831,14 +4857,14 @@
       </p:grpSpPr>
       <p:sp>
         <p:nvSpPr>
-          <p:cNvPr id="90" name="CustomShape 1"/>
+          <p:cNvPr id="91" name="CustomShape 1"/>
           <p:cNvSpPr/>
           <p:nvPr/>
         </p:nvSpPr>
         <p:spPr>
           <a:xfrm>
             <a:off x="762120" y="0"/>
-            <a:ext cx="10514880" cy="1324800"/>
+            <a:ext cx="10514520" cy="1324440"/>
           </a:xfrm>
           <a:prstGeom prst="rect">
             <a:avLst/>
@@ -4871,7 +4897,7 @@
       </p:sp>
       <p:pic>
         <p:nvPicPr>
-          <p:cNvPr id="91" name="Picture 6" descr=""/>
+          <p:cNvPr id="92" name="Picture 6" descr=""/>
           <p:cNvPicPr/>
           <p:nvPr/>
         </p:nvPicPr>
@@ -4884,7 +4910,7 @@
         <p:spPr>
           <a:xfrm>
             <a:off x="7340760" y="1993320"/>
-            <a:ext cx="4215240" cy="4215240"/>
+            <a:ext cx="4214880" cy="4214880"/>
           </a:xfrm>
           <a:prstGeom prst="rect">
             <a:avLst/>
@@ -4896,14 +4922,14 @@
       </p:pic>
       <p:sp>
         <p:nvSpPr>
-          <p:cNvPr id="92" name="CustomShape 2"/>
+          <p:cNvPr id="93" name="CustomShape 2"/>
           <p:cNvSpPr/>
           <p:nvPr/>
         </p:nvSpPr>
         <p:spPr>
           <a:xfrm>
             <a:off x="7308720" y="1140840"/>
-            <a:ext cx="4647600" cy="912240"/>
+            <a:ext cx="4647240" cy="911880"/>
           </a:xfrm>
           <a:prstGeom prst="rect">
             <a:avLst/>
@@ -4936,14 +4962,14 @@
       </p:sp>
       <p:sp>
         <p:nvSpPr>
-          <p:cNvPr id="93" name="CustomShape 3"/>
+          <p:cNvPr id="94" name="CustomShape 3"/>
           <p:cNvSpPr/>
           <p:nvPr/>
         </p:nvSpPr>
         <p:spPr>
           <a:xfrm>
             <a:off x="7551720" y="6217920"/>
-            <a:ext cx="4152240" cy="486000"/>
+            <a:ext cx="4151880" cy="485640"/>
           </a:xfrm>
           <a:prstGeom prst="rect">
             <a:avLst/>
@@ -4976,7 +5002,7 @@
       </p:sp>
       <p:pic>
         <p:nvPicPr>
-          <p:cNvPr id="94" name="Picture 5" descr=""/>
+          <p:cNvPr id="95" name="Picture 5" descr=""/>
           <p:cNvPicPr/>
           <p:nvPr/>
         </p:nvPicPr>
@@ -4989,7 +5015,7 @@
         <p:spPr>
           <a:xfrm>
             <a:off x="490680" y="2842560"/>
-            <a:ext cx="4120560" cy="3084480"/>
+            <a:ext cx="4120200" cy="3084120"/>
           </a:xfrm>
           <a:prstGeom prst="rect">
             <a:avLst/>
@@ -5001,14 +5027,14 @@
       </p:pic>
       <p:sp>
         <p:nvSpPr>
-          <p:cNvPr id="95" name="CustomShape 4"/>
+          <p:cNvPr id="96" name="CustomShape 4"/>
           <p:cNvSpPr/>
           <p:nvPr/>
         </p:nvSpPr>
         <p:spPr>
           <a:xfrm>
             <a:off x="433440" y="5928120"/>
-            <a:ext cx="4177440" cy="486000"/>
+            <a:ext cx="4177080" cy="485640"/>
           </a:xfrm>
           <a:prstGeom prst="rect">
             <a:avLst/>
@@ -5041,14 +5067,14 @@
       </p:sp>
       <p:sp>
         <p:nvSpPr>
-          <p:cNvPr id="96" name="CustomShape 5"/>
+          <p:cNvPr id="97" name="CustomShape 5"/>
           <p:cNvSpPr/>
           <p:nvPr/>
         </p:nvSpPr>
         <p:spPr>
           <a:xfrm>
             <a:off x="5405760" y="3446280"/>
-            <a:ext cx="1015200" cy="964440"/>
+            <a:ext cx="1014840" cy="964080"/>
           </a:xfrm>
           <a:prstGeom prst="rightArrow">
             <a:avLst>
@@ -5069,14 +5095,14 @@
       </p:sp>
       <p:sp>
         <p:nvSpPr>
-          <p:cNvPr id="97" name="CustomShape 6"/>
+          <p:cNvPr id="98" name="CustomShape 6"/>
           <p:cNvSpPr/>
           <p:nvPr/>
         </p:nvSpPr>
         <p:spPr>
           <a:xfrm>
             <a:off x="433440" y="2473560"/>
-            <a:ext cx="5428440" cy="364320"/>
+            <a:ext cx="5428080" cy="363960"/>
           </a:xfrm>
           <a:prstGeom prst="rect">
             <a:avLst/>
@@ -5158,14 +5184,14 @@
       </p:grpSpPr>
       <p:sp>
         <p:nvSpPr>
-          <p:cNvPr id="98" name="CustomShape 1"/>
+          <p:cNvPr id="99" name="CustomShape 1"/>
           <p:cNvSpPr/>
           <p:nvPr/>
         </p:nvSpPr>
         <p:spPr>
           <a:xfrm>
             <a:off x="0" y="0"/>
-            <a:ext cx="12191400" cy="1324800"/>
+            <a:ext cx="12191040" cy="1324440"/>
           </a:xfrm>
           <a:prstGeom prst="rect">
             <a:avLst/>
@@ -5198,13 +5224,13 @@
       </p:sp>
       <p:pic>
         <p:nvPicPr>
-          <p:cNvPr id="99" name="Picture 3" descr=""/>
+          <p:cNvPr id="100" name="Picture 3" descr=""/>
           <p:cNvPicPr/>
           <p:nvPr/>
         </p:nvPicPr>
         <p:blipFill>
           <a:blip r:embed="rId1"/>
-          <a:srcRect l="0" t="0" r="0" b="39112"/>
+          <a:srcRect l="0" t="0" r="0" b="39105"/>
           <a:stretch>
             <a:fillRect/>
           </a:stretch>
@@ -5212,7 +5238,7 @@
         <p:spPr>
           <a:xfrm>
             <a:off x="0" y="1033200"/>
-            <a:ext cx="12191400" cy="3042720"/>
+            <a:ext cx="12191040" cy="3042360"/>
           </a:xfrm>
           <a:prstGeom prst="rect">
             <a:avLst/>
@@ -5224,7 +5250,7 @@
       </p:pic>
       <p:pic>
         <p:nvPicPr>
-          <p:cNvPr id="100" name="Picture 4" descr=""/>
+          <p:cNvPr id="101" name="Picture 4" descr=""/>
           <p:cNvPicPr/>
           <p:nvPr/>
         </p:nvPicPr>
@@ -5236,8 +5262,8 @@
         </p:blipFill>
         <p:spPr>
           <a:xfrm rot="16200000">
-            <a:off x="2514600" y="3939480"/>
-            <a:ext cx="487080" cy="4303080"/>
+            <a:off x="2514600" y="3939840"/>
+            <a:ext cx="486720" cy="4302720"/>
           </a:xfrm>
           <a:prstGeom prst="rect">
             <a:avLst/>
@@ -5249,7 +5275,7 @@
       </p:pic>
       <p:pic>
         <p:nvPicPr>
-          <p:cNvPr id="101" name="Picture 5" descr=""/>
+          <p:cNvPr id="102" name="Picture 5" descr=""/>
           <p:cNvPicPr/>
           <p:nvPr/>
         </p:nvPicPr>
@@ -5262,7 +5288,7 @@
         <p:spPr>
           <a:xfrm>
             <a:off x="9582120" y="4092480"/>
-            <a:ext cx="996480" cy="2723400"/>
+            <a:ext cx="996120" cy="2723040"/>
           </a:xfrm>
           <a:prstGeom prst="rect">
             <a:avLst/>
@@ -5274,14 +5300,14 @@
       </p:pic>
       <p:sp>
         <p:nvSpPr>
-          <p:cNvPr id="102" name="CustomShape 2"/>
+          <p:cNvPr id="103" name="CustomShape 2"/>
           <p:cNvSpPr/>
           <p:nvPr/>
         </p:nvSpPr>
         <p:spPr>
           <a:xfrm>
             <a:off x="606960" y="5109840"/>
-            <a:ext cx="4408920" cy="638640"/>
+            <a:ext cx="4408560" cy="638280"/>
           </a:xfrm>
           <a:prstGeom prst="rect">
             <a:avLst/>
@@ -5314,14 +5340,14 @@
       </p:sp>
       <p:sp>
         <p:nvSpPr>
-          <p:cNvPr id="103" name="CustomShape 3"/>
+          <p:cNvPr id="104" name="CustomShape 3"/>
           <p:cNvSpPr/>
           <p:nvPr/>
         </p:nvSpPr>
         <p:spPr>
           <a:xfrm>
             <a:off x="6819840" y="4187880"/>
-            <a:ext cx="5193720" cy="638640"/>
+            <a:ext cx="5193360" cy="638280"/>
           </a:xfrm>
           <a:prstGeom prst="rect">
             <a:avLst/>
@@ -5403,14 +5429,14 @@
       </p:grpSpPr>
       <p:sp>
         <p:nvSpPr>
-          <p:cNvPr id="104" name="CustomShape 1"/>
+          <p:cNvPr id="105" name="CustomShape 1"/>
           <p:cNvSpPr/>
           <p:nvPr/>
         </p:nvSpPr>
         <p:spPr>
           <a:xfrm>
             <a:off x="0" y="-162360"/>
-            <a:ext cx="10514880" cy="1324800"/>
+            <a:ext cx="10514520" cy="1324440"/>
           </a:xfrm>
           <a:prstGeom prst="rect">
             <a:avLst/>
@@ -5443,13 +5469,13 @@
       </p:sp>
       <p:pic>
         <p:nvPicPr>
-          <p:cNvPr id="105" name="Picture 3" descr=""/>
+          <p:cNvPr id="106" name="Picture 3" descr=""/>
           <p:cNvPicPr/>
           <p:nvPr/>
         </p:nvPicPr>
         <p:blipFill>
           <a:blip r:embed="rId1"/>
-          <a:srcRect l="0" t="6759" r="0" b="44952"/>
+          <a:srcRect l="0" t="6752" r="0" b="44945"/>
           <a:stretch>
             <a:fillRect/>
           </a:stretch>
@@ -5457,7 +5483,7 @@
         <p:spPr>
           <a:xfrm>
             <a:off x="0" y="965160"/>
-            <a:ext cx="12191400" cy="2412360"/>
+            <a:ext cx="12191040" cy="2412000"/>
           </a:xfrm>
           <a:prstGeom prst="rect">
             <a:avLst/>
@@ -5469,14 +5495,14 @@
       </p:pic>
       <p:sp>
         <p:nvSpPr>
-          <p:cNvPr id="106" name="CustomShape 2"/>
+          <p:cNvPr id="107" name="CustomShape 2"/>
           <p:cNvSpPr/>
           <p:nvPr/>
         </p:nvSpPr>
         <p:spPr>
           <a:xfrm>
             <a:off x="10020240" y="581760"/>
-            <a:ext cx="2171160" cy="637920"/>
+            <a:ext cx="2170800" cy="637560"/>
           </a:xfrm>
           <a:prstGeom prst="rect">
             <a:avLst/>
@@ -5509,7 +5535,7 @@
       </p:sp>
       <p:pic>
         <p:nvPicPr>
-          <p:cNvPr id="107" name="Picture 5" descr=""/>
+          <p:cNvPr id="108" name="Picture 5" descr=""/>
           <p:cNvPicPr/>
           <p:nvPr/>
         </p:nvPicPr>
@@ -5522,7 +5548,7 @@
         <p:spPr>
           <a:xfrm>
             <a:off x="0" y="4162680"/>
-            <a:ext cx="8627760" cy="2694600"/>
+            <a:ext cx="8627400" cy="2694240"/>
           </a:xfrm>
           <a:prstGeom prst="rect">
             <a:avLst/>
@@ -5534,14 +5560,14 @@
       </p:pic>
       <p:sp>
         <p:nvSpPr>
-          <p:cNvPr id="108" name="CustomShape 3"/>
+          <p:cNvPr id="109" name="CustomShape 3"/>
           <p:cNvSpPr/>
           <p:nvPr/>
         </p:nvSpPr>
         <p:spPr>
           <a:xfrm>
             <a:off x="8801280" y="4307760"/>
-            <a:ext cx="3276000" cy="1460880"/>
+            <a:ext cx="3275640" cy="1460520"/>
           </a:xfrm>
           <a:prstGeom prst="rect">
             <a:avLst/>
@@ -5648,14 +5674,14 @@
       </p:grpSpPr>
       <p:sp>
         <p:nvSpPr>
-          <p:cNvPr id="109" name="CustomShape 1"/>
+          <p:cNvPr id="110" name="CustomShape 1"/>
           <p:cNvSpPr/>
           <p:nvPr/>
         </p:nvSpPr>
         <p:spPr>
           <a:xfrm>
             <a:off x="0" y="0"/>
-            <a:ext cx="12191400" cy="1324800"/>
+            <a:ext cx="12191040" cy="1324440"/>
           </a:xfrm>
           <a:prstGeom prst="rect">
             <a:avLst/>
@@ -5709,7 +5735,7 @@
       </p:sp>
       <p:pic>
         <p:nvPicPr>
-          <p:cNvPr id="110" name="Picture 5" descr=""/>
+          <p:cNvPr id="111" name="Picture 5" descr=""/>
           <p:cNvPicPr/>
           <p:nvPr/>
         </p:nvPicPr>
@@ -5722,7 +5748,7 @@
         <p:spPr>
           <a:xfrm>
             <a:off x="939960" y="1325520"/>
-            <a:ext cx="10311840" cy="5531760"/>
+            <a:ext cx="10311480" cy="5531400"/>
           </a:xfrm>
           <a:prstGeom prst="rect">
             <a:avLst/>
@@ -5783,13 +5809,13 @@
       </p:grpSpPr>
       <p:pic>
         <p:nvPicPr>
-          <p:cNvPr id="111" name="Picture 4" descr=""/>
+          <p:cNvPr id="112" name="Picture 4" descr=""/>
           <p:cNvPicPr/>
           <p:nvPr/>
         </p:nvPicPr>
         <p:blipFill>
           <a:blip r:embed="rId1"/>
-          <a:srcRect l="0" t="0" r="8271" b="0"/>
+          <a:srcRect l="0" t="0" r="8259" b="0"/>
           <a:stretch>
             <a:fillRect/>
           </a:stretch>
@@ -5797,7 +5823,7 @@
         <p:spPr>
           <a:xfrm>
             <a:off x="4273560" y="1512000"/>
-            <a:ext cx="7447680" cy="4825440"/>
+            <a:ext cx="7447320" cy="4825080"/>
           </a:xfrm>
           <a:prstGeom prst="rect">
             <a:avLst/>
@@ -5809,14 +5835,14 @@
       </p:pic>
       <p:sp>
         <p:nvSpPr>
-          <p:cNvPr id="112" name="CustomShape 1"/>
+          <p:cNvPr id="113" name="CustomShape 1"/>
           <p:cNvSpPr/>
           <p:nvPr/>
         </p:nvSpPr>
         <p:spPr>
           <a:xfrm>
             <a:off x="927000" y="0"/>
-            <a:ext cx="10397520" cy="1324800"/>
+            <a:ext cx="10397160" cy="1324440"/>
           </a:xfrm>
           <a:prstGeom prst="rect">
             <a:avLst/>
@@ -5849,14 +5875,14 @@
       </p:sp>
       <p:sp>
         <p:nvSpPr>
-          <p:cNvPr id="113" name="CustomShape 2"/>
+          <p:cNvPr id="114" name="CustomShape 2"/>
           <p:cNvSpPr/>
           <p:nvPr/>
         </p:nvSpPr>
         <p:spPr>
           <a:xfrm>
             <a:off x="88920" y="2031840"/>
-            <a:ext cx="3853800" cy="4478400"/>
+            <a:ext cx="3853440" cy="4478040"/>
           </a:xfrm>
           <a:prstGeom prst="rect">
             <a:avLst/>

--- a/Final/Presentation/Data_Visualization_Final.pptx
+++ b/Final/Presentation/Data_Visualization_Final.pptx
@@ -5,22 +5,566 @@
     <p:sldMasterId id="2147483648" r:id="rId2"/>
     <p:sldMasterId id="2147483661" r:id="rId3"/>
   </p:sldMasterIdLst>
+  <p:notesMasterIdLst>
+    <p:notesMasterId r:id="rId4"/>
+  </p:notesMasterIdLst>
   <p:sldIdLst>
-    <p:sldId id="256" r:id="rId4"/>
-    <p:sldId id="257" r:id="rId5"/>
-    <p:sldId id="258" r:id="rId6"/>
-    <p:sldId id="259" r:id="rId7"/>
-    <p:sldId id="260" r:id="rId8"/>
-    <p:sldId id="261" r:id="rId9"/>
-    <p:sldId id="262" r:id="rId10"/>
-    <p:sldId id="263" r:id="rId11"/>
-    <p:sldId id="264" r:id="rId12"/>
-    <p:sldId id="265" r:id="rId13"/>
-    <p:sldId id="266" r:id="rId14"/>
+    <p:sldId id="256" r:id="rId5"/>
+    <p:sldId id="257" r:id="rId6"/>
+    <p:sldId id="258" r:id="rId7"/>
+    <p:sldId id="259" r:id="rId8"/>
+    <p:sldId id="260" r:id="rId9"/>
+    <p:sldId id="261" r:id="rId10"/>
+    <p:sldId id="262" r:id="rId11"/>
+    <p:sldId id="263" r:id="rId12"/>
+    <p:sldId id="264" r:id="rId13"/>
+    <p:sldId id="265" r:id="rId14"/>
+    <p:sldId id="266" r:id="rId15"/>
   </p:sldIdLst>
   <p:sldSz cx="12192000" cy="6858000"/>
   <p:notesSz cx="7559675" cy="10691812"/>
 </p:presentation>
+</file>
+
+<file path=ppt/notesMasters/notesMaster1.xml><?xml version="1.0" encoding="utf-8"?>
+<p:notesMaster xmlns:a="http://schemas.openxmlformats.org/drawingml/2006/main" xmlns:p="http://schemas.openxmlformats.org/presentationml/2006/main" xmlns:r="http://schemas.openxmlformats.org/officeDocument/2006/relationships">
+  <p:cSld>
+    <p:spTree>
+      <p:nvGrpSpPr>
+        <p:cNvPr id="1" name=""/>
+        <p:cNvGrpSpPr/>
+        <p:nvPr/>
+      </p:nvGrpSpPr>
+      <p:grpSpPr>
+        <a:xfrm>
+          <a:off x="0" y="0"/>
+          <a:ext cx="0" cy="0"/>
+          <a:chOff x="0" y="0"/>
+          <a:chExt cx="0" cy="0"/>
+        </a:xfrm>
+      </p:grpSpPr>
+      <p:sp>
+        <p:nvSpPr>
+          <p:cNvPr id="72" name="PlaceHolder 1"/>
+          <p:cNvSpPr>
+            <a:spLocks noGrp="1"/>
+          </p:cNvSpPr>
+          <p:nvPr>
+            <p:ph type="body"/>
+          </p:nvPr>
+        </p:nvSpPr>
+        <p:spPr>
+          <a:xfrm>
+            <a:off x="756000" y="5078520"/>
+            <a:ext cx="6047640" cy="4811040"/>
+          </a:xfrm>
+          <a:prstGeom prst="rect">
+            <a:avLst/>
+          </a:prstGeom>
+        </p:spPr>
+        <p:txBody>
+          <a:bodyPr lIns="0" rIns="0" tIns="0" bIns="0"/>
+          <a:p>
+            <a:r>
+              <a:rPr lang="en-US" sz="2000">
+                <a:latin typeface="Arial"/>
+              </a:rPr>
+              <a:t>Click to edit the notes format</a:t>
+            </a:r>
+            <a:endParaRPr/>
+          </a:p>
+        </p:txBody>
+      </p:sp>
+      <p:sp>
+        <p:nvSpPr>
+          <p:cNvPr id="73" name="PlaceHolder 2"/>
+          <p:cNvSpPr>
+            <a:spLocks noGrp="1"/>
+          </p:cNvSpPr>
+          <p:nvPr>
+            <p:ph type="hdr"/>
+          </p:nvPr>
+        </p:nvSpPr>
+        <p:spPr>
+          <a:xfrm>
+            <a:off x="0" y="0"/>
+            <a:ext cx="3280680" cy="534240"/>
+          </a:xfrm>
+          <a:prstGeom prst="rect">
+            <a:avLst/>
+          </a:prstGeom>
+        </p:spPr>
+        <p:txBody>
+          <a:bodyPr lIns="0" rIns="0" tIns="0" bIns="0"/>
+          <a:p>
+            <a:r>
+              <a:rPr lang="en-US" sz="1400">
+                <a:latin typeface="Times New Roman"/>
+              </a:rPr>
+              <a:t>&lt;header&gt;</a:t>
+            </a:r>
+            <a:endParaRPr/>
+          </a:p>
+        </p:txBody>
+      </p:sp>
+      <p:sp>
+        <p:nvSpPr>
+          <p:cNvPr id="74" name="PlaceHolder 3"/>
+          <p:cNvSpPr>
+            <a:spLocks noGrp="1"/>
+          </p:cNvSpPr>
+          <p:nvPr>
+            <p:ph type="dt"/>
+          </p:nvPr>
+        </p:nvSpPr>
+        <p:spPr>
+          <a:xfrm>
+            <a:off x="4278960" y="0"/>
+            <a:ext cx="3280680" cy="534240"/>
+          </a:xfrm>
+          <a:prstGeom prst="rect">
+            <a:avLst/>
+          </a:prstGeom>
+        </p:spPr>
+        <p:txBody>
+          <a:bodyPr lIns="0" rIns="0" tIns="0" bIns="0"/>
+          <a:p>
+            <a:pPr algn="r"/>
+            <a:r>
+              <a:rPr lang="en-US" sz="1400">
+                <a:latin typeface="Times New Roman"/>
+              </a:rPr>
+              <a:t>&lt;date/time&gt;</a:t>
+            </a:r>
+            <a:endParaRPr/>
+          </a:p>
+        </p:txBody>
+      </p:sp>
+      <p:sp>
+        <p:nvSpPr>
+          <p:cNvPr id="75" name="PlaceHolder 4"/>
+          <p:cNvSpPr>
+            <a:spLocks noGrp="1"/>
+          </p:cNvSpPr>
+          <p:nvPr>
+            <p:ph type="ftr"/>
+          </p:nvPr>
+        </p:nvSpPr>
+        <p:spPr>
+          <a:xfrm>
+            <a:off x="0" y="10157400"/>
+            <a:ext cx="3280680" cy="534240"/>
+          </a:xfrm>
+          <a:prstGeom prst="rect">
+            <a:avLst/>
+          </a:prstGeom>
+        </p:spPr>
+        <p:txBody>
+          <a:bodyPr lIns="0" rIns="0" tIns="0" bIns="0" anchor="b"/>
+          <a:p>
+            <a:r>
+              <a:rPr lang="en-US" sz="1400">
+                <a:latin typeface="Times New Roman"/>
+              </a:rPr>
+              <a:t>&lt;footer&gt;</a:t>
+            </a:r>
+            <a:endParaRPr/>
+          </a:p>
+        </p:txBody>
+      </p:sp>
+      <p:sp>
+        <p:nvSpPr>
+          <p:cNvPr id="76" name="PlaceHolder 5"/>
+          <p:cNvSpPr>
+            <a:spLocks noGrp="1"/>
+          </p:cNvSpPr>
+          <p:nvPr>
+            <p:ph type="sldNum"/>
+          </p:nvPr>
+        </p:nvSpPr>
+        <p:spPr>
+          <a:xfrm>
+            <a:off x="4278960" y="10157400"/>
+            <a:ext cx="3280680" cy="534240"/>
+          </a:xfrm>
+          <a:prstGeom prst="rect">
+            <a:avLst/>
+          </a:prstGeom>
+        </p:spPr>
+        <p:txBody>
+          <a:bodyPr lIns="0" rIns="0" tIns="0" bIns="0" anchor="b"/>
+          <a:p>
+            <a:pPr algn="r"/>
+            <a:fld id="{3A12F7A6-C9EC-450D-82D1-D63585781271}" type="slidenum">
+              <a:rPr lang="en-US" sz="1400">
+                <a:latin typeface="Times New Roman"/>
+              </a:rPr>
+              <a:t>&lt;number&gt;</a:t>
+            </a:fld>
+            <a:endParaRPr/>
+          </a:p>
+        </p:txBody>
+      </p:sp>
+    </p:spTree>
+  </p:cSld>
+  <p:clrMap bg1="lt1" bg2="lt2" tx1="dk1" tx2="dk2" accent1="accent1" accent2="accent2" accent3="accent3" accent4="accent4" accent5="accent5" accent6="accent6" hlink="hlink" folHlink="folHlink"/>
+</p:notesMaster>
+</file>
+
+<file path=ppt/notesSlides/notesSlide1.xml><?xml version="1.0" encoding="utf-8"?>
+<p:notes xmlns:a="http://schemas.openxmlformats.org/drawingml/2006/main" xmlns:p="http://schemas.openxmlformats.org/presentationml/2006/main" xmlns:r="http://schemas.openxmlformats.org/officeDocument/2006/relationships">
+  <p:cSld>
+    <p:spTree>
+      <p:nvGrpSpPr>
+        <p:cNvPr id="1" name=""/>
+        <p:cNvGrpSpPr/>
+        <p:nvPr/>
+      </p:nvGrpSpPr>
+      <p:grpSpPr>
+        <a:xfrm>
+          <a:off x="0" y="0"/>
+          <a:ext cx="0" cy="0"/>
+          <a:chOff x="0" y="0"/>
+          <a:chExt cx="0" cy="0"/>
+        </a:xfrm>
+      </p:grpSpPr>
+      <p:sp>
+        <p:nvSpPr>
+          <p:cNvPr id="122" name="PlaceHolder 1"/>
+          <p:cNvSpPr>
+            <a:spLocks noGrp="1"/>
+          </p:cNvSpPr>
+          <p:nvPr>
+            <p:ph type="body"/>
+          </p:nvPr>
+        </p:nvSpPr>
+        <p:spPr>
+          <a:xfrm>
+            <a:off x="756000" y="5078520"/>
+            <a:ext cx="6047640" cy="4811400"/>
+          </a:xfrm>
+          <a:prstGeom prst="rect">
+            <a:avLst/>
+          </a:prstGeom>
+        </p:spPr>
+        <p:txBody>
+          <a:bodyPr lIns="0" rIns="0" tIns="0" bIns="0"/>
+          <a:p>
+            <a:r>
+              <a:rPr lang="en-US" sz="2000">
+                <a:solidFill>
+                  <a:srgbClr val="000000"/>
+                </a:solidFill>
+                <a:latin typeface="Arial"/>
+                <a:ea typeface="Droid Sans Fallback"/>
+              </a:rPr>
+              <a:t>Our final project is BerryVis, a geographical  visualization of strawberry genetic distance.  That is to see  how closely related samples of the Fragaria, collected around the glope, are.</a:t>
+            </a:r>
+            <a:endParaRPr/>
+          </a:p>
+        </p:txBody>
+      </p:sp>
+    </p:spTree>
+  </p:cSld>
+</p:notes>
+</file>
+
+<file path=ppt/notesSlides/notesSlide2.xml><?xml version="1.0" encoding="utf-8"?>
+<p:notes xmlns:a="http://schemas.openxmlformats.org/drawingml/2006/main" xmlns:p="http://schemas.openxmlformats.org/presentationml/2006/main" xmlns:r="http://schemas.openxmlformats.org/officeDocument/2006/relationships">
+  <p:cSld>
+    <p:spTree>
+      <p:nvGrpSpPr>
+        <p:cNvPr id="1" name=""/>
+        <p:cNvGrpSpPr/>
+        <p:nvPr/>
+      </p:nvGrpSpPr>
+      <p:grpSpPr>
+        <a:xfrm>
+          <a:off x="0" y="0"/>
+          <a:ext cx="0" cy="0"/>
+          <a:chOff x="0" y="0"/>
+          <a:chExt cx="0" cy="0"/>
+        </a:xfrm>
+      </p:grpSpPr>
+      <p:sp>
+        <p:nvSpPr>
+          <p:cNvPr id="123" name="PlaceHolder 1"/>
+          <p:cNvSpPr>
+            <a:spLocks noGrp="1"/>
+          </p:cNvSpPr>
+          <p:nvPr>
+            <p:ph type="body"/>
+          </p:nvPr>
+        </p:nvSpPr>
+        <p:spPr>
+          <a:xfrm>
+            <a:off x="756000" y="5078520"/>
+            <a:ext cx="6047640" cy="4811400"/>
+          </a:xfrm>
+          <a:prstGeom prst="rect">
+            <a:avLst/>
+          </a:prstGeom>
+        </p:spPr>
+        <p:txBody>
+          <a:bodyPr lIns="0" rIns="0" tIns="0" bIns="0"/>
+          <a:p>
+            <a:r>
+              <a:rPr lang="en-US" sz="2000">
+                <a:solidFill>
+                  <a:srgbClr val="000000"/>
+                </a:solidFill>
+                <a:latin typeface="Arial"/>
+                <a:ea typeface="Droid Sans Fallback"/>
+              </a:rPr>
+              <a:t>We did gather some samples from  the ncbi gene bank and used geneious, a suite of molecular biology tools, to create a distance matrix using Tamura-Nei algorithm.</a:t>
+            </a:r>
+            <a:endParaRPr/>
+          </a:p>
+        </p:txBody>
+      </p:sp>
+    </p:spTree>
+  </p:cSld>
+</p:notes>
+</file>
+
+<file path=ppt/notesSlides/notesSlide3.xml><?xml version="1.0" encoding="utf-8"?>
+<p:notes xmlns:a="http://schemas.openxmlformats.org/drawingml/2006/main" xmlns:p="http://schemas.openxmlformats.org/presentationml/2006/main" xmlns:r="http://schemas.openxmlformats.org/officeDocument/2006/relationships">
+  <p:cSld>
+    <p:spTree>
+      <p:nvGrpSpPr>
+        <p:cNvPr id="1" name=""/>
+        <p:cNvGrpSpPr/>
+        <p:nvPr/>
+      </p:nvGrpSpPr>
+      <p:grpSpPr>
+        <a:xfrm>
+          <a:off x="0" y="0"/>
+          <a:ext cx="0" cy="0"/>
+          <a:chOff x="0" y="0"/>
+          <a:chExt cx="0" cy="0"/>
+        </a:xfrm>
+      </p:grpSpPr>
+      <p:sp>
+        <p:nvSpPr>
+          <p:cNvPr id="124" name="PlaceHolder 1"/>
+          <p:cNvSpPr>
+            <a:spLocks noGrp="1"/>
+          </p:cNvSpPr>
+          <p:nvPr>
+            <p:ph type="body"/>
+          </p:nvPr>
+        </p:nvSpPr>
+        <p:spPr>
+          <a:xfrm>
+            <a:off x="756000" y="5078520"/>
+            <a:ext cx="6047640" cy="4811400"/>
+          </a:xfrm>
+          <a:prstGeom prst="rect">
+            <a:avLst/>
+          </a:prstGeom>
+        </p:spPr>
+        <p:txBody>
+          <a:bodyPr lIns="0" rIns="0" tIns="0" bIns="0"/>
+          <a:p>
+            <a:r>
+              <a:rPr lang="en-US" sz="2000">
+                <a:solidFill>
+                  <a:srgbClr val="000000"/>
+                </a:solidFill>
+                <a:latin typeface="Arial"/>
+                <a:ea typeface="Droid Sans Fallback"/>
+              </a:rPr>
+              <a:t>The result is a matrix were each cell represent the distance between to samples in percentages.  Not easy to visualize much from that table in your mind as it just raw data. </a:t>
+            </a:r>
+            <a:endParaRPr/>
+          </a:p>
+        </p:txBody>
+      </p:sp>
+    </p:spTree>
+  </p:cSld>
+</p:notes>
+</file>
+
+<file path=ppt/notesSlides/notesSlide4.xml><?xml version="1.0" encoding="utf-8"?>
+<p:notes xmlns:a="http://schemas.openxmlformats.org/drawingml/2006/main" xmlns:p="http://schemas.openxmlformats.org/presentationml/2006/main" xmlns:r="http://schemas.openxmlformats.org/officeDocument/2006/relationships">
+  <p:cSld>
+    <p:spTree>
+      <p:nvGrpSpPr>
+        <p:cNvPr id="1" name=""/>
+        <p:cNvGrpSpPr/>
+        <p:nvPr/>
+      </p:nvGrpSpPr>
+      <p:grpSpPr>
+        <a:xfrm>
+          <a:off x="0" y="0"/>
+          <a:ext cx="0" cy="0"/>
+          <a:chOff x="0" y="0"/>
+          <a:chExt cx="0" cy="0"/>
+        </a:xfrm>
+      </p:grpSpPr>
+      <p:sp>
+        <p:nvSpPr>
+          <p:cNvPr id="125" name="PlaceHolder 1"/>
+          <p:cNvSpPr>
+            <a:spLocks noGrp="1"/>
+          </p:cNvSpPr>
+          <p:nvPr>
+            <p:ph type="body"/>
+          </p:nvPr>
+        </p:nvSpPr>
+        <p:spPr>
+          <a:xfrm>
+            <a:off x="756000" y="5078520"/>
+            <a:ext cx="6047640" cy="4811400"/>
+          </a:xfrm>
+          <a:prstGeom prst="rect">
+            <a:avLst/>
+          </a:prstGeom>
+        </p:spPr>
+        <p:txBody>
+          <a:bodyPr lIns="0" rIns="0" tIns="0" bIns="0"/>
+          <a:p>
+            <a:r>
+              <a:rPr lang="en-US" sz="2000">
+                <a:solidFill>
+                  <a:srgbClr val="000000"/>
+                </a:solidFill>
+                <a:latin typeface="Arial"/>
+                <a:ea typeface="Droid Sans Fallback"/>
+              </a:rPr>
+              <a:t>So there are some ways to visualize these relationships, or distances.  One is to just color the matrix and try to get an idea from that.  Other well known way is to use the Neighbor-join method to create a rootles tree where distance between the samples are represented with the length of the lines.</a:t>
+            </a:r>
+            <a:endParaRPr/>
+          </a:p>
+        </p:txBody>
+      </p:sp>
+    </p:spTree>
+  </p:cSld>
+</p:notes>
+</file>
+
+<file path=ppt/notesSlides/notesSlide5.xml><?xml version="1.0" encoding="utf-8"?>
+<p:notes xmlns:a="http://schemas.openxmlformats.org/drawingml/2006/main" xmlns:p="http://schemas.openxmlformats.org/presentationml/2006/main" xmlns:r="http://schemas.openxmlformats.org/officeDocument/2006/relationships">
+  <p:cSld>
+    <p:spTree>
+      <p:nvGrpSpPr>
+        <p:cNvPr id="1" name=""/>
+        <p:cNvGrpSpPr/>
+        <p:nvPr/>
+      </p:nvGrpSpPr>
+      <p:grpSpPr>
+        <a:xfrm>
+          <a:off x="0" y="0"/>
+          <a:ext cx="0" cy="0"/>
+          <a:chOff x="0" y="0"/>
+          <a:chExt cx="0" cy="0"/>
+        </a:xfrm>
+      </p:grpSpPr>
+      <p:sp>
+        <p:nvSpPr>
+          <p:cNvPr id="126" name="PlaceHolder 1"/>
+          <p:cNvSpPr>
+            <a:spLocks noGrp="1"/>
+          </p:cNvSpPr>
+          <p:nvPr>
+            <p:ph type="body"/>
+          </p:nvPr>
+        </p:nvSpPr>
+        <p:spPr>
+          <a:xfrm>
+            <a:off x="756000" y="5078520"/>
+            <a:ext cx="6047640" cy="4811400"/>
+          </a:xfrm>
+          <a:prstGeom prst="rect">
+            <a:avLst/>
+          </a:prstGeom>
+        </p:spPr>
+        <p:txBody>
+          <a:bodyPr lIns="0" rIns="0" tIns="0" bIns="0"/>
+          <a:p>
+            <a:r>
+              <a:rPr lang="en-US" sz="2000">
+                <a:solidFill>
+                  <a:srgbClr val="000000"/>
+                </a:solidFill>
+                <a:latin typeface="Arial"/>
+                <a:ea typeface="Droid Sans Fallback"/>
+              </a:rPr>
+              <a:t>We wanted to represent each sample with a node.  Then use each cell from the matrix to create an edge between the nodes and use the values from the Tamura-Nei algorithm to control both width and color of the edeges by, for example, representing little related plants with the color blue and closely related with the color red.</a:t>
+            </a:r>
+            <a:endParaRPr/>
+          </a:p>
+        </p:txBody>
+      </p:sp>
+    </p:spTree>
+  </p:cSld>
+</p:notes>
+</file>
+
+<file path=ppt/notesSlides/notesSlide6.xml><?xml version="1.0" encoding="utf-8"?>
+<p:notes xmlns:a="http://schemas.openxmlformats.org/drawingml/2006/main" xmlns:p="http://schemas.openxmlformats.org/presentationml/2006/main" xmlns:r="http://schemas.openxmlformats.org/officeDocument/2006/relationships">
+  <p:cSld>
+    <p:spTree>
+      <p:nvGrpSpPr>
+        <p:cNvPr id="1" name=""/>
+        <p:cNvGrpSpPr/>
+        <p:nvPr/>
+      </p:nvGrpSpPr>
+      <p:grpSpPr>
+        <a:xfrm>
+          <a:off x="0" y="0"/>
+          <a:ext cx="0" cy="0"/>
+          <a:chOff x="0" y="0"/>
+          <a:chExt cx="0" cy="0"/>
+        </a:xfrm>
+      </p:grpSpPr>
+      <p:sp>
+        <p:nvSpPr>
+          <p:cNvPr id="127" name="PlaceHolder 1"/>
+          <p:cNvSpPr>
+            <a:spLocks noGrp="1"/>
+          </p:cNvSpPr>
+          <p:nvPr>
+            <p:ph type="body"/>
+          </p:nvPr>
+        </p:nvSpPr>
+        <p:spPr>
+          <a:xfrm>
+            <a:off x="756000" y="5078520"/>
+            <a:ext cx="6047640" cy="4811400"/>
+          </a:xfrm>
+          <a:prstGeom prst="rect">
+            <a:avLst/>
+          </a:prstGeom>
+        </p:spPr>
+        <p:txBody>
+          <a:bodyPr lIns="0" rIns="0" tIns="0" bIns="0"/>
+          <a:p>
+            <a:r>
+              <a:rPr lang="en-US" sz="2000">
+                <a:latin typeface="Arial"/>
+              </a:rPr>
+              <a:t>Then to make it interesting we would project the nodes onto a world map, using available GPS locations of where the samples were collected.</a:t>
+            </a:r>
+            <a:endParaRPr/>
+          </a:p>
+          <a:p>
+            <a:endParaRPr/>
+          </a:p>
+          <a:p>
+            <a:r>
+              <a:rPr lang="en-US" sz="2000">
+                <a:latin typeface="Arial"/>
+              </a:rPr>
+              <a:t>In this way we hoped to get a good overview of relations based on geographical positions – to see how the Fragaria migrides over the planet, or, to focus on smaller areas of the world by using zoom.</a:t>
+            </a:r>
+            <a:endParaRPr/>
+          </a:p>
+        </p:txBody>
+      </p:sp>
+    </p:spTree>
+  </p:cSld>
+</p:notes>
 </file>
 
 <file path=ppt/slideLayouts/slideLayout1.xml><?xml version="1.0" encoding="utf-8"?>
@@ -2376,7 +2920,7 @@
         <p:spPr>
           <a:xfrm>
             <a:off x="609480" y="273600"/>
-            <a:ext cx="10972080" cy="1144800"/>
+            <a:ext cx="10972440" cy="1144800"/>
           </a:xfrm>
           <a:prstGeom prst="rect">
             <a:avLst/>
@@ -2385,8 +2929,9 @@
         <p:txBody>
           <a:bodyPr lIns="0" rIns="0" tIns="0" bIns="0" anchor="ctr"/>
           <a:p>
+            <a:pPr algn="ctr"/>
             <a:r>
-              <a:rPr lang="en-US">
+              <a:rPr lang="en-US" sz="4400">
                 <a:latin typeface="Arial"/>
               </a:rPr>
               <a:t>Click to edit the title text format</a:t>
@@ -2408,7 +2953,7 @@
         <p:spPr>
           <a:xfrm>
             <a:off x="609480" y="1604520"/>
-            <a:ext cx="10972080" cy="3976920"/>
+            <a:ext cx="10972440" cy="3977280"/>
           </a:xfrm>
           <a:prstGeom prst="rect">
             <a:avLst/>
@@ -2423,7 +2968,7 @@
               <a:buChar char=""/>
             </a:pPr>
             <a:r>
-              <a:rPr lang="en-US">
+              <a:rPr lang="en-US" sz="3200">
                 <a:latin typeface="Arial"/>
               </a:rPr>
               <a:t>Click to edit the outline text format</a:t>
@@ -2437,7 +2982,7 @@
               <a:buChar char=""/>
             </a:pPr>
             <a:r>
-              <a:rPr lang="en-US">
+              <a:rPr lang="en-US" sz="2800">
                 <a:latin typeface="Arial"/>
               </a:rPr>
               <a:t>Second Outline Level</a:t>
@@ -2451,7 +2996,7 @@
               <a:buChar char=""/>
             </a:pPr>
             <a:r>
-              <a:rPr lang="en-US">
+              <a:rPr lang="en-US" sz="2400">
                 <a:latin typeface="Arial"/>
               </a:rPr>
               <a:t>Third Outline Level</a:t>
@@ -2465,7 +3010,7 @@
               <a:buChar char=""/>
             </a:pPr>
             <a:r>
-              <a:rPr lang="en-US">
+              <a:rPr lang="en-US" sz="2000">
                 <a:latin typeface="Arial"/>
               </a:rPr>
               <a:t>Fourth Outline Level</a:t>
@@ -2479,7 +3024,7 @@
               <a:buChar char=""/>
             </a:pPr>
             <a:r>
-              <a:rPr lang="en-US">
+              <a:rPr lang="en-US" sz="2000">
                 <a:latin typeface="Arial"/>
               </a:rPr>
               <a:t>Fifth Outline Level</a:t>
@@ -2493,7 +3038,7 @@
               <a:buChar char=""/>
             </a:pPr>
             <a:r>
-              <a:rPr lang="en-US">
+              <a:rPr lang="en-US" sz="2000">
                 <a:latin typeface="Arial"/>
               </a:rPr>
               <a:t>Sixth Outline Level</a:t>
@@ -2507,7 +3052,7 @@
               <a:buChar char=""/>
             </a:pPr>
             <a:r>
-              <a:rPr lang="en-US">
+              <a:rPr lang="en-US" sz="2000">
                 <a:latin typeface="Arial"/>
               </a:rPr>
               <a:t>Seventh Outline Level</a:t>
@@ -2753,14 +3298,14 @@
       </p:grpSpPr>
       <p:sp>
         <p:nvSpPr>
-          <p:cNvPr id="72" name="CustomShape 1"/>
+          <p:cNvPr id="77" name="CustomShape 1"/>
           <p:cNvSpPr/>
           <p:nvPr/>
         </p:nvSpPr>
         <p:spPr>
           <a:xfrm>
             <a:off x="1523880" y="0"/>
-            <a:ext cx="9142920" cy="1599120"/>
+            <a:ext cx="9142560" cy="1598760"/>
           </a:xfrm>
           <a:prstGeom prst="rect">
             <a:avLst/>
@@ -2793,14 +3338,14 @@
       </p:sp>
       <p:sp>
         <p:nvSpPr>
-          <p:cNvPr id="73" name="CustomShape 2"/>
+          <p:cNvPr id="78" name="CustomShape 2"/>
           <p:cNvSpPr/>
           <p:nvPr/>
         </p:nvSpPr>
         <p:spPr>
           <a:xfrm>
             <a:off x="1359000" y="1600200"/>
-            <a:ext cx="9142920" cy="1654560"/>
+            <a:ext cx="9142560" cy="1654200"/>
           </a:xfrm>
           <a:prstGeom prst="rect">
             <a:avLst/>
@@ -2833,7 +3378,7 @@
       </p:sp>
       <p:pic>
         <p:nvPicPr>
-          <p:cNvPr id="74" name="Picture 3" descr=""/>
+          <p:cNvPr id="79" name="Picture 3" descr=""/>
           <p:cNvPicPr/>
           <p:nvPr/>
         </p:nvPicPr>
@@ -2846,7 +3391,7 @@
         <p:spPr>
           <a:xfrm>
             <a:off x="4336920" y="2584440"/>
-            <a:ext cx="3516840" cy="3516840"/>
+            <a:ext cx="3516480" cy="3516480"/>
           </a:xfrm>
           <a:prstGeom prst="rect">
             <a:avLst/>
@@ -2907,7 +3452,7 @@
       </p:grpSpPr>
       <p:pic>
         <p:nvPicPr>
-          <p:cNvPr id="115" name="Picture 4" descr=""/>
+          <p:cNvPr id="120" name="Picture 4" descr=""/>
           <p:cNvPicPr/>
           <p:nvPr/>
         </p:nvPicPr>
@@ -2920,7 +3465,7 @@
         <p:spPr>
           <a:xfrm>
             <a:off x="1278720" y="0"/>
-            <a:ext cx="9707040" cy="6856920"/>
+            <a:ext cx="9706680" cy="6856560"/>
           </a:xfrm>
           <a:prstGeom prst="rect">
             <a:avLst/>
@@ -2981,14 +3526,14 @@
       </p:grpSpPr>
       <p:sp>
         <p:nvSpPr>
-          <p:cNvPr id="116" name="CustomShape 1"/>
+          <p:cNvPr id="121" name="CustomShape 1"/>
           <p:cNvSpPr/>
           <p:nvPr/>
         </p:nvSpPr>
         <p:spPr>
           <a:xfrm>
             <a:off x="1625760" y="1079640"/>
-            <a:ext cx="8965080" cy="3503160"/>
+            <a:ext cx="8964720" cy="3502800"/>
           </a:xfrm>
           <a:prstGeom prst="rect">
             <a:avLst/>
@@ -3095,14 +3640,14 @@
       </p:grpSpPr>
       <p:sp>
         <p:nvSpPr>
-          <p:cNvPr id="75" name="CustomShape 1"/>
+          <p:cNvPr id="80" name="CustomShape 1"/>
           <p:cNvSpPr/>
           <p:nvPr/>
         </p:nvSpPr>
         <p:spPr>
           <a:xfrm>
             <a:off x="838080" y="365040"/>
-            <a:ext cx="10514520" cy="1324440"/>
+            <a:ext cx="10514160" cy="1324080"/>
           </a:xfrm>
           <a:prstGeom prst="rect">
             <a:avLst/>
@@ -3135,7 +3680,7 @@
       </p:sp>
       <p:pic>
         <p:nvPicPr>
-          <p:cNvPr id="76" name="Picture 3" descr=""/>
+          <p:cNvPr id="81" name="Picture 3" descr=""/>
           <p:cNvPicPr/>
           <p:nvPr/>
         </p:nvPicPr>
@@ -3148,7 +3693,7 @@
         <p:spPr>
           <a:xfrm>
             <a:off x="1645920" y="2979720"/>
-            <a:ext cx="3285000" cy="2323080"/>
+            <a:ext cx="3284640" cy="2322720"/>
           </a:xfrm>
           <a:prstGeom prst="rect">
             <a:avLst/>
@@ -3160,7 +3705,7 @@
       </p:pic>
       <p:pic>
         <p:nvPicPr>
-          <p:cNvPr id="77" name="Picture 4" descr=""/>
+          <p:cNvPr id="82" name="Picture 4" descr=""/>
           <p:cNvPicPr/>
           <p:nvPr/>
         </p:nvPicPr>
@@ -3173,7 +3718,7 @@
         <p:spPr>
           <a:xfrm>
             <a:off x="6952680" y="2468880"/>
-            <a:ext cx="3745080" cy="3216960"/>
+            <a:ext cx="3744720" cy="3216600"/>
           </a:xfrm>
           <a:prstGeom prst="rect">
             <a:avLst/>
@@ -3234,14 +3779,14 @@
       </p:grpSpPr>
       <p:sp>
         <p:nvSpPr>
-          <p:cNvPr id="78" name="CustomShape 1"/>
+          <p:cNvPr id="83" name="CustomShape 1"/>
           <p:cNvSpPr/>
           <p:nvPr/>
         </p:nvSpPr>
         <p:spPr>
           <a:xfrm>
             <a:off x="731880" y="0"/>
-            <a:ext cx="10514520" cy="1324440"/>
+            <a:ext cx="10514160" cy="1324080"/>
           </a:xfrm>
           <a:prstGeom prst="rect">
             <a:avLst/>
@@ -3271,13 +3816,13 @@
       </p:sp>
       <p:graphicFrame>
         <p:nvGraphicFramePr>
-          <p:cNvPr id="79" name="Table 2"/>
+          <p:cNvPr id="84" name="Table 2"/>
           <p:cNvGraphicFramePr/>
           <p:nvPr/>
         </p:nvGraphicFramePr>
         <p:xfrm>
           <a:off x="731520" y="3200400"/>
-          <a:ext cx="10806480" cy="2914560"/>
+          <a:ext cx="10806120" cy="2914200"/>
         </p:xfrm>
         <a:graphic>
           <a:graphicData uri="http://schemas.openxmlformats.org/drawingml/2006/table">
@@ -4389,14 +4934,14 @@
       </p:graphicFrame>
       <p:sp>
         <p:nvSpPr>
-          <p:cNvPr id="80" name="CustomShape 3"/>
+          <p:cNvPr id="85" name="CustomShape 3"/>
           <p:cNvSpPr/>
           <p:nvPr/>
         </p:nvSpPr>
         <p:spPr>
           <a:xfrm>
             <a:off x="697680" y="2834640"/>
-            <a:ext cx="5428080" cy="363960"/>
+            <a:ext cx="5427720" cy="363600"/>
           </a:xfrm>
           <a:prstGeom prst="rect">
             <a:avLst/>
@@ -4429,13 +4974,13 @@
       </p:sp>
       <p:pic>
         <p:nvPicPr>
-          <p:cNvPr id="81" name="Picture 3" descr=""/>
+          <p:cNvPr id="86" name="Picture 3" descr=""/>
           <p:cNvPicPr/>
           <p:nvPr/>
         </p:nvPicPr>
         <p:blipFill>
           <a:blip r:embed="rId1"/>
-          <a:srcRect l="0" t="642776" r="0" b="-4797105"/>
+          <a:srcRect l="0" t="1615170" r="0" b="-3789468"/>
           <a:stretch>
             <a:fillRect/>
           </a:stretch>
@@ -4443,7 +4988,7 @@
         <p:spPr>
           <a:xfrm>
             <a:off x="2834640" y="1191240"/>
-            <a:ext cx="5998680" cy="1103760"/>
+            <a:ext cx="5998320" cy="1103400"/>
           </a:xfrm>
           <a:prstGeom prst="rect">
             <a:avLst/>
@@ -4455,14 +5000,14 @@
       </p:pic>
       <p:sp>
         <p:nvSpPr>
-          <p:cNvPr id="82" name="CustomShape 4"/>
+          <p:cNvPr id="87" name="CustomShape 4"/>
           <p:cNvSpPr/>
           <p:nvPr/>
         </p:nvSpPr>
         <p:spPr>
           <a:xfrm>
             <a:off x="3403080" y="2271960"/>
-            <a:ext cx="5955120" cy="287640"/>
+            <a:ext cx="5954760" cy="287280"/>
           </a:xfrm>
           <a:prstGeom prst="rect">
             <a:avLst/>
@@ -4495,13 +5040,13 @@
       </p:sp>
       <p:pic>
         <p:nvPicPr>
-          <p:cNvPr id="83" name="Picture 3" descr=""/>
+          <p:cNvPr id="88" name="Picture 3" descr=""/>
           <p:cNvPicPr/>
           <p:nvPr/>
         </p:nvPicPr>
         <p:blipFill>
           <a:blip r:embed="rId2"/>
-          <a:srcRect l="0" t="1120430" r="0" b="892831"/>
+          <a:srcRect l="0" t="-1139192" r="0" b="-7162131"/>
           <a:stretch>
             <a:fillRect/>
           </a:stretch>
@@ -4509,7 +5054,7 @@
         <p:spPr>
           <a:xfrm>
             <a:off x="2833920" y="1097280"/>
-            <a:ext cx="5999400" cy="1104480"/>
+            <a:ext cx="5999040" cy="1104120"/>
           </a:xfrm>
           <a:prstGeom prst="rect">
             <a:avLst/>
@@ -4570,7 +5115,7 @@
       </p:grpSpPr>
       <p:pic>
         <p:nvPicPr>
-          <p:cNvPr id="84" name="Picture 5" descr=""/>
+          <p:cNvPr id="89" name="Picture 5" descr=""/>
           <p:cNvPicPr/>
           <p:nvPr/>
         </p:nvPicPr>
@@ -4583,7 +5128,7 @@
         <p:spPr>
           <a:xfrm>
             <a:off x="457200" y="2812680"/>
-            <a:ext cx="4120200" cy="3084120"/>
+            <a:ext cx="4119840" cy="3083760"/>
           </a:xfrm>
           <a:prstGeom prst="rect">
             <a:avLst/>
@@ -4595,14 +5140,14 @@
       </p:pic>
       <p:sp>
         <p:nvSpPr>
-          <p:cNvPr id="85" name="CustomShape 1"/>
+          <p:cNvPr id="90" name="CustomShape 1"/>
           <p:cNvSpPr/>
           <p:nvPr/>
         </p:nvSpPr>
         <p:spPr>
           <a:xfrm>
             <a:off x="399960" y="5898240"/>
-            <a:ext cx="4177080" cy="485640"/>
+            <a:ext cx="4176720" cy="485280"/>
           </a:xfrm>
           <a:prstGeom prst="rect">
             <a:avLst/>
@@ -4635,7 +5180,7 @@
       </p:sp>
       <p:pic>
         <p:nvPicPr>
-          <p:cNvPr id="86" name="Content Placeholder 3" descr=""/>
+          <p:cNvPr id="91" name="Content Placeholder 3" descr=""/>
           <p:cNvPicPr/>
           <p:nvPr/>
         </p:nvPicPr>
@@ -4648,7 +5193,7 @@
         <p:spPr>
           <a:xfrm>
             <a:off x="6750360" y="3017160"/>
-            <a:ext cx="5008320" cy="3674520"/>
+            <a:ext cx="5007960" cy="3674160"/>
           </a:xfrm>
           <a:prstGeom prst="rect">
             <a:avLst/>
@@ -4660,14 +5205,14 @@
       </p:pic>
       <p:sp>
         <p:nvSpPr>
-          <p:cNvPr id="87" name="CustomShape 2"/>
+          <p:cNvPr id="92" name="CustomShape 2"/>
           <p:cNvSpPr/>
           <p:nvPr/>
         </p:nvSpPr>
         <p:spPr>
           <a:xfrm>
             <a:off x="5372280" y="3416400"/>
-            <a:ext cx="1014840" cy="964080"/>
+            <a:ext cx="1014480" cy="963720"/>
           </a:xfrm>
           <a:prstGeom prst="rightArrow">
             <a:avLst>
@@ -4688,14 +5233,14 @@
       </p:sp>
       <p:sp>
         <p:nvSpPr>
-          <p:cNvPr id="88" name="CustomShape 3"/>
+          <p:cNvPr id="93" name="CustomShape 3"/>
           <p:cNvSpPr/>
           <p:nvPr/>
         </p:nvSpPr>
         <p:spPr>
           <a:xfrm>
             <a:off x="399960" y="2443680"/>
-            <a:ext cx="5428080" cy="363960"/>
+            <a:ext cx="5427720" cy="363600"/>
           </a:xfrm>
           <a:prstGeom prst="rect">
             <a:avLst/>
@@ -4728,14 +5273,14 @@
       </p:sp>
       <p:sp>
         <p:nvSpPr>
-          <p:cNvPr id="89" name="CustomShape 4"/>
+          <p:cNvPr id="94" name="CustomShape 4"/>
           <p:cNvSpPr/>
           <p:nvPr/>
         </p:nvSpPr>
         <p:spPr>
           <a:xfrm>
             <a:off x="6762600" y="2478240"/>
-            <a:ext cx="5428080" cy="363960"/>
+            <a:ext cx="5427720" cy="363600"/>
           </a:xfrm>
           <a:prstGeom prst="rect">
             <a:avLst/>
@@ -4768,14 +5313,14 @@
       </p:sp>
       <p:sp>
         <p:nvSpPr>
-          <p:cNvPr id="90" name="CustomShape 5"/>
+          <p:cNvPr id="95" name="CustomShape 5"/>
           <p:cNvSpPr/>
           <p:nvPr/>
         </p:nvSpPr>
         <p:spPr>
           <a:xfrm>
             <a:off x="762480" y="360"/>
-            <a:ext cx="10514520" cy="1324440"/>
+            <a:ext cx="10514160" cy="1324080"/>
           </a:xfrm>
           <a:prstGeom prst="rect">
             <a:avLst/>
@@ -4857,14 +5402,14 @@
       </p:grpSpPr>
       <p:sp>
         <p:nvSpPr>
-          <p:cNvPr id="91" name="CustomShape 1"/>
+          <p:cNvPr id="96" name="CustomShape 1"/>
           <p:cNvSpPr/>
           <p:nvPr/>
         </p:nvSpPr>
         <p:spPr>
           <a:xfrm>
             <a:off x="762120" y="0"/>
-            <a:ext cx="10514520" cy="1324440"/>
+            <a:ext cx="10514160" cy="1324080"/>
           </a:xfrm>
           <a:prstGeom prst="rect">
             <a:avLst/>
@@ -4897,7 +5442,7 @@
       </p:sp>
       <p:pic>
         <p:nvPicPr>
-          <p:cNvPr id="92" name="Picture 6" descr=""/>
+          <p:cNvPr id="97" name="Picture 6" descr=""/>
           <p:cNvPicPr/>
           <p:nvPr/>
         </p:nvPicPr>
@@ -4910,7 +5455,7 @@
         <p:spPr>
           <a:xfrm>
             <a:off x="7340760" y="1993320"/>
-            <a:ext cx="4214880" cy="4214880"/>
+            <a:ext cx="4214520" cy="4214520"/>
           </a:xfrm>
           <a:prstGeom prst="rect">
             <a:avLst/>
@@ -4922,14 +5467,14 @@
       </p:pic>
       <p:sp>
         <p:nvSpPr>
-          <p:cNvPr id="93" name="CustomShape 2"/>
+          <p:cNvPr id="98" name="CustomShape 2"/>
           <p:cNvSpPr/>
           <p:nvPr/>
         </p:nvSpPr>
         <p:spPr>
           <a:xfrm>
             <a:off x="7308720" y="1140840"/>
-            <a:ext cx="4647240" cy="911880"/>
+            <a:ext cx="4646880" cy="911520"/>
           </a:xfrm>
           <a:prstGeom prst="rect">
             <a:avLst/>
@@ -4962,14 +5507,14 @@
       </p:sp>
       <p:sp>
         <p:nvSpPr>
-          <p:cNvPr id="94" name="CustomShape 3"/>
+          <p:cNvPr id="99" name="CustomShape 3"/>
           <p:cNvSpPr/>
           <p:nvPr/>
         </p:nvSpPr>
         <p:spPr>
           <a:xfrm>
             <a:off x="7551720" y="6217920"/>
-            <a:ext cx="4151880" cy="485640"/>
+            <a:ext cx="4151520" cy="485280"/>
           </a:xfrm>
           <a:prstGeom prst="rect">
             <a:avLst/>
@@ -5002,7 +5547,7 @@
       </p:sp>
       <p:pic>
         <p:nvPicPr>
-          <p:cNvPr id="95" name="Picture 5" descr=""/>
+          <p:cNvPr id="100" name="Picture 5" descr=""/>
           <p:cNvPicPr/>
           <p:nvPr/>
         </p:nvPicPr>
@@ -5015,7 +5560,7 @@
         <p:spPr>
           <a:xfrm>
             <a:off x="490680" y="2842560"/>
-            <a:ext cx="4120200" cy="3084120"/>
+            <a:ext cx="4119840" cy="3083760"/>
           </a:xfrm>
           <a:prstGeom prst="rect">
             <a:avLst/>
@@ -5027,14 +5572,14 @@
       </p:pic>
       <p:sp>
         <p:nvSpPr>
-          <p:cNvPr id="96" name="CustomShape 4"/>
+          <p:cNvPr id="101" name="CustomShape 4"/>
           <p:cNvSpPr/>
           <p:nvPr/>
         </p:nvSpPr>
         <p:spPr>
           <a:xfrm>
             <a:off x="433440" y="5928120"/>
-            <a:ext cx="4177080" cy="485640"/>
+            <a:ext cx="4176720" cy="485280"/>
           </a:xfrm>
           <a:prstGeom prst="rect">
             <a:avLst/>
@@ -5067,14 +5612,14 @@
       </p:sp>
       <p:sp>
         <p:nvSpPr>
-          <p:cNvPr id="97" name="CustomShape 5"/>
+          <p:cNvPr id="102" name="CustomShape 5"/>
           <p:cNvSpPr/>
           <p:nvPr/>
         </p:nvSpPr>
         <p:spPr>
           <a:xfrm>
             <a:off x="5405760" y="3446280"/>
-            <a:ext cx="1014840" cy="964080"/>
+            <a:ext cx="1014480" cy="963720"/>
           </a:xfrm>
           <a:prstGeom prst="rightArrow">
             <a:avLst>
@@ -5095,14 +5640,14 @@
       </p:sp>
       <p:sp>
         <p:nvSpPr>
-          <p:cNvPr id="98" name="CustomShape 6"/>
+          <p:cNvPr id="103" name="CustomShape 6"/>
           <p:cNvSpPr/>
           <p:nvPr/>
         </p:nvSpPr>
         <p:spPr>
           <a:xfrm>
             <a:off x="433440" y="2473560"/>
-            <a:ext cx="5428080" cy="363960"/>
+            <a:ext cx="5427720" cy="363600"/>
           </a:xfrm>
           <a:prstGeom prst="rect">
             <a:avLst/>
@@ -5184,14 +5729,14 @@
       </p:grpSpPr>
       <p:sp>
         <p:nvSpPr>
-          <p:cNvPr id="99" name="CustomShape 1"/>
+          <p:cNvPr id="104" name="CustomShape 1"/>
           <p:cNvSpPr/>
           <p:nvPr/>
         </p:nvSpPr>
         <p:spPr>
           <a:xfrm>
             <a:off x="0" y="0"/>
-            <a:ext cx="12191040" cy="1324440"/>
+            <a:ext cx="12190680" cy="1324080"/>
           </a:xfrm>
           <a:prstGeom prst="rect">
             <a:avLst/>
@@ -5224,13 +5769,13 @@
       </p:sp>
       <p:pic>
         <p:nvPicPr>
-          <p:cNvPr id="100" name="Picture 3" descr=""/>
+          <p:cNvPr id="105" name="Picture 3" descr=""/>
           <p:cNvPicPr/>
           <p:nvPr/>
         </p:nvPicPr>
         <p:blipFill>
           <a:blip r:embed="rId1"/>
-          <a:srcRect l="0" t="0" r="0" b="39105"/>
+          <a:srcRect l="0" t="0" r="0" b="39099"/>
           <a:stretch>
             <a:fillRect/>
           </a:stretch>
@@ -5238,7 +5783,7 @@
         <p:spPr>
           <a:xfrm>
             <a:off x="0" y="1033200"/>
-            <a:ext cx="12191040" cy="3042360"/>
+            <a:ext cx="12190680" cy="3042000"/>
           </a:xfrm>
           <a:prstGeom prst="rect">
             <a:avLst/>
@@ -5250,7 +5795,7 @@
       </p:pic>
       <p:pic>
         <p:nvPicPr>
-          <p:cNvPr id="101" name="Picture 4" descr=""/>
+          <p:cNvPr id="106" name="Picture 4" descr=""/>
           <p:cNvPicPr/>
           <p:nvPr/>
         </p:nvPicPr>
@@ -5262,8 +5807,8 @@
         </p:blipFill>
         <p:spPr>
           <a:xfrm rot="16200000">
-            <a:off x="2514600" y="3939840"/>
-            <a:ext cx="486720" cy="4302720"/>
+            <a:off x="2514600" y="3940200"/>
+            <a:ext cx="486360" cy="4302360"/>
           </a:xfrm>
           <a:prstGeom prst="rect">
             <a:avLst/>
@@ -5275,7 +5820,7 @@
       </p:pic>
       <p:pic>
         <p:nvPicPr>
-          <p:cNvPr id="102" name="Picture 5" descr=""/>
+          <p:cNvPr id="107" name="Picture 5" descr=""/>
           <p:cNvPicPr/>
           <p:nvPr/>
         </p:nvPicPr>
@@ -5288,7 +5833,7 @@
         <p:spPr>
           <a:xfrm>
             <a:off x="9582120" y="4092480"/>
-            <a:ext cx="996120" cy="2723040"/>
+            <a:ext cx="995760" cy="2722680"/>
           </a:xfrm>
           <a:prstGeom prst="rect">
             <a:avLst/>
@@ -5300,14 +5845,14 @@
       </p:pic>
       <p:sp>
         <p:nvSpPr>
-          <p:cNvPr id="103" name="CustomShape 2"/>
+          <p:cNvPr id="108" name="CustomShape 2"/>
           <p:cNvSpPr/>
           <p:nvPr/>
         </p:nvSpPr>
         <p:spPr>
           <a:xfrm>
             <a:off x="606960" y="5109840"/>
-            <a:ext cx="4408560" cy="638280"/>
+            <a:ext cx="4408200" cy="637920"/>
           </a:xfrm>
           <a:prstGeom prst="rect">
             <a:avLst/>
@@ -5340,14 +5885,14 @@
       </p:sp>
       <p:sp>
         <p:nvSpPr>
-          <p:cNvPr id="104" name="CustomShape 3"/>
+          <p:cNvPr id="109" name="CustomShape 3"/>
           <p:cNvSpPr/>
           <p:nvPr/>
         </p:nvSpPr>
         <p:spPr>
           <a:xfrm>
             <a:off x="6819840" y="4187880"/>
-            <a:ext cx="5193360" cy="638280"/>
+            <a:ext cx="5193000" cy="637920"/>
           </a:xfrm>
           <a:prstGeom prst="rect">
             <a:avLst/>
@@ -5429,14 +5974,14 @@
       </p:grpSpPr>
       <p:sp>
         <p:nvSpPr>
-          <p:cNvPr id="105" name="CustomShape 1"/>
+          <p:cNvPr id="110" name="CustomShape 1"/>
           <p:cNvSpPr/>
           <p:nvPr/>
         </p:nvSpPr>
         <p:spPr>
           <a:xfrm>
             <a:off x="0" y="-162360"/>
-            <a:ext cx="10514520" cy="1324440"/>
+            <a:ext cx="10514160" cy="1324080"/>
           </a:xfrm>
           <a:prstGeom prst="rect">
             <a:avLst/>
@@ -5469,13 +6014,13 @@
       </p:sp>
       <p:pic>
         <p:nvPicPr>
-          <p:cNvPr id="106" name="Picture 3" descr=""/>
+          <p:cNvPr id="111" name="Picture 3" descr=""/>
           <p:cNvPicPr/>
           <p:nvPr/>
         </p:nvPicPr>
         <p:blipFill>
           <a:blip r:embed="rId1"/>
-          <a:srcRect l="0" t="6752" r="0" b="44945"/>
+          <a:srcRect l="0" t="6745" r="0" b="44938"/>
           <a:stretch>
             <a:fillRect/>
           </a:stretch>
@@ -5483,7 +6028,7 @@
         <p:spPr>
           <a:xfrm>
             <a:off x="0" y="965160"/>
-            <a:ext cx="12191040" cy="2412000"/>
+            <a:ext cx="12190680" cy="2411640"/>
           </a:xfrm>
           <a:prstGeom prst="rect">
             <a:avLst/>
@@ -5495,14 +6040,14 @@
       </p:pic>
       <p:sp>
         <p:nvSpPr>
-          <p:cNvPr id="107" name="CustomShape 2"/>
+          <p:cNvPr id="112" name="CustomShape 2"/>
           <p:cNvSpPr/>
           <p:nvPr/>
         </p:nvSpPr>
         <p:spPr>
           <a:xfrm>
             <a:off x="10020240" y="581760"/>
-            <a:ext cx="2170800" cy="637560"/>
+            <a:ext cx="2170440" cy="637200"/>
           </a:xfrm>
           <a:prstGeom prst="rect">
             <a:avLst/>
@@ -5535,7 +6080,7 @@
       </p:sp>
       <p:pic>
         <p:nvPicPr>
-          <p:cNvPr id="108" name="Picture 5" descr=""/>
+          <p:cNvPr id="113" name="Picture 5" descr=""/>
           <p:cNvPicPr/>
           <p:nvPr/>
         </p:nvPicPr>
@@ -5548,7 +6093,7 @@
         <p:spPr>
           <a:xfrm>
             <a:off x="0" y="4162680"/>
-            <a:ext cx="8627400" cy="2694240"/>
+            <a:ext cx="8627040" cy="2693880"/>
           </a:xfrm>
           <a:prstGeom prst="rect">
             <a:avLst/>
@@ -5560,14 +6105,14 @@
       </p:pic>
       <p:sp>
         <p:nvSpPr>
-          <p:cNvPr id="109" name="CustomShape 3"/>
+          <p:cNvPr id="114" name="CustomShape 3"/>
           <p:cNvSpPr/>
           <p:nvPr/>
         </p:nvSpPr>
         <p:spPr>
           <a:xfrm>
             <a:off x="8801280" y="4307760"/>
-            <a:ext cx="3275640" cy="1460520"/>
+            <a:ext cx="3275280" cy="1460160"/>
           </a:xfrm>
           <a:prstGeom prst="rect">
             <a:avLst/>
@@ -5674,14 +6219,14 @@
       </p:grpSpPr>
       <p:sp>
         <p:nvSpPr>
-          <p:cNvPr id="110" name="CustomShape 1"/>
+          <p:cNvPr id="115" name="CustomShape 1"/>
           <p:cNvSpPr/>
           <p:nvPr/>
         </p:nvSpPr>
         <p:spPr>
           <a:xfrm>
             <a:off x="0" y="0"/>
-            <a:ext cx="12191040" cy="1324440"/>
+            <a:ext cx="12190680" cy="1324080"/>
           </a:xfrm>
           <a:prstGeom prst="rect">
             <a:avLst/>
@@ -5735,7 +6280,7 @@
       </p:sp>
       <p:pic>
         <p:nvPicPr>
-          <p:cNvPr id="111" name="Picture 5" descr=""/>
+          <p:cNvPr id="116" name="Picture 5" descr=""/>
           <p:cNvPicPr/>
           <p:nvPr/>
         </p:nvPicPr>
@@ -5748,7 +6293,7 @@
         <p:spPr>
           <a:xfrm>
             <a:off x="939960" y="1325520"/>
-            <a:ext cx="10311480" cy="5531400"/>
+            <a:ext cx="10311120" cy="5531040"/>
           </a:xfrm>
           <a:prstGeom prst="rect">
             <a:avLst/>
@@ -5809,13 +6354,13 @@
       </p:grpSpPr>
       <p:pic>
         <p:nvPicPr>
-          <p:cNvPr id="112" name="Picture 4" descr=""/>
+          <p:cNvPr id="117" name="Picture 4" descr=""/>
           <p:cNvPicPr/>
           <p:nvPr/>
         </p:nvPicPr>
         <p:blipFill>
           <a:blip r:embed="rId1"/>
-          <a:srcRect l="0" t="0" r="8259" b="0"/>
+          <a:srcRect l="0" t="0" r="8247" b="0"/>
           <a:stretch>
             <a:fillRect/>
           </a:stretch>
@@ -5823,7 +6368,7 @@
         <p:spPr>
           <a:xfrm>
             <a:off x="4273560" y="1512000"/>
-            <a:ext cx="7447320" cy="4825080"/>
+            <a:ext cx="7446960" cy="4824720"/>
           </a:xfrm>
           <a:prstGeom prst="rect">
             <a:avLst/>
@@ -5835,14 +6380,14 @@
       </p:pic>
       <p:sp>
         <p:nvSpPr>
-          <p:cNvPr id="113" name="CustomShape 1"/>
+          <p:cNvPr id="118" name="CustomShape 1"/>
           <p:cNvSpPr/>
           <p:nvPr/>
         </p:nvSpPr>
         <p:spPr>
           <a:xfrm>
             <a:off x="927000" y="0"/>
-            <a:ext cx="10397160" cy="1324440"/>
+            <a:ext cx="10396800" cy="1324080"/>
           </a:xfrm>
           <a:prstGeom prst="rect">
             <a:avLst/>
@@ -5875,14 +6420,14 @@
       </p:sp>
       <p:sp>
         <p:nvSpPr>
-          <p:cNvPr id="114" name="CustomShape 2"/>
+          <p:cNvPr id="119" name="CustomShape 2"/>
           <p:cNvSpPr/>
           <p:nvPr/>
         </p:nvSpPr>
         <p:spPr>
           <a:xfrm>
             <a:off x="88920" y="2031840"/>
-            <a:ext cx="3853440" cy="4478040"/>
+            <a:ext cx="3853080" cy="4477680"/>
           </a:xfrm>
           <a:prstGeom prst="rect">
             <a:avLst/>
@@ -6508,4 +7053,227 @@
     </a:fmtScheme>
   </a:themeElements>
 </a:theme>
+</file>
+
+<file path=ppt/theme/theme3.xml><?xml version="1.0" encoding="utf-8"?>
+<a:theme xmlns:a="http://schemas.openxmlformats.org/drawingml/2006/main" name="Office Theme">
+  <a:themeElements>
+    <a:clrScheme name="Office">
+      <a:dk1>
+        <a:sysClr val="windowText" lastClr="000000"/>
+      </a:dk1>
+      <a:lt1>
+        <a:sysClr val="window" lastClr="FFFFFF"/>
+      </a:lt1>
+      <a:dk2>
+        <a:srgbClr val="1F497D"/>
+      </a:dk2>
+      <a:lt2>
+        <a:srgbClr val="EEECE1"/>
+      </a:lt2>
+      <a:accent1>
+        <a:srgbClr val="4F81BD"/>
+      </a:accent1>
+      <a:accent2>
+        <a:srgbClr val="C0504D"/>
+      </a:accent2>
+      <a:accent3>
+        <a:srgbClr val="9BBB59"/>
+      </a:accent3>
+      <a:accent4>
+        <a:srgbClr val="8064A2"/>
+      </a:accent4>
+      <a:accent5>
+        <a:srgbClr val="4BACC6"/>
+      </a:accent5>
+      <a:accent6>
+        <a:srgbClr val="F79646"/>
+      </a:accent6>
+      <a:hlink>
+        <a:srgbClr val="0000FF"/>
+      </a:hlink>
+      <a:folHlink>
+        <a:srgbClr val="800080"/>
+      </a:folHlink>
+    </a:clrScheme>
+    <a:fontScheme name="Office">
+      <a:majorFont>
+        <a:latin typeface="Arial"/>
+        <a:ea typeface="DejaVu Sans"/>
+        <a:cs typeface="DejaVu Sans"/>
+      </a:majorFont>
+      <a:minorFont>
+        <a:latin typeface="Arial"/>
+        <a:ea typeface="DejaVu Sans"/>
+        <a:cs typeface="DejaVu Sans"/>
+      </a:minorFont>
+    </a:fontScheme>
+    <a:fmtScheme name="Office">
+      <a:fillStyleLst>
+        <a:solidFill>
+          <a:schemeClr val="phClr"/>
+        </a:solidFill>
+        <a:gradFill rotWithShape="1">
+          <a:gsLst>
+            <a:gs pos="0">
+              <a:schemeClr val="phClr">
+                <a:tint val="50000"/>
+                <a:satMod val="300000"/>
+              </a:schemeClr>
+            </a:gs>
+            <a:gs pos="35000">
+              <a:schemeClr val="phClr">
+                <a:tint val="37000"/>
+                <a:satMod val="300000"/>
+              </a:schemeClr>
+            </a:gs>
+            <a:gs pos="100000">
+              <a:schemeClr val="phClr">
+                <a:tint val="15000"/>
+                <a:satMod val="350000"/>
+              </a:schemeClr>
+            </a:gs>
+          </a:gsLst>
+          <a:lin ang="16200000" scaled="1"/>
+        </a:gradFill>
+        <a:gradFill rotWithShape="1">
+          <a:gsLst>
+            <a:gs pos="0">
+              <a:schemeClr val="phClr">
+                <a:shade val="51000"/>
+                <a:satMod val="130000"/>
+              </a:schemeClr>
+            </a:gs>
+            <a:gs pos="80000">
+              <a:schemeClr val="phClr">
+                <a:shade val="93000"/>
+                <a:satMod val="130000"/>
+              </a:schemeClr>
+            </a:gs>
+            <a:gs pos="100000">
+              <a:schemeClr val="phClr">
+                <a:shade val="94000"/>
+                <a:satMod val="135000"/>
+              </a:schemeClr>
+            </a:gs>
+          </a:gsLst>
+          <a:lin ang="16200000" scaled="0"/>
+        </a:gradFill>
+      </a:fillStyleLst>
+      <a:lnStyleLst>
+        <a:ln w="9525" cap="flat" cmpd="sng" algn="ctr">
+          <a:solidFill>
+            <a:schemeClr val="phClr">
+              <a:shade val="95000"/>
+              <a:satMod val="105000"/>
+            </a:schemeClr>
+          </a:solidFill>
+          <a:prstDash val="solid"/>
+        </a:ln>
+        <a:ln w="25400" cap="flat" cmpd="sng" algn="ctr">
+          <a:solidFill>
+            <a:schemeClr val="phClr"/>
+          </a:solidFill>
+          <a:prstDash val="solid"/>
+        </a:ln>
+        <a:ln w="38100" cap="flat" cmpd="sng" algn="ctr">
+          <a:solidFill>
+            <a:schemeClr val="phClr"/>
+          </a:solidFill>
+          <a:prstDash val="solid"/>
+        </a:ln>
+      </a:lnStyleLst>
+      <a:effectStyleLst>
+        <a:effectStyle>
+          <a:effectLst>
+            <a:outerShdw blurRad="40000" dist="20000" dir="5400000" rotWithShape="0">
+              <a:srgbClr val="000000">
+                <a:alpha val="38000"/>
+              </a:srgbClr>
+            </a:outerShdw>
+          </a:effectLst>
+        </a:effectStyle>
+        <a:effectStyle>
+          <a:effectLst>
+            <a:outerShdw blurRad="40000" dist="23000" dir="5400000" rotWithShape="0">
+              <a:srgbClr val="000000">
+                <a:alpha val="35000"/>
+              </a:srgbClr>
+            </a:outerShdw>
+          </a:effectLst>
+        </a:effectStyle>
+        <a:effectStyle>
+          <a:effectLst>
+            <a:outerShdw blurRad="40000" dist="23000" dir="5400000" rotWithShape="0">
+              <a:srgbClr val="000000">
+                <a:alpha val="35000"/>
+              </a:srgbClr>
+            </a:outerShdw>
+          </a:effectLst>
+          <a:scene3d>
+            <a:camera prst="orthographicFront">
+              <a:rot lat="0" lon="0" rev="0"/>
+            </a:camera>
+            <a:lightRig rig="threePt" dir="t">
+              <a:rot lat="0" lon="0" rev="1200000"/>
+            </a:lightRig>
+          </a:scene3d>
+          <a:sp3d>
+            <a:bevelT w="63500" h="25400"/>
+          </a:sp3d>
+        </a:effectStyle>
+      </a:effectStyleLst>
+      <a:bgFillStyleLst>
+        <a:solidFill>
+          <a:schemeClr val="phClr"/>
+        </a:solidFill>
+        <a:gradFill rotWithShape="1">
+          <a:gsLst>
+            <a:gs pos="0">
+              <a:schemeClr val="phClr">
+                <a:tint val="40000"/>
+                <a:satMod val="350000"/>
+              </a:schemeClr>
+            </a:gs>
+            <a:gs pos="40000">
+              <a:schemeClr val="phClr">
+                <a:tint val="45000"/>
+                <a:shade val="99000"/>
+                <a:satMod val="350000"/>
+              </a:schemeClr>
+            </a:gs>
+            <a:gs pos="100000">
+              <a:schemeClr val="phClr">
+                <a:shade val="20000"/>
+                <a:satMod val="255000"/>
+              </a:schemeClr>
+            </a:gs>
+          </a:gsLst>
+          <a:path path="circle">
+            <a:fillToRect l="50000" t="-80000" r="50000" b="180000"/>
+          </a:path>
+        </a:gradFill>
+        <a:gradFill rotWithShape="1">
+          <a:gsLst>
+            <a:gs pos="0">
+              <a:schemeClr val="phClr">
+                <a:tint val="80000"/>
+                <a:satMod val="300000"/>
+              </a:schemeClr>
+            </a:gs>
+            <a:gs pos="100000">
+              <a:schemeClr val="phClr">
+                <a:shade val="30000"/>
+                <a:satMod val="200000"/>
+              </a:schemeClr>
+            </a:gs>
+          </a:gsLst>
+          <a:path path="circle">
+            <a:fillToRect l="50000" t="50000" r="50000" b="50000"/>
+          </a:path>
+        </a:gradFill>
+      </a:bgFillStyleLst>
+    </a:fmtScheme>
+  </a:themeElements>
+</a:theme>
 </file>
--- a/Final/Presentation/Data_Visualization_Final.pptx
+++ b/Final/Presentation/Data_Visualization_Final.pptx
@@ -195,7 +195,7 @@
           <a:bodyPr lIns="0" rIns="0" tIns="0" bIns="0" anchor="b"/>
           <a:p>
             <a:pPr algn="r"/>
-            <a:fld id="{3A12F7A6-C9EC-450D-82D1-D63585781271}" type="slidenum">
+            <a:fld id="{47569255-BDAB-42BD-814D-131E272A3D4E}" type="slidenum">
               <a:rPr lang="en-US" sz="1400">
                 <a:latin typeface="Times New Roman"/>
               </a:rPr>
@@ -258,7 +258,7 @@
                 <a:latin typeface="Arial"/>
                 <a:ea typeface="Droid Sans Fallback"/>
               </a:rPr>
-              <a:t>Our final project is BerryVis, a geographical  visualization of strawberry genetic distance.  That is to see  how closely related samples of the Fragaria, collected around the glope, are.</a:t>
+              <a:t>Our final project is BerryVis, a geographical  visualization of strawberry genetic distance.  That is to see  how closely related samples of the Fragaria, collected around the globe are.</a:t>
             </a:r>
             <a:endParaRPr/>
           </a:p>
@@ -316,7 +316,7 @@
                 <a:latin typeface="Arial"/>
                 <a:ea typeface="Droid Sans Fallback"/>
               </a:rPr>
-              <a:t>We did gather some samples from  the ncbi gene bank and used geneious, a suite of molecular biology tools, to create a distance matrix using Tamura-Nei algorithm.</a:t>
+              <a:t>We did gather some samples from  the ncbi gene bank and used geneious, a suite of molecular biology tools, to create a distance matrix using the Tamura-Nei algorithm.</a:t>
             </a:r>
             <a:endParaRPr/>
           </a:p>
@@ -374,7 +374,7 @@
                 <a:latin typeface="Arial"/>
                 <a:ea typeface="Droid Sans Fallback"/>
               </a:rPr>
-              <a:t>The result is a matrix were each cell represent the distance between to samples in percentages.  Not easy to visualize much from that table in your mind as it just raw data. </a:t>
+              <a:t>The result is a matrix were each cell represent the distance between two samples in percentages.  Not easy to visualize much from that table in your mind as it just raw data. </a:t>
             </a:r>
             <a:endParaRPr/>
           </a:p>
@@ -432,7 +432,7 @@
                 <a:latin typeface="Arial"/>
                 <a:ea typeface="Droid Sans Fallback"/>
               </a:rPr>
-              <a:t>So there are some ways to visualize these relationships, or distances.  One is to just color the matrix and try to get an idea from that.  Other well known way is to use the Neighbor-join method to create a rootles tree where distance between the samples are represented with the length of the lines.</a:t>
+              <a:t>So there are some ways to visualize these relationships, or distances.  One is to just color the matrix and try to get an idea from there.  Other well known way is to use the Neighbor-join method to create a rootles tree where distance between the samples are represented with the length of the lines.</a:t>
             </a:r>
             <a:endParaRPr/>
           </a:p>
@@ -490,7 +490,7 @@
                 <a:latin typeface="Arial"/>
                 <a:ea typeface="Droid Sans Fallback"/>
               </a:rPr>
-              <a:t>We wanted to represent each sample with a node.  Then use each cell from the matrix to create an edge between the nodes and use the values from the Tamura-Nei algorithm to control both width and color of the edeges by, for example, representing little related plants with the color blue and closely related with the color red.</a:t>
+              <a:t>We wanted to represent each sample with a node.  Then use each cell from the matrix to create an edge between the nodes and use the values from the Tamura-Nei algorithm to control both width and color of the edges by, for example, representing little related plants with the color blue and closely related with the color red.</a:t>
             </a:r>
             <a:endParaRPr/>
           </a:p>
@@ -556,7 +556,7 @@
               <a:rPr lang="en-US" sz="2000">
                 <a:latin typeface="Arial"/>
               </a:rPr>
-              <a:t>In this way we hoped to get a good overview of relations based on geographical positions – to see how the Fragaria migrides over the planet, or, to focus on smaller areas of the world by using zoom.</a:t>
+              <a:t>In this way we hoped to get a good overview of relations based on geographical positions – to see how the Fragaria migrates over the planet, or, to focus on smaller areas of the world by using zoom.</a:t>
             </a:r>
             <a:endParaRPr/>
           </a:p>

--- a/Final/Presentation/Data_Visualization_Final.pptx
+++ b/Final/Presentation/Data_Visualization_Final.pptx
@@ -1,33 +1,420 @@
 
 <file path=ppt/presentation.xml><?xml version="1.0" encoding="utf-8"?>
-<p:presentation xmlns:a="http://schemas.openxmlformats.org/drawingml/2006/main" xmlns:p="http://schemas.openxmlformats.org/presentationml/2006/main" xmlns:r="http://schemas.openxmlformats.org/officeDocument/2006/relationships">
+<p:presentation xmlns:a="http://schemas.openxmlformats.org/drawingml/2006/main" xmlns:r="http://schemas.openxmlformats.org/officeDocument/2006/relationships" xmlns:p="http://schemas.openxmlformats.org/presentationml/2006/main">
   <p:sldMasterIdLst>
-    <p:sldMasterId id="2147483648" r:id="rId2"/>
-    <p:sldMasterId id="2147483661" r:id="rId3"/>
+    <p:sldMasterId id="2147483648" r:id="rId1"/>
+    <p:sldMasterId id="2147483661" r:id="rId2"/>
   </p:sldMasterIdLst>
   <p:notesMasterIdLst>
-    <p:notesMasterId r:id="rId4"/>
+    <p:notesMasterId r:id="rId14"/>
   </p:notesMasterIdLst>
   <p:sldIdLst>
-    <p:sldId id="256" r:id="rId5"/>
-    <p:sldId id="257" r:id="rId6"/>
-    <p:sldId id="258" r:id="rId7"/>
-    <p:sldId id="259" r:id="rId8"/>
-    <p:sldId id="260" r:id="rId9"/>
-    <p:sldId id="261" r:id="rId10"/>
-    <p:sldId id="262" r:id="rId11"/>
-    <p:sldId id="263" r:id="rId12"/>
-    <p:sldId id="264" r:id="rId13"/>
-    <p:sldId id="265" r:id="rId14"/>
-    <p:sldId id="266" r:id="rId15"/>
+    <p:sldId id="256" r:id="rId3"/>
+    <p:sldId id="257" r:id="rId4"/>
+    <p:sldId id="258" r:id="rId5"/>
+    <p:sldId id="259" r:id="rId6"/>
+    <p:sldId id="260" r:id="rId7"/>
+    <p:sldId id="261" r:id="rId8"/>
+    <p:sldId id="262" r:id="rId9"/>
+    <p:sldId id="263" r:id="rId10"/>
+    <p:sldId id="264" r:id="rId11"/>
+    <p:sldId id="265" r:id="rId12"/>
+    <p:sldId id="266" r:id="rId13"/>
   </p:sldIdLst>
   <p:sldSz cx="12192000" cy="6858000"/>
-  <p:notesSz cx="7559675" cy="10691812"/>
+  <p:notesSz cx="7559675" cy="10691813"/>
+  <p:defaultTextStyle>
+    <a:defPPr>
+      <a:defRPr lang="en-US"/>
+    </a:defPPr>
+    <a:lvl1pPr marL="0" algn="l" defTabSz="914400" rtl="0" eaLnBrk="1" latinLnBrk="0" hangingPunct="1">
+      <a:defRPr sz="1800" kern="1200">
+        <a:solidFill>
+          <a:schemeClr val="tx1"/>
+        </a:solidFill>
+        <a:latin typeface="+mn-lt"/>
+        <a:ea typeface="+mn-ea"/>
+        <a:cs typeface="+mn-cs"/>
+      </a:defRPr>
+    </a:lvl1pPr>
+    <a:lvl2pPr marL="457200" algn="l" defTabSz="914400" rtl="0" eaLnBrk="1" latinLnBrk="0" hangingPunct="1">
+      <a:defRPr sz="1800" kern="1200">
+        <a:solidFill>
+          <a:schemeClr val="tx1"/>
+        </a:solidFill>
+        <a:latin typeface="+mn-lt"/>
+        <a:ea typeface="+mn-ea"/>
+        <a:cs typeface="+mn-cs"/>
+      </a:defRPr>
+    </a:lvl2pPr>
+    <a:lvl3pPr marL="914400" algn="l" defTabSz="914400" rtl="0" eaLnBrk="1" latinLnBrk="0" hangingPunct="1">
+      <a:defRPr sz="1800" kern="1200">
+        <a:solidFill>
+          <a:schemeClr val="tx1"/>
+        </a:solidFill>
+        <a:latin typeface="+mn-lt"/>
+        <a:ea typeface="+mn-ea"/>
+        <a:cs typeface="+mn-cs"/>
+      </a:defRPr>
+    </a:lvl3pPr>
+    <a:lvl4pPr marL="1371600" algn="l" defTabSz="914400" rtl="0" eaLnBrk="1" latinLnBrk="0" hangingPunct="1">
+      <a:defRPr sz="1800" kern="1200">
+        <a:solidFill>
+          <a:schemeClr val="tx1"/>
+        </a:solidFill>
+        <a:latin typeface="+mn-lt"/>
+        <a:ea typeface="+mn-ea"/>
+        <a:cs typeface="+mn-cs"/>
+      </a:defRPr>
+    </a:lvl4pPr>
+    <a:lvl5pPr marL="1828800" algn="l" defTabSz="914400" rtl="0" eaLnBrk="1" latinLnBrk="0" hangingPunct="1">
+      <a:defRPr sz="1800" kern="1200">
+        <a:solidFill>
+          <a:schemeClr val="tx1"/>
+        </a:solidFill>
+        <a:latin typeface="+mn-lt"/>
+        <a:ea typeface="+mn-ea"/>
+        <a:cs typeface="+mn-cs"/>
+      </a:defRPr>
+    </a:lvl5pPr>
+    <a:lvl6pPr marL="2286000" algn="l" defTabSz="914400" rtl="0" eaLnBrk="1" latinLnBrk="0" hangingPunct="1">
+      <a:defRPr sz="1800" kern="1200">
+        <a:solidFill>
+          <a:schemeClr val="tx1"/>
+        </a:solidFill>
+        <a:latin typeface="+mn-lt"/>
+        <a:ea typeface="+mn-ea"/>
+        <a:cs typeface="+mn-cs"/>
+      </a:defRPr>
+    </a:lvl6pPr>
+    <a:lvl7pPr marL="2743200" algn="l" defTabSz="914400" rtl="0" eaLnBrk="1" latinLnBrk="0" hangingPunct="1">
+      <a:defRPr sz="1800" kern="1200">
+        <a:solidFill>
+          <a:schemeClr val="tx1"/>
+        </a:solidFill>
+        <a:latin typeface="+mn-lt"/>
+        <a:ea typeface="+mn-ea"/>
+        <a:cs typeface="+mn-cs"/>
+      </a:defRPr>
+    </a:lvl7pPr>
+    <a:lvl8pPr marL="3200400" algn="l" defTabSz="914400" rtl="0" eaLnBrk="1" latinLnBrk="0" hangingPunct="1">
+      <a:defRPr sz="1800" kern="1200">
+        <a:solidFill>
+          <a:schemeClr val="tx1"/>
+        </a:solidFill>
+        <a:latin typeface="+mn-lt"/>
+        <a:ea typeface="+mn-ea"/>
+        <a:cs typeface="+mn-cs"/>
+      </a:defRPr>
+    </a:lvl8pPr>
+    <a:lvl9pPr marL="3657600" algn="l" defTabSz="914400" rtl="0" eaLnBrk="1" latinLnBrk="0" hangingPunct="1">
+      <a:defRPr sz="1800" kern="1200">
+        <a:solidFill>
+          <a:schemeClr val="tx1"/>
+        </a:solidFill>
+        <a:latin typeface="+mn-lt"/>
+        <a:ea typeface="+mn-ea"/>
+        <a:cs typeface="+mn-cs"/>
+      </a:defRPr>
+    </a:lvl9pPr>
+  </p:defaultTextStyle>
 </p:presentation>
 </file>
 
 <file path=ppt/notesMasters/notesMaster1.xml><?xml version="1.0" encoding="utf-8"?>
-<p:notesMaster xmlns:a="http://schemas.openxmlformats.org/drawingml/2006/main" xmlns:p="http://schemas.openxmlformats.org/presentationml/2006/main" xmlns:r="http://schemas.openxmlformats.org/officeDocument/2006/relationships">
+<p:notesMaster xmlns:a="http://schemas.openxmlformats.org/drawingml/2006/main" xmlns:r="http://schemas.openxmlformats.org/officeDocument/2006/relationships" xmlns:p="http://schemas.openxmlformats.org/presentationml/2006/main">
+  <p:cSld>
+    <p:bg>
+      <p:bgRef idx="1001">
+        <a:schemeClr val="bg1"/>
+      </p:bgRef>
+    </p:bg>
+    <p:spTree>
+      <p:nvGrpSpPr>
+        <p:cNvPr id="1" name=""/>
+        <p:cNvGrpSpPr/>
+        <p:nvPr/>
+      </p:nvGrpSpPr>
+      <p:grpSpPr>
+        <a:xfrm>
+          <a:off x="0" y="0"/>
+          <a:ext cx="0" cy="0"/>
+          <a:chOff x="0" y="0"/>
+          <a:chExt cx="0" cy="0"/>
+        </a:xfrm>
+      </p:grpSpPr>
+      <p:sp>
+        <p:nvSpPr>
+          <p:cNvPr id="72" name="PlaceHolder 1"/>
+          <p:cNvSpPr>
+            <a:spLocks noGrp="1"/>
+          </p:cNvSpPr>
+          <p:nvPr>
+            <p:ph type="body"/>
+          </p:nvPr>
+        </p:nvSpPr>
+        <p:spPr>
+          <a:xfrm>
+            <a:off x="756000" y="5078520"/>
+            <a:ext cx="6047640" cy="4811040"/>
+          </a:xfrm>
+          <a:prstGeom prst="rect">
+            <a:avLst/>
+          </a:prstGeom>
+        </p:spPr>
+        <p:txBody>
+          <a:bodyPr lIns="0" tIns="0" rIns="0" bIns="0"/>
+          <a:lstStyle/>
+          <a:p>
+            <a:r>
+              <a:rPr lang="en-US" sz="2000">
+                <a:latin typeface="Arial"/>
+              </a:rPr>
+              <a:t>Click to edit the notes format</a:t>
+            </a:r>
+            <a:endParaRPr/>
+          </a:p>
+        </p:txBody>
+      </p:sp>
+      <p:sp>
+        <p:nvSpPr>
+          <p:cNvPr id="73" name="PlaceHolder 2"/>
+          <p:cNvSpPr>
+            <a:spLocks noGrp="1"/>
+          </p:cNvSpPr>
+          <p:nvPr>
+            <p:ph type="hdr"/>
+          </p:nvPr>
+        </p:nvSpPr>
+        <p:spPr>
+          <a:xfrm>
+            <a:off x="0" y="0"/>
+            <a:ext cx="3280680" cy="534240"/>
+          </a:xfrm>
+          <a:prstGeom prst="rect">
+            <a:avLst/>
+          </a:prstGeom>
+        </p:spPr>
+        <p:txBody>
+          <a:bodyPr lIns="0" tIns="0" rIns="0" bIns="0"/>
+          <a:lstStyle/>
+          <a:p>
+            <a:r>
+              <a:rPr lang="en-US" sz="1400">
+                <a:latin typeface="Times New Roman"/>
+              </a:rPr>
+              <a:t>&lt;header&gt;</a:t>
+            </a:r>
+            <a:endParaRPr/>
+          </a:p>
+        </p:txBody>
+      </p:sp>
+      <p:sp>
+        <p:nvSpPr>
+          <p:cNvPr id="74" name="PlaceHolder 3"/>
+          <p:cNvSpPr>
+            <a:spLocks noGrp="1"/>
+          </p:cNvSpPr>
+          <p:nvPr>
+            <p:ph type="dt"/>
+          </p:nvPr>
+        </p:nvSpPr>
+        <p:spPr>
+          <a:xfrm>
+            <a:off x="4278960" y="0"/>
+            <a:ext cx="3280680" cy="534240"/>
+          </a:xfrm>
+          <a:prstGeom prst="rect">
+            <a:avLst/>
+          </a:prstGeom>
+        </p:spPr>
+        <p:txBody>
+          <a:bodyPr lIns="0" tIns="0" rIns="0" bIns="0"/>
+          <a:lstStyle/>
+          <a:p>
+            <a:pPr algn="r"/>
+            <a:r>
+              <a:rPr lang="en-US" sz="1400">
+                <a:latin typeface="Times New Roman"/>
+              </a:rPr>
+              <a:t>&lt;date/time&gt;</a:t>
+            </a:r>
+            <a:endParaRPr/>
+          </a:p>
+        </p:txBody>
+      </p:sp>
+      <p:sp>
+        <p:nvSpPr>
+          <p:cNvPr id="75" name="PlaceHolder 4"/>
+          <p:cNvSpPr>
+            <a:spLocks noGrp="1"/>
+          </p:cNvSpPr>
+          <p:nvPr>
+            <p:ph type="ftr"/>
+          </p:nvPr>
+        </p:nvSpPr>
+        <p:spPr>
+          <a:xfrm>
+            <a:off x="0" y="10157400"/>
+            <a:ext cx="3280680" cy="534240"/>
+          </a:xfrm>
+          <a:prstGeom prst="rect">
+            <a:avLst/>
+          </a:prstGeom>
+        </p:spPr>
+        <p:txBody>
+          <a:bodyPr lIns="0" tIns="0" rIns="0" bIns="0" anchor="b"/>
+          <a:lstStyle/>
+          <a:p>
+            <a:r>
+              <a:rPr lang="en-US" sz="1400">
+                <a:latin typeface="Times New Roman"/>
+              </a:rPr>
+              <a:t>&lt;footer&gt;</a:t>
+            </a:r>
+            <a:endParaRPr/>
+          </a:p>
+        </p:txBody>
+      </p:sp>
+      <p:sp>
+        <p:nvSpPr>
+          <p:cNvPr id="76" name="PlaceHolder 5"/>
+          <p:cNvSpPr>
+            <a:spLocks noGrp="1"/>
+          </p:cNvSpPr>
+          <p:nvPr>
+            <p:ph type="sldNum"/>
+          </p:nvPr>
+        </p:nvSpPr>
+        <p:spPr>
+          <a:xfrm>
+            <a:off x="4278960" y="10157400"/>
+            <a:ext cx="3280680" cy="534240"/>
+          </a:xfrm>
+          <a:prstGeom prst="rect">
+            <a:avLst/>
+          </a:prstGeom>
+        </p:spPr>
+        <p:txBody>
+          <a:bodyPr lIns="0" tIns="0" rIns="0" bIns="0" anchor="b"/>
+          <a:lstStyle/>
+          <a:p>
+            <a:pPr algn="r"/>
+            <a:fld id="{47569255-BDAB-42BD-814D-131E272A3D4E}" type="slidenum">
+              <a:rPr lang="en-US" sz="1400">
+                <a:latin typeface="Times New Roman"/>
+              </a:rPr>
+              <a:t>‹#›</a:t>
+            </a:fld>
+            <a:endParaRPr/>
+          </a:p>
+        </p:txBody>
+      </p:sp>
+    </p:spTree>
+    <p:extLst>
+      <p:ext uri="{BB962C8B-B14F-4D97-AF65-F5344CB8AC3E}">
+        <p14:creationId xmlns:p14="http://schemas.microsoft.com/office/powerpoint/2010/main" val="2940574265"/>
+      </p:ext>
+    </p:extLst>
+  </p:cSld>
+  <p:clrMap bg1="lt1" tx1="dk1" bg2="lt2" tx2="dk2" accent1="accent1" accent2="accent2" accent3="accent3" accent4="accent4" accent5="accent5" accent6="accent6" hlink="hlink" folHlink="folHlink"/>
+  <p:notesStyle>
+    <a:lvl1pPr marL="0" algn="l" defTabSz="914400" rtl="0" eaLnBrk="1" latinLnBrk="0" hangingPunct="1">
+      <a:defRPr sz="1200" kern="1200">
+        <a:solidFill>
+          <a:schemeClr val="tx1"/>
+        </a:solidFill>
+        <a:latin typeface="+mn-lt"/>
+        <a:ea typeface="+mn-ea"/>
+        <a:cs typeface="+mn-cs"/>
+      </a:defRPr>
+    </a:lvl1pPr>
+    <a:lvl2pPr marL="457200" algn="l" defTabSz="914400" rtl="0" eaLnBrk="1" latinLnBrk="0" hangingPunct="1">
+      <a:defRPr sz="1200" kern="1200">
+        <a:solidFill>
+          <a:schemeClr val="tx1"/>
+        </a:solidFill>
+        <a:latin typeface="+mn-lt"/>
+        <a:ea typeface="+mn-ea"/>
+        <a:cs typeface="+mn-cs"/>
+      </a:defRPr>
+    </a:lvl2pPr>
+    <a:lvl3pPr marL="914400" algn="l" defTabSz="914400" rtl="0" eaLnBrk="1" latinLnBrk="0" hangingPunct="1">
+      <a:defRPr sz="1200" kern="1200">
+        <a:solidFill>
+          <a:schemeClr val="tx1"/>
+        </a:solidFill>
+        <a:latin typeface="+mn-lt"/>
+        <a:ea typeface="+mn-ea"/>
+        <a:cs typeface="+mn-cs"/>
+      </a:defRPr>
+    </a:lvl3pPr>
+    <a:lvl4pPr marL="1371600" algn="l" defTabSz="914400" rtl="0" eaLnBrk="1" latinLnBrk="0" hangingPunct="1">
+      <a:defRPr sz="1200" kern="1200">
+        <a:solidFill>
+          <a:schemeClr val="tx1"/>
+        </a:solidFill>
+        <a:latin typeface="+mn-lt"/>
+        <a:ea typeface="+mn-ea"/>
+        <a:cs typeface="+mn-cs"/>
+      </a:defRPr>
+    </a:lvl4pPr>
+    <a:lvl5pPr marL="1828800" algn="l" defTabSz="914400" rtl="0" eaLnBrk="1" latinLnBrk="0" hangingPunct="1">
+      <a:defRPr sz="1200" kern="1200">
+        <a:solidFill>
+          <a:schemeClr val="tx1"/>
+        </a:solidFill>
+        <a:latin typeface="+mn-lt"/>
+        <a:ea typeface="+mn-ea"/>
+        <a:cs typeface="+mn-cs"/>
+      </a:defRPr>
+    </a:lvl5pPr>
+    <a:lvl6pPr marL="2286000" algn="l" defTabSz="914400" rtl="0" eaLnBrk="1" latinLnBrk="0" hangingPunct="1">
+      <a:defRPr sz="1200" kern="1200">
+        <a:solidFill>
+          <a:schemeClr val="tx1"/>
+        </a:solidFill>
+        <a:latin typeface="+mn-lt"/>
+        <a:ea typeface="+mn-ea"/>
+        <a:cs typeface="+mn-cs"/>
+      </a:defRPr>
+    </a:lvl6pPr>
+    <a:lvl7pPr marL="2743200" algn="l" defTabSz="914400" rtl="0" eaLnBrk="1" latinLnBrk="0" hangingPunct="1">
+      <a:defRPr sz="1200" kern="1200">
+        <a:solidFill>
+          <a:schemeClr val="tx1"/>
+        </a:solidFill>
+        <a:latin typeface="+mn-lt"/>
+        <a:ea typeface="+mn-ea"/>
+        <a:cs typeface="+mn-cs"/>
+      </a:defRPr>
+    </a:lvl7pPr>
+    <a:lvl8pPr marL="3200400" algn="l" defTabSz="914400" rtl="0" eaLnBrk="1" latinLnBrk="0" hangingPunct="1">
+      <a:defRPr sz="1200" kern="1200">
+        <a:solidFill>
+          <a:schemeClr val="tx1"/>
+        </a:solidFill>
+        <a:latin typeface="+mn-lt"/>
+        <a:ea typeface="+mn-ea"/>
+        <a:cs typeface="+mn-cs"/>
+      </a:defRPr>
+    </a:lvl8pPr>
+    <a:lvl9pPr marL="3657600" algn="l" defTabSz="914400" rtl="0" eaLnBrk="1" latinLnBrk="0" hangingPunct="1">
+      <a:defRPr sz="1200" kern="1200">
+        <a:solidFill>
+          <a:schemeClr val="tx1"/>
+        </a:solidFill>
+        <a:latin typeface="+mn-lt"/>
+        <a:ea typeface="+mn-ea"/>
+        <a:cs typeface="+mn-cs"/>
+      </a:defRPr>
+    </a:lvl9pPr>
+  </p:notesStyle>
+</p:notesMaster>
+</file>
+
+<file path=ppt/notesSlides/notesSlide1.xml><?xml version="1.0" encoding="utf-8"?>
+<p:notes xmlns:a="http://schemas.openxmlformats.org/drawingml/2006/main" xmlns:r="http://schemas.openxmlformats.org/officeDocument/2006/relationships" xmlns:p="http://schemas.openxmlformats.org/presentationml/2006/main">
   <p:cSld>
     <p:spTree>
       <p:nvGrpSpPr>
@@ -45,7 +432,7 @@
       </p:grpSpPr>
       <p:sp>
         <p:nvSpPr>
-          <p:cNvPr id="72" name="PlaceHolder 1"/>
+          <p:cNvPr id="122" name="PlaceHolder 1"/>
           <p:cNvSpPr>
             <a:spLocks noGrp="1"/>
           </p:cNvSpPr>
@@ -56,163 +443,45 @@
         <p:spPr>
           <a:xfrm>
             <a:off x="756000" y="5078520"/>
-            <a:ext cx="6047640" cy="4811040"/>
-          </a:xfrm>
-          <a:prstGeom prst="rect">
-            <a:avLst/>
-          </a:prstGeom>
-        </p:spPr>
-        <p:txBody>
-          <a:bodyPr lIns="0" rIns="0" tIns="0" bIns="0"/>
+            <a:ext cx="6047640" cy="4811400"/>
+          </a:xfrm>
+          <a:prstGeom prst="rect">
+            <a:avLst/>
+          </a:prstGeom>
+        </p:spPr>
+        <p:txBody>
+          <a:bodyPr lIns="0" tIns="0" rIns="0" bIns="0"/>
+          <a:lstStyle/>
           <a:p>
             <a:r>
               <a:rPr lang="en-US" sz="2000">
+                <a:solidFill>
+                  <a:srgbClr val="000000"/>
+                </a:solidFill>
                 <a:latin typeface="Arial"/>
+                <a:ea typeface="Droid Sans Fallback"/>
               </a:rPr>
-              <a:t>Click to edit the notes format</a:t>
+              <a:t>Our final project is BerryVis, a geographical  visualization of strawberry genetic distance.  That is to see  how closely related samples of the Fragaria, collected around the globe are.</a:t>
             </a:r>
             <a:endParaRPr/>
           </a:p>
         </p:txBody>
       </p:sp>
-      <p:sp>
-        <p:nvSpPr>
-          <p:cNvPr id="73" name="PlaceHolder 2"/>
-          <p:cNvSpPr>
-            <a:spLocks noGrp="1"/>
-          </p:cNvSpPr>
-          <p:nvPr>
-            <p:ph type="hdr"/>
-          </p:nvPr>
-        </p:nvSpPr>
-        <p:spPr>
-          <a:xfrm>
-            <a:off x="0" y="0"/>
-            <a:ext cx="3280680" cy="534240"/>
-          </a:xfrm>
-          <a:prstGeom prst="rect">
-            <a:avLst/>
-          </a:prstGeom>
-        </p:spPr>
-        <p:txBody>
-          <a:bodyPr lIns="0" rIns="0" tIns="0" bIns="0"/>
-          <a:p>
-            <a:r>
-              <a:rPr lang="en-US" sz="1400">
-                <a:latin typeface="Times New Roman"/>
-              </a:rPr>
-              <a:t>&lt;header&gt;</a:t>
-            </a:r>
-            <a:endParaRPr/>
-          </a:p>
-        </p:txBody>
-      </p:sp>
-      <p:sp>
-        <p:nvSpPr>
-          <p:cNvPr id="74" name="PlaceHolder 3"/>
-          <p:cNvSpPr>
-            <a:spLocks noGrp="1"/>
-          </p:cNvSpPr>
-          <p:nvPr>
-            <p:ph type="dt"/>
-          </p:nvPr>
-        </p:nvSpPr>
-        <p:spPr>
-          <a:xfrm>
-            <a:off x="4278960" y="0"/>
-            <a:ext cx="3280680" cy="534240"/>
-          </a:xfrm>
-          <a:prstGeom prst="rect">
-            <a:avLst/>
-          </a:prstGeom>
-        </p:spPr>
-        <p:txBody>
-          <a:bodyPr lIns="0" rIns="0" tIns="0" bIns="0"/>
-          <a:p>
-            <a:pPr algn="r"/>
-            <a:r>
-              <a:rPr lang="en-US" sz="1400">
-                <a:latin typeface="Times New Roman"/>
-              </a:rPr>
-              <a:t>&lt;date/time&gt;</a:t>
-            </a:r>
-            <a:endParaRPr/>
-          </a:p>
-        </p:txBody>
-      </p:sp>
-      <p:sp>
-        <p:nvSpPr>
-          <p:cNvPr id="75" name="PlaceHolder 4"/>
-          <p:cNvSpPr>
-            <a:spLocks noGrp="1"/>
-          </p:cNvSpPr>
-          <p:nvPr>
-            <p:ph type="ftr"/>
-          </p:nvPr>
-        </p:nvSpPr>
-        <p:spPr>
-          <a:xfrm>
-            <a:off x="0" y="10157400"/>
-            <a:ext cx="3280680" cy="534240"/>
-          </a:xfrm>
-          <a:prstGeom prst="rect">
-            <a:avLst/>
-          </a:prstGeom>
-        </p:spPr>
-        <p:txBody>
-          <a:bodyPr lIns="0" rIns="0" tIns="0" bIns="0" anchor="b"/>
-          <a:p>
-            <a:r>
-              <a:rPr lang="en-US" sz="1400">
-                <a:latin typeface="Times New Roman"/>
-              </a:rPr>
-              <a:t>&lt;footer&gt;</a:t>
-            </a:r>
-            <a:endParaRPr/>
-          </a:p>
-        </p:txBody>
-      </p:sp>
-      <p:sp>
-        <p:nvSpPr>
-          <p:cNvPr id="76" name="PlaceHolder 5"/>
-          <p:cNvSpPr>
-            <a:spLocks noGrp="1"/>
-          </p:cNvSpPr>
-          <p:nvPr>
-            <p:ph type="sldNum"/>
-          </p:nvPr>
-        </p:nvSpPr>
-        <p:spPr>
-          <a:xfrm>
-            <a:off x="4278960" y="10157400"/>
-            <a:ext cx="3280680" cy="534240"/>
-          </a:xfrm>
-          <a:prstGeom prst="rect">
-            <a:avLst/>
-          </a:prstGeom>
-        </p:spPr>
-        <p:txBody>
-          <a:bodyPr lIns="0" rIns="0" tIns="0" bIns="0" anchor="b"/>
-          <a:p>
-            <a:pPr algn="r"/>
-            <a:fld id="{47569255-BDAB-42BD-814D-131E272A3D4E}" type="slidenum">
-              <a:rPr lang="en-US" sz="1400">
-                <a:latin typeface="Times New Roman"/>
-              </a:rPr>
-              <a:t>&lt;number&gt;</a:t>
-            </a:fld>
-            <a:endParaRPr/>
-          </a:p>
-        </p:txBody>
-      </p:sp>
     </p:spTree>
+    <p:extLst>
+      <p:ext uri="{BB962C8B-B14F-4D97-AF65-F5344CB8AC3E}">
+        <p14:creationId xmlns:p14="http://schemas.microsoft.com/office/powerpoint/2010/main" val="2273457397"/>
+      </p:ext>
+    </p:extLst>
   </p:cSld>
-  <p:clrMap bg1="lt1" bg2="lt2" tx1="dk1" tx2="dk2" accent1="accent1" accent2="accent2" accent3="accent3" accent4="accent4" accent5="accent5" accent6="accent6" hlink="hlink" folHlink="folHlink"/>
-</p:notesMaster>
+  <p:clrMapOvr>
+    <a:masterClrMapping/>
+  </p:clrMapOvr>
+</p:notes>
 </file>
 
-<file path=ppt/notesSlides/notesSlide1.xml><?xml version="1.0" encoding="utf-8"?>
-<p:notes xmlns:a="http://schemas.openxmlformats.org/drawingml/2006/main" xmlns:p="http://schemas.openxmlformats.org/presentationml/2006/main" xmlns:r="http://schemas.openxmlformats.org/officeDocument/2006/relationships">
+<file path=ppt/notesSlides/notesSlide10.xml><?xml version="1.0" encoding="utf-8"?>
+<p:notes xmlns:a="http://schemas.openxmlformats.org/drawingml/2006/main" xmlns:r="http://schemas.openxmlformats.org/officeDocument/2006/relationships" xmlns:p="http://schemas.openxmlformats.org/presentationml/2006/main">
   <p:cSld>
     <p:spTree>
       <p:nvGrpSpPr>
@@ -230,47 +499,118 @@
       </p:grpSpPr>
       <p:sp>
         <p:nvSpPr>
-          <p:cNvPr id="122" name="PlaceHolder 1"/>
+          <p:cNvPr id="2" name="Slide Image Placeholder 1"/>
+          <p:cNvSpPr>
+            <a:spLocks noGrp="1" noRot="1" noChangeAspect="1"/>
+          </p:cNvSpPr>
+          <p:nvPr>
+            <p:ph type="sldImg"/>
+          </p:nvPr>
+        </p:nvSpPr>
+        <p:spPr>
+          <a:xfrm>
+            <a:off x="573088" y="1336675"/>
+            <a:ext cx="6413500" cy="3608388"/>
+          </a:xfrm>
+          <a:prstGeom prst="rect">
+            <a:avLst/>
+          </a:prstGeom>
+          <a:noFill/>
+          <a:ln w="12700">
+            <a:solidFill>
+              <a:prstClr val="black"/>
+            </a:solidFill>
+          </a:ln>
+        </p:spPr>
+      </p:sp>
+      <p:sp>
+        <p:nvSpPr>
+          <p:cNvPr id="3" name="Notes Placeholder 2"/>
           <p:cNvSpPr>
             <a:spLocks noGrp="1"/>
           </p:cNvSpPr>
           <p:nvPr>
-            <p:ph type="body"/>
+            <p:ph type="body" idx="1"/>
           </p:nvPr>
         </p:nvSpPr>
-        <p:spPr>
-          <a:xfrm>
-            <a:off x="756000" y="5078520"/>
-            <a:ext cx="6047640" cy="4811400"/>
-          </a:xfrm>
-          <a:prstGeom prst="rect">
-            <a:avLst/>
-          </a:prstGeom>
-        </p:spPr>
-        <p:txBody>
-          <a:bodyPr lIns="0" rIns="0" tIns="0" bIns="0"/>
-          <a:p>
+        <p:spPr/>
+        <p:txBody>
+          <a:bodyPr/>
+          <a:lstStyle/>
+          <a:p>
+            <a:pPr marL="0" marR="0" indent="0" algn="l" defTabSz="914400" rtl="0" eaLnBrk="1" fontAlgn="auto" latinLnBrk="0" hangingPunct="1">
+              <a:lnSpc>
+                <a:spcPct val="100000"/>
+              </a:lnSpc>
+              <a:spcBef>
+                <a:spcPts val="0"/>
+              </a:spcBef>
+              <a:spcAft>
+                <a:spcPts val="0"/>
+              </a:spcAft>
+              <a:buClrTx/>
+              <a:buSzTx/>
+              <a:buFontTx/>
+              <a:buNone/>
+              <a:tabLst/>
+              <a:defRPr/>
+            </a:pPr>
             <a:r>
-              <a:rPr lang="en-US" sz="2000">
-                <a:solidFill>
-                  <a:srgbClr val="000000"/>
-                </a:solidFill>
-                <a:latin typeface="Arial"/>
-                <a:ea typeface="Droid Sans Fallback"/>
+              <a:rPr lang="en-US" dirty="0" smtClean="0"/>
+              <a:t>Our</a:t>
+            </a:r>
+            <a:r>
+              <a:rPr lang="en-US" baseline="0" dirty="0" smtClean="0"/>
+              <a:t> demo website consists of steps and different views of visualizing our information. It has been designed in D3. For now the color ranges and the visualization settings are fixed, but the script can be extended into a functional online platform if needed for open use (we didn’t publish it anywhere). </a:t>
+            </a:r>
+            <a:endParaRPr lang="en-US" dirty="0" smtClean="0"/>
+          </a:p>
+          <a:p>
+            <a:endParaRPr lang="en-US" dirty="0"/>
+          </a:p>
+        </p:txBody>
+      </p:sp>
+      <p:sp>
+        <p:nvSpPr>
+          <p:cNvPr id="4" name="Slide Number Placeholder 3"/>
+          <p:cNvSpPr>
+            <a:spLocks noGrp="1"/>
+          </p:cNvSpPr>
+          <p:nvPr>
+            <p:ph type="sldNum" idx="10"/>
+          </p:nvPr>
+        </p:nvSpPr>
+        <p:spPr/>
+        <p:txBody>
+          <a:bodyPr/>
+          <a:lstStyle/>
+          <a:p>
+            <a:pPr algn="r"/>
+            <a:fld id="{47569255-BDAB-42BD-814D-131E272A3D4E}" type="slidenum">
+              <a:rPr lang="en-US" sz="1400" smtClean="0">
+                <a:latin typeface="Times New Roman"/>
               </a:rPr>
-              <a:t>Our final project is BerryVis, a geographical  visualization of strawberry genetic distance.  That is to see  how closely related samples of the Fragaria, collected around the globe are.</a:t>
-            </a:r>
-            <a:endParaRPr/>
+              <a:t>10</a:t>
+            </a:fld>
+            <a:endParaRPr lang="en-US"/>
           </a:p>
         </p:txBody>
       </p:sp>
     </p:spTree>
+    <p:extLst>
+      <p:ext uri="{BB962C8B-B14F-4D97-AF65-F5344CB8AC3E}">
+        <p14:creationId xmlns:p14="http://schemas.microsoft.com/office/powerpoint/2010/main" val="3058051785"/>
+      </p:ext>
+    </p:extLst>
   </p:cSld>
+  <p:clrMapOvr>
+    <a:masterClrMapping/>
+  </p:clrMapOvr>
 </p:notes>
 </file>
 
 <file path=ppt/notesSlides/notesSlide2.xml><?xml version="1.0" encoding="utf-8"?>
-<p:notes xmlns:a="http://schemas.openxmlformats.org/drawingml/2006/main" xmlns:p="http://schemas.openxmlformats.org/presentationml/2006/main" xmlns:r="http://schemas.openxmlformats.org/officeDocument/2006/relationships">
+<p:notes xmlns:a="http://schemas.openxmlformats.org/drawingml/2006/main" xmlns:r="http://schemas.openxmlformats.org/officeDocument/2006/relationships" xmlns:p="http://schemas.openxmlformats.org/presentationml/2006/main">
   <p:cSld>
     <p:spTree>
       <p:nvGrpSpPr>
@@ -306,7 +646,8 @@
           </a:prstGeom>
         </p:spPr>
         <p:txBody>
-          <a:bodyPr lIns="0" rIns="0" tIns="0" bIns="0"/>
+          <a:bodyPr lIns="0" tIns="0" rIns="0" bIns="0"/>
+          <a:lstStyle/>
           <a:p>
             <a:r>
               <a:rPr lang="en-US" sz="2000">
@@ -323,12 +664,20 @@
         </p:txBody>
       </p:sp>
     </p:spTree>
+    <p:extLst>
+      <p:ext uri="{BB962C8B-B14F-4D97-AF65-F5344CB8AC3E}">
+        <p14:creationId xmlns:p14="http://schemas.microsoft.com/office/powerpoint/2010/main" val="3085920623"/>
+      </p:ext>
+    </p:extLst>
   </p:cSld>
+  <p:clrMapOvr>
+    <a:masterClrMapping/>
+  </p:clrMapOvr>
 </p:notes>
 </file>
 
 <file path=ppt/notesSlides/notesSlide3.xml><?xml version="1.0" encoding="utf-8"?>
-<p:notes xmlns:a="http://schemas.openxmlformats.org/drawingml/2006/main" xmlns:p="http://schemas.openxmlformats.org/presentationml/2006/main" xmlns:r="http://schemas.openxmlformats.org/officeDocument/2006/relationships">
+<p:notes xmlns:a="http://schemas.openxmlformats.org/drawingml/2006/main" xmlns:r="http://schemas.openxmlformats.org/officeDocument/2006/relationships" xmlns:p="http://schemas.openxmlformats.org/presentationml/2006/main">
   <p:cSld>
     <p:spTree>
       <p:nvGrpSpPr>
@@ -364,7 +713,8 @@
           </a:prstGeom>
         </p:spPr>
         <p:txBody>
-          <a:bodyPr lIns="0" rIns="0" tIns="0" bIns="0"/>
+          <a:bodyPr lIns="0" tIns="0" rIns="0" bIns="0"/>
+          <a:lstStyle/>
           <a:p>
             <a:r>
               <a:rPr lang="en-US" sz="2000">
@@ -381,12 +731,20 @@
         </p:txBody>
       </p:sp>
     </p:spTree>
+    <p:extLst>
+      <p:ext uri="{BB962C8B-B14F-4D97-AF65-F5344CB8AC3E}">
+        <p14:creationId xmlns:p14="http://schemas.microsoft.com/office/powerpoint/2010/main" val="3056183455"/>
+      </p:ext>
+    </p:extLst>
   </p:cSld>
+  <p:clrMapOvr>
+    <a:masterClrMapping/>
+  </p:clrMapOvr>
 </p:notes>
 </file>
 
 <file path=ppt/notesSlides/notesSlide4.xml><?xml version="1.0" encoding="utf-8"?>
-<p:notes xmlns:a="http://schemas.openxmlformats.org/drawingml/2006/main" xmlns:p="http://schemas.openxmlformats.org/presentationml/2006/main" xmlns:r="http://schemas.openxmlformats.org/officeDocument/2006/relationships">
+<p:notes xmlns:a="http://schemas.openxmlformats.org/drawingml/2006/main" xmlns:r="http://schemas.openxmlformats.org/officeDocument/2006/relationships" xmlns:p="http://schemas.openxmlformats.org/presentationml/2006/main">
   <p:cSld>
     <p:spTree>
       <p:nvGrpSpPr>
@@ -422,7 +780,8 @@
           </a:prstGeom>
         </p:spPr>
         <p:txBody>
-          <a:bodyPr lIns="0" rIns="0" tIns="0" bIns="0"/>
+          <a:bodyPr lIns="0" tIns="0" rIns="0" bIns="0"/>
+          <a:lstStyle/>
           <a:p>
             <a:r>
               <a:rPr lang="en-US" sz="2000">
@@ -439,12 +798,20 @@
         </p:txBody>
       </p:sp>
     </p:spTree>
+    <p:extLst>
+      <p:ext uri="{BB962C8B-B14F-4D97-AF65-F5344CB8AC3E}">
+        <p14:creationId xmlns:p14="http://schemas.microsoft.com/office/powerpoint/2010/main" val="3515858792"/>
+      </p:ext>
+    </p:extLst>
   </p:cSld>
+  <p:clrMapOvr>
+    <a:masterClrMapping/>
+  </p:clrMapOvr>
 </p:notes>
 </file>
 
 <file path=ppt/notesSlides/notesSlide5.xml><?xml version="1.0" encoding="utf-8"?>
-<p:notes xmlns:a="http://schemas.openxmlformats.org/drawingml/2006/main" xmlns:p="http://schemas.openxmlformats.org/presentationml/2006/main" xmlns:r="http://schemas.openxmlformats.org/officeDocument/2006/relationships">
+<p:notes xmlns:a="http://schemas.openxmlformats.org/drawingml/2006/main" xmlns:r="http://schemas.openxmlformats.org/officeDocument/2006/relationships" xmlns:p="http://schemas.openxmlformats.org/presentationml/2006/main">
   <p:cSld>
     <p:spTree>
       <p:nvGrpSpPr>
@@ -480,7 +847,8 @@
           </a:prstGeom>
         </p:spPr>
         <p:txBody>
-          <a:bodyPr lIns="0" rIns="0" tIns="0" bIns="0"/>
+          <a:bodyPr lIns="0" tIns="0" rIns="0" bIns="0"/>
+          <a:lstStyle/>
           <a:p>
             <a:r>
               <a:rPr lang="en-US" sz="2000">
@@ -497,12 +865,20 @@
         </p:txBody>
       </p:sp>
     </p:spTree>
+    <p:extLst>
+      <p:ext uri="{BB962C8B-B14F-4D97-AF65-F5344CB8AC3E}">
+        <p14:creationId xmlns:p14="http://schemas.microsoft.com/office/powerpoint/2010/main" val="3828785164"/>
+      </p:ext>
+    </p:extLst>
   </p:cSld>
+  <p:clrMapOvr>
+    <a:masterClrMapping/>
+  </p:clrMapOvr>
 </p:notes>
 </file>
 
 <file path=ppt/notesSlides/notesSlide6.xml><?xml version="1.0" encoding="utf-8"?>
-<p:notes xmlns:a="http://schemas.openxmlformats.org/drawingml/2006/main" xmlns:p="http://schemas.openxmlformats.org/presentationml/2006/main" xmlns:r="http://schemas.openxmlformats.org/officeDocument/2006/relationships">
+<p:notes xmlns:a="http://schemas.openxmlformats.org/drawingml/2006/main" xmlns:r="http://schemas.openxmlformats.org/officeDocument/2006/relationships" xmlns:p="http://schemas.openxmlformats.org/presentationml/2006/main">
   <p:cSld>
     <p:spTree>
       <p:nvGrpSpPr>
@@ -538,37 +914,484 @@
           </a:prstGeom>
         </p:spPr>
         <p:txBody>
-          <a:bodyPr lIns="0" rIns="0" tIns="0" bIns="0"/>
+          <a:bodyPr lIns="0" tIns="0" rIns="0" bIns="0"/>
+          <a:lstStyle/>
           <a:p>
             <a:r>
-              <a:rPr lang="en-US" sz="2000">
+              <a:rPr lang="en-US" sz="2000" dirty="0">
                 <a:latin typeface="Arial"/>
               </a:rPr>
               <a:t>Then to make it interesting we would project the nodes onto a world map, using available GPS locations of where the samples were collected.</a:t>
             </a:r>
-            <a:endParaRPr/>
-          </a:p>
-          <a:p>
-            <a:endParaRPr/>
+            <a:endParaRPr dirty="0"/>
+          </a:p>
+          <a:p>
+            <a:endParaRPr dirty="0"/>
           </a:p>
           <a:p>
             <a:r>
-              <a:rPr lang="en-US" sz="2000">
+              <a:rPr lang="en-US" sz="2000" dirty="0">
                 <a:latin typeface="Arial"/>
               </a:rPr>
-              <a:t>In this way we hoped to get a good overview of relations based on geographical positions – to see how the Fragaria migrates over the planet, or, to focus on smaller areas of the world by using zoom.</a:t>
+              <a:t>In this way we hoped to get a good overview of relations based on geographical positions – to see how the </a:t>
             </a:r>
-            <a:endParaRPr/>
+            <a:r>
+              <a:rPr lang="en-US" sz="2000" dirty="0" err="1">
+                <a:latin typeface="Arial"/>
+              </a:rPr>
+              <a:t>Fragaria</a:t>
+            </a:r>
+            <a:r>
+              <a:rPr lang="en-US" sz="2000" dirty="0">
+                <a:latin typeface="Arial"/>
+              </a:rPr>
+              <a:t> migrates over the planet, or, to focus on smaller areas of the world by using zoom.</a:t>
+            </a:r>
+            <a:endParaRPr dirty="0"/>
           </a:p>
         </p:txBody>
       </p:sp>
     </p:spTree>
+    <p:extLst>
+      <p:ext uri="{BB962C8B-B14F-4D97-AF65-F5344CB8AC3E}">
+        <p14:creationId xmlns:p14="http://schemas.microsoft.com/office/powerpoint/2010/main" val="3706593028"/>
+      </p:ext>
+    </p:extLst>
   </p:cSld>
+  <p:clrMapOvr>
+    <a:masterClrMapping/>
+  </p:clrMapOvr>
+</p:notes>
+</file>
+
+<file path=ppt/notesSlides/notesSlide7.xml><?xml version="1.0" encoding="utf-8"?>
+<p:notes xmlns:a="http://schemas.openxmlformats.org/drawingml/2006/main" xmlns:r="http://schemas.openxmlformats.org/officeDocument/2006/relationships" xmlns:p="http://schemas.openxmlformats.org/presentationml/2006/main">
+  <p:cSld>
+    <p:spTree>
+      <p:nvGrpSpPr>
+        <p:cNvPr id="1" name=""/>
+        <p:cNvGrpSpPr/>
+        <p:nvPr/>
+      </p:nvGrpSpPr>
+      <p:grpSpPr>
+        <a:xfrm>
+          <a:off x="0" y="0"/>
+          <a:ext cx="0" cy="0"/>
+          <a:chOff x="0" y="0"/>
+          <a:chExt cx="0" cy="0"/>
+        </a:xfrm>
+      </p:grpSpPr>
+      <p:sp>
+        <p:nvSpPr>
+          <p:cNvPr id="2" name="Slide Image Placeholder 1"/>
+          <p:cNvSpPr>
+            <a:spLocks noGrp="1" noRot="1" noChangeAspect="1"/>
+          </p:cNvSpPr>
+          <p:nvPr>
+            <p:ph type="sldImg"/>
+          </p:nvPr>
+        </p:nvSpPr>
+        <p:spPr>
+          <a:xfrm>
+            <a:off x="573088" y="1336675"/>
+            <a:ext cx="6413500" cy="3608388"/>
+          </a:xfrm>
+          <a:prstGeom prst="rect">
+            <a:avLst/>
+          </a:prstGeom>
+          <a:noFill/>
+          <a:ln w="12700">
+            <a:solidFill>
+              <a:prstClr val="black"/>
+            </a:solidFill>
+          </a:ln>
+        </p:spPr>
+      </p:sp>
+      <p:sp>
+        <p:nvSpPr>
+          <p:cNvPr id="3" name="Notes Placeholder 2"/>
+          <p:cNvSpPr>
+            <a:spLocks noGrp="1"/>
+          </p:cNvSpPr>
+          <p:nvPr>
+            <p:ph type="body" idx="1"/>
+          </p:nvPr>
+        </p:nvSpPr>
+        <p:spPr/>
+        <p:txBody>
+          <a:bodyPr/>
+          <a:lstStyle/>
+          <a:p>
+            <a:pPr marL="0" marR="0" indent="0" algn="l" defTabSz="914400" rtl="0" eaLnBrk="1" fontAlgn="auto" latinLnBrk="0" hangingPunct="1">
+              <a:lnSpc>
+                <a:spcPct val="100000"/>
+              </a:lnSpc>
+              <a:spcBef>
+                <a:spcPts val="0"/>
+              </a:spcBef>
+              <a:spcAft>
+                <a:spcPts val="0"/>
+              </a:spcAft>
+              <a:buClrTx/>
+              <a:buSzTx/>
+              <a:buFontTx/>
+              <a:buNone/>
+              <a:tabLst/>
+              <a:defRPr/>
+            </a:pPr>
+            <a:r>
+              <a:rPr lang="en-US" dirty="0" smtClean="0"/>
+              <a:t>The first visualization works nicely</a:t>
+            </a:r>
+            <a:r>
+              <a:rPr lang="en-US" baseline="0" dirty="0" smtClean="0"/>
+              <a:t> and we can distinguish the fact that China is very tied to all samples around the globe. However, when we applied the same algorithm on the entire provided database (270 samples), we had difficulty in seeing any patterns or strong connections. The graph is too cluttered and the computing time considerable (grows </a:t>
+            </a:r>
+            <a:r>
+              <a:rPr lang="en-US" baseline="0" dirty="0" err="1" smtClean="0"/>
+              <a:t>quadratically</a:t>
+            </a:r>
+            <a:r>
+              <a:rPr lang="en-US" baseline="0" dirty="0" smtClean="0"/>
+              <a:t> with sample count)</a:t>
+            </a:r>
+            <a:endParaRPr lang="en-US" dirty="0" smtClean="0"/>
+          </a:p>
+          <a:p>
+            <a:endParaRPr lang="en-US" dirty="0"/>
+          </a:p>
+        </p:txBody>
+      </p:sp>
+      <p:sp>
+        <p:nvSpPr>
+          <p:cNvPr id="4" name="Slide Number Placeholder 3"/>
+          <p:cNvSpPr>
+            <a:spLocks noGrp="1"/>
+          </p:cNvSpPr>
+          <p:nvPr>
+            <p:ph type="sldNum" idx="10"/>
+          </p:nvPr>
+        </p:nvSpPr>
+        <p:spPr/>
+        <p:txBody>
+          <a:bodyPr/>
+          <a:lstStyle/>
+          <a:p>
+            <a:pPr algn="r"/>
+            <a:fld id="{47569255-BDAB-42BD-814D-131E272A3D4E}" type="slidenum">
+              <a:rPr lang="en-US" sz="1400" smtClean="0">
+                <a:latin typeface="Times New Roman"/>
+              </a:rPr>
+              <a:t>7</a:t>
+            </a:fld>
+            <a:endParaRPr lang="en-US"/>
+          </a:p>
+        </p:txBody>
+      </p:sp>
+    </p:spTree>
+    <p:extLst>
+      <p:ext uri="{BB962C8B-B14F-4D97-AF65-F5344CB8AC3E}">
+        <p14:creationId xmlns:p14="http://schemas.microsoft.com/office/powerpoint/2010/main" val="3041230488"/>
+      </p:ext>
+    </p:extLst>
+  </p:cSld>
+  <p:clrMapOvr>
+    <a:masterClrMapping/>
+  </p:clrMapOvr>
+</p:notes>
+</file>
+
+<file path=ppt/notesSlides/notesSlide8.xml><?xml version="1.0" encoding="utf-8"?>
+<p:notes xmlns:a="http://schemas.openxmlformats.org/drawingml/2006/main" xmlns:r="http://schemas.openxmlformats.org/officeDocument/2006/relationships" xmlns:p="http://schemas.openxmlformats.org/presentationml/2006/main">
+  <p:cSld>
+    <p:spTree>
+      <p:nvGrpSpPr>
+        <p:cNvPr id="1" name=""/>
+        <p:cNvGrpSpPr/>
+        <p:nvPr/>
+      </p:nvGrpSpPr>
+      <p:grpSpPr>
+        <a:xfrm>
+          <a:off x="0" y="0"/>
+          <a:ext cx="0" cy="0"/>
+          <a:chOff x="0" y="0"/>
+          <a:chExt cx="0" cy="0"/>
+        </a:xfrm>
+      </p:grpSpPr>
+      <p:sp>
+        <p:nvSpPr>
+          <p:cNvPr id="2" name="Slide Image Placeholder 1"/>
+          <p:cNvSpPr>
+            <a:spLocks noGrp="1" noRot="1" noChangeAspect="1"/>
+          </p:cNvSpPr>
+          <p:nvPr>
+            <p:ph type="sldImg"/>
+          </p:nvPr>
+        </p:nvSpPr>
+        <p:spPr>
+          <a:xfrm>
+            <a:off x="573088" y="1336675"/>
+            <a:ext cx="6413500" cy="3608388"/>
+          </a:xfrm>
+          <a:prstGeom prst="rect">
+            <a:avLst/>
+          </a:prstGeom>
+          <a:noFill/>
+          <a:ln w="12700">
+            <a:solidFill>
+              <a:prstClr val="black"/>
+            </a:solidFill>
+          </a:ln>
+        </p:spPr>
+      </p:sp>
+      <p:sp>
+        <p:nvSpPr>
+          <p:cNvPr id="3" name="Notes Placeholder 2"/>
+          <p:cNvSpPr>
+            <a:spLocks noGrp="1"/>
+          </p:cNvSpPr>
+          <p:nvPr>
+            <p:ph type="body" idx="1"/>
+          </p:nvPr>
+        </p:nvSpPr>
+        <p:spPr/>
+        <p:txBody>
+          <a:bodyPr/>
+          <a:lstStyle/>
+          <a:p>
+            <a:r>
+              <a:rPr lang="en-US" dirty="0" smtClean="0"/>
+              <a:t>So,</a:t>
+            </a:r>
+            <a:r>
+              <a:rPr lang="en-US" baseline="0" dirty="0" smtClean="0"/>
+              <a:t> what we did:</a:t>
+            </a:r>
+          </a:p>
+          <a:p>
+            <a:r>
+              <a:rPr lang="en-US" baseline="0" dirty="0" smtClean="0"/>
+              <a:t>-we separated the data on different regions.</a:t>
+            </a:r>
+          </a:p>
+          <a:p>
+            <a:r>
+              <a:rPr lang="en-US" baseline="0" dirty="0" smtClean="0"/>
+              <a:t>-connected dots within the same region (red-to-white color range).</a:t>
+            </a:r>
+          </a:p>
+          <a:p>
+            <a:r>
+              <a:rPr lang="en-US" baseline="0" dirty="0" smtClean="0"/>
+              <a:t>-created centroids (meaning center for every cluster)</a:t>
+            </a:r>
+          </a:p>
+          <a:p>
+            <a:r>
+              <a:rPr lang="en-US" baseline="0" dirty="0" smtClean="0"/>
+              <a:t>-connected centroids to show inter-cluster distance (e.g. to see whether the West American Coast has similarities with Europe or China etc.)</a:t>
+            </a:r>
+          </a:p>
+          <a:p>
+            <a:r>
+              <a:rPr lang="en-US" baseline="0" dirty="0" smtClean="0"/>
+              <a:t>-added transparency for less relevant connections to further reduce cluttering.</a:t>
+            </a:r>
+            <a:endParaRPr lang="en-US" dirty="0" smtClean="0"/>
+          </a:p>
+          <a:p>
+            <a:endParaRPr lang="en-US" dirty="0"/>
+          </a:p>
+        </p:txBody>
+      </p:sp>
+      <p:sp>
+        <p:nvSpPr>
+          <p:cNvPr id="4" name="Slide Number Placeholder 3"/>
+          <p:cNvSpPr>
+            <a:spLocks noGrp="1"/>
+          </p:cNvSpPr>
+          <p:nvPr>
+            <p:ph type="sldNum" idx="10"/>
+          </p:nvPr>
+        </p:nvSpPr>
+        <p:spPr/>
+        <p:txBody>
+          <a:bodyPr/>
+          <a:lstStyle/>
+          <a:p>
+            <a:pPr algn="r"/>
+            <a:fld id="{47569255-BDAB-42BD-814D-131E272A3D4E}" type="slidenum">
+              <a:rPr lang="en-US" sz="1400" smtClean="0">
+                <a:latin typeface="Times New Roman"/>
+              </a:rPr>
+              <a:t>8</a:t>
+            </a:fld>
+            <a:endParaRPr lang="en-US"/>
+          </a:p>
+        </p:txBody>
+      </p:sp>
+    </p:spTree>
+    <p:extLst>
+      <p:ext uri="{BB962C8B-B14F-4D97-AF65-F5344CB8AC3E}">
+        <p14:creationId xmlns:p14="http://schemas.microsoft.com/office/powerpoint/2010/main" val="431745755"/>
+      </p:ext>
+    </p:extLst>
+  </p:cSld>
+  <p:clrMapOvr>
+    <a:masterClrMapping/>
+  </p:clrMapOvr>
+</p:notes>
+</file>
+
+<file path=ppt/notesSlides/notesSlide9.xml><?xml version="1.0" encoding="utf-8"?>
+<p:notes xmlns:a="http://schemas.openxmlformats.org/drawingml/2006/main" xmlns:r="http://schemas.openxmlformats.org/officeDocument/2006/relationships" xmlns:p="http://schemas.openxmlformats.org/presentationml/2006/main">
+  <p:cSld>
+    <p:spTree>
+      <p:nvGrpSpPr>
+        <p:cNvPr id="1" name=""/>
+        <p:cNvGrpSpPr/>
+        <p:nvPr/>
+      </p:nvGrpSpPr>
+      <p:grpSpPr>
+        <a:xfrm>
+          <a:off x="0" y="0"/>
+          <a:ext cx="0" cy="0"/>
+          <a:chOff x="0" y="0"/>
+          <a:chExt cx="0" cy="0"/>
+        </a:xfrm>
+      </p:grpSpPr>
+      <p:sp>
+        <p:nvSpPr>
+          <p:cNvPr id="2" name="Slide Image Placeholder 1"/>
+          <p:cNvSpPr>
+            <a:spLocks noGrp="1" noRot="1" noChangeAspect="1"/>
+          </p:cNvSpPr>
+          <p:nvPr>
+            <p:ph type="sldImg"/>
+          </p:nvPr>
+        </p:nvSpPr>
+        <p:spPr>
+          <a:xfrm>
+            <a:off x="573088" y="1336675"/>
+            <a:ext cx="6413500" cy="3608388"/>
+          </a:xfrm>
+          <a:prstGeom prst="rect">
+            <a:avLst/>
+          </a:prstGeom>
+          <a:noFill/>
+          <a:ln w="12700">
+            <a:solidFill>
+              <a:prstClr val="black"/>
+            </a:solidFill>
+          </a:ln>
+        </p:spPr>
+      </p:sp>
+      <p:sp>
+        <p:nvSpPr>
+          <p:cNvPr id="3" name="Notes Placeholder 2"/>
+          <p:cNvSpPr>
+            <a:spLocks noGrp="1"/>
+          </p:cNvSpPr>
+          <p:nvPr>
+            <p:ph type="body" idx="1"/>
+          </p:nvPr>
+        </p:nvSpPr>
+        <p:spPr/>
+        <p:txBody>
+          <a:bodyPr/>
+          <a:lstStyle/>
+          <a:p>
+            <a:r>
+              <a:rPr lang="en-US" dirty="0" smtClean="0"/>
+              <a:t>Our</a:t>
+            </a:r>
+            <a:r>
+              <a:rPr lang="en-US" baseline="0" dirty="0" smtClean="0"/>
+              <a:t> hybrid technique uses:</a:t>
+            </a:r>
+          </a:p>
+          <a:p>
+            <a:r>
+              <a:rPr lang="en-US" baseline="0" dirty="0" smtClean="0"/>
+              <a:t>-K-means clustering automatically grouping the samples.</a:t>
+            </a:r>
+          </a:p>
+          <a:p>
+            <a:r>
+              <a:rPr lang="en-US" baseline="0" dirty="0" smtClean="0"/>
+              <a:t>-Force-edge bundling (curved arcs in the figure) for reducing the cluttering.</a:t>
+            </a:r>
+          </a:p>
+          <a:p>
+            <a:endParaRPr lang="en-US" baseline="0" dirty="0" smtClean="0"/>
+          </a:p>
+          <a:p>
+            <a:r>
+              <a:rPr lang="en-US" baseline="0" dirty="0" smtClean="0"/>
+              <a:t>Everything is done automatically, the only thing needed is to input the data (the distance matrix and geographical positions) and select the cluster granularity (how many clusters do we want?)</a:t>
+            </a:r>
+          </a:p>
+          <a:p>
+            <a:endParaRPr lang="en-US" baseline="0" dirty="0" smtClean="0"/>
+          </a:p>
+          <a:p>
+            <a:r>
+              <a:rPr lang="en-US" baseline="0" dirty="0" smtClean="0"/>
+              <a:t>This technique gives us a better view of the information and we can really see the strong connections between species of berries in Iceland and Finland. </a:t>
+            </a:r>
+          </a:p>
+          <a:p>
+            <a:r>
+              <a:rPr lang="en-US" baseline="0" dirty="0" smtClean="0"/>
+              <a:t>We think of it as a nice approach in overviewing this kind of data and a good means for reducing the workload for specialized research.</a:t>
+            </a:r>
+          </a:p>
+          <a:p>
+            <a:endParaRPr lang="en-US" dirty="0"/>
+          </a:p>
+        </p:txBody>
+      </p:sp>
+      <p:sp>
+        <p:nvSpPr>
+          <p:cNvPr id="4" name="Slide Number Placeholder 3"/>
+          <p:cNvSpPr>
+            <a:spLocks noGrp="1"/>
+          </p:cNvSpPr>
+          <p:nvPr>
+            <p:ph type="sldNum" idx="10"/>
+          </p:nvPr>
+        </p:nvSpPr>
+        <p:spPr/>
+        <p:txBody>
+          <a:bodyPr/>
+          <a:lstStyle/>
+          <a:p>
+            <a:pPr algn="r"/>
+            <a:fld id="{47569255-BDAB-42BD-814D-131E272A3D4E}" type="slidenum">
+              <a:rPr lang="en-US" sz="1400" smtClean="0">
+                <a:latin typeface="Times New Roman"/>
+              </a:rPr>
+              <a:t>9</a:t>
+            </a:fld>
+            <a:endParaRPr lang="en-US"/>
+          </a:p>
+        </p:txBody>
+      </p:sp>
+    </p:spTree>
+    <p:extLst>
+      <p:ext uri="{BB962C8B-B14F-4D97-AF65-F5344CB8AC3E}">
+        <p14:creationId xmlns:p14="http://schemas.microsoft.com/office/powerpoint/2010/main" val="2984476380"/>
+      </p:ext>
+    </p:extLst>
+  </p:cSld>
+  <p:clrMapOvr>
+    <a:masterClrMapping/>
+  </p:clrMapOvr>
 </p:notes>
 </file>
 
 <file path=ppt/slideLayouts/slideLayout1.xml><?xml version="1.0" encoding="utf-8"?>
-<p:sldLayout xmlns:a="http://schemas.openxmlformats.org/drawingml/2006/main" xmlns:p="http://schemas.openxmlformats.org/presentationml/2006/main" xmlns:r="http://schemas.openxmlformats.org/officeDocument/2006/relationships" type="blank" preserve="1">
+<p:sldLayout xmlns:a="http://schemas.openxmlformats.org/drawingml/2006/main" xmlns:r="http://schemas.openxmlformats.org/officeDocument/2006/relationships" xmlns:p="http://schemas.openxmlformats.org/presentationml/2006/main" type="blank" preserve="1">
   <p:cSld name="Blank Slide">
     <p:spTree>
       <p:nvGrpSpPr>
@@ -586,11 +1409,14 @@
       </p:grpSpPr>
     </p:spTree>
   </p:cSld>
+  <p:clrMapOvr>
+    <a:masterClrMapping/>
+  </p:clrMapOvr>
 </p:sldLayout>
 </file>
 
 <file path=ppt/slideLayouts/slideLayout10.xml><?xml version="1.0" encoding="utf-8"?>
-<p:sldLayout xmlns:a="http://schemas.openxmlformats.org/drawingml/2006/main" xmlns:p="http://schemas.openxmlformats.org/presentationml/2006/main" xmlns:r="http://schemas.openxmlformats.org/officeDocument/2006/relationships" type="objOverTx" preserve="1">
+<p:sldLayout xmlns:a="http://schemas.openxmlformats.org/drawingml/2006/main" xmlns:r="http://schemas.openxmlformats.org/officeDocument/2006/relationships" xmlns:p="http://schemas.openxmlformats.org/presentationml/2006/main" type="objOverTx" preserve="1">
   <p:cSld name="Title, Content over Content">
     <p:spTree>
       <p:nvGrpSpPr>
@@ -626,7 +1452,8 @@
           </a:prstGeom>
         </p:spPr>
         <p:txBody>
-          <a:bodyPr lIns="0" rIns="0" tIns="0" bIns="0" anchor="ctr"/>
+          <a:bodyPr lIns="0" tIns="0" rIns="0" bIns="0" anchor="ctr"/>
+          <a:lstStyle/>
           <a:p>
             <a:pPr algn="ctr"/>
             <a:endParaRPr/>
@@ -653,7 +1480,8 @@
           </a:prstGeom>
         </p:spPr>
         <p:txBody>
-          <a:bodyPr lIns="0" rIns="0" tIns="0" bIns="0"/>
+          <a:bodyPr lIns="0" tIns="0" rIns="0" bIns="0"/>
+          <a:lstStyle/>
           <a:p>
             <a:endParaRPr/>
           </a:p>
@@ -679,7 +1507,8 @@
           </a:prstGeom>
         </p:spPr>
         <p:txBody>
-          <a:bodyPr lIns="0" rIns="0" tIns="0" bIns="0"/>
+          <a:bodyPr lIns="0" tIns="0" rIns="0" bIns="0"/>
+          <a:lstStyle/>
           <a:p>
             <a:endParaRPr/>
           </a:p>
@@ -687,11 +1516,14 @@
       </p:sp>
     </p:spTree>
   </p:cSld>
+  <p:clrMapOvr>
+    <a:masterClrMapping/>
+  </p:clrMapOvr>
 </p:sldLayout>
 </file>
 
 <file path=ppt/slideLayouts/slideLayout11.xml><?xml version="1.0" encoding="utf-8"?>
-<p:sldLayout xmlns:a="http://schemas.openxmlformats.org/drawingml/2006/main" xmlns:p="http://schemas.openxmlformats.org/presentationml/2006/main" xmlns:r="http://schemas.openxmlformats.org/officeDocument/2006/relationships" type="fourObj" preserve="1">
+<p:sldLayout xmlns:a="http://schemas.openxmlformats.org/drawingml/2006/main" xmlns:r="http://schemas.openxmlformats.org/officeDocument/2006/relationships" xmlns:p="http://schemas.openxmlformats.org/presentationml/2006/main" type="fourObj" preserve="1">
   <p:cSld name="Title, 4 Content">
     <p:spTree>
       <p:nvGrpSpPr>
@@ -727,7 +1559,8 @@
           </a:prstGeom>
         </p:spPr>
         <p:txBody>
-          <a:bodyPr lIns="0" rIns="0" tIns="0" bIns="0" anchor="ctr"/>
+          <a:bodyPr lIns="0" tIns="0" rIns="0" bIns="0" anchor="ctr"/>
+          <a:lstStyle/>
           <a:p>
             <a:pPr algn="ctr"/>
             <a:endParaRPr/>
@@ -754,7 +1587,8 @@
           </a:prstGeom>
         </p:spPr>
         <p:txBody>
-          <a:bodyPr lIns="0" rIns="0" tIns="0" bIns="0"/>
+          <a:bodyPr lIns="0" tIns="0" rIns="0" bIns="0"/>
+          <a:lstStyle/>
           <a:p>
             <a:endParaRPr/>
           </a:p>
@@ -780,7 +1614,8 @@
           </a:prstGeom>
         </p:spPr>
         <p:txBody>
-          <a:bodyPr lIns="0" rIns="0" tIns="0" bIns="0"/>
+          <a:bodyPr lIns="0" tIns="0" rIns="0" bIns="0"/>
+          <a:lstStyle/>
           <a:p>
             <a:endParaRPr/>
           </a:p>
@@ -806,7 +1641,8 @@
           </a:prstGeom>
         </p:spPr>
         <p:txBody>
-          <a:bodyPr lIns="0" rIns="0" tIns="0" bIns="0"/>
+          <a:bodyPr lIns="0" tIns="0" rIns="0" bIns="0"/>
+          <a:lstStyle/>
           <a:p>
             <a:endParaRPr/>
           </a:p>
@@ -832,7 +1668,8 @@
           </a:prstGeom>
         </p:spPr>
         <p:txBody>
-          <a:bodyPr lIns="0" rIns="0" tIns="0" bIns="0"/>
+          <a:bodyPr lIns="0" tIns="0" rIns="0" bIns="0"/>
+          <a:lstStyle/>
           <a:p>
             <a:endParaRPr/>
           </a:p>
@@ -840,11 +1677,14 @@
       </p:sp>
     </p:spTree>
   </p:cSld>
+  <p:clrMapOvr>
+    <a:masterClrMapping/>
+  </p:clrMapOvr>
 </p:sldLayout>
 </file>
 
 <file path=ppt/slideLayouts/slideLayout12.xml><?xml version="1.0" encoding="utf-8"?>
-<p:sldLayout xmlns:a="http://schemas.openxmlformats.org/drawingml/2006/main" xmlns:p="http://schemas.openxmlformats.org/presentationml/2006/main" xmlns:r="http://schemas.openxmlformats.org/officeDocument/2006/relationships" type="blank" preserve="1">
+<p:sldLayout xmlns:a="http://schemas.openxmlformats.org/drawingml/2006/main" xmlns:r="http://schemas.openxmlformats.org/officeDocument/2006/relationships" xmlns:p="http://schemas.openxmlformats.org/presentationml/2006/main" type="blank" preserve="1">
   <p:cSld name="Title, 6 Content">
     <p:spTree>
       <p:nvGrpSpPr>
@@ -880,7 +1720,8 @@
           </a:prstGeom>
         </p:spPr>
         <p:txBody>
-          <a:bodyPr lIns="0" rIns="0" tIns="0" bIns="0" anchor="ctr"/>
+          <a:bodyPr lIns="0" tIns="0" rIns="0" bIns="0" anchor="ctr"/>
+          <a:lstStyle/>
           <a:p>
             <a:pPr algn="ctr"/>
             <a:endParaRPr/>
@@ -907,7 +1748,8 @@
           </a:prstGeom>
         </p:spPr>
         <p:txBody>
-          <a:bodyPr lIns="0" rIns="0" tIns="0" bIns="0"/>
+          <a:bodyPr lIns="0" tIns="0" rIns="0" bIns="0"/>
+          <a:lstStyle/>
           <a:p>
             <a:endParaRPr/>
           </a:p>
@@ -933,7 +1775,8 @@
           </a:prstGeom>
         </p:spPr>
         <p:txBody>
-          <a:bodyPr lIns="0" rIns="0" tIns="0" bIns="0"/>
+          <a:bodyPr lIns="0" tIns="0" rIns="0" bIns="0"/>
+          <a:lstStyle/>
           <a:p>
             <a:endParaRPr/>
           </a:p>
@@ -941,7 +1784,7 @@
       </p:sp>
       <p:pic>
         <p:nvPicPr>
-          <p:cNvPr id="34" name="" descr=""/>
+          <p:cNvPr id="34" name="Picture 33"/>
           <p:cNvPicPr/>
           <p:nvPr/>
         </p:nvPicPr>
@@ -966,12 +1809,12 @@
       </p:pic>
       <p:pic>
         <p:nvPicPr>
-          <p:cNvPr id="35" name="" descr=""/>
+          <p:cNvPr id="35" name="Picture 34"/>
           <p:cNvPicPr/>
           <p:nvPr/>
         </p:nvPicPr>
         <p:blipFill>
-          <a:blip r:embed="rId3"/>
+          <a:blip r:embed="rId2"/>
           <a:stretch>
             <a:fillRect/>
           </a:stretch>
@@ -991,11 +1834,14 @@
       </p:pic>
     </p:spTree>
   </p:cSld>
+  <p:clrMapOvr>
+    <a:masterClrMapping/>
+  </p:clrMapOvr>
 </p:sldLayout>
 </file>
 
 <file path=ppt/slideLayouts/slideLayout13.xml><?xml version="1.0" encoding="utf-8"?>
-<p:sldLayout xmlns:a="http://schemas.openxmlformats.org/drawingml/2006/main" xmlns:p="http://schemas.openxmlformats.org/presentationml/2006/main" xmlns:r="http://schemas.openxmlformats.org/officeDocument/2006/relationships" type="blank" preserve="1">
+<p:sldLayout xmlns:a="http://schemas.openxmlformats.org/drawingml/2006/main" xmlns:r="http://schemas.openxmlformats.org/officeDocument/2006/relationships" xmlns:p="http://schemas.openxmlformats.org/presentationml/2006/main" type="blank" preserve="1">
   <p:cSld name="Blank Slide">
     <p:spTree>
       <p:nvGrpSpPr>
@@ -1013,11 +1859,14 @@
       </p:grpSpPr>
     </p:spTree>
   </p:cSld>
+  <p:clrMapOvr>
+    <a:masterClrMapping/>
+  </p:clrMapOvr>
 </p:sldLayout>
 </file>
 
 <file path=ppt/slideLayouts/slideLayout14.xml><?xml version="1.0" encoding="utf-8"?>
-<p:sldLayout xmlns:a="http://schemas.openxmlformats.org/drawingml/2006/main" xmlns:p="http://schemas.openxmlformats.org/presentationml/2006/main" xmlns:r="http://schemas.openxmlformats.org/officeDocument/2006/relationships" type="tx" preserve="1">
+<p:sldLayout xmlns:a="http://schemas.openxmlformats.org/drawingml/2006/main" xmlns:r="http://schemas.openxmlformats.org/officeDocument/2006/relationships" xmlns:p="http://schemas.openxmlformats.org/presentationml/2006/main" type="tx" preserve="1">
   <p:cSld name="Title Slide">
     <p:spTree>
       <p:nvGrpSpPr>
@@ -1053,7 +1902,8 @@
           </a:prstGeom>
         </p:spPr>
         <p:txBody>
-          <a:bodyPr lIns="0" rIns="0" tIns="0" bIns="0" anchor="ctr"/>
+          <a:bodyPr lIns="0" tIns="0" rIns="0" bIns="0" anchor="ctr"/>
+          <a:lstStyle/>
           <a:p>
             <a:pPr algn="ctr"/>
             <a:endParaRPr/>
@@ -1080,7 +1930,8 @@
           </a:prstGeom>
         </p:spPr>
         <p:txBody>
-          <a:bodyPr lIns="0" rIns="0" tIns="0" bIns="0" anchor="ctr"/>
+          <a:bodyPr lIns="0" tIns="0" rIns="0" bIns="0" anchor="ctr"/>
+          <a:lstStyle/>
           <a:p>
             <a:pPr algn="ctr"/>
             <a:endParaRPr/>
@@ -1089,11 +1940,14 @@
       </p:sp>
     </p:spTree>
   </p:cSld>
+  <p:clrMapOvr>
+    <a:masterClrMapping/>
+  </p:clrMapOvr>
 </p:sldLayout>
 </file>
 
 <file path=ppt/slideLayouts/slideLayout15.xml><?xml version="1.0" encoding="utf-8"?>
-<p:sldLayout xmlns:a="http://schemas.openxmlformats.org/drawingml/2006/main" xmlns:p="http://schemas.openxmlformats.org/presentationml/2006/main" xmlns:r="http://schemas.openxmlformats.org/officeDocument/2006/relationships" type="obj" preserve="1">
+<p:sldLayout xmlns:a="http://schemas.openxmlformats.org/drawingml/2006/main" xmlns:r="http://schemas.openxmlformats.org/officeDocument/2006/relationships" xmlns:p="http://schemas.openxmlformats.org/presentationml/2006/main" type="obj" preserve="1">
   <p:cSld name="Title, Content">
     <p:spTree>
       <p:nvGrpSpPr>
@@ -1129,7 +1983,8 @@
           </a:prstGeom>
         </p:spPr>
         <p:txBody>
-          <a:bodyPr lIns="0" rIns="0" tIns="0" bIns="0" anchor="ctr"/>
+          <a:bodyPr lIns="0" tIns="0" rIns="0" bIns="0" anchor="ctr"/>
+          <a:lstStyle/>
           <a:p>
             <a:pPr algn="ctr"/>
             <a:endParaRPr/>
@@ -1156,7 +2011,8 @@
           </a:prstGeom>
         </p:spPr>
         <p:txBody>
-          <a:bodyPr lIns="0" rIns="0" tIns="0" bIns="0"/>
+          <a:bodyPr lIns="0" tIns="0" rIns="0" bIns="0"/>
+          <a:lstStyle/>
           <a:p>
             <a:endParaRPr/>
           </a:p>
@@ -1164,11 +2020,14 @@
       </p:sp>
     </p:spTree>
   </p:cSld>
+  <p:clrMapOvr>
+    <a:masterClrMapping/>
+  </p:clrMapOvr>
 </p:sldLayout>
 </file>
 
 <file path=ppt/slideLayouts/slideLayout16.xml><?xml version="1.0" encoding="utf-8"?>
-<p:sldLayout xmlns:a="http://schemas.openxmlformats.org/drawingml/2006/main" xmlns:p="http://schemas.openxmlformats.org/presentationml/2006/main" xmlns:r="http://schemas.openxmlformats.org/officeDocument/2006/relationships" type="twoObj" preserve="1">
+<p:sldLayout xmlns:a="http://schemas.openxmlformats.org/drawingml/2006/main" xmlns:r="http://schemas.openxmlformats.org/officeDocument/2006/relationships" xmlns:p="http://schemas.openxmlformats.org/presentationml/2006/main" type="twoObj" preserve="1">
   <p:cSld name="Title, 2 Content">
     <p:spTree>
       <p:nvGrpSpPr>
@@ -1204,7 +2063,8 @@
           </a:prstGeom>
         </p:spPr>
         <p:txBody>
-          <a:bodyPr lIns="0" rIns="0" tIns="0" bIns="0" anchor="ctr"/>
+          <a:bodyPr lIns="0" tIns="0" rIns="0" bIns="0" anchor="ctr"/>
+          <a:lstStyle/>
           <a:p>
             <a:pPr algn="ctr"/>
             <a:endParaRPr/>
@@ -1231,7 +2091,8 @@
           </a:prstGeom>
         </p:spPr>
         <p:txBody>
-          <a:bodyPr lIns="0" rIns="0" tIns="0" bIns="0"/>
+          <a:bodyPr lIns="0" tIns="0" rIns="0" bIns="0"/>
+          <a:lstStyle/>
           <a:p>
             <a:endParaRPr/>
           </a:p>
@@ -1257,7 +2118,8 @@
           </a:prstGeom>
         </p:spPr>
         <p:txBody>
-          <a:bodyPr lIns="0" rIns="0" tIns="0" bIns="0"/>
+          <a:bodyPr lIns="0" tIns="0" rIns="0" bIns="0"/>
+          <a:lstStyle/>
           <a:p>
             <a:endParaRPr/>
           </a:p>
@@ -1265,11 +2127,14 @@
       </p:sp>
     </p:spTree>
   </p:cSld>
+  <p:clrMapOvr>
+    <a:masterClrMapping/>
+  </p:clrMapOvr>
 </p:sldLayout>
 </file>
 
 <file path=ppt/slideLayouts/slideLayout17.xml><?xml version="1.0" encoding="utf-8"?>
-<p:sldLayout xmlns:a="http://schemas.openxmlformats.org/drawingml/2006/main" xmlns:p="http://schemas.openxmlformats.org/presentationml/2006/main" xmlns:r="http://schemas.openxmlformats.org/officeDocument/2006/relationships" type="titleOnly" preserve="1">
+<p:sldLayout xmlns:a="http://schemas.openxmlformats.org/drawingml/2006/main" xmlns:r="http://schemas.openxmlformats.org/officeDocument/2006/relationships" xmlns:p="http://schemas.openxmlformats.org/presentationml/2006/main" type="titleOnly" preserve="1">
   <p:cSld name="Title Only">
     <p:spTree>
       <p:nvGrpSpPr>
@@ -1305,7 +2170,8 @@
           </a:prstGeom>
         </p:spPr>
         <p:txBody>
-          <a:bodyPr lIns="0" rIns="0" tIns="0" bIns="0" anchor="ctr"/>
+          <a:bodyPr lIns="0" tIns="0" rIns="0" bIns="0" anchor="ctr"/>
+          <a:lstStyle/>
           <a:p>
             <a:pPr algn="ctr"/>
             <a:endParaRPr/>
@@ -1314,11 +2180,14 @@
       </p:sp>
     </p:spTree>
   </p:cSld>
+  <p:clrMapOvr>
+    <a:masterClrMapping/>
+  </p:clrMapOvr>
 </p:sldLayout>
 </file>
 
 <file path=ppt/slideLayouts/slideLayout18.xml><?xml version="1.0" encoding="utf-8"?>
-<p:sldLayout xmlns:a="http://schemas.openxmlformats.org/drawingml/2006/main" xmlns:p="http://schemas.openxmlformats.org/presentationml/2006/main" xmlns:r="http://schemas.openxmlformats.org/officeDocument/2006/relationships" type="objOnly" preserve="1">
+<p:sldLayout xmlns:a="http://schemas.openxmlformats.org/drawingml/2006/main" xmlns:r="http://schemas.openxmlformats.org/officeDocument/2006/relationships" xmlns:p="http://schemas.openxmlformats.org/presentationml/2006/main" type="objOnly" preserve="1">
   <p:cSld name="Centered Text">
     <p:spTree>
       <p:nvGrpSpPr>
@@ -1354,7 +2223,8 @@
           </a:prstGeom>
         </p:spPr>
         <p:txBody>
-          <a:bodyPr lIns="0" rIns="0" tIns="0" bIns="0" anchor="ctr"/>
+          <a:bodyPr lIns="0" tIns="0" rIns="0" bIns="0" anchor="ctr"/>
+          <a:lstStyle/>
           <a:p>
             <a:pPr algn="ctr"/>
             <a:endParaRPr/>
@@ -1363,11 +2233,14 @@
       </p:sp>
     </p:spTree>
   </p:cSld>
+  <p:clrMapOvr>
+    <a:masterClrMapping/>
+  </p:clrMapOvr>
 </p:sldLayout>
 </file>
 
 <file path=ppt/slideLayouts/slideLayout19.xml><?xml version="1.0" encoding="utf-8"?>
-<p:sldLayout xmlns:a="http://schemas.openxmlformats.org/drawingml/2006/main" xmlns:p="http://schemas.openxmlformats.org/presentationml/2006/main" xmlns:r="http://schemas.openxmlformats.org/officeDocument/2006/relationships" type="twoObjAndObj" preserve="1">
+<p:sldLayout xmlns:a="http://schemas.openxmlformats.org/drawingml/2006/main" xmlns:r="http://schemas.openxmlformats.org/officeDocument/2006/relationships" xmlns:p="http://schemas.openxmlformats.org/presentationml/2006/main" type="twoObjAndObj" preserve="1">
   <p:cSld name="Title, 2 Content and Content">
     <p:spTree>
       <p:nvGrpSpPr>
@@ -1403,7 +2276,8 @@
           </a:prstGeom>
         </p:spPr>
         <p:txBody>
-          <a:bodyPr lIns="0" rIns="0" tIns="0" bIns="0" anchor="ctr"/>
+          <a:bodyPr lIns="0" tIns="0" rIns="0" bIns="0" anchor="ctr"/>
+          <a:lstStyle/>
           <a:p>
             <a:pPr algn="ctr"/>
             <a:endParaRPr/>
@@ -1430,7 +2304,8 @@
           </a:prstGeom>
         </p:spPr>
         <p:txBody>
-          <a:bodyPr lIns="0" rIns="0" tIns="0" bIns="0"/>
+          <a:bodyPr lIns="0" tIns="0" rIns="0" bIns="0"/>
+          <a:lstStyle/>
           <a:p>
             <a:endParaRPr/>
           </a:p>
@@ -1456,7 +2331,8 @@
           </a:prstGeom>
         </p:spPr>
         <p:txBody>
-          <a:bodyPr lIns="0" rIns="0" tIns="0" bIns="0"/>
+          <a:bodyPr lIns="0" tIns="0" rIns="0" bIns="0"/>
+          <a:lstStyle/>
           <a:p>
             <a:endParaRPr/>
           </a:p>
@@ -1482,7 +2358,8 @@
           </a:prstGeom>
         </p:spPr>
         <p:txBody>
-          <a:bodyPr lIns="0" rIns="0" tIns="0" bIns="0"/>
+          <a:bodyPr lIns="0" tIns="0" rIns="0" bIns="0"/>
+          <a:lstStyle/>
           <a:p>
             <a:endParaRPr/>
           </a:p>
@@ -1490,11 +2367,14 @@
       </p:sp>
     </p:spTree>
   </p:cSld>
+  <p:clrMapOvr>
+    <a:masterClrMapping/>
+  </p:clrMapOvr>
 </p:sldLayout>
 </file>
 
 <file path=ppt/slideLayouts/slideLayout2.xml><?xml version="1.0" encoding="utf-8"?>
-<p:sldLayout xmlns:a="http://schemas.openxmlformats.org/drawingml/2006/main" xmlns:p="http://schemas.openxmlformats.org/presentationml/2006/main" xmlns:r="http://schemas.openxmlformats.org/officeDocument/2006/relationships" type="tx" preserve="1">
+<p:sldLayout xmlns:a="http://schemas.openxmlformats.org/drawingml/2006/main" xmlns:r="http://schemas.openxmlformats.org/officeDocument/2006/relationships" xmlns:p="http://schemas.openxmlformats.org/presentationml/2006/main" type="tx" preserve="1">
   <p:cSld name="Title Slide">
     <p:spTree>
       <p:nvGrpSpPr>
@@ -1530,7 +2410,8 @@
           </a:prstGeom>
         </p:spPr>
         <p:txBody>
-          <a:bodyPr lIns="0" rIns="0" tIns="0" bIns="0" anchor="ctr"/>
+          <a:bodyPr lIns="0" tIns="0" rIns="0" bIns="0" anchor="ctr"/>
+          <a:lstStyle/>
           <a:p>
             <a:pPr algn="ctr"/>
             <a:endParaRPr/>
@@ -1557,7 +2438,8 @@
           </a:prstGeom>
         </p:spPr>
         <p:txBody>
-          <a:bodyPr lIns="0" rIns="0" tIns="0" bIns="0" anchor="ctr"/>
+          <a:bodyPr lIns="0" tIns="0" rIns="0" bIns="0" anchor="ctr"/>
+          <a:lstStyle/>
           <a:p>
             <a:pPr algn="ctr"/>
             <a:endParaRPr/>
@@ -1566,11 +2448,14 @@
       </p:sp>
     </p:spTree>
   </p:cSld>
+  <p:clrMapOvr>
+    <a:masterClrMapping/>
+  </p:clrMapOvr>
 </p:sldLayout>
 </file>
 
 <file path=ppt/slideLayouts/slideLayout20.xml><?xml version="1.0" encoding="utf-8"?>
-<p:sldLayout xmlns:a="http://schemas.openxmlformats.org/drawingml/2006/main" xmlns:p="http://schemas.openxmlformats.org/presentationml/2006/main" xmlns:r="http://schemas.openxmlformats.org/officeDocument/2006/relationships" type="objAndTwoObj" preserve="1">
+<p:sldLayout xmlns:a="http://schemas.openxmlformats.org/drawingml/2006/main" xmlns:r="http://schemas.openxmlformats.org/officeDocument/2006/relationships" xmlns:p="http://schemas.openxmlformats.org/presentationml/2006/main" type="objAndTwoObj" preserve="1">
   <p:cSld name="Title Content and 2 Content">
     <p:spTree>
       <p:nvGrpSpPr>
@@ -1606,7 +2491,8 @@
           </a:prstGeom>
         </p:spPr>
         <p:txBody>
-          <a:bodyPr lIns="0" rIns="0" tIns="0" bIns="0" anchor="ctr"/>
+          <a:bodyPr lIns="0" tIns="0" rIns="0" bIns="0" anchor="ctr"/>
+          <a:lstStyle/>
           <a:p>
             <a:pPr algn="ctr"/>
             <a:endParaRPr/>
@@ -1633,7 +2519,8 @@
           </a:prstGeom>
         </p:spPr>
         <p:txBody>
-          <a:bodyPr lIns="0" rIns="0" tIns="0" bIns="0"/>
+          <a:bodyPr lIns="0" tIns="0" rIns="0" bIns="0"/>
+          <a:lstStyle/>
           <a:p>
             <a:endParaRPr/>
           </a:p>
@@ -1659,7 +2546,8 @@
           </a:prstGeom>
         </p:spPr>
         <p:txBody>
-          <a:bodyPr lIns="0" rIns="0" tIns="0" bIns="0"/>
+          <a:bodyPr lIns="0" tIns="0" rIns="0" bIns="0"/>
+          <a:lstStyle/>
           <a:p>
             <a:endParaRPr/>
           </a:p>
@@ -1685,7 +2573,8 @@
           </a:prstGeom>
         </p:spPr>
         <p:txBody>
-          <a:bodyPr lIns="0" rIns="0" tIns="0" bIns="0"/>
+          <a:bodyPr lIns="0" tIns="0" rIns="0" bIns="0"/>
+          <a:lstStyle/>
           <a:p>
             <a:endParaRPr/>
           </a:p>
@@ -1693,11 +2582,14 @@
       </p:sp>
     </p:spTree>
   </p:cSld>
+  <p:clrMapOvr>
+    <a:masterClrMapping/>
+  </p:clrMapOvr>
 </p:sldLayout>
 </file>
 
 <file path=ppt/slideLayouts/slideLayout21.xml><?xml version="1.0" encoding="utf-8"?>
-<p:sldLayout xmlns:a="http://schemas.openxmlformats.org/drawingml/2006/main" xmlns:p="http://schemas.openxmlformats.org/presentationml/2006/main" xmlns:r="http://schemas.openxmlformats.org/officeDocument/2006/relationships" type="twoObjOverTx" preserve="1">
+<p:sldLayout xmlns:a="http://schemas.openxmlformats.org/drawingml/2006/main" xmlns:r="http://schemas.openxmlformats.org/officeDocument/2006/relationships" xmlns:p="http://schemas.openxmlformats.org/presentationml/2006/main" type="twoObjOverTx" preserve="1">
   <p:cSld name="Title, 2 Content over Content">
     <p:spTree>
       <p:nvGrpSpPr>
@@ -1733,7 +2625,8 @@
           </a:prstGeom>
         </p:spPr>
         <p:txBody>
-          <a:bodyPr lIns="0" rIns="0" tIns="0" bIns="0" anchor="ctr"/>
+          <a:bodyPr lIns="0" tIns="0" rIns="0" bIns="0" anchor="ctr"/>
+          <a:lstStyle/>
           <a:p>
             <a:pPr algn="ctr"/>
             <a:endParaRPr/>
@@ -1760,7 +2653,8 @@
           </a:prstGeom>
         </p:spPr>
         <p:txBody>
-          <a:bodyPr lIns="0" rIns="0" tIns="0" bIns="0"/>
+          <a:bodyPr lIns="0" tIns="0" rIns="0" bIns="0"/>
+          <a:lstStyle/>
           <a:p>
             <a:endParaRPr/>
           </a:p>
@@ -1786,7 +2680,8 @@
           </a:prstGeom>
         </p:spPr>
         <p:txBody>
-          <a:bodyPr lIns="0" rIns="0" tIns="0" bIns="0"/>
+          <a:bodyPr lIns="0" tIns="0" rIns="0" bIns="0"/>
+          <a:lstStyle/>
           <a:p>
             <a:endParaRPr/>
           </a:p>
@@ -1812,7 +2707,8 @@
           </a:prstGeom>
         </p:spPr>
         <p:txBody>
-          <a:bodyPr lIns="0" rIns="0" tIns="0" bIns="0"/>
+          <a:bodyPr lIns="0" tIns="0" rIns="0" bIns="0"/>
+          <a:lstStyle/>
           <a:p>
             <a:endParaRPr/>
           </a:p>
@@ -1820,11 +2716,14 @@
       </p:sp>
     </p:spTree>
   </p:cSld>
+  <p:clrMapOvr>
+    <a:masterClrMapping/>
+  </p:clrMapOvr>
 </p:sldLayout>
 </file>
 
 <file path=ppt/slideLayouts/slideLayout22.xml><?xml version="1.0" encoding="utf-8"?>
-<p:sldLayout xmlns:a="http://schemas.openxmlformats.org/drawingml/2006/main" xmlns:p="http://schemas.openxmlformats.org/presentationml/2006/main" xmlns:r="http://schemas.openxmlformats.org/officeDocument/2006/relationships" type="objOverTx" preserve="1">
+<p:sldLayout xmlns:a="http://schemas.openxmlformats.org/drawingml/2006/main" xmlns:r="http://schemas.openxmlformats.org/officeDocument/2006/relationships" xmlns:p="http://schemas.openxmlformats.org/presentationml/2006/main" type="objOverTx" preserve="1">
   <p:cSld name="Title, Content over Content">
     <p:spTree>
       <p:nvGrpSpPr>
@@ -1860,7 +2759,8 @@
           </a:prstGeom>
         </p:spPr>
         <p:txBody>
-          <a:bodyPr lIns="0" rIns="0" tIns="0" bIns="0" anchor="ctr"/>
+          <a:bodyPr lIns="0" tIns="0" rIns="0" bIns="0" anchor="ctr"/>
+          <a:lstStyle/>
           <a:p>
             <a:pPr algn="ctr"/>
             <a:endParaRPr/>
@@ -1887,7 +2787,8 @@
           </a:prstGeom>
         </p:spPr>
         <p:txBody>
-          <a:bodyPr lIns="0" rIns="0" tIns="0" bIns="0"/>
+          <a:bodyPr lIns="0" tIns="0" rIns="0" bIns="0"/>
+          <a:lstStyle/>
           <a:p>
             <a:endParaRPr/>
           </a:p>
@@ -1913,7 +2814,8 @@
           </a:prstGeom>
         </p:spPr>
         <p:txBody>
-          <a:bodyPr lIns="0" rIns="0" tIns="0" bIns="0"/>
+          <a:bodyPr lIns="0" tIns="0" rIns="0" bIns="0"/>
+          <a:lstStyle/>
           <a:p>
             <a:endParaRPr/>
           </a:p>
@@ -1921,11 +2823,14 @@
       </p:sp>
     </p:spTree>
   </p:cSld>
+  <p:clrMapOvr>
+    <a:masterClrMapping/>
+  </p:clrMapOvr>
 </p:sldLayout>
 </file>
 
 <file path=ppt/slideLayouts/slideLayout23.xml><?xml version="1.0" encoding="utf-8"?>
-<p:sldLayout xmlns:a="http://schemas.openxmlformats.org/drawingml/2006/main" xmlns:p="http://schemas.openxmlformats.org/presentationml/2006/main" xmlns:r="http://schemas.openxmlformats.org/officeDocument/2006/relationships" type="fourObj" preserve="1">
+<p:sldLayout xmlns:a="http://schemas.openxmlformats.org/drawingml/2006/main" xmlns:r="http://schemas.openxmlformats.org/officeDocument/2006/relationships" xmlns:p="http://schemas.openxmlformats.org/presentationml/2006/main" type="fourObj" preserve="1">
   <p:cSld name="Title, 4 Content">
     <p:spTree>
       <p:nvGrpSpPr>
@@ -1961,7 +2866,8 @@
           </a:prstGeom>
         </p:spPr>
         <p:txBody>
-          <a:bodyPr lIns="0" rIns="0" tIns="0" bIns="0" anchor="ctr"/>
+          <a:bodyPr lIns="0" tIns="0" rIns="0" bIns="0" anchor="ctr"/>
+          <a:lstStyle/>
           <a:p>
             <a:pPr algn="ctr"/>
             <a:endParaRPr/>
@@ -1988,7 +2894,8 @@
           </a:prstGeom>
         </p:spPr>
         <p:txBody>
-          <a:bodyPr lIns="0" rIns="0" tIns="0" bIns="0"/>
+          <a:bodyPr lIns="0" tIns="0" rIns="0" bIns="0"/>
+          <a:lstStyle/>
           <a:p>
             <a:endParaRPr/>
           </a:p>
@@ -2014,7 +2921,8 @@
           </a:prstGeom>
         </p:spPr>
         <p:txBody>
-          <a:bodyPr lIns="0" rIns="0" tIns="0" bIns="0"/>
+          <a:bodyPr lIns="0" tIns="0" rIns="0" bIns="0"/>
+          <a:lstStyle/>
           <a:p>
             <a:endParaRPr/>
           </a:p>
@@ -2040,7 +2948,8 @@
           </a:prstGeom>
         </p:spPr>
         <p:txBody>
-          <a:bodyPr lIns="0" rIns="0" tIns="0" bIns="0"/>
+          <a:bodyPr lIns="0" tIns="0" rIns="0" bIns="0"/>
+          <a:lstStyle/>
           <a:p>
             <a:endParaRPr/>
           </a:p>
@@ -2066,7 +2975,8 @@
           </a:prstGeom>
         </p:spPr>
         <p:txBody>
-          <a:bodyPr lIns="0" rIns="0" tIns="0" bIns="0"/>
+          <a:bodyPr lIns="0" tIns="0" rIns="0" bIns="0"/>
+          <a:lstStyle/>
           <a:p>
             <a:endParaRPr/>
           </a:p>
@@ -2074,11 +2984,14 @@
       </p:sp>
     </p:spTree>
   </p:cSld>
+  <p:clrMapOvr>
+    <a:masterClrMapping/>
+  </p:clrMapOvr>
 </p:sldLayout>
 </file>
 
 <file path=ppt/slideLayouts/slideLayout24.xml><?xml version="1.0" encoding="utf-8"?>
-<p:sldLayout xmlns:a="http://schemas.openxmlformats.org/drawingml/2006/main" xmlns:p="http://schemas.openxmlformats.org/presentationml/2006/main" xmlns:r="http://schemas.openxmlformats.org/officeDocument/2006/relationships" type="blank" preserve="1">
+<p:sldLayout xmlns:a="http://schemas.openxmlformats.org/drawingml/2006/main" xmlns:r="http://schemas.openxmlformats.org/officeDocument/2006/relationships" xmlns:p="http://schemas.openxmlformats.org/presentationml/2006/main" type="blank" preserve="1">
   <p:cSld name="Title, 6 Content">
     <p:spTree>
       <p:nvGrpSpPr>
@@ -2114,7 +3027,8 @@
           </a:prstGeom>
         </p:spPr>
         <p:txBody>
-          <a:bodyPr lIns="0" rIns="0" tIns="0" bIns="0" anchor="ctr"/>
+          <a:bodyPr lIns="0" tIns="0" rIns="0" bIns="0" anchor="ctr"/>
+          <a:lstStyle/>
           <a:p>
             <a:pPr algn="ctr"/>
             <a:endParaRPr/>
@@ -2141,7 +3055,8 @@
           </a:prstGeom>
         </p:spPr>
         <p:txBody>
-          <a:bodyPr lIns="0" rIns="0" tIns="0" bIns="0"/>
+          <a:bodyPr lIns="0" tIns="0" rIns="0" bIns="0"/>
+          <a:lstStyle/>
           <a:p>
             <a:endParaRPr/>
           </a:p>
@@ -2167,7 +3082,8 @@
           </a:prstGeom>
         </p:spPr>
         <p:txBody>
-          <a:bodyPr lIns="0" rIns="0" tIns="0" bIns="0"/>
+          <a:bodyPr lIns="0" tIns="0" rIns="0" bIns="0"/>
+          <a:lstStyle/>
           <a:p>
             <a:endParaRPr/>
           </a:p>
@@ -2175,7 +3091,7 @@
       </p:sp>
       <p:pic>
         <p:nvPicPr>
-          <p:cNvPr id="70" name="" descr=""/>
+          <p:cNvPr id="70" name="Picture 69"/>
           <p:cNvPicPr/>
           <p:nvPr/>
         </p:nvPicPr>
@@ -2200,12 +3116,12 @@
       </p:pic>
       <p:pic>
         <p:nvPicPr>
-          <p:cNvPr id="71" name="" descr=""/>
+          <p:cNvPr id="71" name="Picture 70"/>
           <p:cNvPicPr/>
           <p:nvPr/>
         </p:nvPicPr>
         <p:blipFill>
-          <a:blip r:embed="rId3"/>
+          <a:blip r:embed="rId2"/>
           <a:stretch>
             <a:fillRect/>
           </a:stretch>
@@ -2225,11 +3141,14 @@
       </p:pic>
     </p:spTree>
   </p:cSld>
+  <p:clrMapOvr>
+    <a:masterClrMapping/>
+  </p:clrMapOvr>
 </p:sldLayout>
 </file>
 
 <file path=ppt/slideLayouts/slideLayout3.xml><?xml version="1.0" encoding="utf-8"?>
-<p:sldLayout xmlns:a="http://schemas.openxmlformats.org/drawingml/2006/main" xmlns:p="http://schemas.openxmlformats.org/presentationml/2006/main" xmlns:r="http://schemas.openxmlformats.org/officeDocument/2006/relationships" type="obj" preserve="1">
+<p:sldLayout xmlns:a="http://schemas.openxmlformats.org/drawingml/2006/main" xmlns:r="http://schemas.openxmlformats.org/officeDocument/2006/relationships" xmlns:p="http://schemas.openxmlformats.org/presentationml/2006/main" type="obj" preserve="1">
   <p:cSld name="Title, Content">
     <p:spTree>
       <p:nvGrpSpPr>
@@ -2265,7 +3184,8 @@
           </a:prstGeom>
         </p:spPr>
         <p:txBody>
-          <a:bodyPr lIns="0" rIns="0" tIns="0" bIns="0" anchor="ctr"/>
+          <a:bodyPr lIns="0" tIns="0" rIns="0" bIns="0" anchor="ctr"/>
+          <a:lstStyle/>
           <a:p>
             <a:pPr algn="ctr"/>
             <a:endParaRPr/>
@@ -2292,7 +3212,8 @@
           </a:prstGeom>
         </p:spPr>
         <p:txBody>
-          <a:bodyPr lIns="0" rIns="0" tIns="0" bIns="0"/>
+          <a:bodyPr lIns="0" tIns="0" rIns="0" bIns="0"/>
+          <a:lstStyle/>
           <a:p>
             <a:endParaRPr/>
           </a:p>
@@ -2300,11 +3221,14 @@
       </p:sp>
     </p:spTree>
   </p:cSld>
+  <p:clrMapOvr>
+    <a:masterClrMapping/>
+  </p:clrMapOvr>
 </p:sldLayout>
 </file>
 
 <file path=ppt/slideLayouts/slideLayout4.xml><?xml version="1.0" encoding="utf-8"?>
-<p:sldLayout xmlns:a="http://schemas.openxmlformats.org/drawingml/2006/main" xmlns:p="http://schemas.openxmlformats.org/presentationml/2006/main" xmlns:r="http://schemas.openxmlformats.org/officeDocument/2006/relationships" type="twoObj" preserve="1">
+<p:sldLayout xmlns:a="http://schemas.openxmlformats.org/drawingml/2006/main" xmlns:r="http://schemas.openxmlformats.org/officeDocument/2006/relationships" xmlns:p="http://schemas.openxmlformats.org/presentationml/2006/main" type="twoObj" preserve="1">
   <p:cSld name="Title, 2 Content">
     <p:spTree>
       <p:nvGrpSpPr>
@@ -2340,7 +3264,8 @@
           </a:prstGeom>
         </p:spPr>
         <p:txBody>
-          <a:bodyPr lIns="0" rIns="0" tIns="0" bIns="0" anchor="ctr"/>
+          <a:bodyPr lIns="0" tIns="0" rIns="0" bIns="0" anchor="ctr"/>
+          <a:lstStyle/>
           <a:p>
             <a:pPr algn="ctr"/>
             <a:endParaRPr/>
@@ -2367,7 +3292,8 @@
           </a:prstGeom>
         </p:spPr>
         <p:txBody>
-          <a:bodyPr lIns="0" rIns="0" tIns="0" bIns="0"/>
+          <a:bodyPr lIns="0" tIns="0" rIns="0" bIns="0"/>
+          <a:lstStyle/>
           <a:p>
             <a:endParaRPr/>
           </a:p>
@@ -2393,7 +3319,8 @@
           </a:prstGeom>
         </p:spPr>
         <p:txBody>
-          <a:bodyPr lIns="0" rIns="0" tIns="0" bIns="0"/>
+          <a:bodyPr lIns="0" tIns="0" rIns="0" bIns="0"/>
+          <a:lstStyle/>
           <a:p>
             <a:endParaRPr/>
           </a:p>
@@ -2401,11 +3328,14 @@
       </p:sp>
     </p:spTree>
   </p:cSld>
+  <p:clrMapOvr>
+    <a:masterClrMapping/>
+  </p:clrMapOvr>
 </p:sldLayout>
 </file>
 
 <file path=ppt/slideLayouts/slideLayout5.xml><?xml version="1.0" encoding="utf-8"?>
-<p:sldLayout xmlns:a="http://schemas.openxmlformats.org/drawingml/2006/main" xmlns:p="http://schemas.openxmlformats.org/presentationml/2006/main" xmlns:r="http://schemas.openxmlformats.org/officeDocument/2006/relationships" type="titleOnly" preserve="1">
+<p:sldLayout xmlns:a="http://schemas.openxmlformats.org/drawingml/2006/main" xmlns:r="http://schemas.openxmlformats.org/officeDocument/2006/relationships" xmlns:p="http://schemas.openxmlformats.org/presentationml/2006/main" type="titleOnly" preserve="1">
   <p:cSld name="Title Only">
     <p:spTree>
       <p:nvGrpSpPr>
@@ -2441,7 +3371,8 @@
           </a:prstGeom>
         </p:spPr>
         <p:txBody>
-          <a:bodyPr lIns="0" rIns="0" tIns="0" bIns="0" anchor="ctr"/>
+          <a:bodyPr lIns="0" tIns="0" rIns="0" bIns="0" anchor="ctr"/>
+          <a:lstStyle/>
           <a:p>
             <a:pPr algn="ctr"/>
             <a:endParaRPr/>
@@ -2450,11 +3381,14 @@
       </p:sp>
     </p:spTree>
   </p:cSld>
+  <p:clrMapOvr>
+    <a:masterClrMapping/>
+  </p:clrMapOvr>
 </p:sldLayout>
 </file>
 
 <file path=ppt/slideLayouts/slideLayout6.xml><?xml version="1.0" encoding="utf-8"?>
-<p:sldLayout xmlns:a="http://schemas.openxmlformats.org/drawingml/2006/main" xmlns:p="http://schemas.openxmlformats.org/presentationml/2006/main" xmlns:r="http://schemas.openxmlformats.org/officeDocument/2006/relationships" type="objOnly" preserve="1">
+<p:sldLayout xmlns:a="http://schemas.openxmlformats.org/drawingml/2006/main" xmlns:r="http://schemas.openxmlformats.org/officeDocument/2006/relationships" xmlns:p="http://schemas.openxmlformats.org/presentationml/2006/main" type="objOnly" preserve="1">
   <p:cSld name="Centered Text">
     <p:spTree>
       <p:nvGrpSpPr>
@@ -2490,7 +3424,8 @@
           </a:prstGeom>
         </p:spPr>
         <p:txBody>
-          <a:bodyPr lIns="0" rIns="0" tIns="0" bIns="0" anchor="ctr"/>
+          <a:bodyPr lIns="0" tIns="0" rIns="0" bIns="0" anchor="ctr"/>
+          <a:lstStyle/>
           <a:p>
             <a:pPr algn="ctr"/>
             <a:endParaRPr/>
@@ -2499,11 +3434,14 @@
       </p:sp>
     </p:spTree>
   </p:cSld>
+  <p:clrMapOvr>
+    <a:masterClrMapping/>
+  </p:clrMapOvr>
 </p:sldLayout>
 </file>
 
 <file path=ppt/slideLayouts/slideLayout7.xml><?xml version="1.0" encoding="utf-8"?>
-<p:sldLayout xmlns:a="http://schemas.openxmlformats.org/drawingml/2006/main" xmlns:p="http://schemas.openxmlformats.org/presentationml/2006/main" xmlns:r="http://schemas.openxmlformats.org/officeDocument/2006/relationships" type="twoObjAndObj" preserve="1">
+<p:sldLayout xmlns:a="http://schemas.openxmlformats.org/drawingml/2006/main" xmlns:r="http://schemas.openxmlformats.org/officeDocument/2006/relationships" xmlns:p="http://schemas.openxmlformats.org/presentationml/2006/main" type="twoObjAndObj" preserve="1">
   <p:cSld name="Title, 2 Content and Content">
     <p:spTree>
       <p:nvGrpSpPr>
@@ -2539,7 +3477,8 @@
           </a:prstGeom>
         </p:spPr>
         <p:txBody>
-          <a:bodyPr lIns="0" rIns="0" tIns="0" bIns="0" anchor="ctr"/>
+          <a:bodyPr lIns="0" tIns="0" rIns="0" bIns="0" anchor="ctr"/>
+          <a:lstStyle/>
           <a:p>
             <a:pPr algn="ctr"/>
             <a:endParaRPr/>
@@ -2566,7 +3505,8 @@
           </a:prstGeom>
         </p:spPr>
         <p:txBody>
-          <a:bodyPr lIns="0" rIns="0" tIns="0" bIns="0"/>
+          <a:bodyPr lIns="0" tIns="0" rIns="0" bIns="0"/>
+          <a:lstStyle/>
           <a:p>
             <a:endParaRPr/>
           </a:p>
@@ -2592,7 +3532,8 @@
           </a:prstGeom>
         </p:spPr>
         <p:txBody>
-          <a:bodyPr lIns="0" rIns="0" tIns="0" bIns="0"/>
+          <a:bodyPr lIns="0" tIns="0" rIns="0" bIns="0"/>
+          <a:lstStyle/>
           <a:p>
             <a:endParaRPr/>
           </a:p>
@@ -2618,7 +3559,8 @@
           </a:prstGeom>
         </p:spPr>
         <p:txBody>
-          <a:bodyPr lIns="0" rIns="0" tIns="0" bIns="0"/>
+          <a:bodyPr lIns="0" tIns="0" rIns="0" bIns="0"/>
+          <a:lstStyle/>
           <a:p>
             <a:endParaRPr/>
           </a:p>
@@ -2626,11 +3568,14 @@
       </p:sp>
     </p:spTree>
   </p:cSld>
+  <p:clrMapOvr>
+    <a:masterClrMapping/>
+  </p:clrMapOvr>
 </p:sldLayout>
 </file>
 
 <file path=ppt/slideLayouts/slideLayout8.xml><?xml version="1.0" encoding="utf-8"?>
-<p:sldLayout xmlns:a="http://schemas.openxmlformats.org/drawingml/2006/main" xmlns:p="http://schemas.openxmlformats.org/presentationml/2006/main" xmlns:r="http://schemas.openxmlformats.org/officeDocument/2006/relationships" type="objAndTwoObj" preserve="1">
+<p:sldLayout xmlns:a="http://schemas.openxmlformats.org/drawingml/2006/main" xmlns:r="http://schemas.openxmlformats.org/officeDocument/2006/relationships" xmlns:p="http://schemas.openxmlformats.org/presentationml/2006/main" type="objAndTwoObj" preserve="1">
   <p:cSld name="Title Content and 2 Content">
     <p:spTree>
       <p:nvGrpSpPr>
@@ -2666,7 +3611,8 @@
           </a:prstGeom>
         </p:spPr>
         <p:txBody>
-          <a:bodyPr lIns="0" rIns="0" tIns="0" bIns="0" anchor="ctr"/>
+          <a:bodyPr lIns="0" tIns="0" rIns="0" bIns="0" anchor="ctr"/>
+          <a:lstStyle/>
           <a:p>
             <a:pPr algn="ctr"/>
             <a:endParaRPr/>
@@ -2693,7 +3639,8 @@
           </a:prstGeom>
         </p:spPr>
         <p:txBody>
-          <a:bodyPr lIns="0" rIns="0" tIns="0" bIns="0"/>
+          <a:bodyPr lIns="0" tIns="0" rIns="0" bIns="0"/>
+          <a:lstStyle/>
           <a:p>
             <a:endParaRPr/>
           </a:p>
@@ -2719,7 +3666,8 @@
           </a:prstGeom>
         </p:spPr>
         <p:txBody>
-          <a:bodyPr lIns="0" rIns="0" tIns="0" bIns="0"/>
+          <a:bodyPr lIns="0" tIns="0" rIns="0" bIns="0"/>
+          <a:lstStyle/>
           <a:p>
             <a:endParaRPr/>
           </a:p>
@@ -2745,7 +3693,8 @@
           </a:prstGeom>
         </p:spPr>
         <p:txBody>
-          <a:bodyPr lIns="0" rIns="0" tIns="0" bIns="0"/>
+          <a:bodyPr lIns="0" tIns="0" rIns="0" bIns="0"/>
+          <a:lstStyle/>
           <a:p>
             <a:endParaRPr/>
           </a:p>
@@ -2753,11 +3702,14 @@
       </p:sp>
     </p:spTree>
   </p:cSld>
+  <p:clrMapOvr>
+    <a:masterClrMapping/>
+  </p:clrMapOvr>
 </p:sldLayout>
 </file>
 
 <file path=ppt/slideLayouts/slideLayout9.xml><?xml version="1.0" encoding="utf-8"?>
-<p:sldLayout xmlns:a="http://schemas.openxmlformats.org/drawingml/2006/main" xmlns:p="http://schemas.openxmlformats.org/presentationml/2006/main" xmlns:r="http://schemas.openxmlformats.org/officeDocument/2006/relationships" type="twoObjOverTx" preserve="1">
+<p:sldLayout xmlns:a="http://schemas.openxmlformats.org/drawingml/2006/main" xmlns:r="http://schemas.openxmlformats.org/officeDocument/2006/relationships" xmlns:p="http://schemas.openxmlformats.org/presentationml/2006/main" type="twoObjOverTx" preserve="1">
   <p:cSld name="Title, 2 Content over Content">
     <p:spTree>
       <p:nvGrpSpPr>
@@ -2793,7 +3745,8 @@
           </a:prstGeom>
         </p:spPr>
         <p:txBody>
-          <a:bodyPr lIns="0" rIns="0" tIns="0" bIns="0" anchor="ctr"/>
+          <a:bodyPr lIns="0" tIns="0" rIns="0" bIns="0" anchor="ctr"/>
+          <a:lstStyle/>
           <a:p>
             <a:pPr algn="ctr"/>
             <a:endParaRPr/>
@@ -2820,7 +3773,8 @@
           </a:prstGeom>
         </p:spPr>
         <p:txBody>
-          <a:bodyPr lIns="0" rIns="0" tIns="0" bIns="0"/>
+          <a:bodyPr lIns="0" tIns="0" rIns="0" bIns="0"/>
+          <a:lstStyle/>
           <a:p>
             <a:endParaRPr/>
           </a:p>
@@ -2846,7 +3800,8 @@
           </a:prstGeom>
         </p:spPr>
         <p:txBody>
-          <a:bodyPr lIns="0" rIns="0" tIns="0" bIns="0"/>
+          <a:bodyPr lIns="0" tIns="0" rIns="0" bIns="0"/>
+          <a:lstStyle/>
           <a:p>
             <a:endParaRPr/>
           </a:p>
@@ -2872,7 +3827,8 @@
           </a:prstGeom>
         </p:spPr>
         <p:txBody>
-          <a:bodyPr lIns="0" rIns="0" tIns="0" bIns="0"/>
+          <a:bodyPr lIns="0" tIns="0" rIns="0" bIns="0"/>
+          <a:lstStyle/>
           <a:p>
             <a:endParaRPr/>
           </a:p>
@@ -2880,17 +3836,21 @@
       </p:sp>
     </p:spTree>
   </p:cSld>
+  <p:clrMapOvr>
+    <a:masterClrMapping/>
+  </p:clrMapOvr>
 </p:sldLayout>
 </file>
 
 <file path=ppt/slideMasters/slideMaster1.xml><?xml version="1.0" encoding="utf-8"?>
-<p:sldMaster xmlns:a="http://schemas.openxmlformats.org/drawingml/2006/main" xmlns:p="http://schemas.openxmlformats.org/presentationml/2006/main" xmlns:r="http://schemas.openxmlformats.org/officeDocument/2006/relationships">
+<p:sldMaster xmlns:a="http://schemas.openxmlformats.org/drawingml/2006/main" xmlns:r="http://schemas.openxmlformats.org/officeDocument/2006/relationships" xmlns:p="http://schemas.openxmlformats.org/presentationml/2006/main">
   <p:cSld>
     <p:bg>
       <p:bgPr>
         <a:solidFill>
-          <a:srgbClr val="ffffff"/>
+          <a:srgbClr val="FFFFFF"/>
         </a:solidFill>
+        <a:effectLst/>
       </p:bgPr>
     </p:bg>
     <p:spTree>
@@ -2909,7 +3869,7 @@
       </p:grpSpPr>
       <p:sp>
         <p:nvSpPr>
-          <p:cNvPr id="0" name="PlaceHolder 1"/>
+          <p:cNvPr id="2" name="PlaceHolder 1"/>
           <p:cNvSpPr>
             <a:spLocks noGrp="1"/>
           </p:cNvSpPr>
@@ -2927,7 +3887,8 @@
           </a:prstGeom>
         </p:spPr>
         <p:txBody>
-          <a:bodyPr lIns="0" rIns="0" tIns="0" bIns="0" anchor="ctr"/>
+          <a:bodyPr lIns="0" tIns="0" rIns="0" bIns="0" anchor="ctr"/>
+          <a:lstStyle/>
           <a:p>
             <a:pPr algn="ctr"/>
             <a:r>
@@ -2942,7 +3903,7 @@
       </p:sp>
       <p:sp>
         <p:nvSpPr>
-          <p:cNvPr id="1" name="PlaceHolder 2"/>
+          <p:cNvPr id="3" name="PlaceHolder 2"/>
           <p:cNvSpPr>
             <a:spLocks noGrp="1"/>
           </p:cNvSpPr>
@@ -2960,7 +3921,8 @@
           </a:prstGeom>
         </p:spPr>
         <p:txBody>
-          <a:bodyPr lIns="0" rIns="0" tIns="0" bIns="0"/>
+          <a:bodyPr lIns="0" tIns="0" rIns="0" bIns="0"/>
+          <a:lstStyle/>
           <a:p>
             <a:pPr>
               <a:buSzPct val="45000"/>
@@ -3063,32 +4025,313 @@
       </p:sp>
     </p:spTree>
   </p:cSld>
-  <p:clrMap bg1="lt1" bg2="lt2" tx1="dk1" tx2="dk2" accent1="accent1" accent2="accent2" accent3="accent3" accent4="accent4" accent5="accent5" accent6="accent6" hlink="hlink" folHlink="folHlink"/>
+  <p:clrMap bg1="lt1" tx1="dk1" bg2="lt2" tx2="dk2" accent1="accent1" accent2="accent2" accent3="accent3" accent4="accent4" accent5="accent5" accent6="accent6" hlink="hlink" folHlink="folHlink"/>
   <p:sldLayoutIdLst>
-    <p:sldLayoutId id="2147483649" r:id="rId2"/>
-    <p:sldLayoutId id="2147483650" r:id="rId3"/>
-    <p:sldLayoutId id="2147483651" r:id="rId4"/>
-    <p:sldLayoutId id="2147483652" r:id="rId5"/>
-    <p:sldLayoutId id="2147483653" r:id="rId6"/>
-    <p:sldLayoutId id="2147483654" r:id="rId7"/>
-    <p:sldLayoutId id="2147483655" r:id="rId8"/>
-    <p:sldLayoutId id="2147483656" r:id="rId9"/>
-    <p:sldLayoutId id="2147483657" r:id="rId10"/>
-    <p:sldLayoutId id="2147483658" r:id="rId11"/>
-    <p:sldLayoutId id="2147483659" r:id="rId12"/>
-    <p:sldLayoutId id="2147483660" r:id="rId13"/>
+    <p:sldLayoutId id="2147483649" r:id="rId1"/>
+    <p:sldLayoutId id="2147483650" r:id="rId2"/>
+    <p:sldLayoutId id="2147483651" r:id="rId3"/>
+    <p:sldLayoutId id="2147483652" r:id="rId4"/>
+    <p:sldLayoutId id="2147483653" r:id="rId5"/>
+    <p:sldLayoutId id="2147483654" r:id="rId6"/>
+    <p:sldLayoutId id="2147483655" r:id="rId7"/>
+    <p:sldLayoutId id="2147483656" r:id="rId8"/>
+    <p:sldLayoutId id="2147483657" r:id="rId9"/>
+    <p:sldLayoutId id="2147483658" r:id="rId10"/>
+    <p:sldLayoutId id="2147483659" r:id="rId11"/>
+    <p:sldLayoutId id="2147483660" r:id="rId12"/>
   </p:sldLayoutIdLst>
+  <p:txStyles>
+    <p:titleStyle>
+      <a:lvl1pPr algn="l" defTabSz="914400" rtl="0" eaLnBrk="1" latinLnBrk="0" hangingPunct="1">
+        <a:lnSpc>
+          <a:spcPct val="90000"/>
+        </a:lnSpc>
+        <a:spcBef>
+          <a:spcPct val="0"/>
+        </a:spcBef>
+        <a:buNone/>
+        <a:defRPr sz="4400" kern="1200">
+          <a:solidFill>
+            <a:schemeClr val="tx1"/>
+          </a:solidFill>
+          <a:latin typeface="+mj-lt"/>
+          <a:ea typeface="+mj-ea"/>
+          <a:cs typeface="+mj-cs"/>
+        </a:defRPr>
+      </a:lvl1pPr>
+    </p:titleStyle>
+    <p:bodyStyle>
+      <a:lvl1pPr marL="228600" indent="-228600" algn="l" defTabSz="914400" rtl="0" eaLnBrk="1" latinLnBrk="0" hangingPunct="1">
+        <a:lnSpc>
+          <a:spcPct val="90000"/>
+        </a:lnSpc>
+        <a:spcBef>
+          <a:spcPts val="1000"/>
+        </a:spcBef>
+        <a:buFont typeface="Arial" panose="020B0604020202020204" pitchFamily="34" charset="0"/>
+        <a:buChar char="•"/>
+        <a:defRPr sz="2800" kern="1200">
+          <a:solidFill>
+            <a:schemeClr val="tx1"/>
+          </a:solidFill>
+          <a:latin typeface="+mn-lt"/>
+          <a:ea typeface="+mn-ea"/>
+          <a:cs typeface="+mn-cs"/>
+        </a:defRPr>
+      </a:lvl1pPr>
+      <a:lvl2pPr marL="685800" indent="-228600" algn="l" defTabSz="914400" rtl="0" eaLnBrk="1" latinLnBrk="0" hangingPunct="1">
+        <a:lnSpc>
+          <a:spcPct val="90000"/>
+        </a:lnSpc>
+        <a:spcBef>
+          <a:spcPts val="500"/>
+        </a:spcBef>
+        <a:buFont typeface="Arial" panose="020B0604020202020204" pitchFamily="34" charset="0"/>
+        <a:buChar char="•"/>
+        <a:defRPr sz="2400" kern="1200">
+          <a:solidFill>
+            <a:schemeClr val="tx1"/>
+          </a:solidFill>
+          <a:latin typeface="+mn-lt"/>
+          <a:ea typeface="+mn-ea"/>
+          <a:cs typeface="+mn-cs"/>
+        </a:defRPr>
+      </a:lvl2pPr>
+      <a:lvl3pPr marL="1143000" indent="-228600" algn="l" defTabSz="914400" rtl="0" eaLnBrk="1" latinLnBrk="0" hangingPunct="1">
+        <a:lnSpc>
+          <a:spcPct val="90000"/>
+        </a:lnSpc>
+        <a:spcBef>
+          <a:spcPts val="500"/>
+        </a:spcBef>
+        <a:buFont typeface="Arial" panose="020B0604020202020204" pitchFamily="34" charset="0"/>
+        <a:buChar char="•"/>
+        <a:defRPr sz="2000" kern="1200">
+          <a:solidFill>
+            <a:schemeClr val="tx1"/>
+          </a:solidFill>
+          <a:latin typeface="+mn-lt"/>
+          <a:ea typeface="+mn-ea"/>
+          <a:cs typeface="+mn-cs"/>
+        </a:defRPr>
+      </a:lvl3pPr>
+      <a:lvl4pPr marL="1600200" indent="-228600" algn="l" defTabSz="914400" rtl="0" eaLnBrk="1" latinLnBrk="0" hangingPunct="1">
+        <a:lnSpc>
+          <a:spcPct val="90000"/>
+        </a:lnSpc>
+        <a:spcBef>
+          <a:spcPts val="500"/>
+        </a:spcBef>
+        <a:buFont typeface="Arial" panose="020B0604020202020204" pitchFamily="34" charset="0"/>
+        <a:buChar char="•"/>
+        <a:defRPr sz="1800" kern="1200">
+          <a:solidFill>
+            <a:schemeClr val="tx1"/>
+          </a:solidFill>
+          <a:latin typeface="+mn-lt"/>
+          <a:ea typeface="+mn-ea"/>
+          <a:cs typeface="+mn-cs"/>
+        </a:defRPr>
+      </a:lvl4pPr>
+      <a:lvl5pPr marL="2057400" indent="-228600" algn="l" defTabSz="914400" rtl="0" eaLnBrk="1" latinLnBrk="0" hangingPunct="1">
+        <a:lnSpc>
+          <a:spcPct val="90000"/>
+        </a:lnSpc>
+        <a:spcBef>
+          <a:spcPts val="500"/>
+        </a:spcBef>
+        <a:buFont typeface="Arial" panose="020B0604020202020204" pitchFamily="34" charset="0"/>
+        <a:buChar char="•"/>
+        <a:defRPr sz="1800" kern="1200">
+          <a:solidFill>
+            <a:schemeClr val="tx1"/>
+          </a:solidFill>
+          <a:latin typeface="+mn-lt"/>
+          <a:ea typeface="+mn-ea"/>
+          <a:cs typeface="+mn-cs"/>
+        </a:defRPr>
+      </a:lvl5pPr>
+      <a:lvl6pPr marL="2514600" indent="-228600" algn="l" defTabSz="914400" rtl="0" eaLnBrk="1" latinLnBrk="0" hangingPunct="1">
+        <a:lnSpc>
+          <a:spcPct val="90000"/>
+        </a:lnSpc>
+        <a:spcBef>
+          <a:spcPts val="500"/>
+        </a:spcBef>
+        <a:buFont typeface="Arial" panose="020B0604020202020204" pitchFamily="34" charset="0"/>
+        <a:buChar char="•"/>
+        <a:defRPr sz="1800" kern="1200">
+          <a:solidFill>
+            <a:schemeClr val="tx1"/>
+          </a:solidFill>
+          <a:latin typeface="+mn-lt"/>
+          <a:ea typeface="+mn-ea"/>
+          <a:cs typeface="+mn-cs"/>
+        </a:defRPr>
+      </a:lvl6pPr>
+      <a:lvl7pPr marL="2971800" indent="-228600" algn="l" defTabSz="914400" rtl="0" eaLnBrk="1" latinLnBrk="0" hangingPunct="1">
+        <a:lnSpc>
+          <a:spcPct val="90000"/>
+        </a:lnSpc>
+        <a:spcBef>
+          <a:spcPts val="500"/>
+        </a:spcBef>
+        <a:buFont typeface="Arial" panose="020B0604020202020204" pitchFamily="34" charset="0"/>
+        <a:buChar char="•"/>
+        <a:defRPr sz="1800" kern="1200">
+          <a:solidFill>
+            <a:schemeClr val="tx1"/>
+          </a:solidFill>
+          <a:latin typeface="+mn-lt"/>
+          <a:ea typeface="+mn-ea"/>
+          <a:cs typeface="+mn-cs"/>
+        </a:defRPr>
+      </a:lvl7pPr>
+      <a:lvl8pPr marL="3429000" indent="-228600" algn="l" defTabSz="914400" rtl="0" eaLnBrk="1" latinLnBrk="0" hangingPunct="1">
+        <a:lnSpc>
+          <a:spcPct val="90000"/>
+        </a:lnSpc>
+        <a:spcBef>
+          <a:spcPts val="500"/>
+        </a:spcBef>
+        <a:buFont typeface="Arial" panose="020B0604020202020204" pitchFamily="34" charset="0"/>
+        <a:buChar char="•"/>
+        <a:defRPr sz="1800" kern="1200">
+          <a:solidFill>
+            <a:schemeClr val="tx1"/>
+          </a:solidFill>
+          <a:latin typeface="+mn-lt"/>
+          <a:ea typeface="+mn-ea"/>
+          <a:cs typeface="+mn-cs"/>
+        </a:defRPr>
+      </a:lvl8pPr>
+      <a:lvl9pPr marL="3886200" indent="-228600" algn="l" defTabSz="914400" rtl="0" eaLnBrk="1" latinLnBrk="0" hangingPunct="1">
+        <a:lnSpc>
+          <a:spcPct val="90000"/>
+        </a:lnSpc>
+        <a:spcBef>
+          <a:spcPts val="500"/>
+        </a:spcBef>
+        <a:buFont typeface="Arial" panose="020B0604020202020204" pitchFamily="34" charset="0"/>
+        <a:buChar char="•"/>
+        <a:defRPr sz="1800" kern="1200">
+          <a:solidFill>
+            <a:schemeClr val="tx1"/>
+          </a:solidFill>
+          <a:latin typeface="+mn-lt"/>
+          <a:ea typeface="+mn-ea"/>
+          <a:cs typeface="+mn-cs"/>
+        </a:defRPr>
+      </a:lvl9pPr>
+    </p:bodyStyle>
+    <p:otherStyle>
+      <a:defPPr>
+        <a:defRPr lang="en-US"/>
+      </a:defPPr>
+      <a:lvl1pPr marL="0" algn="l" defTabSz="914400" rtl="0" eaLnBrk="1" latinLnBrk="0" hangingPunct="1">
+        <a:defRPr sz="1800" kern="1200">
+          <a:solidFill>
+            <a:schemeClr val="tx1"/>
+          </a:solidFill>
+          <a:latin typeface="+mn-lt"/>
+          <a:ea typeface="+mn-ea"/>
+          <a:cs typeface="+mn-cs"/>
+        </a:defRPr>
+      </a:lvl1pPr>
+      <a:lvl2pPr marL="457200" algn="l" defTabSz="914400" rtl="0" eaLnBrk="1" latinLnBrk="0" hangingPunct="1">
+        <a:defRPr sz="1800" kern="1200">
+          <a:solidFill>
+            <a:schemeClr val="tx1"/>
+          </a:solidFill>
+          <a:latin typeface="+mn-lt"/>
+          <a:ea typeface="+mn-ea"/>
+          <a:cs typeface="+mn-cs"/>
+        </a:defRPr>
+      </a:lvl2pPr>
+      <a:lvl3pPr marL="914400" algn="l" defTabSz="914400" rtl="0" eaLnBrk="1" latinLnBrk="0" hangingPunct="1">
+        <a:defRPr sz="1800" kern="1200">
+          <a:solidFill>
+            <a:schemeClr val="tx1"/>
+          </a:solidFill>
+          <a:latin typeface="+mn-lt"/>
+          <a:ea typeface="+mn-ea"/>
+          <a:cs typeface="+mn-cs"/>
+        </a:defRPr>
+      </a:lvl3pPr>
+      <a:lvl4pPr marL="1371600" algn="l" defTabSz="914400" rtl="0" eaLnBrk="1" latinLnBrk="0" hangingPunct="1">
+        <a:defRPr sz="1800" kern="1200">
+          <a:solidFill>
+            <a:schemeClr val="tx1"/>
+          </a:solidFill>
+          <a:latin typeface="+mn-lt"/>
+          <a:ea typeface="+mn-ea"/>
+          <a:cs typeface="+mn-cs"/>
+        </a:defRPr>
+      </a:lvl4pPr>
+      <a:lvl5pPr marL="1828800" algn="l" defTabSz="914400" rtl="0" eaLnBrk="1" latinLnBrk="0" hangingPunct="1">
+        <a:defRPr sz="1800" kern="1200">
+          <a:solidFill>
+            <a:schemeClr val="tx1"/>
+          </a:solidFill>
+          <a:latin typeface="+mn-lt"/>
+          <a:ea typeface="+mn-ea"/>
+          <a:cs typeface="+mn-cs"/>
+        </a:defRPr>
+      </a:lvl5pPr>
+      <a:lvl6pPr marL="2286000" algn="l" defTabSz="914400" rtl="0" eaLnBrk="1" latinLnBrk="0" hangingPunct="1">
+        <a:defRPr sz="1800" kern="1200">
+          <a:solidFill>
+            <a:schemeClr val="tx1"/>
+          </a:solidFill>
+          <a:latin typeface="+mn-lt"/>
+          <a:ea typeface="+mn-ea"/>
+          <a:cs typeface="+mn-cs"/>
+        </a:defRPr>
+      </a:lvl6pPr>
+      <a:lvl7pPr marL="2743200" algn="l" defTabSz="914400" rtl="0" eaLnBrk="1" latinLnBrk="0" hangingPunct="1">
+        <a:defRPr sz="1800" kern="1200">
+          <a:solidFill>
+            <a:schemeClr val="tx1"/>
+          </a:solidFill>
+          <a:latin typeface="+mn-lt"/>
+          <a:ea typeface="+mn-ea"/>
+          <a:cs typeface="+mn-cs"/>
+        </a:defRPr>
+      </a:lvl7pPr>
+      <a:lvl8pPr marL="3200400" algn="l" defTabSz="914400" rtl="0" eaLnBrk="1" latinLnBrk="0" hangingPunct="1">
+        <a:defRPr sz="1800" kern="1200">
+          <a:solidFill>
+            <a:schemeClr val="tx1"/>
+          </a:solidFill>
+          <a:latin typeface="+mn-lt"/>
+          <a:ea typeface="+mn-ea"/>
+          <a:cs typeface="+mn-cs"/>
+        </a:defRPr>
+      </a:lvl8pPr>
+      <a:lvl9pPr marL="3657600" algn="l" defTabSz="914400" rtl="0" eaLnBrk="1" latinLnBrk="0" hangingPunct="1">
+        <a:defRPr sz="1800" kern="1200">
+          <a:solidFill>
+            <a:schemeClr val="tx1"/>
+          </a:solidFill>
+          <a:latin typeface="+mn-lt"/>
+          <a:ea typeface="+mn-ea"/>
+          <a:cs typeface="+mn-cs"/>
+        </a:defRPr>
+      </a:lvl9pPr>
+    </p:otherStyle>
+  </p:txStyles>
 </p:sldMaster>
 </file>
 
 <file path=ppt/slideMasters/slideMaster2.xml><?xml version="1.0" encoding="utf-8"?>
-<p:sldMaster xmlns:a="http://schemas.openxmlformats.org/drawingml/2006/main" xmlns:p="http://schemas.openxmlformats.org/presentationml/2006/main" xmlns:r="http://schemas.openxmlformats.org/officeDocument/2006/relationships">
+<p:sldMaster xmlns:a="http://schemas.openxmlformats.org/drawingml/2006/main" xmlns:r="http://schemas.openxmlformats.org/officeDocument/2006/relationships" xmlns:p="http://schemas.openxmlformats.org/presentationml/2006/main">
   <p:cSld>
     <p:bg>
       <p:bgPr>
         <a:solidFill>
-          <a:srgbClr val="ffffff"/>
+          <a:srgbClr val="FFFFFF"/>
         </a:solidFill>
+        <a:effectLst/>
       </p:bgPr>
     </p:bg>
     <p:spTree>
@@ -3125,7 +4368,8 @@
           </a:prstGeom>
         </p:spPr>
         <p:txBody>
-          <a:bodyPr lIns="0" rIns="0" tIns="0" bIns="0" anchor="ctr"/>
+          <a:bodyPr lIns="0" tIns="0" rIns="0" bIns="0" anchor="ctr"/>
+          <a:lstStyle/>
           <a:p>
             <a:pPr algn="ctr"/>
             <a:r>
@@ -3158,7 +4402,8 @@
           </a:prstGeom>
         </p:spPr>
         <p:txBody>
-          <a:bodyPr lIns="0" rIns="0" tIns="0" bIns="0"/>
+          <a:bodyPr lIns="0" tIns="0" rIns="0" bIns="0"/>
+          <a:lstStyle/>
           <a:p>
             <a:pPr>
               <a:buSzPct val="45000"/>
@@ -3261,26 +4506,306 @@
       </p:sp>
     </p:spTree>
   </p:cSld>
-  <p:clrMap bg1="lt1" bg2="lt2" tx1="dk1" tx2="dk2" accent1="accent1" accent2="accent2" accent3="accent3" accent4="accent4" accent5="accent5" accent6="accent6" hlink="hlink" folHlink="folHlink"/>
+  <p:clrMap bg1="lt1" tx1="dk1" bg2="lt2" tx2="dk2" accent1="accent1" accent2="accent2" accent3="accent3" accent4="accent4" accent5="accent5" accent6="accent6" hlink="hlink" folHlink="folHlink"/>
   <p:sldLayoutIdLst>
-    <p:sldLayoutId id="2147483662" r:id="rId2"/>
-    <p:sldLayoutId id="2147483663" r:id="rId3"/>
-    <p:sldLayoutId id="2147483664" r:id="rId4"/>
-    <p:sldLayoutId id="2147483665" r:id="rId5"/>
-    <p:sldLayoutId id="2147483666" r:id="rId6"/>
-    <p:sldLayoutId id="2147483667" r:id="rId7"/>
-    <p:sldLayoutId id="2147483668" r:id="rId8"/>
-    <p:sldLayoutId id="2147483669" r:id="rId9"/>
-    <p:sldLayoutId id="2147483670" r:id="rId10"/>
-    <p:sldLayoutId id="2147483671" r:id="rId11"/>
-    <p:sldLayoutId id="2147483672" r:id="rId12"/>
-    <p:sldLayoutId id="2147483673" r:id="rId13"/>
+    <p:sldLayoutId id="2147483662" r:id="rId1"/>
+    <p:sldLayoutId id="2147483663" r:id="rId2"/>
+    <p:sldLayoutId id="2147483664" r:id="rId3"/>
+    <p:sldLayoutId id="2147483665" r:id="rId4"/>
+    <p:sldLayoutId id="2147483666" r:id="rId5"/>
+    <p:sldLayoutId id="2147483667" r:id="rId6"/>
+    <p:sldLayoutId id="2147483668" r:id="rId7"/>
+    <p:sldLayoutId id="2147483669" r:id="rId8"/>
+    <p:sldLayoutId id="2147483670" r:id="rId9"/>
+    <p:sldLayoutId id="2147483671" r:id="rId10"/>
+    <p:sldLayoutId id="2147483672" r:id="rId11"/>
+    <p:sldLayoutId id="2147483673" r:id="rId12"/>
   </p:sldLayoutIdLst>
+  <p:txStyles>
+    <p:titleStyle>
+      <a:lvl1pPr algn="l" defTabSz="914400" rtl="0" eaLnBrk="1" latinLnBrk="0" hangingPunct="1">
+        <a:lnSpc>
+          <a:spcPct val="90000"/>
+        </a:lnSpc>
+        <a:spcBef>
+          <a:spcPct val="0"/>
+        </a:spcBef>
+        <a:buNone/>
+        <a:defRPr sz="4400" kern="1200">
+          <a:solidFill>
+            <a:schemeClr val="tx1"/>
+          </a:solidFill>
+          <a:latin typeface="+mj-lt"/>
+          <a:ea typeface="+mj-ea"/>
+          <a:cs typeface="+mj-cs"/>
+        </a:defRPr>
+      </a:lvl1pPr>
+    </p:titleStyle>
+    <p:bodyStyle>
+      <a:lvl1pPr marL="228600" indent="-228600" algn="l" defTabSz="914400" rtl="0" eaLnBrk="1" latinLnBrk="0" hangingPunct="1">
+        <a:lnSpc>
+          <a:spcPct val="90000"/>
+        </a:lnSpc>
+        <a:spcBef>
+          <a:spcPts val="1000"/>
+        </a:spcBef>
+        <a:buFont typeface="Arial" panose="020B0604020202020204" pitchFamily="34" charset="0"/>
+        <a:buChar char="•"/>
+        <a:defRPr sz="2800" kern="1200">
+          <a:solidFill>
+            <a:schemeClr val="tx1"/>
+          </a:solidFill>
+          <a:latin typeface="+mn-lt"/>
+          <a:ea typeface="+mn-ea"/>
+          <a:cs typeface="+mn-cs"/>
+        </a:defRPr>
+      </a:lvl1pPr>
+      <a:lvl2pPr marL="685800" indent="-228600" algn="l" defTabSz="914400" rtl="0" eaLnBrk="1" latinLnBrk="0" hangingPunct="1">
+        <a:lnSpc>
+          <a:spcPct val="90000"/>
+        </a:lnSpc>
+        <a:spcBef>
+          <a:spcPts val="500"/>
+        </a:spcBef>
+        <a:buFont typeface="Arial" panose="020B0604020202020204" pitchFamily="34" charset="0"/>
+        <a:buChar char="•"/>
+        <a:defRPr sz="2400" kern="1200">
+          <a:solidFill>
+            <a:schemeClr val="tx1"/>
+          </a:solidFill>
+          <a:latin typeface="+mn-lt"/>
+          <a:ea typeface="+mn-ea"/>
+          <a:cs typeface="+mn-cs"/>
+        </a:defRPr>
+      </a:lvl2pPr>
+      <a:lvl3pPr marL="1143000" indent="-228600" algn="l" defTabSz="914400" rtl="0" eaLnBrk="1" latinLnBrk="0" hangingPunct="1">
+        <a:lnSpc>
+          <a:spcPct val="90000"/>
+        </a:lnSpc>
+        <a:spcBef>
+          <a:spcPts val="500"/>
+        </a:spcBef>
+        <a:buFont typeface="Arial" panose="020B0604020202020204" pitchFamily="34" charset="0"/>
+        <a:buChar char="•"/>
+        <a:defRPr sz="2000" kern="1200">
+          <a:solidFill>
+            <a:schemeClr val="tx1"/>
+          </a:solidFill>
+          <a:latin typeface="+mn-lt"/>
+          <a:ea typeface="+mn-ea"/>
+          <a:cs typeface="+mn-cs"/>
+        </a:defRPr>
+      </a:lvl3pPr>
+      <a:lvl4pPr marL="1600200" indent="-228600" algn="l" defTabSz="914400" rtl="0" eaLnBrk="1" latinLnBrk="0" hangingPunct="1">
+        <a:lnSpc>
+          <a:spcPct val="90000"/>
+        </a:lnSpc>
+        <a:spcBef>
+          <a:spcPts val="500"/>
+        </a:spcBef>
+        <a:buFont typeface="Arial" panose="020B0604020202020204" pitchFamily="34" charset="0"/>
+        <a:buChar char="•"/>
+        <a:defRPr sz="1800" kern="1200">
+          <a:solidFill>
+            <a:schemeClr val="tx1"/>
+          </a:solidFill>
+          <a:latin typeface="+mn-lt"/>
+          <a:ea typeface="+mn-ea"/>
+          <a:cs typeface="+mn-cs"/>
+        </a:defRPr>
+      </a:lvl4pPr>
+      <a:lvl5pPr marL="2057400" indent="-228600" algn="l" defTabSz="914400" rtl="0" eaLnBrk="1" latinLnBrk="0" hangingPunct="1">
+        <a:lnSpc>
+          <a:spcPct val="90000"/>
+        </a:lnSpc>
+        <a:spcBef>
+          <a:spcPts val="500"/>
+        </a:spcBef>
+        <a:buFont typeface="Arial" panose="020B0604020202020204" pitchFamily="34" charset="0"/>
+        <a:buChar char="•"/>
+        <a:defRPr sz="1800" kern="1200">
+          <a:solidFill>
+            <a:schemeClr val="tx1"/>
+          </a:solidFill>
+          <a:latin typeface="+mn-lt"/>
+          <a:ea typeface="+mn-ea"/>
+          <a:cs typeface="+mn-cs"/>
+        </a:defRPr>
+      </a:lvl5pPr>
+      <a:lvl6pPr marL="2514600" indent="-228600" algn="l" defTabSz="914400" rtl="0" eaLnBrk="1" latinLnBrk="0" hangingPunct="1">
+        <a:lnSpc>
+          <a:spcPct val="90000"/>
+        </a:lnSpc>
+        <a:spcBef>
+          <a:spcPts val="500"/>
+        </a:spcBef>
+        <a:buFont typeface="Arial" panose="020B0604020202020204" pitchFamily="34" charset="0"/>
+        <a:buChar char="•"/>
+        <a:defRPr sz="1800" kern="1200">
+          <a:solidFill>
+            <a:schemeClr val="tx1"/>
+          </a:solidFill>
+          <a:latin typeface="+mn-lt"/>
+          <a:ea typeface="+mn-ea"/>
+          <a:cs typeface="+mn-cs"/>
+        </a:defRPr>
+      </a:lvl6pPr>
+      <a:lvl7pPr marL="2971800" indent="-228600" algn="l" defTabSz="914400" rtl="0" eaLnBrk="1" latinLnBrk="0" hangingPunct="1">
+        <a:lnSpc>
+          <a:spcPct val="90000"/>
+        </a:lnSpc>
+        <a:spcBef>
+          <a:spcPts val="500"/>
+        </a:spcBef>
+        <a:buFont typeface="Arial" panose="020B0604020202020204" pitchFamily="34" charset="0"/>
+        <a:buChar char="•"/>
+        <a:defRPr sz="1800" kern="1200">
+          <a:solidFill>
+            <a:schemeClr val="tx1"/>
+          </a:solidFill>
+          <a:latin typeface="+mn-lt"/>
+          <a:ea typeface="+mn-ea"/>
+          <a:cs typeface="+mn-cs"/>
+        </a:defRPr>
+      </a:lvl7pPr>
+      <a:lvl8pPr marL="3429000" indent="-228600" algn="l" defTabSz="914400" rtl="0" eaLnBrk="1" latinLnBrk="0" hangingPunct="1">
+        <a:lnSpc>
+          <a:spcPct val="90000"/>
+        </a:lnSpc>
+        <a:spcBef>
+          <a:spcPts val="500"/>
+        </a:spcBef>
+        <a:buFont typeface="Arial" panose="020B0604020202020204" pitchFamily="34" charset="0"/>
+        <a:buChar char="•"/>
+        <a:defRPr sz="1800" kern="1200">
+          <a:solidFill>
+            <a:schemeClr val="tx1"/>
+          </a:solidFill>
+          <a:latin typeface="+mn-lt"/>
+          <a:ea typeface="+mn-ea"/>
+          <a:cs typeface="+mn-cs"/>
+        </a:defRPr>
+      </a:lvl8pPr>
+      <a:lvl9pPr marL="3886200" indent="-228600" algn="l" defTabSz="914400" rtl="0" eaLnBrk="1" latinLnBrk="0" hangingPunct="1">
+        <a:lnSpc>
+          <a:spcPct val="90000"/>
+        </a:lnSpc>
+        <a:spcBef>
+          <a:spcPts val="500"/>
+        </a:spcBef>
+        <a:buFont typeface="Arial" panose="020B0604020202020204" pitchFamily="34" charset="0"/>
+        <a:buChar char="•"/>
+        <a:defRPr sz="1800" kern="1200">
+          <a:solidFill>
+            <a:schemeClr val="tx1"/>
+          </a:solidFill>
+          <a:latin typeface="+mn-lt"/>
+          <a:ea typeface="+mn-ea"/>
+          <a:cs typeface="+mn-cs"/>
+        </a:defRPr>
+      </a:lvl9pPr>
+    </p:bodyStyle>
+    <p:otherStyle>
+      <a:defPPr>
+        <a:defRPr lang="en-US"/>
+      </a:defPPr>
+      <a:lvl1pPr marL="0" algn="l" defTabSz="914400" rtl="0" eaLnBrk="1" latinLnBrk="0" hangingPunct="1">
+        <a:defRPr sz="1800" kern="1200">
+          <a:solidFill>
+            <a:schemeClr val="tx1"/>
+          </a:solidFill>
+          <a:latin typeface="+mn-lt"/>
+          <a:ea typeface="+mn-ea"/>
+          <a:cs typeface="+mn-cs"/>
+        </a:defRPr>
+      </a:lvl1pPr>
+      <a:lvl2pPr marL="457200" algn="l" defTabSz="914400" rtl="0" eaLnBrk="1" latinLnBrk="0" hangingPunct="1">
+        <a:defRPr sz="1800" kern="1200">
+          <a:solidFill>
+            <a:schemeClr val="tx1"/>
+          </a:solidFill>
+          <a:latin typeface="+mn-lt"/>
+          <a:ea typeface="+mn-ea"/>
+          <a:cs typeface="+mn-cs"/>
+        </a:defRPr>
+      </a:lvl2pPr>
+      <a:lvl3pPr marL="914400" algn="l" defTabSz="914400" rtl="0" eaLnBrk="1" latinLnBrk="0" hangingPunct="1">
+        <a:defRPr sz="1800" kern="1200">
+          <a:solidFill>
+            <a:schemeClr val="tx1"/>
+          </a:solidFill>
+          <a:latin typeface="+mn-lt"/>
+          <a:ea typeface="+mn-ea"/>
+          <a:cs typeface="+mn-cs"/>
+        </a:defRPr>
+      </a:lvl3pPr>
+      <a:lvl4pPr marL="1371600" algn="l" defTabSz="914400" rtl="0" eaLnBrk="1" latinLnBrk="0" hangingPunct="1">
+        <a:defRPr sz="1800" kern="1200">
+          <a:solidFill>
+            <a:schemeClr val="tx1"/>
+          </a:solidFill>
+          <a:latin typeface="+mn-lt"/>
+          <a:ea typeface="+mn-ea"/>
+          <a:cs typeface="+mn-cs"/>
+        </a:defRPr>
+      </a:lvl4pPr>
+      <a:lvl5pPr marL="1828800" algn="l" defTabSz="914400" rtl="0" eaLnBrk="1" latinLnBrk="0" hangingPunct="1">
+        <a:defRPr sz="1800" kern="1200">
+          <a:solidFill>
+            <a:schemeClr val="tx1"/>
+          </a:solidFill>
+          <a:latin typeface="+mn-lt"/>
+          <a:ea typeface="+mn-ea"/>
+          <a:cs typeface="+mn-cs"/>
+        </a:defRPr>
+      </a:lvl5pPr>
+      <a:lvl6pPr marL="2286000" algn="l" defTabSz="914400" rtl="0" eaLnBrk="1" latinLnBrk="0" hangingPunct="1">
+        <a:defRPr sz="1800" kern="1200">
+          <a:solidFill>
+            <a:schemeClr val="tx1"/>
+          </a:solidFill>
+          <a:latin typeface="+mn-lt"/>
+          <a:ea typeface="+mn-ea"/>
+          <a:cs typeface="+mn-cs"/>
+        </a:defRPr>
+      </a:lvl6pPr>
+      <a:lvl7pPr marL="2743200" algn="l" defTabSz="914400" rtl="0" eaLnBrk="1" latinLnBrk="0" hangingPunct="1">
+        <a:defRPr sz="1800" kern="1200">
+          <a:solidFill>
+            <a:schemeClr val="tx1"/>
+          </a:solidFill>
+          <a:latin typeface="+mn-lt"/>
+          <a:ea typeface="+mn-ea"/>
+          <a:cs typeface="+mn-cs"/>
+        </a:defRPr>
+      </a:lvl7pPr>
+      <a:lvl8pPr marL="3200400" algn="l" defTabSz="914400" rtl="0" eaLnBrk="1" latinLnBrk="0" hangingPunct="1">
+        <a:defRPr sz="1800" kern="1200">
+          <a:solidFill>
+            <a:schemeClr val="tx1"/>
+          </a:solidFill>
+          <a:latin typeface="+mn-lt"/>
+          <a:ea typeface="+mn-ea"/>
+          <a:cs typeface="+mn-cs"/>
+        </a:defRPr>
+      </a:lvl8pPr>
+      <a:lvl9pPr marL="3657600" algn="l" defTabSz="914400" rtl="0" eaLnBrk="1" latinLnBrk="0" hangingPunct="1">
+        <a:defRPr sz="1800" kern="1200">
+          <a:solidFill>
+            <a:schemeClr val="tx1"/>
+          </a:solidFill>
+          <a:latin typeface="+mn-lt"/>
+          <a:ea typeface="+mn-ea"/>
+          <a:cs typeface="+mn-cs"/>
+        </a:defRPr>
+      </a:lvl9pPr>
+    </p:otherStyle>
+  </p:txStyles>
 </p:sldMaster>
 </file>
 
 <file path=ppt/slides/slide1.xml><?xml version="1.0" encoding="utf-8"?>
-<p:sld xmlns:a="http://schemas.openxmlformats.org/drawingml/2006/main" xmlns:p="http://schemas.openxmlformats.org/presentationml/2006/main" xmlns:r="http://schemas.openxmlformats.org/officeDocument/2006/relationships">
+<p:sld xmlns:a="http://schemas.openxmlformats.org/drawingml/2006/main" xmlns:r="http://schemas.openxmlformats.org/officeDocument/2006/relationships" xmlns:p="http://schemas.openxmlformats.org/presentationml/2006/main">
   <p:cSld>
     <p:spTree>
       <p:nvGrpSpPr>
@@ -3316,7 +4841,8 @@
           </a:ln>
         </p:spPr>
         <p:txBody>
-          <a:bodyPr lIns="90000" rIns="90000" tIns="45000" bIns="45000" anchor="b"/>
+          <a:bodyPr lIns="90000" tIns="45000" rIns="90000" bIns="45000" anchor="b"/>
+          <a:lstStyle/>
           <a:p>
             <a:pPr algn="ctr">
               <a:lnSpc>
@@ -3356,7 +4882,8 @@
           </a:ln>
         </p:spPr>
         <p:txBody>
-          <a:bodyPr lIns="90000" rIns="90000" tIns="45000" bIns="45000"/>
+          <a:bodyPr lIns="90000" tIns="45000" rIns="90000" bIns="45000"/>
+          <a:lstStyle/>
           <a:p>
             <a:pPr algn="ctr">
               <a:lnSpc>
@@ -3378,12 +4905,12 @@
       </p:sp>
       <p:pic>
         <p:nvPicPr>
-          <p:cNvPr id="79" name="Picture 3" descr=""/>
+          <p:cNvPr id="79" name="Picture 3"/>
           <p:cNvPicPr/>
           <p:nvPr/>
         </p:nvPicPr>
         <p:blipFill>
-          <a:blip r:embed="rId1"/>
+          <a:blip r:embed="rId3"/>
           <a:stretch>
             <a:fillRect/>
           </a:stretch>
@@ -3403,6 +4930,9 @@
       </p:pic>
     </p:spTree>
   </p:cSld>
+  <p:clrMapOvr>
+    <a:masterClrMapping/>
+  </p:clrMapOvr>
   <p:timing>
     <p:tnLst>
       <p:par>
@@ -3411,14 +4941,14 @@
             <p:seq>
               <p:cTn id="2" nodeType="mainSeq"/>
               <p:prevCondLst>
-                <p:cond delay="0" evt="onPrev">
+                <p:cond evt="onPrev" delay="0">
                   <p:tgtEl>
                     <p:sldTgt/>
                   </p:tgtEl>
                 </p:cond>
               </p:prevCondLst>
               <p:nextCondLst>
-                <p:cond delay="0" evt="onNext">
+                <p:cond evt="onNext" delay="0">
                   <p:tgtEl>
                     <p:sldTgt/>
                   </p:tgtEl>
@@ -3434,7 +4964,7 @@
 </file>
 
 <file path=ppt/slides/slide10.xml><?xml version="1.0" encoding="utf-8"?>
-<p:sld xmlns:a="http://schemas.openxmlformats.org/drawingml/2006/main" xmlns:p="http://schemas.openxmlformats.org/presentationml/2006/main" xmlns:r="http://schemas.openxmlformats.org/officeDocument/2006/relationships">
+<p:sld xmlns:a="http://schemas.openxmlformats.org/drawingml/2006/main" xmlns:r="http://schemas.openxmlformats.org/officeDocument/2006/relationships" xmlns:p="http://schemas.openxmlformats.org/presentationml/2006/main">
   <p:cSld>
     <p:spTree>
       <p:nvGrpSpPr>
@@ -3452,12 +4982,12 @@
       </p:grpSpPr>
       <p:pic>
         <p:nvPicPr>
-          <p:cNvPr id="120" name="Picture 4" descr=""/>
+          <p:cNvPr id="120" name="Picture 4"/>
           <p:cNvPicPr/>
           <p:nvPr/>
         </p:nvPicPr>
         <p:blipFill>
-          <a:blip r:embed="rId1"/>
+          <a:blip r:embed="rId3"/>
           <a:stretch>
             <a:fillRect/>
           </a:stretch>
@@ -3477,22 +5007,25 @@
       </p:pic>
     </p:spTree>
   </p:cSld>
+  <p:clrMapOvr>
+    <a:masterClrMapping/>
+  </p:clrMapOvr>
   <p:timing>
     <p:tnLst>
       <p:par>
-        <p:cTn id="19" dur="indefinite" restart="never" nodeType="tmRoot">
+        <p:cTn id="1" dur="indefinite" restart="never" nodeType="tmRoot">
           <p:childTnLst>
             <p:seq>
-              <p:cTn id="20" nodeType="mainSeq"/>
+              <p:cTn id="2" nodeType="mainSeq"/>
               <p:prevCondLst>
-                <p:cond delay="0" evt="onPrev">
+                <p:cond evt="onPrev" delay="0">
                   <p:tgtEl>
                     <p:sldTgt/>
                   </p:tgtEl>
                 </p:cond>
               </p:prevCondLst>
               <p:nextCondLst>
-                <p:cond delay="0" evt="onNext">
+                <p:cond evt="onNext" delay="0">
                   <p:tgtEl>
                     <p:sldTgt/>
                   </p:tgtEl>
@@ -3508,7 +5041,7 @@
 </file>
 
 <file path=ppt/slides/slide11.xml><?xml version="1.0" encoding="utf-8"?>
-<p:sld xmlns:a="http://schemas.openxmlformats.org/drawingml/2006/main" xmlns:p="http://schemas.openxmlformats.org/presentationml/2006/main" xmlns:r="http://schemas.openxmlformats.org/officeDocument/2006/relationships">
+<p:sld xmlns:a="http://schemas.openxmlformats.org/drawingml/2006/main" xmlns:r="http://schemas.openxmlformats.org/officeDocument/2006/relationships" xmlns:p="http://schemas.openxmlformats.org/presentationml/2006/main">
   <p:cSld>
     <p:spTree>
       <p:nvGrpSpPr>
@@ -3544,7 +5077,8 @@
           </a:ln>
         </p:spPr>
         <p:txBody>
-          <a:bodyPr lIns="90000" rIns="90000" tIns="45000" bIns="45000"/>
+          <a:bodyPr lIns="90000" tIns="45000" rIns="90000" bIns="45000"/>
+          <a:lstStyle/>
           <a:p>
             <a:pPr algn="ctr">
               <a:lnSpc>
@@ -3591,22 +5125,25 @@
       </p:sp>
     </p:spTree>
   </p:cSld>
+  <p:clrMapOvr>
+    <a:masterClrMapping/>
+  </p:clrMapOvr>
   <p:timing>
     <p:tnLst>
       <p:par>
-        <p:cTn id="21" dur="indefinite" restart="never" nodeType="tmRoot">
+        <p:cTn id="1" dur="indefinite" restart="never" nodeType="tmRoot">
           <p:childTnLst>
             <p:seq>
-              <p:cTn id="22" nodeType="mainSeq"/>
+              <p:cTn id="2" nodeType="mainSeq"/>
               <p:prevCondLst>
-                <p:cond delay="0" evt="onPrev">
+                <p:cond evt="onPrev" delay="0">
                   <p:tgtEl>
                     <p:sldTgt/>
                   </p:tgtEl>
                 </p:cond>
               </p:prevCondLst>
               <p:nextCondLst>
-                <p:cond delay="0" evt="onNext">
+                <p:cond evt="onNext" delay="0">
                   <p:tgtEl>
                     <p:sldTgt/>
                   </p:tgtEl>
@@ -3622,7 +5159,7 @@
 </file>
 
 <file path=ppt/slides/slide2.xml><?xml version="1.0" encoding="utf-8"?>
-<p:sld xmlns:a="http://schemas.openxmlformats.org/drawingml/2006/main" xmlns:p="http://schemas.openxmlformats.org/presentationml/2006/main" xmlns:r="http://schemas.openxmlformats.org/officeDocument/2006/relationships">
+<p:sld xmlns:a="http://schemas.openxmlformats.org/drawingml/2006/main" xmlns:r="http://schemas.openxmlformats.org/officeDocument/2006/relationships" xmlns:p="http://schemas.openxmlformats.org/presentationml/2006/main">
   <p:cSld>
     <p:spTree>
       <p:nvGrpSpPr>
@@ -3658,7 +5195,8 @@
           </a:ln>
         </p:spPr>
         <p:txBody>
-          <a:bodyPr lIns="90000" rIns="90000" tIns="45000" bIns="45000" anchor="ctr"/>
+          <a:bodyPr lIns="90000" tIns="45000" rIns="90000" bIns="45000" anchor="ctr"/>
+          <a:lstStyle/>
           <a:p>
             <a:pPr algn="ctr">
               <a:lnSpc>
@@ -3680,12 +5218,12 @@
       </p:sp>
       <p:pic>
         <p:nvPicPr>
-          <p:cNvPr id="81" name="Picture 3" descr=""/>
+          <p:cNvPr id="81" name="Picture 3"/>
           <p:cNvPicPr/>
           <p:nvPr/>
         </p:nvPicPr>
         <p:blipFill>
-          <a:blip r:embed="rId1"/>
+          <a:blip r:embed="rId3"/>
           <a:stretch>
             <a:fillRect/>
           </a:stretch>
@@ -3705,12 +5243,12 @@
       </p:pic>
       <p:pic>
         <p:nvPicPr>
-          <p:cNvPr id="82" name="Picture 4" descr=""/>
+          <p:cNvPr id="82" name="Picture 4"/>
           <p:cNvPicPr/>
           <p:nvPr/>
         </p:nvPicPr>
         <p:blipFill>
-          <a:blip r:embed="rId2"/>
+          <a:blip r:embed="rId4"/>
           <a:stretch>
             <a:fillRect/>
           </a:stretch>
@@ -3728,24 +5266,107 @@
           </a:ln>
         </p:spPr>
       </p:pic>
+      <p:sp>
+        <p:nvSpPr>
+          <p:cNvPr id="2" name="TextBox 1"/>
+          <p:cNvSpPr txBox="1"/>
+          <p:nvPr/>
+        </p:nvSpPr>
+        <p:spPr>
+          <a:xfrm>
+            <a:off x="1645920" y="5439103"/>
+            <a:ext cx="3556701" cy="492443"/>
+          </a:xfrm>
+          <a:prstGeom prst="rect">
+            <a:avLst/>
+          </a:prstGeom>
+          <a:noFill/>
+        </p:spPr>
+        <p:txBody>
+          <a:bodyPr wrap="square" rtlCol="0">
+            <a:spAutoFit/>
+          </a:bodyPr>
+          <a:lstStyle/>
+          <a:p>
+            <a:r>
+              <a:rPr lang="en-US" sz="1300" u="sng" dirty="0" smtClean="0">
+                <a:solidFill>
+                  <a:srgbClr val="00B0F0"/>
+                </a:solidFill>
+                <a:latin typeface="Calibri" panose="020F0502020204030204" pitchFamily="34" charset="0"/>
+              </a:rPr>
+              <a:t>http://dna-footprints.com/wp-content/uploads/2011/12/DNA-Sequencing.png</a:t>
+            </a:r>
+            <a:endParaRPr lang="en-US" sz="1300" u="sng" dirty="0">
+              <a:solidFill>
+                <a:srgbClr val="00B0F0"/>
+              </a:solidFill>
+              <a:latin typeface="Calibri" panose="020F0502020204030204" pitchFamily="34" charset="0"/>
+            </a:endParaRPr>
+          </a:p>
+        </p:txBody>
+      </p:sp>
+      <p:sp>
+        <p:nvSpPr>
+          <p:cNvPr id="3" name="TextBox 2"/>
+          <p:cNvSpPr txBox="1"/>
+          <p:nvPr/>
+        </p:nvSpPr>
+        <p:spPr>
+          <a:xfrm>
+            <a:off x="6952680" y="5817476"/>
+            <a:ext cx="3744720" cy="492443"/>
+          </a:xfrm>
+          <a:prstGeom prst="rect">
+            <a:avLst/>
+          </a:prstGeom>
+          <a:noFill/>
+        </p:spPr>
+        <p:txBody>
+          <a:bodyPr wrap="square" rtlCol="0">
+            <a:spAutoFit/>
+          </a:bodyPr>
+          <a:lstStyle/>
+          <a:p>
+            <a:r>
+              <a:rPr lang="en-US" sz="1300" dirty="0" smtClean="0">
+                <a:solidFill>
+                  <a:srgbClr val="00B0F0"/>
+                </a:solidFill>
+                <a:latin typeface="Calibri" panose="020F0502020204030204" pitchFamily="34" charset="0"/>
+              </a:rPr>
+              <a:t>http://igoscience.com/wp-content/uploads/DNA-sequence-genetic-code-color-150x150.png</a:t>
+            </a:r>
+            <a:endParaRPr lang="en-US" sz="1300" dirty="0">
+              <a:solidFill>
+                <a:srgbClr val="00B0F0"/>
+              </a:solidFill>
+              <a:latin typeface="Calibri" panose="020F0502020204030204" pitchFamily="34" charset="0"/>
+            </a:endParaRPr>
+          </a:p>
+        </p:txBody>
+      </p:sp>
     </p:spTree>
   </p:cSld>
+  <p:clrMapOvr>
+    <a:masterClrMapping/>
+  </p:clrMapOvr>
   <p:timing>
     <p:tnLst>
       <p:par>
-        <p:cTn id="3" dur="indefinite" restart="never" nodeType="tmRoot">
+        <p:cTn id="1" dur="indefinite" restart="never" nodeType="tmRoot">
           <p:childTnLst>
             <p:seq>
-              <p:cTn id="4" nodeType="mainSeq"/>
+              <p:cTn id="2" nodeType="mainSeq"/>
               <p:prevCondLst>
-                <p:cond delay="0" evt="onPrev">
+                <p:cond evt="onPrev" delay="0">
                   <p:tgtEl>
                     <p:sldTgt/>
                   </p:tgtEl>
                 </p:cond>
               </p:prevCondLst>
               <p:nextCondLst>
-                <p:cond delay="0" evt="onNext">
+                <p:cond evt="onNext" delay="0">
                   <p:tgtEl>
                     <p:sldTgt/>
                   </p:tgtEl>
@@ -3761,7 +5382,7 @@
 </file>
 
 <file path=ppt/slides/slide3.xml><?xml version="1.0" encoding="utf-8"?>
-<p:sld xmlns:a="http://schemas.openxmlformats.org/drawingml/2006/main" xmlns:p="http://schemas.openxmlformats.org/presentationml/2006/main" xmlns:r="http://schemas.openxmlformats.org/officeDocument/2006/relationships">
+<p:sld xmlns:a="http://schemas.openxmlformats.org/drawingml/2006/main" xmlns:r="http://schemas.openxmlformats.org/officeDocument/2006/relationships" xmlns:p="http://schemas.openxmlformats.org/presentationml/2006/main">
   <p:cSld>
     <p:spTree>
       <p:nvGrpSpPr>
@@ -3797,7 +5418,8 @@
           </a:ln>
         </p:spPr>
         <p:txBody>
-          <a:bodyPr lIns="0" rIns="0" tIns="0" bIns="0" anchor="ctr"/>
+          <a:bodyPr lIns="0" tIns="0" rIns="0" bIns="0" anchor="ctr"/>
+          <a:lstStyle/>
           <a:p>
             <a:pPr algn="ctr">
               <a:lnSpc>
@@ -3822,7 +5444,7 @@
         </p:nvGraphicFramePr>
         <p:xfrm>
           <a:off x="731520" y="3200400"/>
-          <a:ext cx="10806120" cy="2914200"/>
+          <a:ext cx="10806480" cy="3387240"/>
         </p:xfrm>
         <a:graphic>
           <a:graphicData uri="http://schemas.openxmlformats.org/drawingml/2006/table">
@@ -3840,11 +5462,19 @@
               </a:tblGrid>
               <a:tr h="431640">
                 <a:tc>
+                  <a:txBody>
+                    <a:bodyPr/>
+                    <a:lstStyle/>
+                    <a:p>
+                      <a:endParaRPr lang="en-US"/>
+                    </a:p>
+                  </a:txBody>
                   <a:tcPr/>
                 </a:tc>
                 <a:tc>
                   <a:txBody>
                     <a:bodyPr/>
+                    <a:lstStyle/>
                     <a:p>
                       <a:r>
                         <a:rPr lang="en-US">
@@ -3860,6 +5490,7 @@
                 <a:tc>
                   <a:txBody>
                     <a:bodyPr/>
+                    <a:lstStyle/>
                     <a:p>
                       <a:r>
                         <a:rPr lang="en-US">
@@ -3875,6 +5506,7 @@
                 <a:tc>
                   <a:txBody>
                     <a:bodyPr/>
+                    <a:lstStyle/>
                     <a:p>
                       <a:r>
                         <a:rPr lang="en-US">
@@ -3890,6 +5522,7 @@
                 <a:tc>
                   <a:txBody>
                     <a:bodyPr/>
+                    <a:lstStyle/>
                     <a:p>
                       <a:r>
                         <a:rPr lang="en-US">
@@ -3905,6 +5538,7 @@
                 <a:tc>
                   <a:txBody>
                     <a:bodyPr/>
+                    <a:lstStyle/>
                     <a:p>
                       <a:r>
                         <a:rPr lang="en-US">
@@ -3920,6 +5554,7 @@
                 <a:tc>
                   <a:txBody>
                     <a:bodyPr/>
+                    <a:lstStyle/>
                     <a:p>
                       <a:r>
                         <a:rPr lang="en-US">
@@ -3935,6 +5570,7 @@
                 <a:tc>
                   <a:txBody>
                     <a:bodyPr/>
+                    <a:lstStyle/>
                     <a:p>
                       <a:r>
                         <a:rPr lang="en-US">
@@ -3952,6 +5588,7 @@
                 <a:tc>
                   <a:txBody>
                     <a:bodyPr/>
+                    <a:lstStyle/>
                     <a:p>
                       <a:r>
                         <a:rPr lang="en-US">
@@ -3965,11 +5602,19 @@
                   <a:tcPr/>
                 </a:tc>
                 <a:tc>
+                  <a:txBody>
+                    <a:bodyPr/>
+                    <a:lstStyle/>
+                    <a:p>
+                      <a:endParaRPr lang="en-US"/>
+                    </a:p>
+                  </a:txBody>
                   <a:tcPr/>
                 </a:tc>
                 <a:tc>
                   <a:txBody>
                     <a:bodyPr/>
+                    <a:lstStyle/>
                     <a:p>
                       <a:pPr algn="r">
                         <a:lnSpc>
@@ -3990,6 +5635,7 @@
                 <a:tc>
                   <a:txBody>
                     <a:bodyPr/>
+                    <a:lstStyle/>
                     <a:p>
                       <a:pPr algn="r">
                         <a:lnSpc>
@@ -4010,6 +5656,7 @@
                 <a:tc>
                   <a:txBody>
                     <a:bodyPr/>
+                    <a:lstStyle/>
                     <a:p>
                       <a:pPr algn="r">
                         <a:lnSpc>
@@ -4030,6 +5677,7 @@
                 <a:tc>
                   <a:txBody>
                     <a:bodyPr/>
+                    <a:lstStyle/>
                     <a:p>
                       <a:pPr algn="r">
                         <a:lnSpc>
@@ -4050,6 +5698,7 @@
                 <a:tc>
                   <a:txBody>
                     <a:bodyPr/>
+                    <a:lstStyle/>
                     <a:p>
                       <a:pPr algn="r">
                         <a:lnSpc>
@@ -4070,6 +5719,7 @@
                 <a:tc>
                   <a:txBody>
                     <a:bodyPr/>
+                    <a:lstStyle/>
                     <a:p>
                       <a:pPr algn="r">
                         <a:lnSpc>
@@ -4092,6 +5742,7 @@
                 <a:tc>
                   <a:txBody>
                     <a:bodyPr/>
+                    <a:lstStyle/>
                     <a:p>
                       <a:r>
                         <a:rPr lang="en-US">
@@ -4107,6 +5758,7 @@
                 <a:tc>
                   <a:txBody>
                     <a:bodyPr/>
+                    <a:lstStyle/>
                     <a:p>
                       <a:pPr algn="r">
                         <a:lnSpc>
@@ -4125,11 +5777,19 @@
                   <a:tcPr/>
                 </a:tc>
                 <a:tc>
+                  <a:txBody>
+                    <a:bodyPr/>
+                    <a:lstStyle/>
+                    <a:p>
+                      <a:endParaRPr lang="en-US"/>
+                    </a:p>
+                  </a:txBody>
                   <a:tcPr/>
                 </a:tc>
                 <a:tc>
                   <a:txBody>
                     <a:bodyPr/>
+                    <a:lstStyle/>
                     <a:p>
                       <a:pPr algn="r">
                         <a:lnSpc>
@@ -4150,6 +5810,7 @@
                 <a:tc>
                   <a:txBody>
                     <a:bodyPr/>
+                    <a:lstStyle/>
                     <a:p>
                       <a:pPr algn="r">
                         <a:lnSpc>
@@ -4170,6 +5831,7 @@
                 <a:tc>
                   <a:txBody>
                     <a:bodyPr/>
+                    <a:lstStyle/>
                     <a:p>
                       <a:pPr algn="r">
                         <a:lnSpc>
@@ -4190,6 +5852,7 @@
                 <a:tc>
                   <a:txBody>
                     <a:bodyPr/>
+                    <a:lstStyle/>
                     <a:p>
                       <a:pPr algn="r">
                         <a:lnSpc>
@@ -4210,6 +5873,7 @@
                 <a:tc>
                   <a:txBody>
                     <a:bodyPr/>
+                    <a:lstStyle/>
                     <a:p>
                       <a:pPr algn="r">
                         <a:lnSpc>
@@ -4232,6 +5896,7 @@
                 <a:tc>
                   <a:txBody>
                     <a:bodyPr/>
+                    <a:lstStyle/>
                     <a:p>
                       <a:r>
                         <a:rPr lang="en-US">
@@ -4247,6 +5912,7 @@
                 <a:tc>
                   <a:txBody>
                     <a:bodyPr/>
+                    <a:lstStyle/>
                     <a:p>
                       <a:pPr algn="r">
                         <a:lnSpc>
@@ -4267,6 +5933,7 @@
                 <a:tc>
                   <a:txBody>
                     <a:bodyPr/>
+                    <a:lstStyle/>
                     <a:p>
                       <a:pPr algn="r">
                         <a:lnSpc>
@@ -4285,11 +5952,19 @@
                   <a:tcPr/>
                 </a:tc>
                 <a:tc>
+                  <a:txBody>
+                    <a:bodyPr/>
+                    <a:lstStyle/>
+                    <a:p>
+                      <a:endParaRPr lang="en-US"/>
+                    </a:p>
+                  </a:txBody>
                   <a:tcPr/>
                 </a:tc>
                 <a:tc>
                   <a:txBody>
                     <a:bodyPr/>
+                    <a:lstStyle/>
                     <a:p>
                       <a:pPr algn="r">
                         <a:lnSpc>
@@ -4310,6 +5985,7 @@
                 <a:tc>
                   <a:txBody>
                     <a:bodyPr/>
+                    <a:lstStyle/>
                     <a:p>
                       <a:pPr algn="r">
                         <a:lnSpc>
@@ -4330,6 +6006,7 @@
                 <a:tc>
                   <a:txBody>
                     <a:bodyPr/>
+                    <a:lstStyle/>
                     <a:p>
                       <a:pPr algn="r">
                         <a:lnSpc>
@@ -4350,6 +6027,7 @@
                 <a:tc>
                   <a:txBody>
                     <a:bodyPr/>
+                    <a:lstStyle/>
                     <a:p>
                       <a:pPr algn="r">
                         <a:lnSpc>
@@ -4372,6 +6050,7 @@
                 <a:tc>
                   <a:txBody>
                     <a:bodyPr/>
+                    <a:lstStyle/>
                     <a:p>
                       <a:r>
                         <a:rPr lang="en-US">
@@ -4387,6 +6066,7 @@
                 <a:tc>
                   <a:txBody>
                     <a:bodyPr/>
+                    <a:lstStyle/>
                     <a:p>
                       <a:pPr algn="r">
                         <a:lnSpc>
@@ -4407,6 +6087,7 @@
                 <a:tc>
                   <a:txBody>
                     <a:bodyPr/>
+                    <a:lstStyle/>
                     <a:p>
                       <a:pPr algn="r">
                         <a:lnSpc>
@@ -4427,6 +6108,7 @@
                 <a:tc>
                   <a:txBody>
                     <a:bodyPr/>
+                    <a:lstStyle/>
                     <a:p>
                       <a:pPr algn="r">
                         <a:lnSpc>
@@ -4445,11 +6127,19 @@
                   <a:tcPr/>
                 </a:tc>
                 <a:tc>
+                  <a:txBody>
+                    <a:bodyPr/>
+                    <a:lstStyle/>
+                    <a:p>
+                      <a:endParaRPr lang="en-US"/>
+                    </a:p>
+                  </a:txBody>
                   <a:tcPr/>
                 </a:tc>
                 <a:tc>
                   <a:txBody>
                     <a:bodyPr/>
+                    <a:lstStyle/>
                     <a:p>
                       <a:pPr algn="r">
                         <a:lnSpc>
@@ -4470,6 +6160,7 @@
                 <a:tc>
                   <a:txBody>
                     <a:bodyPr/>
+                    <a:lstStyle/>
                     <a:p>
                       <a:pPr algn="r">
                         <a:lnSpc>
@@ -4490,6 +6181,7 @@
                 <a:tc>
                   <a:txBody>
                     <a:bodyPr/>
+                    <a:lstStyle/>
                     <a:p>
                       <a:pPr algn="r">
                         <a:lnSpc>
@@ -4512,6 +6204,7 @@
                 <a:tc>
                   <a:txBody>
                     <a:bodyPr/>
+                    <a:lstStyle/>
                     <a:p>
                       <a:r>
                         <a:rPr lang="en-US">
@@ -4527,6 +6220,7 @@
                 <a:tc>
                   <a:txBody>
                     <a:bodyPr/>
+                    <a:lstStyle/>
                     <a:p>
                       <a:pPr algn="r">
                         <a:lnSpc>
@@ -4547,6 +6241,7 @@
                 <a:tc>
                   <a:txBody>
                     <a:bodyPr/>
+                    <a:lstStyle/>
                     <a:p>
                       <a:pPr algn="r">
                         <a:lnSpc>
@@ -4567,6 +6262,7 @@
                 <a:tc>
                   <a:txBody>
                     <a:bodyPr/>
+                    <a:lstStyle/>
                     <a:p>
                       <a:pPr algn="r">
                         <a:lnSpc>
@@ -4587,6 +6283,7 @@
                 <a:tc>
                   <a:txBody>
                     <a:bodyPr/>
+                    <a:lstStyle/>
                     <a:p>
                       <a:pPr algn="r">
                         <a:lnSpc>
@@ -4605,11 +6302,19 @@
                   <a:tcPr/>
                 </a:tc>
                 <a:tc>
+                  <a:txBody>
+                    <a:bodyPr/>
+                    <a:lstStyle/>
+                    <a:p>
+                      <a:endParaRPr lang="en-US"/>
+                    </a:p>
+                  </a:txBody>
                   <a:tcPr/>
                 </a:tc>
                 <a:tc>
                   <a:txBody>
                     <a:bodyPr/>
+                    <a:lstStyle/>
                     <a:p>
                       <a:pPr algn="r">
                         <a:lnSpc>
@@ -4630,6 +6335,7 @@
                 <a:tc>
                   <a:txBody>
                     <a:bodyPr/>
+                    <a:lstStyle/>
                     <a:p>
                       <a:pPr algn="r">
                         <a:lnSpc>
@@ -4652,6 +6358,7 @@
                 <a:tc>
                   <a:txBody>
                     <a:bodyPr/>
+                    <a:lstStyle/>
                     <a:p>
                       <a:r>
                         <a:rPr lang="en-US">
@@ -4667,6 +6374,7 @@
                 <a:tc>
                   <a:txBody>
                     <a:bodyPr/>
+                    <a:lstStyle/>
                     <a:p>
                       <a:pPr algn="r">
                         <a:lnSpc>
@@ -4687,6 +6395,7 @@
                 <a:tc>
                   <a:txBody>
                     <a:bodyPr/>
+                    <a:lstStyle/>
                     <a:p>
                       <a:pPr algn="r">
                         <a:lnSpc>
@@ -4707,6 +6416,7 @@
                 <a:tc>
                   <a:txBody>
                     <a:bodyPr/>
+                    <a:lstStyle/>
                     <a:p>
                       <a:pPr algn="r">
                         <a:lnSpc>
@@ -4727,6 +6437,7 @@
                 <a:tc>
                   <a:txBody>
                     <a:bodyPr/>
+                    <a:lstStyle/>
                     <a:p>
                       <a:pPr algn="r">
                         <a:lnSpc>
@@ -4747,6 +6458,7 @@
                 <a:tc>
                   <a:txBody>
                     <a:bodyPr/>
+                    <a:lstStyle/>
                     <a:p>
                       <a:pPr algn="r">
                         <a:lnSpc>
@@ -4765,11 +6477,19 @@
                   <a:tcPr/>
                 </a:tc>
                 <a:tc>
+                  <a:txBody>
+                    <a:bodyPr/>
+                    <a:lstStyle/>
+                    <a:p>
+                      <a:endParaRPr lang="en-US"/>
+                    </a:p>
+                  </a:txBody>
                   <a:tcPr/>
                 </a:tc>
                 <a:tc>
                   <a:txBody>
                     <a:bodyPr/>
+                    <a:lstStyle/>
                     <a:p>
                       <a:pPr algn="r">
                         <a:lnSpc>
@@ -4792,6 +6512,7 @@
                 <a:tc>
                   <a:txBody>
                     <a:bodyPr/>
+                    <a:lstStyle/>
                     <a:p>
                       <a:r>
                         <a:rPr lang="en-US">
@@ -4807,6 +6528,7 @@
                 <a:tc>
                   <a:txBody>
                     <a:bodyPr/>
+                    <a:lstStyle/>
                     <a:p>
                       <a:pPr algn="r">
                         <a:lnSpc>
@@ -4827,6 +6549,7 @@
                 <a:tc>
                   <a:txBody>
                     <a:bodyPr/>
+                    <a:lstStyle/>
                     <a:p>
                       <a:pPr algn="r">
                         <a:lnSpc>
@@ -4847,6 +6570,7 @@
                 <a:tc>
                   <a:txBody>
                     <a:bodyPr/>
+                    <a:lstStyle/>
                     <a:p>
                       <a:pPr algn="r">
                         <a:lnSpc>
@@ -4867,6 +6591,7 @@
                 <a:tc>
                   <a:txBody>
                     <a:bodyPr/>
+                    <a:lstStyle/>
                     <a:p>
                       <a:pPr algn="r">
                         <a:lnSpc>
@@ -4887,6 +6612,7 @@
                 <a:tc>
                   <a:txBody>
                     <a:bodyPr/>
+                    <a:lstStyle/>
                     <a:p>
                       <a:pPr algn="r">
                         <a:lnSpc>
@@ -4907,6 +6633,7 @@
                 <a:tc>
                   <a:txBody>
                     <a:bodyPr/>
+                    <a:lstStyle/>
                     <a:p>
                       <a:pPr algn="r">
                         <a:lnSpc>
@@ -4925,6 +6652,13 @@
                   <a:tcPr/>
                 </a:tc>
                 <a:tc>
+                  <a:txBody>
+                    <a:bodyPr/>
+                    <a:lstStyle/>
+                    <a:p>
+                      <a:endParaRPr lang="en-US"/>
+                    </a:p>
+                  </a:txBody>
                   <a:tcPr/>
                 </a:tc>
               </a:tr>
@@ -4952,7 +6686,8 @@
           </a:ln>
         </p:spPr>
         <p:txBody>
-          <a:bodyPr lIns="90000" rIns="90000" tIns="45000" bIns="45000"/>
+          <a:bodyPr lIns="90000" tIns="45000" rIns="90000" bIns="45000"/>
+          <a:lstStyle/>
           <a:p>
             <a:pPr>
               <a:lnSpc>
@@ -4960,7 +6695,7 @@
               </a:lnSpc>
             </a:pPr>
             <a:r>
-              <a:rPr b="1" i="1" lang="en-US">
+              <a:rPr lang="en-US" b="1" i="1">
                 <a:solidFill>
                   <a:srgbClr val="000000"/>
                 </a:solidFill>
@@ -4974,13 +6709,13 @@
       </p:sp>
       <p:pic>
         <p:nvPicPr>
-          <p:cNvPr id="86" name="Picture 3" descr=""/>
+          <p:cNvPr id="86" name="Picture 3"/>
           <p:cNvPicPr/>
           <p:nvPr/>
         </p:nvPicPr>
         <p:blipFill>
-          <a:blip r:embed="rId1"/>
-          <a:srcRect l="0" t="1615170" r="0" b="-3789468"/>
+          <a:blip r:embed="rId3"/>
+          <a:srcRect t="1615170" b="-3789468"/>
           <a:stretch>
             <a:fillRect/>
           </a:stretch>
@@ -5018,7 +6753,8 @@
           </a:ln>
         </p:spPr>
         <p:txBody>
-          <a:bodyPr lIns="90000" rIns="90000" tIns="45000" bIns="45000"/>
+          <a:bodyPr lIns="90000" tIns="45000" rIns="90000" bIns="45000"/>
+          <a:lstStyle/>
           <a:p>
             <a:pPr>
               <a:lnSpc>
@@ -5026,27 +6762,27 @@
               </a:lnSpc>
             </a:pPr>
             <a:r>
-              <a:rPr lang="en-US" sz="1300" u="sng">
+              <a:rPr lang="en-US" sz="1300" u="sng" dirty="0">
                 <a:solidFill>
-                  <a:srgbClr val="3465a4"/>
+                  <a:srgbClr val="3465A4"/>
                 </a:solidFill>
                 <a:latin typeface="Calibri"/>
               </a:rPr>
               <a:t>http://www.molsoft.com/man/icm-commands.html</a:t>
             </a:r>
-            <a:endParaRPr/>
+            <a:endParaRPr dirty="0"/>
           </a:p>
         </p:txBody>
       </p:sp>
       <p:pic>
         <p:nvPicPr>
-          <p:cNvPr id="88" name="Picture 3" descr=""/>
+          <p:cNvPr id="88" name="Picture 3"/>
           <p:cNvPicPr/>
           <p:nvPr/>
         </p:nvPicPr>
         <p:blipFill>
-          <a:blip r:embed="rId2"/>
-          <a:srcRect l="0" t="-1139192" r="0" b="-7162131"/>
+          <a:blip r:embed="rId3"/>
+          <a:srcRect t="-1139192" b="-7162131"/>
           <a:stretch>
             <a:fillRect/>
           </a:stretch>
@@ -5066,22 +6802,25 @@
       </p:pic>
     </p:spTree>
   </p:cSld>
+  <p:clrMapOvr>
+    <a:masterClrMapping/>
+  </p:clrMapOvr>
   <p:timing>
     <p:tnLst>
       <p:par>
-        <p:cTn id="5" dur="indefinite" restart="never" nodeType="tmRoot">
+        <p:cTn id="1" dur="indefinite" restart="never" nodeType="tmRoot">
           <p:childTnLst>
             <p:seq>
-              <p:cTn id="6" nodeType="mainSeq"/>
+              <p:cTn id="2" nodeType="mainSeq"/>
               <p:prevCondLst>
-                <p:cond delay="0" evt="onPrev">
+                <p:cond evt="onPrev" delay="0">
                   <p:tgtEl>
                     <p:sldTgt/>
                   </p:tgtEl>
                 </p:cond>
               </p:prevCondLst>
               <p:nextCondLst>
-                <p:cond delay="0" evt="onNext">
+                <p:cond evt="onNext" delay="0">
                   <p:tgtEl>
                     <p:sldTgt/>
                   </p:tgtEl>
@@ -5097,7 +6836,7 @@
 </file>
 
 <file path=ppt/slides/slide4.xml><?xml version="1.0" encoding="utf-8"?>
-<p:sld xmlns:a="http://schemas.openxmlformats.org/drawingml/2006/main" xmlns:p="http://schemas.openxmlformats.org/presentationml/2006/main" xmlns:r="http://schemas.openxmlformats.org/officeDocument/2006/relationships">
+<p:sld xmlns:a="http://schemas.openxmlformats.org/drawingml/2006/main" xmlns:r="http://schemas.openxmlformats.org/officeDocument/2006/relationships" xmlns:p="http://schemas.openxmlformats.org/presentationml/2006/main">
   <p:cSld>
     <p:spTree>
       <p:nvGrpSpPr>
@@ -5115,12 +6854,12 @@
       </p:grpSpPr>
       <p:pic>
         <p:nvPicPr>
-          <p:cNvPr id="89" name="Picture 5" descr=""/>
+          <p:cNvPr id="89" name="Picture 5"/>
           <p:cNvPicPr/>
           <p:nvPr/>
         </p:nvPicPr>
         <p:blipFill>
-          <a:blip r:embed="rId1"/>
+          <a:blip r:embed="rId3"/>
           <a:stretch>
             <a:fillRect/>
           </a:stretch>
@@ -5158,7 +6897,8 @@
           </a:ln>
         </p:spPr>
         <p:txBody>
-          <a:bodyPr lIns="90000" rIns="90000" tIns="45000" bIns="45000"/>
+          <a:bodyPr lIns="90000" tIns="45000" rIns="90000" bIns="45000"/>
+          <a:lstStyle/>
           <a:p>
             <a:pPr>
               <a:lnSpc>
@@ -5168,7 +6908,7 @@
             <a:r>
               <a:rPr lang="en-US" sz="1300" u="sng">
                 <a:solidFill>
-                  <a:srgbClr val="3465a4"/>
+                  <a:srgbClr val="3465A4"/>
                 </a:solidFill>
                 <a:latin typeface="Calibri"/>
               </a:rPr>
@@ -5180,12 +6920,12 @@
       </p:sp>
       <p:pic>
         <p:nvPicPr>
-          <p:cNvPr id="91" name="Content Placeholder 3" descr=""/>
+          <p:cNvPr id="91" name="Content Placeholder 3"/>
           <p:cNvPicPr/>
           <p:nvPr/>
         </p:nvPicPr>
         <p:blipFill>
-          <a:blip r:embed="rId2"/>
+          <a:blip r:embed="rId4"/>
           <a:stretch>
             <a:fillRect/>
           </a:stretch>
@@ -5221,11 +6961,11 @@
             </a:avLst>
           </a:prstGeom>
           <a:solidFill>
-            <a:srgbClr val="5b9bd5"/>
+            <a:srgbClr val="5B9BD5"/>
           </a:solidFill>
           <a:ln w="12600">
             <a:solidFill>
-              <a:srgbClr val="43729d"/>
+              <a:srgbClr val="43729D"/>
             </a:solidFill>
             <a:miter/>
           </a:ln>
@@ -5251,7 +6991,8 @@
           </a:ln>
         </p:spPr>
         <p:txBody>
-          <a:bodyPr lIns="90000" rIns="90000" tIns="45000" bIns="45000"/>
+          <a:bodyPr lIns="90000" tIns="45000" rIns="90000" bIns="45000"/>
+          <a:lstStyle/>
           <a:p>
             <a:pPr>
               <a:lnSpc>
@@ -5259,7 +7000,7 @@
               </a:lnSpc>
             </a:pPr>
             <a:r>
-              <a:rPr b="1" i="1" lang="en-US">
+              <a:rPr lang="en-US" b="1" i="1">
                 <a:solidFill>
                   <a:srgbClr val="000000"/>
                 </a:solidFill>
@@ -5291,7 +7032,8 @@
           </a:ln>
         </p:spPr>
         <p:txBody>
-          <a:bodyPr lIns="90000" rIns="90000" tIns="45000" bIns="45000"/>
+          <a:bodyPr lIns="90000" tIns="45000" rIns="90000" bIns="45000"/>
+          <a:lstStyle/>
           <a:p>
             <a:pPr>
               <a:lnSpc>
@@ -5299,7 +7041,7 @@
               </a:lnSpc>
             </a:pPr>
             <a:r>
-              <a:rPr b="1" i="1" lang="en-US">
+              <a:rPr lang="en-US" b="1" i="1">
                 <a:solidFill>
                   <a:srgbClr val="000000"/>
                 </a:solidFill>
@@ -5331,7 +7073,8 @@
           </a:ln>
         </p:spPr>
         <p:txBody>
-          <a:bodyPr lIns="90000" rIns="90000" tIns="45000" bIns="45000" anchor="ctr"/>
+          <a:bodyPr lIns="90000" tIns="45000" rIns="90000" bIns="45000" anchor="ctr"/>
+          <a:lstStyle/>
           <a:p>
             <a:pPr algn="ctr">
               <a:lnSpc>
@@ -5353,22 +7096,25 @@
       </p:sp>
     </p:spTree>
   </p:cSld>
+  <p:clrMapOvr>
+    <a:masterClrMapping/>
+  </p:clrMapOvr>
   <p:timing>
     <p:tnLst>
       <p:par>
-        <p:cTn id="7" dur="indefinite" restart="never" nodeType="tmRoot">
+        <p:cTn id="1" dur="indefinite" restart="never" nodeType="tmRoot">
           <p:childTnLst>
             <p:seq>
-              <p:cTn id="8" nodeType="mainSeq"/>
+              <p:cTn id="2" nodeType="mainSeq"/>
               <p:prevCondLst>
-                <p:cond delay="0" evt="onPrev">
+                <p:cond evt="onPrev" delay="0">
                   <p:tgtEl>
                     <p:sldTgt/>
                   </p:tgtEl>
                 </p:cond>
               </p:prevCondLst>
               <p:nextCondLst>
-                <p:cond delay="0" evt="onNext">
+                <p:cond evt="onNext" delay="0">
                   <p:tgtEl>
                     <p:sldTgt/>
                   </p:tgtEl>
@@ -5384,7 +7130,7 @@
 </file>
 
 <file path=ppt/slides/slide5.xml><?xml version="1.0" encoding="utf-8"?>
-<p:sld xmlns:a="http://schemas.openxmlformats.org/drawingml/2006/main" xmlns:p="http://schemas.openxmlformats.org/presentationml/2006/main" xmlns:r="http://schemas.openxmlformats.org/officeDocument/2006/relationships">
+<p:sld xmlns:a="http://schemas.openxmlformats.org/drawingml/2006/main" xmlns:r="http://schemas.openxmlformats.org/officeDocument/2006/relationships" xmlns:p="http://schemas.openxmlformats.org/presentationml/2006/main">
   <p:cSld>
     <p:spTree>
       <p:nvGrpSpPr>
@@ -5420,7 +7166,8 @@
           </a:ln>
         </p:spPr>
         <p:txBody>
-          <a:bodyPr lIns="90000" rIns="90000" tIns="45000" bIns="45000" anchor="ctr"/>
+          <a:bodyPr lIns="90000" tIns="45000" rIns="90000" bIns="45000" anchor="ctr"/>
+          <a:lstStyle/>
           <a:p>
             <a:pPr algn="ctr">
               <a:lnSpc>
@@ -5442,12 +7189,12 @@
       </p:sp>
       <p:pic>
         <p:nvPicPr>
-          <p:cNvPr id="97" name="Picture 6" descr=""/>
+          <p:cNvPr id="97" name="Picture 6"/>
           <p:cNvPicPr/>
           <p:nvPr/>
         </p:nvPicPr>
         <p:blipFill>
-          <a:blip r:embed="rId1"/>
+          <a:blip r:embed="rId3"/>
           <a:stretch>
             <a:fillRect/>
           </a:stretch>
@@ -5485,7 +7232,8 @@
           </a:ln>
         </p:spPr>
         <p:txBody>
-          <a:bodyPr lIns="90000" rIns="90000" tIns="45000" bIns="45000"/>
+          <a:bodyPr lIns="90000" tIns="45000" rIns="90000" bIns="45000"/>
+          <a:lstStyle/>
           <a:p>
             <a:pPr>
               <a:lnSpc>
@@ -5493,7 +7241,7 @@
               </a:lnSpc>
             </a:pPr>
             <a:r>
-              <a:rPr b="1" i="1" lang="en-US">
+              <a:rPr lang="en-US" b="1" i="1">
                 <a:solidFill>
                   <a:srgbClr val="000000"/>
                 </a:solidFill>
@@ -5525,7 +7273,8 @@
           </a:ln>
         </p:spPr>
         <p:txBody>
-          <a:bodyPr lIns="90000" rIns="90000" tIns="45000" bIns="45000"/>
+          <a:bodyPr lIns="90000" tIns="45000" rIns="90000" bIns="45000"/>
+          <a:lstStyle/>
           <a:p>
             <a:pPr>
               <a:lnSpc>
@@ -5535,7 +7284,7 @@
             <a:r>
               <a:rPr lang="en-US" sz="1300" u="sng">
                 <a:solidFill>
-                  <a:srgbClr val="3465a4"/>
+                  <a:srgbClr val="3465A4"/>
                 </a:solidFill>
                 <a:latin typeface="Calibri"/>
               </a:rPr>
@@ -5547,12 +7296,12 @@
       </p:sp>
       <p:pic>
         <p:nvPicPr>
-          <p:cNvPr id="100" name="Picture 5" descr=""/>
+          <p:cNvPr id="100" name="Picture 5"/>
           <p:cNvPicPr/>
           <p:nvPr/>
         </p:nvPicPr>
         <p:blipFill>
-          <a:blip r:embed="rId2"/>
+          <a:blip r:embed="rId4"/>
           <a:stretch>
             <a:fillRect/>
           </a:stretch>
@@ -5590,7 +7339,8 @@
           </a:ln>
         </p:spPr>
         <p:txBody>
-          <a:bodyPr lIns="90000" rIns="90000" tIns="45000" bIns="45000"/>
+          <a:bodyPr lIns="90000" tIns="45000" rIns="90000" bIns="45000"/>
+          <a:lstStyle/>
           <a:p>
             <a:pPr>
               <a:lnSpc>
@@ -5600,7 +7350,7 @@
             <a:r>
               <a:rPr lang="en-US" sz="1300" u="sng">
                 <a:solidFill>
-                  <a:srgbClr val="3465a4"/>
+                  <a:srgbClr val="3465A4"/>
                 </a:solidFill>
                 <a:latin typeface="Calibri"/>
               </a:rPr>
@@ -5628,11 +7378,11 @@
             </a:avLst>
           </a:prstGeom>
           <a:solidFill>
-            <a:srgbClr val="5b9bd5"/>
+            <a:srgbClr val="5B9BD5"/>
           </a:solidFill>
           <a:ln w="12600">
             <a:solidFill>
-              <a:srgbClr val="43729d"/>
+              <a:srgbClr val="43729D"/>
             </a:solidFill>
             <a:miter/>
           </a:ln>
@@ -5658,7 +7408,8 @@
           </a:ln>
         </p:spPr>
         <p:txBody>
-          <a:bodyPr lIns="90000" rIns="90000" tIns="45000" bIns="45000"/>
+          <a:bodyPr lIns="90000" tIns="45000" rIns="90000" bIns="45000"/>
+          <a:lstStyle/>
           <a:p>
             <a:pPr>
               <a:lnSpc>
@@ -5666,7 +7417,7 @@
               </a:lnSpc>
             </a:pPr>
             <a:r>
-              <a:rPr b="1" i="1" lang="en-US">
+              <a:rPr lang="en-US" b="1" i="1">
                 <a:solidFill>
                   <a:srgbClr val="000000"/>
                 </a:solidFill>
@@ -5680,22 +7431,25 @@
       </p:sp>
     </p:spTree>
   </p:cSld>
+  <p:clrMapOvr>
+    <a:masterClrMapping/>
+  </p:clrMapOvr>
   <p:timing>
     <p:tnLst>
       <p:par>
-        <p:cTn id="9" dur="indefinite" restart="never" nodeType="tmRoot">
+        <p:cTn id="1" dur="indefinite" restart="never" nodeType="tmRoot">
           <p:childTnLst>
             <p:seq>
-              <p:cTn id="10" nodeType="mainSeq"/>
+              <p:cTn id="2" nodeType="mainSeq"/>
               <p:prevCondLst>
-                <p:cond delay="0" evt="onPrev">
+                <p:cond evt="onPrev" delay="0">
                   <p:tgtEl>
                     <p:sldTgt/>
                   </p:tgtEl>
                 </p:cond>
               </p:prevCondLst>
               <p:nextCondLst>
-                <p:cond delay="0" evt="onNext">
+                <p:cond evt="onNext" delay="0">
                   <p:tgtEl>
                     <p:sldTgt/>
                   </p:tgtEl>
@@ -5711,7 +7465,7 @@
 </file>
 
 <file path=ppt/slides/slide6.xml><?xml version="1.0" encoding="utf-8"?>
-<p:sld xmlns:a="http://schemas.openxmlformats.org/drawingml/2006/main" xmlns:p="http://schemas.openxmlformats.org/presentationml/2006/main" xmlns:r="http://schemas.openxmlformats.org/officeDocument/2006/relationships">
+<p:sld xmlns:a="http://schemas.openxmlformats.org/drawingml/2006/main" xmlns:r="http://schemas.openxmlformats.org/officeDocument/2006/relationships" xmlns:p="http://schemas.openxmlformats.org/presentationml/2006/main">
   <p:cSld>
     <p:spTree>
       <p:nvGrpSpPr>
@@ -5747,7 +7501,8 @@
           </a:ln>
         </p:spPr>
         <p:txBody>
-          <a:bodyPr lIns="90000" rIns="90000" tIns="45000" bIns="45000" anchor="ctr"/>
+          <a:bodyPr lIns="90000" tIns="45000" rIns="90000" bIns="45000" anchor="ctr"/>
+          <a:lstStyle/>
           <a:p>
             <a:pPr algn="ctr">
               <a:lnSpc>
@@ -5769,69 +7524,69 @@
       </p:sp>
       <p:pic>
         <p:nvPicPr>
-          <p:cNvPr id="105" name="Picture 3" descr=""/>
-          <p:cNvPicPr/>
-          <p:nvPr/>
-        </p:nvPicPr>
-        <p:blipFill>
-          <a:blip r:embed="rId1"/>
-          <a:srcRect l="0" t="0" r="0" b="39099"/>
-          <a:stretch>
-            <a:fillRect/>
-          </a:stretch>
-        </p:blipFill>
-        <p:spPr>
-          <a:xfrm>
-            <a:off x="0" y="1033200"/>
-            <a:ext cx="12190680" cy="3042000"/>
-          </a:xfrm>
-          <a:prstGeom prst="rect">
-            <a:avLst/>
-          </a:prstGeom>
-          <a:ln>
-            <a:noFill/>
-          </a:ln>
-        </p:spPr>
-      </p:pic>
-      <p:pic>
-        <p:nvPicPr>
-          <p:cNvPr id="106" name="Picture 4" descr=""/>
-          <p:cNvPicPr/>
-          <p:nvPr/>
-        </p:nvPicPr>
-        <p:blipFill>
-          <a:blip r:embed="rId2"/>
-          <a:stretch>
-            <a:fillRect/>
-          </a:stretch>
-        </p:blipFill>
-        <p:spPr>
-          <a:xfrm rot="16200000">
-            <a:off x="2514600" y="3940200"/>
-            <a:ext cx="486360" cy="4302360"/>
-          </a:xfrm>
-          <a:prstGeom prst="rect">
-            <a:avLst/>
-          </a:prstGeom>
-          <a:ln>
-            <a:noFill/>
-          </a:ln>
-        </p:spPr>
-      </p:pic>
-      <p:pic>
-        <p:nvPicPr>
-          <p:cNvPr id="107" name="Picture 5" descr=""/>
+          <p:cNvPr id="105" name="Picture 3"/>
           <p:cNvPicPr/>
           <p:nvPr/>
         </p:nvPicPr>
         <p:blipFill>
           <a:blip r:embed="rId3"/>
+          <a:srcRect b="39099"/>
           <a:stretch>
             <a:fillRect/>
           </a:stretch>
         </p:blipFill>
         <p:spPr>
           <a:xfrm>
+            <a:off x="0" y="1033200"/>
+            <a:ext cx="12190680" cy="3042000"/>
+          </a:xfrm>
+          <a:prstGeom prst="rect">
+            <a:avLst/>
+          </a:prstGeom>
+          <a:ln>
+            <a:noFill/>
+          </a:ln>
+        </p:spPr>
+      </p:pic>
+      <p:pic>
+        <p:nvPicPr>
+          <p:cNvPr id="106" name="Picture 4"/>
+          <p:cNvPicPr/>
+          <p:nvPr/>
+        </p:nvPicPr>
+        <p:blipFill>
+          <a:blip r:embed="rId4"/>
+          <a:stretch>
+            <a:fillRect/>
+          </a:stretch>
+        </p:blipFill>
+        <p:spPr>
+          <a:xfrm rot="16200000">
+            <a:off x="2514600" y="3940200"/>
+            <a:ext cx="486360" cy="4302360"/>
+          </a:xfrm>
+          <a:prstGeom prst="rect">
+            <a:avLst/>
+          </a:prstGeom>
+          <a:ln>
+            <a:noFill/>
+          </a:ln>
+        </p:spPr>
+      </p:pic>
+      <p:pic>
+        <p:nvPicPr>
+          <p:cNvPr id="107" name="Picture 5"/>
+          <p:cNvPicPr/>
+          <p:nvPr/>
+        </p:nvPicPr>
+        <p:blipFill>
+          <a:blip r:embed="rId5"/>
+          <a:stretch>
+            <a:fillRect/>
+          </a:stretch>
+        </p:blipFill>
+        <p:spPr>
+          <a:xfrm>
             <a:off x="9582120" y="4092480"/>
             <a:ext cx="995760" cy="2722680"/>
           </a:xfrm>
@@ -5863,7 +7618,8 @@
           </a:ln>
         </p:spPr>
         <p:txBody>
-          <a:bodyPr lIns="90000" rIns="90000" tIns="45000" bIns="45000"/>
+          <a:bodyPr lIns="90000" tIns="45000" rIns="90000" bIns="45000"/>
+          <a:lstStyle/>
           <a:p>
             <a:pPr>
               <a:lnSpc>
@@ -5903,7 +7659,8 @@
           </a:ln>
         </p:spPr>
         <p:txBody>
-          <a:bodyPr lIns="90000" rIns="90000" tIns="45000" bIns="45000"/>
+          <a:bodyPr lIns="90000" tIns="45000" rIns="90000" bIns="45000"/>
+          <a:lstStyle/>
           <a:p>
             <a:pPr>
               <a:lnSpc>
@@ -5925,22 +7682,25 @@
       </p:sp>
     </p:spTree>
   </p:cSld>
+  <p:clrMapOvr>
+    <a:masterClrMapping/>
+  </p:clrMapOvr>
   <p:timing>
     <p:tnLst>
       <p:par>
-        <p:cTn id="11" dur="indefinite" restart="never" nodeType="tmRoot">
+        <p:cTn id="1" dur="indefinite" restart="never" nodeType="tmRoot">
           <p:childTnLst>
             <p:seq>
-              <p:cTn id="12" nodeType="mainSeq"/>
+              <p:cTn id="2" nodeType="mainSeq"/>
               <p:prevCondLst>
-                <p:cond delay="0" evt="onPrev">
+                <p:cond evt="onPrev" delay="0">
                   <p:tgtEl>
                     <p:sldTgt/>
                   </p:tgtEl>
                 </p:cond>
               </p:prevCondLst>
               <p:nextCondLst>
-                <p:cond delay="0" evt="onNext">
+                <p:cond evt="onNext" delay="0">
                   <p:tgtEl>
                     <p:sldTgt/>
                   </p:tgtEl>
@@ -5956,7 +7716,7 @@
 </file>
 
 <file path=ppt/slides/slide7.xml><?xml version="1.0" encoding="utf-8"?>
-<p:sld xmlns:a="http://schemas.openxmlformats.org/drawingml/2006/main" xmlns:p="http://schemas.openxmlformats.org/presentationml/2006/main" xmlns:r="http://schemas.openxmlformats.org/officeDocument/2006/relationships">
+<p:sld xmlns:a="http://schemas.openxmlformats.org/drawingml/2006/main" xmlns:r="http://schemas.openxmlformats.org/officeDocument/2006/relationships" xmlns:p="http://schemas.openxmlformats.org/presentationml/2006/main">
   <p:cSld>
     <p:spTree>
       <p:nvGrpSpPr>
@@ -5992,7 +7752,8 @@
           </a:ln>
         </p:spPr>
         <p:txBody>
-          <a:bodyPr lIns="90000" rIns="90000" tIns="45000" bIns="45000" anchor="ctr"/>
+          <a:bodyPr lIns="90000" tIns="45000" rIns="90000" bIns="45000" anchor="ctr"/>
+          <a:lstStyle/>
           <a:p>
             <a:pPr>
               <a:lnSpc>
@@ -6014,13 +7775,13 @@
       </p:sp>
       <p:pic>
         <p:nvPicPr>
-          <p:cNvPr id="111" name="Picture 3" descr=""/>
+          <p:cNvPr id="111" name="Picture 3"/>
           <p:cNvPicPr/>
           <p:nvPr/>
         </p:nvPicPr>
         <p:blipFill>
-          <a:blip r:embed="rId1"/>
-          <a:srcRect l="0" t="6745" r="0" b="44938"/>
+          <a:blip r:embed="rId3"/>
+          <a:srcRect t="6745" b="44938"/>
           <a:stretch>
             <a:fillRect/>
           </a:stretch>
@@ -6058,7 +7819,8 @@
           </a:ln>
         </p:spPr>
         <p:txBody>
-          <a:bodyPr lIns="90000" rIns="90000" tIns="45000" bIns="45000"/>
+          <a:bodyPr lIns="90000" tIns="45000" rIns="90000" bIns="45000"/>
+          <a:lstStyle/>
           <a:p>
             <a:pPr>
               <a:lnSpc>
@@ -6080,12 +7842,12 @@
       </p:sp>
       <p:pic>
         <p:nvPicPr>
-          <p:cNvPr id="113" name="Picture 5" descr=""/>
+          <p:cNvPr id="113" name="Picture 5"/>
           <p:cNvPicPr/>
           <p:nvPr/>
         </p:nvPicPr>
         <p:blipFill>
-          <a:blip r:embed="rId2"/>
+          <a:blip r:embed="rId4"/>
           <a:stretch>
             <a:fillRect/>
           </a:stretch>
@@ -6123,7 +7885,8 @@
           </a:ln>
         </p:spPr>
         <p:txBody>
-          <a:bodyPr lIns="90000" rIns="90000" tIns="45000" bIns="45000"/>
+          <a:bodyPr lIns="90000" tIns="45000" rIns="90000" bIns="45000"/>
+          <a:lstStyle/>
           <a:p>
             <a:pPr>
               <a:lnSpc>
@@ -6170,22 +7933,25 @@
       </p:sp>
     </p:spTree>
   </p:cSld>
+  <p:clrMapOvr>
+    <a:masterClrMapping/>
+  </p:clrMapOvr>
   <p:timing>
     <p:tnLst>
       <p:par>
-        <p:cTn id="13" dur="indefinite" restart="never" nodeType="tmRoot">
+        <p:cTn id="1" dur="indefinite" restart="never" nodeType="tmRoot">
           <p:childTnLst>
             <p:seq>
-              <p:cTn id="14" nodeType="mainSeq"/>
+              <p:cTn id="2" nodeType="mainSeq"/>
               <p:prevCondLst>
-                <p:cond delay="0" evt="onPrev">
+                <p:cond evt="onPrev" delay="0">
                   <p:tgtEl>
                     <p:sldTgt/>
                   </p:tgtEl>
                 </p:cond>
               </p:prevCondLst>
               <p:nextCondLst>
-                <p:cond delay="0" evt="onNext">
+                <p:cond evt="onNext" delay="0">
                   <p:tgtEl>
                     <p:sldTgt/>
                   </p:tgtEl>
@@ -6201,7 +7967,7 @@
 </file>
 
 <file path=ppt/slides/slide8.xml><?xml version="1.0" encoding="utf-8"?>
-<p:sld xmlns:a="http://schemas.openxmlformats.org/drawingml/2006/main" xmlns:p="http://schemas.openxmlformats.org/presentationml/2006/main" xmlns:r="http://schemas.openxmlformats.org/officeDocument/2006/relationships">
+<p:sld xmlns:a="http://schemas.openxmlformats.org/drawingml/2006/main" xmlns:r="http://schemas.openxmlformats.org/officeDocument/2006/relationships" xmlns:p="http://schemas.openxmlformats.org/presentationml/2006/main">
   <p:cSld>
     <p:spTree>
       <p:nvGrpSpPr>
@@ -6237,10 +8003,11 @@
           </a:ln>
         </p:spPr>
         <p:txBody>
-          <a:bodyPr lIns="90000" rIns="90000" tIns="45000" bIns="45000" anchor="ctr"/>
+          <a:bodyPr lIns="90000" tIns="45000" rIns="90000" bIns="45000" anchor="ctr"/>
+          <a:lstStyle/>
           <a:p>
             <a:r>
-              <a:rPr b="1" lang="en-US" sz="3600">
+              <a:rPr lang="en-US" sz="3600" b="1">
                 <a:solidFill>
                   <a:srgbClr val="000000"/>
                 </a:solidFill>
@@ -6280,12 +8047,12 @@
       </p:sp>
       <p:pic>
         <p:nvPicPr>
-          <p:cNvPr id="116" name="Picture 5" descr=""/>
+          <p:cNvPr id="116" name="Picture 5"/>
           <p:cNvPicPr/>
           <p:nvPr/>
         </p:nvPicPr>
         <p:blipFill>
-          <a:blip r:embed="rId1"/>
+          <a:blip r:embed="rId3"/>
           <a:stretch>
             <a:fillRect/>
           </a:stretch>
@@ -6305,22 +8072,25 @@
       </p:pic>
     </p:spTree>
   </p:cSld>
+  <p:clrMapOvr>
+    <a:masterClrMapping/>
+  </p:clrMapOvr>
   <p:timing>
     <p:tnLst>
       <p:par>
-        <p:cTn id="15" dur="indefinite" restart="never" nodeType="tmRoot">
+        <p:cTn id="1" dur="indefinite" restart="never" nodeType="tmRoot">
           <p:childTnLst>
             <p:seq>
-              <p:cTn id="16" nodeType="mainSeq"/>
+              <p:cTn id="2" nodeType="mainSeq"/>
               <p:prevCondLst>
-                <p:cond delay="0" evt="onPrev">
+                <p:cond evt="onPrev" delay="0">
                   <p:tgtEl>
                     <p:sldTgt/>
                   </p:tgtEl>
                 </p:cond>
               </p:prevCondLst>
               <p:nextCondLst>
-                <p:cond delay="0" evt="onNext">
+                <p:cond evt="onNext" delay="0">
                   <p:tgtEl>
                     <p:sldTgt/>
                   </p:tgtEl>
@@ -6336,7 +8106,7 @@
 </file>
 
 <file path=ppt/slides/slide9.xml><?xml version="1.0" encoding="utf-8"?>
-<p:sld xmlns:a="http://schemas.openxmlformats.org/drawingml/2006/main" xmlns:p="http://schemas.openxmlformats.org/presentationml/2006/main" xmlns:r="http://schemas.openxmlformats.org/officeDocument/2006/relationships">
+<p:sld xmlns:a="http://schemas.openxmlformats.org/drawingml/2006/main" xmlns:r="http://schemas.openxmlformats.org/officeDocument/2006/relationships" xmlns:p="http://schemas.openxmlformats.org/presentationml/2006/main">
   <p:cSld>
     <p:spTree>
       <p:nvGrpSpPr>
@@ -6354,13 +8124,13 @@
       </p:grpSpPr>
       <p:pic>
         <p:nvPicPr>
-          <p:cNvPr id="117" name="Picture 4" descr=""/>
+          <p:cNvPr id="117" name="Picture 4"/>
           <p:cNvPicPr/>
           <p:nvPr/>
         </p:nvPicPr>
         <p:blipFill>
-          <a:blip r:embed="rId1"/>
-          <a:srcRect l="0" t="0" r="8247" b="0"/>
+          <a:blip r:embed="rId3"/>
+          <a:srcRect r="8247"/>
           <a:stretch>
             <a:fillRect/>
           </a:stretch>
@@ -6398,7 +8168,8 @@
           </a:ln>
         </p:spPr>
         <p:txBody>
-          <a:bodyPr lIns="90000" rIns="90000" tIns="45000" bIns="45000" anchor="ctr"/>
+          <a:bodyPr lIns="90000" tIns="45000" rIns="90000" bIns="45000" anchor="ctr"/>
+          <a:lstStyle/>
           <a:p>
             <a:pPr algn="ctr">
               <a:lnSpc>
@@ -6438,7 +8209,8 @@
           </a:ln>
         </p:spPr>
         <p:txBody>
-          <a:bodyPr lIns="90000" rIns="90000" tIns="45000" bIns="45000"/>
+          <a:bodyPr lIns="90000" tIns="45000" rIns="90000" bIns="45000"/>
+          <a:lstStyle/>
           <a:p>
             <a:pPr>
               <a:lnSpc>
@@ -6484,7 +8256,7 @@
               <a:t>Automatic clustering and </a:t>
             </a:r>
             <a:r>
-              <a:rPr b="1" i="1" lang="en-US" sz="2400">
+              <a:rPr lang="en-US" sz="2400" b="1" i="1">
                 <a:solidFill>
                   <a:srgbClr val="000000"/>
                 </a:solidFill>
@@ -6520,7 +8292,7 @@
               <a:buChar char="•"/>
             </a:pPr>
             <a:r>
-              <a:rPr b="1" i="1" lang="en-US" sz="2400">
+              <a:rPr lang="en-US" sz="2400" b="1" i="1">
                 <a:solidFill>
                   <a:srgbClr val="000000"/>
                 </a:solidFill>
@@ -6556,7 +8328,7 @@
               <a:buChar char="•"/>
             </a:pPr>
             <a:r>
-              <a:rPr b="1" i="1" lang="en-US" sz="2400">
+              <a:rPr lang="en-US" sz="2400" b="1" i="1">
                 <a:solidFill>
                   <a:srgbClr val="000000"/>
                 </a:solidFill>
@@ -6579,22 +8351,25 @@
       </p:sp>
     </p:spTree>
   </p:cSld>
+  <p:clrMapOvr>
+    <a:masterClrMapping/>
+  </p:clrMapOvr>
   <p:timing>
     <p:tnLst>
       <p:par>
-        <p:cTn id="17" dur="indefinite" restart="never" nodeType="tmRoot">
+        <p:cTn id="1" dur="indefinite" restart="never" nodeType="tmRoot">
           <p:childTnLst>
             <p:seq>
-              <p:cTn id="18" nodeType="mainSeq"/>
+              <p:cTn id="2" nodeType="mainSeq"/>
               <p:prevCondLst>
-                <p:cond delay="0" evt="onPrev">
+                <p:cond evt="onPrev" delay="0">
                   <p:tgtEl>
                     <p:sldTgt/>
                   </p:tgtEl>
                 </p:cond>
               </p:prevCondLst>
               <p:nextCondLst>
-                <p:cond delay="0" evt="onNext">
+                <p:cond evt="onNext" delay="0">
                   <p:tgtEl>
                     <p:sldTgt/>
                   </p:tgtEl>
@@ -6829,6 +8604,8 @@
       </a:bgFillStyleLst>
     </a:fmtScheme>
   </a:themeElements>
+  <a:objectDefaults/>
+  <a:extraClrSchemeLst/>
 </a:theme>
 </file>
 
@@ -7052,6 +8829,8 @@
       </a:bgFillStyleLst>
     </a:fmtScheme>
   </a:themeElements>
+  <a:objectDefaults/>
+  <a:extraClrSchemeLst/>
 </a:theme>
 </file>
 
@@ -7275,5 +9054,7 @@
       </a:bgFillStyleLst>
     </a:fmtScheme>
   </a:themeElements>
+  <a:objectDefaults/>
+  <a:extraClrSchemeLst/>
 </a:theme>
 </file>